--- a/assets/drawings.pptx
+++ b/assets/drawings.pptx
@@ -104,6 +104,11 @@
       </a:defRPr>
     </a:lvl9pPr>
   </p:defaultTextStyle>
+  <p:extLst>
+    <p:ext uri="{EFAFB233-063F-42B5-8137-9DF3F51BA10A}">
+      <p15:sldGuideLst xmlns:p15="http://schemas.microsoft.com/office/powerpoint/2012/main"/>
+    </p:ext>
+  </p:extLst>
 </p:presentation>
 </file>
 
@@ -3344,10 +3349,10 @@
       </p:grpSpPr>
       <p:sp>
         <p:nvSpPr>
-          <p:cNvPr id="1031" name="Rectangle 1030">
-            <a:extLst>
-              <a:ext uri="{FF2B5EF4-FFF2-40B4-BE49-F238E27FC236}">
-                <a16:creationId xmlns:a16="http://schemas.microsoft.com/office/drawing/2014/main" id="{D29A1D44-C8C4-66E3-64FA-ECD21E046864}"/>
+          <p:cNvPr id="20" name="Rectangle 19">
+            <a:extLst>
+              <a:ext uri="{FF2B5EF4-FFF2-40B4-BE49-F238E27FC236}">
+                <a16:creationId xmlns:a16="http://schemas.microsoft.com/office/drawing/2014/main" id="{1D7A66A8-F451-F4C4-E30F-57CEBFC6B9D0}"/>
               </a:ext>
             </a:extLst>
           </p:cNvPr>
@@ -3356,8 +3361,8 @@
         </p:nvSpPr>
         <p:spPr>
           <a:xfrm>
-            <a:off x="237931" y="573833"/>
-            <a:ext cx="11377320" cy="5579706"/>
+            <a:off x="95444" y="657808"/>
+            <a:ext cx="11497842" cy="5444412"/>
           </a:xfrm>
           <a:prstGeom prst="rect">
             <a:avLst/>
@@ -3394,6 +3399,58 @@
           </a:p>
         </p:txBody>
       </p:sp>
+      <p:sp>
+        <p:nvSpPr>
+          <p:cNvPr id="1031" name="Rectangle 1030">
+            <a:extLst>
+              <a:ext uri="{FF2B5EF4-FFF2-40B4-BE49-F238E27FC236}">
+                <a16:creationId xmlns:a16="http://schemas.microsoft.com/office/drawing/2014/main" id="{D29A1D44-C8C4-66E3-64FA-ECD21E046864}"/>
+              </a:ext>
+            </a:extLst>
+          </p:cNvPr>
+          <p:cNvSpPr/>
+          <p:nvPr/>
+        </p:nvSpPr>
+        <p:spPr>
+          <a:xfrm>
+            <a:off x="2357979" y="2471685"/>
+            <a:ext cx="970133" cy="475776"/>
+          </a:xfrm>
+          <a:prstGeom prst="rect">
+            <a:avLst/>
+          </a:prstGeom>
+          <a:solidFill>
+            <a:schemeClr val="bg1"/>
+          </a:solidFill>
+          <a:ln>
+            <a:noFill/>
+          </a:ln>
+        </p:spPr>
+        <p:style>
+          <a:lnRef idx="2">
+            <a:schemeClr val="accent1">
+              <a:shade val="50000"/>
+            </a:schemeClr>
+          </a:lnRef>
+          <a:fillRef idx="1">
+            <a:schemeClr val="accent1"/>
+          </a:fillRef>
+          <a:effectRef idx="0">
+            <a:schemeClr val="accent1"/>
+          </a:effectRef>
+          <a:fontRef idx="minor">
+            <a:schemeClr val="lt1"/>
+          </a:fontRef>
+        </p:style>
+        <p:txBody>
+          <a:bodyPr rtlCol="0" anchor="ctr"/>
+          <a:lstStyle/>
+          <a:p>
+            <a:pPr algn="ctr"/>
+            <a:endParaRPr lang="en-DE"/>
+          </a:p>
+        </p:txBody>
+      </p:sp>
       <p:pic>
         <p:nvPicPr>
           <p:cNvPr id="5" name="Graphic 4">
@@ -3665,7 +3722,7 @@
         </p:blipFill>
         <p:spPr bwMode="auto">
           <a:xfrm>
-            <a:off x="576749" y="3040128"/>
+            <a:off x="95444" y="1776072"/>
             <a:ext cx="759084" cy="759084"/>
           </a:xfrm>
           <a:prstGeom prst="rect">
@@ -4233,15 +4290,15 @@
             </a:extLst>
           </p:cNvPr>
           <p:cNvCxnSpPr>
-            <a:stCxn id="1030" idx="2"/>
+            <a:cxnSpLocks/>
             <a:endCxn id="1026" idx="0"/>
           </p:cNvCxnSpPr>
           <p:nvPr/>
         </p:nvCxnSpPr>
         <p:spPr>
           <a:xfrm>
-            <a:off x="956291" y="3799212"/>
-            <a:ext cx="0" cy="313838"/>
+            <a:off x="956291" y="3790854"/>
+            <a:ext cx="0" cy="322196"/>
           </a:xfrm>
           <a:prstGeom prst="straightConnector1">
             <a:avLst/>
@@ -4320,7 +4377,7 @@
         </p:nvSpPr>
         <p:spPr>
           <a:xfrm>
-            <a:off x="199733" y="3790854"/>
+            <a:off x="969679" y="3756936"/>
             <a:ext cx="949973" cy="276999"/>
           </a:xfrm>
           <a:prstGeom prst="rect">
@@ -4446,7 +4503,7 @@
         </p:nvSpPr>
         <p:spPr>
           <a:xfrm>
-            <a:off x="481303" y="2771487"/>
+            <a:off x="0" y="1533301"/>
             <a:ext cx="949973" cy="338554"/>
           </a:xfrm>
           <a:prstGeom prst="rect">
@@ -5180,6 +5237,90 @@
               <a:t>OData</a:t>
             </a:r>
             <a:endParaRPr lang="en-DE" sz="1400" dirty="0"/>
+          </a:p>
+        </p:txBody>
+      </p:sp>
+      <p:pic>
+        <p:nvPicPr>
+          <p:cNvPr id="4" name="Picture 2">
+            <a:extLst>
+              <a:ext uri="{FF2B5EF4-FFF2-40B4-BE49-F238E27FC236}">
+                <a16:creationId xmlns:a16="http://schemas.microsoft.com/office/drawing/2014/main" id="{D1E175EB-23E3-E644-B8E1-7F16DE20D0AF}"/>
+              </a:ext>
+            </a:extLst>
+          </p:cNvPr>
+          <p:cNvPicPr>
+            <a:picLocks noChangeAspect="1" noChangeArrowheads="1"/>
+          </p:cNvPicPr>
+          <p:nvPr/>
+        </p:nvPicPr>
+        <p:blipFill>
+          <a:blip r:embed="rId23">
+            <a:extLst>
+              <a:ext uri="{28A0092B-C50C-407E-A947-70E740481C1C}">
+                <a14:useLocalDpi xmlns:a14="http://schemas.microsoft.com/office/drawing/2010/main" val="0"/>
+              </a:ext>
+            </a:extLst>
+          </a:blip>
+          <a:srcRect/>
+          <a:stretch>
+            <a:fillRect/>
+          </a:stretch>
+        </p:blipFill>
+        <p:spPr bwMode="auto">
+          <a:xfrm>
+            <a:off x="653086" y="3067146"/>
+            <a:ext cx="584775" cy="584775"/>
+          </a:xfrm>
+          <a:prstGeom prst="rect">
+            <a:avLst/>
+          </a:prstGeom>
+          <a:noFill/>
+          <a:extLst>
+            <a:ext uri="{909E8E84-426E-40DD-AFC4-6F175D3DCCD1}">
+              <a14:hiddenFill xmlns:a14="http://schemas.microsoft.com/office/drawing/2010/main">
+                <a:solidFill>
+                  <a:srgbClr val="FFFFFF"/>
+                </a:solidFill>
+              </a14:hiddenFill>
+            </a:ext>
+          </a:extLst>
+        </p:spPr>
+      </p:pic>
+      <p:sp>
+        <p:nvSpPr>
+          <p:cNvPr id="6" name="TextBox 5">
+            <a:extLst>
+              <a:ext uri="{FF2B5EF4-FFF2-40B4-BE49-F238E27FC236}">
+                <a16:creationId xmlns:a16="http://schemas.microsoft.com/office/drawing/2014/main" id="{B0080B50-0B71-235E-F184-EE01F7C63906}"/>
+              </a:ext>
+            </a:extLst>
+          </p:cNvPr>
+          <p:cNvSpPr txBox="1"/>
+          <p:nvPr/>
+        </p:nvSpPr>
+        <p:spPr>
+          <a:xfrm>
+            <a:off x="489054" y="2718755"/>
+            <a:ext cx="949973" cy="338554"/>
+          </a:xfrm>
+          <a:prstGeom prst="rect">
+            <a:avLst/>
+          </a:prstGeom>
+          <a:noFill/>
+        </p:spPr>
+        <p:txBody>
+          <a:bodyPr wrap="square" rtlCol="0">
+            <a:spAutoFit/>
+          </a:bodyPr>
+          <a:lstStyle/>
+          <a:p>
+            <a:pPr algn="ctr"/>
+            <a:r>
+              <a:rPr lang="de-DE" sz="1600" dirty="0"/>
+              <a:t>VS Code</a:t>
+            </a:r>
+            <a:endParaRPr lang="en-DE" sz="1600" dirty="0"/>
           </a:p>
         </p:txBody>
       </p:sp>

--- a/assets/drawings.pptx
+++ b/assets/drawings.pptx
@@ -261,7 +261,7 @@
           <a:p>
             <a:fld id="{40E102C9-DE61-4CD8-AC35-112A0980813C}" type="datetimeFigureOut">
               <a:rPr lang="en-DE" smtClean="0"/>
-              <a:t>30/12/2022</a:t>
+              <a:t>02/01/2023</a:t>
             </a:fld>
             <a:endParaRPr lang="en-DE"/>
           </a:p>
@@ -461,7 +461,7 @@
           <a:p>
             <a:fld id="{40E102C9-DE61-4CD8-AC35-112A0980813C}" type="datetimeFigureOut">
               <a:rPr lang="en-DE" smtClean="0"/>
-              <a:t>30/12/2022</a:t>
+              <a:t>02/01/2023</a:t>
             </a:fld>
             <a:endParaRPr lang="en-DE"/>
           </a:p>
@@ -671,7 +671,7 @@
           <a:p>
             <a:fld id="{40E102C9-DE61-4CD8-AC35-112A0980813C}" type="datetimeFigureOut">
               <a:rPr lang="en-DE" smtClean="0"/>
-              <a:t>30/12/2022</a:t>
+              <a:t>02/01/2023</a:t>
             </a:fld>
             <a:endParaRPr lang="en-DE"/>
           </a:p>
@@ -871,7 +871,7 @@
           <a:p>
             <a:fld id="{40E102C9-DE61-4CD8-AC35-112A0980813C}" type="datetimeFigureOut">
               <a:rPr lang="en-DE" smtClean="0"/>
-              <a:t>30/12/2022</a:t>
+              <a:t>02/01/2023</a:t>
             </a:fld>
             <a:endParaRPr lang="en-DE"/>
           </a:p>
@@ -1147,7 +1147,7 @@
           <a:p>
             <a:fld id="{40E102C9-DE61-4CD8-AC35-112A0980813C}" type="datetimeFigureOut">
               <a:rPr lang="en-DE" smtClean="0"/>
-              <a:t>30/12/2022</a:t>
+              <a:t>02/01/2023</a:t>
             </a:fld>
             <a:endParaRPr lang="en-DE"/>
           </a:p>
@@ -1415,7 +1415,7 @@
           <a:p>
             <a:fld id="{40E102C9-DE61-4CD8-AC35-112A0980813C}" type="datetimeFigureOut">
               <a:rPr lang="en-DE" smtClean="0"/>
-              <a:t>30/12/2022</a:t>
+              <a:t>02/01/2023</a:t>
             </a:fld>
             <a:endParaRPr lang="en-DE"/>
           </a:p>
@@ -1830,7 +1830,7 @@
           <a:p>
             <a:fld id="{40E102C9-DE61-4CD8-AC35-112A0980813C}" type="datetimeFigureOut">
               <a:rPr lang="en-DE" smtClean="0"/>
-              <a:t>30/12/2022</a:t>
+              <a:t>02/01/2023</a:t>
             </a:fld>
             <a:endParaRPr lang="en-DE"/>
           </a:p>
@@ -1972,7 +1972,7 @@
           <a:p>
             <a:fld id="{40E102C9-DE61-4CD8-AC35-112A0980813C}" type="datetimeFigureOut">
               <a:rPr lang="en-DE" smtClean="0"/>
-              <a:t>30/12/2022</a:t>
+              <a:t>02/01/2023</a:t>
             </a:fld>
             <a:endParaRPr lang="en-DE"/>
           </a:p>
@@ -2085,7 +2085,7 @@
           <a:p>
             <a:fld id="{40E102C9-DE61-4CD8-AC35-112A0980813C}" type="datetimeFigureOut">
               <a:rPr lang="en-DE" smtClean="0"/>
-              <a:t>30/12/2022</a:t>
+              <a:t>02/01/2023</a:t>
             </a:fld>
             <a:endParaRPr lang="en-DE"/>
           </a:p>
@@ -2398,7 +2398,7 @@
           <a:p>
             <a:fld id="{40E102C9-DE61-4CD8-AC35-112A0980813C}" type="datetimeFigureOut">
               <a:rPr lang="en-DE" smtClean="0"/>
-              <a:t>30/12/2022</a:t>
+              <a:t>02/01/2023</a:t>
             </a:fld>
             <a:endParaRPr lang="en-DE"/>
           </a:p>
@@ -2687,7 +2687,7 @@
           <a:p>
             <a:fld id="{40E102C9-DE61-4CD8-AC35-112A0980813C}" type="datetimeFigureOut">
               <a:rPr lang="en-DE" smtClean="0"/>
-              <a:t>30/12/2022</a:t>
+              <a:t>02/01/2023</a:t>
             </a:fld>
             <a:endParaRPr lang="en-DE"/>
           </a:p>
@@ -2930,7 +2930,7 @@
           <a:p>
             <a:fld id="{40E102C9-DE61-4CD8-AC35-112A0980813C}" type="datetimeFigureOut">
               <a:rPr lang="en-DE" smtClean="0"/>
-              <a:t>30/12/2022</a:t>
+              <a:t>02/01/2023</a:t>
             </a:fld>
             <a:endParaRPr lang="en-DE"/>
           </a:p>
@@ -3599,7 +3599,7 @@
         </p:blipFill>
         <p:spPr>
           <a:xfrm>
-            <a:off x="5403006" y="4067853"/>
+            <a:off x="5330970" y="4067852"/>
             <a:ext cx="326768" cy="326768"/>
           </a:xfrm>
           <a:prstGeom prst="rect">

--- a/assets/drawings.pptx
+++ b/assets/drawings.pptx
@@ -261,7 +261,7 @@
           <a:p>
             <a:fld id="{40E102C9-DE61-4CD8-AC35-112A0980813C}" type="datetimeFigureOut">
               <a:rPr lang="en-DE" smtClean="0"/>
-              <a:t>02/01/2023</a:t>
+              <a:t>14/02/2023</a:t>
             </a:fld>
             <a:endParaRPr lang="en-DE"/>
           </a:p>
@@ -461,7 +461,7 @@
           <a:p>
             <a:fld id="{40E102C9-DE61-4CD8-AC35-112A0980813C}" type="datetimeFigureOut">
               <a:rPr lang="en-DE" smtClean="0"/>
-              <a:t>02/01/2023</a:t>
+              <a:t>14/02/2023</a:t>
             </a:fld>
             <a:endParaRPr lang="en-DE"/>
           </a:p>
@@ -671,7 +671,7 @@
           <a:p>
             <a:fld id="{40E102C9-DE61-4CD8-AC35-112A0980813C}" type="datetimeFigureOut">
               <a:rPr lang="en-DE" smtClean="0"/>
-              <a:t>02/01/2023</a:t>
+              <a:t>14/02/2023</a:t>
             </a:fld>
             <a:endParaRPr lang="en-DE"/>
           </a:p>
@@ -871,7 +871,7 @@
           <a:p>
             <a:fld id="{40E102C9-DE61-4CD8-AC35-112A0980813C}" type="datetimeFigureOut">
               <a:rPr lang="en-DE" smtClean="0"/>
-              <a:t>02/01/2023</a:t>
+              <a:t>14/02/2023</a:t>
             </a:fld>
             <a:endParaRPr lang="en-DE"/>
           </a:p>
@@ -1147,7 +1147,7 @@
           <a:p>
             <a:fld id="{40E102C9-DE61-4CD8-AC35-112A0980813C}" type="datetimeFigureOut">
               <a:rPr lang="en-DE" smtClean="0"/>
-              <a:t>02/01/2023</a:t>
+              <a:t>14/02/2023</a:t>
             </a:fld>
             <a:endParaRPr lang="en-DE"/>
           </a:p>
@@ -1415,7 +1415,7 @@
           <a:p>
             <a:fld id="{40E102C9-DE61-4CD8-AC35-112A0980813C}" type="datetimeFigureOut">
               <a:rPr lang="en-DE" smtClean="0"/>
-              <a:t>02/01/2023</a:t>
+              <a:t>14/02/2023</a:t>
             </a:fld>
             <a:endParaRPr lang="en-DE"/>
           </a:p>
@@ -1830,7 +1830,7 @@
           <a:p>
             <a:fld id="{40E102C9-DE61-4CD8-AC35-112A0980813C}" type="datetimeFigureOut">
               <a:rPr lang="en-DE" smtClean="0"/>
-              <a:t>02/01/2023</a:t>
+              <a:t>14/02/2023</a:t>
             </a:fld>
             <a:endParaRPr lang="en-DE"/>
           </a:p>
@@ -1972,7 +1972,7 @@
           <a:p>
             <a:fld id="{40E102C9-DE61-4CD8-AC35-112A0980813C}" type="datetimeFigureOut">
               <a:rPr lang="en-DE" smtClean="0"/>
-              <a:t>02/01/2023</a:t>
+              <a:t>14/02/2023</a:t>
             </a:fld>
             <a:endParaRPr lang="en-DE"/>
           </a:p>
@@ -2085,7 +2085,7 @@
           <a:p>
             <a:fld id="{40E102C9-DE61-4CD8-AC35-112A0980813C}" type="datetimeFigureOut">
               <a:rPr lang="en-DE" smtClean="0"/>
-              <a:t>02/01/2023</a:t>
+              <a:t>14/02/2023</a:t>
             </a:fld>
             <a:endParaRPr lang="en-DE"/>
           </a:p>
@@ -2398,7 +2398,7 @@
           <a:p>
             <a:fld id="{40E102C9-DE61-4CD8-AC35-112A0980813C}" type="datetimeFigureOut">
               <a:rPr lang="en-DE" smtClean="0"/>
-              <a:t>02/01/2023</a:t>
+              <a:t>14/02/2023</a:t>
             </a:fld>
             <a:endParaRPr lang="en-DE"/>
           </a:p>
@@ -2687,7 +2687,7 @@
           <a:p>
             <a:fld id="{40E102C9-DE61-4CD8-AC35-112A0980813C}" type="datetimeFigureOut">
               <a:rPr lang="en-DE" smtClean="0"/>
-              <a:t>02/01/2023</a:t>
+              <a:t>14/02/2023</a:t>
             </a:fld>
             <a:endParaRPr lang="en-DE"/>
           </a:p>
@@ -2930,7 +2930,7 @@
           <a:p>
             <a:fld id="{40E102C9-DE61-4CD8-AC35-112A0980813C}" type="datetimeFigureOut">
               <a:rPr lang="en-DE" smtClean="0"/>
-              <a:t>02/01/2023</a:t>
+              <a:t>14/02/2023</a:t>
             </a:fld>
             <a:endParaRPr lang="en-DE"/>
           </a:p>
@@ -3695,53 +3695,6 @@
       </p:pic>
       <p:pic>
         <p:nvPicPr>
-          <p:cNvPr id="1030" name="Picture 6" descr="GitHub Logos and Usage · GitHub">
-            <a:extLst>
-              <a:ext uri="{FF2B5EF4-FFF2-40B4-BE49-F238E27FC236}">
-                <a16:creationId xmlns:a16="http://schemas.microsoft.com/office/drawing/2014/main" id="{FADBE0A0-C110-FEAA-BE4E-667C652AC2FC}"/>
-              </a:ext>
-            </a:extLst>
-          </p:cNvPr>
-          <p:cNvPicPr>
-            <a:picLocks noChangeAspect="1" noChangeArrowheads="1"/>
-          </p:cNvPicPr>
-          <p:nvPr/>
-        </p:nvPicPr>
-        <p:blipFill>
-          <a:blip r:embed="rId13">
-            <a:extLst>
-              <a:ext uri="{28A0092B-C50C-407E-A947-70E740481C1C}">
-                <a14:useLocalDpi xmlns:a14="http://schemas.microsoft.com/office/drawing/2010/main" val="0"/>
-              </a:ext>
-            </a:extLst>
-          </a:blip>
-          <a:srcRect/>
-          <a:stretch>
-            <a:fillRect/>
-          </a:stretch>
-        </p:blipFill>
-        <p:spPr bwMode="auto">
-          <a:xfrm>
-            <a:off x="95444" y="1776072"/>
-            <a:ext cx="759084" cy="759084"/>
-          </a:xfrm>
-          <a:prstGeom prst="rect">
-            <a:avLst/>
-          </a:prstGeom>
-          <a:noFill/>
-          <a:extLst>
-            <a:ext uri="{909E8E84-426E-40DD-AFC4-6F175D3DCCD1}">
-              <a14:hiddenFill xmlns:a14="http://schemas.microsoft.com/office/drawing/2010/main">
-                <a:solidFill>
-                  <a:srgbClr val="FFFFFF"/>
-                </a:solidFill>
-              </a14:hiddenFill>
-            </a:ext>
-          </a:extLst>
-        </p:spPr>
-      </p:pic>
-      <p:pic>
-        <p:nvPicPr>
           <p:cNvPr id="16" name="Graphic 15">
             <a:extLst>
               <a:ext uri="{FF2B5EF4-FFF2-40B4-BE49-F238E27FC236}">
@@ -3755,13 +3708,13 @@
           <p:nvPr/>
         </p:nvPicPr>
         <p:blipFill>
-          <a:blip r:embed="rId14">
+          <a:blip r:embed="rId13">
             <a:extLst>
               <a:ext uri="{28A0092B-C50C-407E-A947-70E740481C1C}">
                 <a14:useLocalDpi xmlns:a14="http://schemas.microsoft.com/office/drawing/2010/main" val="0"/>
               </a:ext>
               <a:ext uri="{96DAC541-7B7A-43D3-8B79-37D633B846F1}">
-                <asvg:svgBlip xmlns:asvg="http://schemas.microsoft.com/office/drawing/2016/SVG/main" r:embed="rId15"/>
+                <asvg:svgBlip xmlns:asvg="http://schemas.microsoft.com/office/drawing/2016/SVG/main" r:embed="rId14"/>
               </a:ext>
             </a:extLst>
           </a:blip>
@@ -3839,13 +3792,13 @@
           <p:nvPr/>
         </p:nvPicPr>
         <p:blipFill>
-          <a:blip r:embed="rId16">
+          <a:blip r:embed="rId15">
             <a:extLst>
               <a:ext uri="{28A0092B-C50C-407E-A947-70E740481C1C}">
                 <a14:useLocalDpi xmlns:a14="http://schemas.microsoft.com/office/drawing/2010/main" val="0"/>
               </a:ext>
               <a:ext uri="{96DAC541-7B7A-43D3-8B79-37D633B846F1}">
-                <asvg:svgBlip xmlns:asvg="http://schemas.microsoft.com/office/drawing/2016/SVG/main" r:embed="rId17"/>
+                <asvg:svgBlip xmlns:asvg="http://schemas.microsoft.com/office/drawing/2016/SVG/main" r:embed="rId16"/>
               </a:ext>
             </a:extLst>
           </a:blip>
@@ -4228,58 +4181,6 @@
           </a:fontRef>
         </p:style>
       </p:cxnSp>
-      <p:sp>
-        <p:nvSpPr>
-          <p:cNvPr id="37" name="TextBox 36">
-            <a:extLst>
-              <a:ext uri="{FF2B5EF4-FFF2-40B4-BE49-F238E27FC236}">
-                <a16:creationId xmlns:a16="http://schemas.microsoft.com/office/drawing/2014/main" id="{0629EEDA-3510-734F-C548-C35D2F423F83}"/>
-              </a:ext>
-            </a:extLst>
-          </p:cNvPr>
-          <p:cNvSpPr txBox="1"/>
-          <p:nvPr/>
-        </p:nvSpPr>
-        <p:spPr>
-          <a:xfrm>
-            <a:off x="1740037" y="3018453"/>
-            <a:ext cx="949973" cy="369332"/>
-          </a:xfrm>
-          <a:prstGeom prst="rect">
-            <a:avLst/>
-          </a:prstGeom>
-          <a:noFill/>
-        </p:spPr>
-        <p:txBody>
-          <a:bodyPr wrap="square" rtlCol="0">
-            <a:spAutoFit/>
-          </a:bodyPr>
-          <a:lstStyle/>
-          <a:p>
-            <a:r>
-              <a:rPr lang="de-DE" dirty="0"/>
-              <a:t>`</a:t>
-            </a:r>
-            <a:r>
-              <a:rPr lang="de-DE" dirty="0" err="1"/>
-              <a:t>azd</a:t>
-            </a:r>
-            <a:r>
-              <a:rPr lang="de-DE" dirty="0"/>
-              <a:t> </a:t>
-            </a:r>
-            <a:r>
-              <a:rPr lang="de-DE" dirty="0" err="1"/>
-              <a:t>up</a:t>
-            </a:r>
-            <a:r>
-              <a:rPr lang="de-DE" dirty="0"/>
-              <a:t>`</a:t>
-            </a:r>
-            <a:endParaRPr lang="en-DE" dirty="0"/>
-          </a:p>
-        </p:txBody>
-      </p:sp>
       <p:cxnSp>
         <p:nvCxnSpPr>
           <p:cNvPr id="39" name="Straight Arrow Connector 38">
@@ -4491,43 +4392,6 @@
       </p:sp>
       <p:sp>
         <p:nvSpPr>
-          <p:cNvPr id="46" name="TextBox 45">
-            <a:extLst>
-              <a:ext uri="{FF2B5EF4-FFF2-40B4-BE49-F238E27FC236}">
-                <a16:creationId xmlns:a16="http://schemas.microsoft.com/office/drawing/2014/main" id="{9201CAC2-5FB7-F402-BC5A-A11B693E236C}"/>
-              </a:ext>
-            </a:extLst>
-          </p:cNvPr>
-          <p:cNvSpPr txBox="1"/>
-          <p:nvPr/>
-        </p:nvSpPr>
-        <p:spPr>
-          <a:xfrm>
-            <a:off x="0" y="1533301"/>
-            <a:ext cx="949973" cy="338554"/>
-          </a:xfrm>
-          <a:prstGeom prst="rect">
-            <a:avLst/>
-          </a:prstGeom>
-          <a:noFill/>
-        </p:spPr>
-        <p:txBody>
-          <a:bodyPr wrap="square" rtlCol="0">
-            <a:spAutoFit/>
-          </a:bodyPr>
-          <a:lstStyle/>
-          <a:p>
-            <a:pPr algn="ctr"/>
-            <a:r>
-              <a:rPr lang="de-DE" sz="1600" dirty="0"/>
-              <a:t>GitHub</a:t>
-            </a:r>
-            <a:endParaRPr lang="en-DE" sz="1600" dirty="0"/>
-          </a:p>
-        </p:txBody>
-      </p:sp>
-      <p:sp>
-        <p:nvSpPr>
           <p:cNvPr id="47" name="TextBox 46">
             <a:extLst>
               <a:ext uri="{FF2B5EF4-FFF2-40B4-BE49-F238E27FC236}">
@@ -4618,13 +4482,13 @@
           <p:nvPr/>
         </p:nvPicPr>
         <p:blipFill>
-          <a:blip r:embed="rId18">
+          <a:blip r:embed="rId17">
             <a:extLst>
               <a:ext uri="{28A0092B-C50C-407E-A947-70E740481C1C}">
                 <a14:useLocalDpi xmlns:a14="http://schemas.microsoft.com/office/drawing/2010/main" val="0"/>
               </a:ext>
               <a:ext uri="{96DAC541-7B7A-43D3-8B79-37D633B846F1}">
-                <asvg:svgBlip xmlns:asvg="http://schemas.microsoft.com/office/drawing/2016/SVG/main" r:embed="rId19"/>
+                <asvg:svgBlip xmlns:asvg="http://schemas.microsoft.com/office/drawing/2016/SVG/main" r:embed="rId18"/>
               </a:ext>
             </a:extLst>
           </a:blip>
@@ -4957,13 +4821,13 @@
           <p:nvPr/>
         </p:nvPicPr>
         <p:blipFill>
-          <a:blip r:embed="rId20">
+          <a:blip r:embed="rId19">
             <a:extLst>
               <a:ext uri="{28A0092B-C50C-407E-A947-70E740481C1C}">
                 <a14:useLocalDpi xmlns:a14="http://schemas.microsoft.com/office/drawing/2010/main" val="0"/>
               </a:ext>
               <a:ext uri="{96DAC541-7B7A-43D3-8B79-37D633B846F1}">
-                <asvg:svgBlip xmlns:asvg="http://schemas.microsoft.com/office/drawing/2016/SVG/main" r:embed="rId21"/>
+                <asvg:svgBlip xmlns:asvg="http://schemas.microsoft.com/office/drawing/2016/SVG/main" r:embed="rId20"/>
               </a:ext>
             </a:extLst>
           </a:blip>
@@ -5103,7 +4967,7 @@
           <p:nvPr/>
         </p:nvPicPr>
         <p:blipFill>
-          <a:blip r:embed="rId22">
+          <a:blip r:embed="rId21">
             <a:extLst>
               <a:ext uri="{28A0092B-C50C-407E-A947-70E740481C1C}">
                 <a14:useLocalDpi xmlns:a14="http://schemas.microsoft.com/office/drawing/2010/main" val="0"/>
@@ -5240,12 +5104,49 @@
           </a:p>
         </p:txBody>
       </p:sp>
+      <p:sp>
+        <p:nvSpPr>
+          <p:cNvPr id="6" name="TextBox 5">
+            <a:extLst>
+              <a:ext uri="{FF2B5EF4-FFF2-40B4-BE49-F238E27FC236}">
+                <a16:creationId xmlns:a16="http://schemas.microsoft.com/office/drawing/2014/main" id="{B0080B50-0B71-235E-F184-EE01F7C63906}"/>
+              </a:ext>
+            </a:extLst>
+          </p:cNvPr>
+          <p:cNvSpPr txBox="1"/>
+          <p:nvPr/>
+        </p:nvSpPr>
+        <p:spPr>
+          <a:xfrm>
+            <a:off x="192905" y="2522520"/>
+            <a:ext cx="1553547" cy="338554"/>
+          </a:xfrm>
+          <a:prstGeom prst="rect">
+            <a:avLst/>
+          </a:prstGeom>
+          <a:noFill/>
+        </p:spPr>
+        <p:txBody>
+          <a:bodyPr wrap="square" rtlCol="0">
+            <a:spAutoFit/>
+          </a:bodyPr>
+          <a:lstStyle/>
+          <a:p>
+            <a:pPr algn="ctr"/>
+            <a:r>
+              <a:rPr lang="de-DE" sz="1600" dirty="0" err="1"/>
+              <a:t>Codespaces</a:t>
+            </a:r>
+            <a:endParaRPr lang="en-DE" sz="1600" dirty="0"/>
+          </a:p>
+        </p:txBody>
+      </p:sp>
       <p:pic>
         <p:nvPicPr>
-          <p:cNvPr id="4" name="Picture 2">
-            <a:extLst>
-              <a:ext uri="{FF2B5EF4-FFF2-40B4-BE49-F238E27FC236}">
-                <a16:creationId xmlns:a16="http://schemas.microsoft.com/office/drawing/2014/main" id="{D1E175EB-23E3-E644-B8E1-7F16DE20D0AF}"/>
+          <p:cNvPr id="2" name="Picture 4" descr="GitHub Codespaces - Visual Studio Marketplace">
+            <a:extLst>
+              <a:ext uri="{FF2B5EF4-FFF2-40B4-BE49-F238E27FC236}">
+                <a16:creationId xmlns:a16="http://schemas.microsoft.com/office/drawing/2014/main" id="{6A8A17B2-7BE4-D427-D899-F5CEB0C8B68E}"/>
               </a:ext>
             </a:extLst>
           </p:cNvPr>
@@ -5255,7 +5156,7 @@
           <p:nvPr/>
         </p:nvPicPr>
         <p:blipFill>
-          <a:blip r:embed="rId23">
+          <a:blip r:embed="rId22">
             <a:extLst>
               <a:ext uri="{28A0092B-C50C-407E-A947-70E740481C1C}">
                 <a14:useLocalDpi xmlns:a14="http://schemas.microsoft.com/office/drawing/2010/main" val="0"/>
@@ -5269,8 +5170,8 @@
         </p:blipFill>
         <p:spPr bwMode="auto">
           <a:xfrm>
-            <a:off x="653086" y="3067146"/>
-            <a:ext cx="584775" cy="584775"/>
+            <a:off x="510898" y="2823582"/>
+            <a:ext cx="890320" cy="893791"/>
           </a:xfrm>
           <a:prstGeom prst="rect">
             <a:avLst/>
@@ -5289,38 +5190,97 @@
       </p:pic>
       <p:sp>
         <p:nvSpPr>
-          <p:cNvPr id="6" name="TextBox 5">
-            <a:extLst>
-              <a:ext uri="{FF2B5EF4-FFF2-40B4-BE49-F238E27FC236}">
-                <a16:creationId xmlns:a16="http://schemas.microsoft.com/office/drawing/2014/main" id="{B0080B50-0B71-235E-F184-EE01F7C63906}"/>
-              </a:ext>
-            </a:extLst>
-          </p:cNvPr>
-          <p:cNvSpPr txBox="1"/>
+          <p:cNvPr id="3" name="Rectangle: Rounded Corners 2">
+            <a:extLst>
+              <a:ext uri="{FF2B5EF4-FFF2-40B4-BE49-F238E27FC236}">
+                <a16:creationId xmlns:a16="http://schemas.microsoft.com/office/drawing/2014/main" id="{C9860457-F3DC-3FAC-3CEE-144C038BF601}"/>
+              </a:ext>
+            </a:extLst>
+          </p:cNvPr>
+          <p:cNvSpPr/>
           <p:nvPr/>
         </p:nvSpPr>
         <p:spPr>
           <a:xfrm>
-            <a:off x="489054" y="2718755"/>
-            <a:ext cx="949973" cy="338554"/>
-          </a:xfrm>
-          <a:prstGeom prst="rect">
+            <a:off x="1513938" y="2925622"/>
+            <a:ext cx="1279994" cy="405227"/>
+          </a:xfrm>
+          <a:prstGeom prst="roundRect">
             <a:avLst/>
           </a:prstGeom>
-          <a:noFill/>
-        </p:spPr>
-        <p:txBody>
-          <a:bodyPr wrap="square" rtlCol="0">
-            <a:spAutoFit/>
-          </a:bodyPr>
+          <a:solidFill>
+            <a:srgbClr val="EFF1F3"/>
+          </a:solidFill>
+          <a:ln w="9525">
+            <a:noFill/>
+          </a:ln>
+        </p:spPr>
+        <p:style>
+          <a:lnRef idx="2">
+            <a:schemeClr val="accent1">
+              <a:shade val="50000"/>
+            </a:schemeClr>
+          </a:lnRef>
+          <a:fillRef idx="1">
+            <a:schemeClr val="accent1"/>
+          </a:fillRef>
+          <a:effectRef idx="0">
+            <a:schemeClr val="accent1"/>
+          </a:effectRef>
+          <a:fontRef idx="minor">
+            <a:schemeClr val="lt1"/>
+          </a:fontRef>
+        </p:style>
+        <p:txBody>
+          <a:bodyPr rtlCol="0" anchor="ctr"/>
           <a:lstStyle/>
           <a:p>
             <a:pPr algn="ctr"/>
             <a:r>
-              <a:rPr lang="de-DE" sz="1600" dirty="0"/>
-              <a:t>VS Code</a:t>
-            </a:r>
-            <a:endParaRPr lang="en-DE" sz="1600" dirty="0"/>
+              <a:rPr lang="de-DE" sz="2000" dirty="0" err="1">
+                <a:solidFill>
+                  <a:schemeClr val="tx1">
+                    <a:lumMod val="50000"/>
+                  </a:schemeClr>
+                </a:solidFill>
+                <a:latin typeface="72 Monospace" panose="020B0509030603020204" pitchFamily="49" charset="0"/>
+                <a:cs typeface="72 Monospace" panose="020B0509030603020204" pitchFamily="49" charset="0"/>
+              </a:rPr>
+              <a:t>azd</a:t>
+            </a:r>
+            <a:r>
+              <a:rPr lang="de-DE" sz="900" dirty="0">
+                <a:solidFill>
+                  <a:schemeClr val="tx1">
+                    <a:lumMod val="50000"/>
+                  </a:schemeClr>
+                </a:solidFill>
+                <a:latin typeface="72 Monospace" panose="020B0509030603020204" pitchFamily="49" charset="0"/>
+                <a:cs typeface="72 Monospace" panose="020B0509030603020204" pitchFamily="49" charset="0"/>
+              </a:rPr>
+              <a:t> </a:t>
+            </a:r>
+            <a:r>
+              <a:rPr lang="de-DE" sz="2000" dirty="0" err="1">
+                <a:solidFill>
+                  <a:schemeClr val="tx1">
+                    <a:lumMod val="50000"/>
+                  </a:schemeClr>
+                </a:solidFill>
+                <a:latin typeface="72 Monospace" panose="020B0509030603020204" pitchFamily="49" charset="0"/>
+                <a:cs typeface="72 Monospace" panose="020B0509030603020204" pitchFamily="49" charset="0"/>
+              </a:rPr>
+              <a:t>up</a:t>
+            </a:r>
+            <a:endParaRPr lang="en-DE" sz="2000" dirty="0">
+              <a:solidFill>
+                <a:schemeClr val="tx1">
+                  <a:lumMod val="50000"/>
+                </a:schemeClr>
+              </a:solidFill>
+              <a:latin typeface="72 Monospace" panose="020B0509030603020204" pitchFamily="49" charset="0"/>
+              <a:cs typeface="72 Monospace" panose="020B0509030603020204" pitchFamily="49" charset="0"/>
+            </a:endParaRPr>
           </a:p>
         </p:txBody>
       </p:sp>

--- a/assets/drawings.pptx
+++ b/assets/drawings.pptx
@@ -5190,10 +5190,10 @@
       </p:pic>
       <p:sp>
         <p:nvSpPr>
-          <p:cNvPr id="3" name="Rectangle: Rounded Corners 2">
-            <a:extLst>
-              <a:ext uri="{FF2B5EF4-FFF2-40B4-BE49-F238E27FC236}">
-                <a16:creationId xmlns:a16="http://schemas.microsoft.com/office/drawing/2014/main" id="{C9860457-F3DC-3FAC-3CEE-144C038BF601}"/>
+          <p:cNvPr id="4" name="Rectangle: Rounded Corners 3">
+            <a:extLst>
+              <a:ext uri="{FF2B5EF4-FFF2-40B4-BE49-F238E27FC236}">
+                <a16:creationId xmlns:a16="http://schemas.microsoft.com/office/drawing/2014/main" id="{73196FFF-7C2A-DCE6-3A60-FEF488CC4546}"/>
               </a:ext>
             </a:extLst>
           </p:cNvPr>
@@ -5202,18 +5202,25 @@
         </p:nvSpPr>
         <p:spPr>
           <a:xfrm>
-            <a:off x="1513938" y="2925622"/>
-            <a:ext cx="1279994" cy="405227"/>
+            <a:off x="1622903" y="2897182"/>
+            <a:ext cx="1058042" cy="406440"/>
           </a:xfrm>
           <a:prstGeom prst="roundRect">
             <a:avLst/>
           </a:prstGeom>
           <a:solidFill>
-            <a:srgbClr val="EFF1F3"/>
+            <a:srgbClr val="404040"/>
           </a:solidFill>
           <a:ln w="9525">
             <a:noFill/>
           </a:ln>
+          <a:effectLst>
+            <a:outerShdw blurRad="50800" dist="38100" dir="2700000" algn="tl" rotWithShape="0">
+              <a:prstClr val="black">
+                <a:alpha val="40000"/>
+              </a:prstClr>
+            </a:outerShdw>
+          </a:effectLst>
         </p:spPr>
         <p:style>
           <a:lnRef idx="2">
@@ -5239,9 +5246,7 @@
             <a:r>
               <a:rPr lang="de-DE" sz="2000" dirty="0" err="1">
                 <a:solidFill>
-                  <a:schemeClr val="tx1">
-                    <a:lumMod val="50000"/>
-                  </a:schemeClr>
+                  <a:schemeClr val="bg1"/>
                 </a:solidFill>
                 <a:latin typeface="72 Monospace" panose="020B0509030603020204" pitchFamily="49" charset="0"/>
                 <a:cs typeface="72 Monospace" panose="020B0509030603020204" pitchFamily="49" charset="0"/>
@@ -5249,11 +5254,9 @@
               <a:t>azd</a:t>
             </a:r>
             <a:r>
-              <a:rPr lang="de-DE" sz="900" dirty="0">
+              <a:rPr lang="de-DE" sz="800" dirty="0">
                 <a:solidFill>
-                  <a:schemeClr val="tx1">
-                    <a:lumMod val="50000"/>
-                  </a:schemeClr>
+                  <a:schemeClr val="bg1"/>
                 </a:solidFill>
                 <a:latin typeface="72 Monospace" panose="020B0509030603020204" pitchFamily="49" charset="0"/>
                 <a:cs typeface="72 Monospace" panose="020B0509030603020204" pitchFamily="49" charset="0"/>
@@ -5263,9 +5266,7 @@
             <a:r>
               <a:rPr lang="de-DE" sz="2000" dirty="0" err="1">
                 <a:solidFill>
-                  <a:schemeClr val="tx1">
-                    <a:lumMod val="50000"/>
-                  </a:schemeClr>
+                  <a:schemeClr val="bg1"/>
                 </a:solidFill>
                 <a:latin typeface="72 Monospace" panose="020B0509030603020204" pitchFamily="49" charset="0"/>
                 <a:cs typeface="72 Monospace" panose="020B0509030603020204" pitchFamily="49" charset="0"/>
@@ -5274,9 +5275,7 @@
             </a:r>
             <a:endParaRPr lang="en-DE" sz="2000" dirty="0">
               <a:solidFill>
-                <a:schemeClr val="tx1">
-                  <a:lumMod val="50000"/>
-                </a:schemeClr>
+                <a:schemeClr val="bg1"/>
               </a:solidFill>
               <a:latin typeface="72 Monospace" panose="020B0509030603020204" pitchFamily="49" charset="0"/>
               <a:cs typeface="72 Monospace" panose="020B0509030603020204" pitchFamily="49" charset="0"/>

--- a/assets/drawings.pptx
+++ b/assets/drawings.pptx
@@ -261,7 +261,7 @@
           <a:p>
             <a:fld id="{40E102C9-DE61-4CD8-AC35-112A0980813C}" type="datetimeFigureOut">
               <a:rPr lang="en-DE" smtClean="0"/>
-              <a:t>14/02/2023</a:t>
+              <a:t>12/05/2023</a:t>
             </a:fld>
             <a:endParaRPr lang="en-DE"/>
           </a:p>
@@ -461,7 +461,7 @@
           <a:p>
             <a:fld id="{40E102C9-DE61-4CD8-AC35-112A0980813C}" type="datetimeFigureOut">
               <a:rPr lang="en-DE" smtClean="0"/>
-              <a:t>14/02/2023</a:t>
+              <a:t>12/05/2023</a:t>
             </a:fld>
             <a:endParaRPr lang="en-DE"/>
           </a:p>
@@ -671,7 +671,7 @@
           <a:p>
             <a:fld id="{40E102C9-DE61-4CD8-AC35-112A0980813C}" type="datetimeFigureOut">
               <a:rPr lang="en-DE" smtClean="0"/>
-              <a:t>14/02/2023</a:t>
+              <a:t>12/05/2023</a:t>
             </a:fld>
             <a:endParaRPr lang="en-DE"/>
           </a:p>
@@ -871,7 +871,7 @@
           <a:p>
             <a:fld id="{40E102C9-DE61-4CD8-AC35-112A0980813C}" type="datetimeFigureOut">
               <a:rPr lang="en-DE" smtClean="0"/>
-              <a:t>14/02/2023</a:t>
+              <a:t>12/05/2023</a:t>
             </a:fld>
             <a:endParaRPr lang="en-DE"/>
           </a:p>
@@ -1147,7 +1147,7 @@
           <a:p>
             <a:fld id="{40E102C9-DE61-4CD8-AC35-112A0980813C}" type="datetimeFigureOut">
               <a:rPr lang="en-DE" smtClean="0"/>
-              <a:t>14/02/2023</a:t>
+              <a:t>12/05/2023</a:t>
             </a:fld>
             <a:endParaRPr lang="en-DE"/>
           </a:p>
@@ -1415,7 +1415,7 @@
           <a:p>
             <a:fld id="{40E102C9-DE61-4CD8-AC35-112A0980813C}" type="datetimeFigureOut">
               <a:rPr lang="en-DE" smtClean="0"/>
-              <a:t>14/02/2023</a:t>
+              <a:t>12/05/2023</a:t>
             </a:fld>
             <a:endParaRPr lang="en-DE"/>
           </a:p>
@@ -1830,7 +1830,7 @@
           <a:p>
             <a:fld id="{40E102C9-DE61-4CD8-AC35-112A0980813C}" type="datetimeFigureOut">
               <a:rPr lang="en-DE" smtClean="0"/>
-              <a:t>14/02/2023</a:t>
+              <a:t>12/05/2023</a:t>
             </a:fld>
             <a:endParaRPr lang="en-DE"/>
           </a:p>
@@ -1972,7 +1972,7 @@
           <a:p>
             <a:fld id="{40E102C9-DE61-4CD8-AC35-112A0980813C}" type="datetimeFigureOut">
               <a:rPr lang="en-DE" smtClean="0"/>
-              <a:t>14/02/2023</a:t>
+              <a:t>12/05/2023</a:t>
             </a:fld>
             <a:endParaRPr lang="en-DE"/>
           </a:p>
@@ -2085,7 +2085,7 @@
           <a:p>
             <a:fld id="{40E102C9-DE61-4CD8-AC35-112A0980813C}" type="datetimeFigureOut">
               <a:rPr lang="en-DE" smtClean="0"/>
-              <a:t>14/02/2023</a:t>
+              <a:t>12/05/2023</a:t>
             </a:fld>
             <a:endParaRPr lang="en-DE"/>
           </a:p>
@@ -2398,7 +2398,7 @@
           <a:p>
             <a:fld id="{40E102C9-DE61-4CD8-AC35-112A0980813C}" type="datetimeFigureOut">
               <a:rPr lang="en-DE" smtClean="0"/>
-              <a:t>14/02/2023</a:t>
+              <a:t>12/05/2023</a:t>
             </a:fld>
             <a:endParaRPr lang="en-DE"/>
           </a:p>
@@ -2687,7 +2687,7 @@
           <a:p>
             <a:fld id="{40E102C9-DE61-4CD8-AC35-112A0980813C}" type="datetimeFigureOut">
               <a:rPr lang="en-DE" smtClean="0"/>
-              <a:t>14/02/2023</a:t>
+              <a:t>12/05/2023</a:t>
             </a:fld>
             <a:endParaRPr lang="en-DE"/>
           </a:p>
@@ -2930,7 +2930,7 @@
           <a:p>
             <a:fld id="{40E102C9-DE61-4CD8-AC35-112A0980813C}" type="datetimeFigureOut">
               <a:rPr lang="en-DE" smtClean="0"/>
-              <a:t>14/02/2023</a:t>
+              <a:t>12/05/2023</a:t>
             </a:fld>
             <a:endParaRPr lang="en-DE"/>
           </a:p>
@@ -3361,7 +3361,7 @@
         </p:nvSpPr>
         <p:spPr>
           <a:xfrm>
-            <a:off x="95444" y="657808"/>
+            <a:off x="103220" y="706794"/>
             <a:ext cx="11497842" cy="5444412"/>
           </a:xfrm>
           <a:prstGeom prst="rect">
@@ -3482,7 +3482,7 @@
         </p:blipFill>
         <p:spPr>
           <a:xfrm>
-            <a:off x="5675928" y="2993863"/>
+            <a:off x="5675928" y="2938447"/>
             <a:ext cx="352426" cy="352426"/>
           </a:xfrm>
           <a:prstGeom prst="rect">
@@ -3560,7 +3560,7 @@
         </p:blipFill>
         <p:spPr>
           <a:xfrm>
-            <a:off x="5288708" y="3550200"/>
+            <a:off x="5288708" y="3614852"/>
             <a:ext cx="352425" cy="352425"/>
           </a:xfrm>
           <a:prstGeom prst="rect">
@@ -3877,7 +3877,7 @@
         </p:nvCxnSpPr>
         <p:spPr>
           <a:xfrm>
-            <a:off x="4637314" y="3206913"/>
+            <a:off x="4637314" y="3114553"/>
             <a:ext cx="877078" cy="0"/>
           </a:xfrm>
           <a:prstGeom prst="line">
@@ -3967,7 +3967,7 @@
         </p:nvCxnSpPr>
         <p:spPr>
           <a:xfrm>
-            <a:off x="4637314" y="3726413"/>
+            <a:off x="4637314" y="3800301"/>
             <a:ext cx="449132" cy="0"/>
           </a:xfrm>
           <a:prstGeom prst="line">
@@ -4592,7 +4592,7 @@
         </p:nvSpPr>
         <p:spPr>
           <a:xfrm>
-            <a:off x="6105705" y="2897182"/>
+            <a:off x="6105705" y="2777114"/>
             <a:ext cx="3010301" cy="584775"/>
           </a:xfrm>
           <a:prstGeom prst="rect">
@@ -4642,8 +4642,8 @@
         </p:nvSpPr>
         <p:spPr>
           <a:xfrm>
-            <a:off x="6105706" y="3550200"/>
-            <a:ext cx="3010301" cy="338554"/>
+            <a:off x="6105707" y="3624088"/>
+            <a:ext cx="1253764" cy="338554"/>
           </a:xfrm>
           <a:prstGeom prst="rect">
             <a:avLst/>
@@ -4837,7 +4837,7 @@
         </p:blipFill>
         <p:spPr>
           <a:xfrm>
-            <a:off x="9555539" y="2188029"/>
+            <a:off x="9112198" y="2188029"/>
             <a:ext cx="1375601" cy="745370"/>
           </a:xfrm>
           <a:prstGeom prst="rect">
@@ -4862,7 +4862,7 @@
         <p:spPr>
           <a:xfrm>
             <a:off x="7394510" y="2629970"/>
-            <a:ext cx="1936102" cy="0"/>
+            <a:ext cx="1638654" cy="0"/>
           </a:xfrm>
           <a:prstGeom prst="line">
             <a:avLst/>
@@ -4898,7 +4898,7 @@
         </p:nvSpPr>
         <p:spPr>
           <a:xfrm>
-            <a:off x="7756789" y="2522520"/>
+            <a:off x="7636719" y="2522520"/>
             <a:ext cx="1211543" cy="214899"/>
           </a:xfrm>
           <a:prstGeom prst="roundRect">
@@ -4981,7 +4981,7 @@
         </p:blipFill>
         <p:spPr bwMode="auto">
           <a:xfrm>
-            <a:off x="9731829" y="4502121"/>
+            <a:off x="9179342" y="5058922"/>
             <a:ext cx="1347326" cy="666295"/>
           </a:xfrm>
           <a:prstGeom prst="rect">
@@ -4999,57 +4999,96 @@
           </a:extLst>
         </p:spPr>
       </p:pic>
-      <p:cxnSp>
-        <p:nvCxnSpPr>
-          <p:cNvPr id="1025" name="Straight Arrow Connector 1024">
-            <a:extLst>
-              <a:ext uri="{FF2B5EF4-FFF2-40B4-BE49-F238E27FC236}">
-                <a16:creationId xmlns:a16="http://schemas.microsoft.com/office/drawing/2014/main" id="{7DF28A63-B532-6326-D194-859164A2CF6B}"/>
-              </a:ext>
-            </a:extLst>
-          </p:cNvPr>
-          <p:cNvCxnSpPr>
-            <a:cxnSpLocks/>
-          </p:cNvCxnSpPr>
+      <p:sp>
+        <p:nvSpPr>
+          <p:cNvPr id="6" name="TextBox 5">
+            <a:extLst>
+              <a:ext uri="{FF2B5EF4-FFF2-40B4-BE49-F238E27FC236}">
+                <a16:creationId xmlns:a16="http://schemas.microsoft.com/office/drawing/2014/main" id="{B0080B50-0B71-235E-F184-EE01F7C63906}"/>
+              </a:ext>
+            </a:extLst>
+          </p:cNvPr>
+          <p:cNvSpPr txBox="1"/>
           <p:nvPr/>
-        </p:nvCxnSpPr>
-        <p:spPr>
-          <a:xfrm>
-            <a:off x="10243339" y="3040128"/>
-            <a:ext cx="0" cy="1354492"/>
-          </a:xfrm>
-          <a:prstGeom prst="straightConnector1">
+        </p:nvSpPr>
+        <p:spPr>
+          <a:xfrm>
+            <a:off x="192905" y="2522520"/>
+            <a:ext cx="1553547" cy="338554"/>
+          </a:xfrm>
+          <a:prstGeom prst="rect">
             <a:avLst/>
           </a:prstGeom>
-          <a:ln w="28575">
-            <a:solidFill>
-              <a:srgbClr val="7030A0"/>
-            </a:solidFill>
-            <a:headEnd type="arrow" w="med" len="med"/>
-            <a:tailEnd type="arrow" w="med" len="med"/>
-          </a:ln>
-        </p:spPr>
-        <p:style>
-          <a:lnRef idx="1">
-            <a:schemeClr val="accent1"/>
-          </a:lnRef>
-          <a:fillRef idx="0">
-            <a:schemeClr val="accent1"/>
-          </a:fillRef>
-          <a:effectRef idx="0">
-            <a:schemeClr val="accent1"/>
-          </a:effectRef>
-          <a:fontRef idx="minor">
-            <a:schemeClr val="tx1"/>
-          </a:fontRef>
-        </p:style>
-      </p:cxnSp>
-      <p:sp>
-        <p:nvSpPr>
-          <p:cNvPr id="1027" name="Rectangle: Rounded Corners 1026">
-            <a:extLst>
-              <a:ext uri="{FF2B5EF4-FFF2-40B4-BE49-F238E27FC236}">
-                <a16:creationId xmlns:a16="http://schemas.microsoft.com/office/drawing/2014/main" id="{284D38F3-4009-25C0-4CA4-978AC1825866}"/>
+          <a:noFill/>
+        </p:spPr>
+        <p:txBody>
+          <a:bodyPr wrap="square" rtlCol="0">
+            <a:spAutoFit/>
+          </a:bodyPr>
+          <a:lstStyle/>
+          <a:p>
+            <a:pPr algn="ctr"/>
+            <a:r>
+              <a:rPr lang="de-DE" sz="1600" dirty="0" err="1"/>
+              <a:t>Codespaces</a:t>
+            </a:r>
+            <a:endParaRPr lang="en-DE" sz="1600" dirty="0"/>
+          </a:p>
+        </p:txBody>
+      </p:sp>
+      <p:pic>
+        <p:nvPicPr>
+          <p:cNvPr id="2" name="Picture 4" descr="GitHub Codespaces - Visual Studio Marketplace">
+            <a:extLst>
+              <a:ext uri="{FF2B5EF4-FFF2-40B4-BE49-F238E27FC236}">
+                <a16:creationId xmlns:a16="http://schemas.microsoft.com/office/drawing/2014/main" id="{6A8A17B2-7BE4-D427-D899-F5CEB0C8B68E}"/>
+              </a:ext>
+            </a:extLst>
+          </p:cNvPr>
+          <p:cNvPicPr>
+            <a:picLocks noChangeAspect="1" noChangeArrowheads="1"/>
+          </p:cNvPicPr>
+          <p:nvPr/>
+        </p:nvPicPr>
+        <p:blipFill>
+          <a:blip r:embed="rId22">
+            <a:extLst>
+              <a:ext uri="{28A0092B-C50C-407E-A947-70E740481C1C}">
+                <a14:useLocalDpi xmlns:a14="http://schemas.microsoft.com/office/drawing/2010/main" val="0"/>
+              </a:ext>
+            </a:extLst>
+          </a:blip>
+          <a:srcRect/>
+          <a:stretch>
+            <a:fillRect/>
+          </a:stretch>
+        </p:blipFill>
+        <p:spPr bwMode="auto">
+          <a:xfrm>
+            <a:off x="510898" y="2823582"/>
+            <a:ext cx="890320" cy="893791"/>
+          </a:xfrm>
+          <a:prstGeom prst="rect">
+            <a:avLst/>
+          </a:prstGeom>
+          <a:noFill/>
+          <a:extLst>
+            <a:ext uri="{909E8E84-426E-40DD-AFC4-6F175D3DCCD1}">
+              <a14:hiddenFill xmlns:a14="http://schemas.microsoft.com/office/drawing/2010/main">
+                <a:solidFill>
+                  <a:srgbClr val="FFFFFF"/>
+                </a:solidFill>
+              </a14:hiddenFill>
+            </a:ext>
+          </a:extLst>
+        </p:spPr>
+      </p:pic>
+      <p:sp>
+        <p:nvSpPr>
+          <p:cNvPr id="4" name="Rectangle: Rounded Corners 3">
+            <a:extLst>
+              <a:ext uri="{FF2B5EF4-FFF2-40B4-BE49-F238E27FC236}">
+                <a16:creationId xmlns:a16="http://schemas.microsoft.com/office/drawing/2014/main" id="{73196FFF-7C2A-DCE6-3A60-FEF488CC4546}"/>
               </a:ext>
             </a:extLst>
           </p:cNvPr>
@@ -5057,23 +5096,26 @@
           <p:nvPr/>
         </p:nvSpPr>
         <p:spPr>
-          <a:xfrm rot="16200000">
-            <a:off x="9870654" y="3600519"/>
-            <a:ext cx="745371" cy="233708"/>
+          <a:xfrm>
+            <a:off x="1622903" y="2897182"/>
+            <a:ext cx="1058042" cy="406440"/>
           </a:xfrm>
           <a:prstGeom prst="roundRect">
-            <a:avLst>
-              <a:gd name="adj" fmla="val 44614"/>
-            </a:avLst>
+            <a:avLst/>
           </a:prstGeom>
           <a:solidFill>
-            <a:srgbClr val="7030A0"/>
+            <a:srgbClr val="404040"/>
           </a:solidFill>
-          <a:ln>
-            <a:solidFill>
-              <a:srgbClr val="7030A0"/>
-            </a:solidFill>
+          <a:ln w="9525">
+            <a:noFill/>
           </a:ln>
+          <a:effectLst>
+            <a:outerShdw blurRad="50800" dist="38100" dir="2700000" algn="tl" rotWithShape="0">
+              <a:prstClr val="black">
+                <a:alpha val="40000"/>
+              </a:prstClr>
+            </a:outerShdw>
+          </a:effectLst>
         </p:spPr>
         <p:style>
           <a:lnRef idx="2">
@@ -5097,19 +5139,51 @@
           <a:p>
             <a:pPr algn="ctr"/>
             <a:r>
-              <a:rPr lang="de-DE" sz="1400" dirty="0" err="1"/>
-              <a:t>OData</a:t>
-            </a:r>
-            <a:endParaRPr lang="en-DE" sz="1400" dirty="0"/>
-          </a:p>
-        </p:txBody>
-      </p:sp>
-      <p:sp>
-        <p:nvSpPr>
-          <p:cNvPr id="6" name="TextBox 5">
-            <a:extLst>
-              <a:ext uri="{FF2B5EF4-FFF2-40B4-BE49-F238E27FC236}">
-                <a16:creationId xmlns:a16="http://schemas.microsoft.com/office/drawing/2014/main" id="{B0080B50-0B71-235E-F184-EE01F7C63906}"/>
+              <a:rPr lang="de-DE" sz="2000" dirty="0" err="1">
+                <a:solidFill>
+                  <a:schemeClr val="bg1"/>
+                </a:solidFill>
+                <a:latin typeface="72 Monospace" panose="020B0509030603020204" pitchFamily="49" charset="0"/>
+                <a:cs typeface="72 Monospace" panose="020B0509030603020204" pitchFamily="49" charset="0"/>
+              </a:rPr>
+              <a:t>azd</a:t>
+            </a:r>
+            <a:r>
+              <a:rPr lang="de-DE" sz="800" dirty="0">
+                <a:solidFill>
+                  <a:schemeClr val="bg1"/>
+                </a:solidFill>
+                <a:latin typeface="72 Monospace" panose="020B0509030603020204" pitchFamily="49" charset="0"/>
+                <a:cs typeface="72 Monospace" panose="020B0509030603020204" pitchFamily="49" charset="0"/>
+              </a:rPr>
+              <a:t> </a:t>
+            </a:r>
+            <a:r>
+              <a:rPr lang="de-DE" sz="2000" dirty="0" err="1">
+                <a:solidFill>
+                  <a:schemeClr val="bg1"/>
+                </a:solidFill>
+                <a:latin typeface="72 Monospace" panose="020B0509030603020204" pitchFamily="49" charset="0"/>
+                <a:cs typeface="72 Monospace" panose="020B0509030603020204" pitchFamily="49" charset="0"/>
+              </a:rPr>
+              <a:t>up</a:t>
+            </a:r>
+            <a:endParaRPr lang="en-DE" sz="2000" dirty="0">
+              <a:solidFill>
+                <a:schemeClr val="bg1"/>
+              </a:solidFill>
+              <a:latin typeface="72 Monospace" panose="020B0509030603020204" pitchFamily="49" charset="0"/>
+              <a:cs typeface="72 Monospace" panose="020B0509030603020204" pitchFamily="49" charset="0"/>
+            </a:endParaRPr>
+          </a:p>
+        </p:txBody>
+      </p:sp>
+      <p:sp>
+        <p:nvSpPr>
+          <p:cNvPr id="10" name="TextBox 9">
+            <a:extLst>
+              <a:ext uri="{FF2B5EF4-FFF2-40B4-BE49-F238E27FC236}">
+                <a16:creationId xmlns:a16="http://schemas.microsoft.com/office/drawing/2014/main" id="{56E36416-5123-42BB-A343-DCAB289B1172}"/>
               </a:ext>
             </a:extLst>
           </p:cNvPr>
@@ -5118,8 +5192,8 @@
         </p:nvSpPr>
         <p:spPr>
           <a:xfrm>
-            <a:off x="192905" y="2522520"/>
-            <a:ext cx="1553547" cy="338554"/>
+            <a:off x="10039588" y="3204026"/>
+            <a:ext cx="1743691" cy="584775"/>
           </a:xfrm>
           <a:prstGeom prst="rect">
             <a:avLst/>
@@ -5132,68 +5206,116 @@
           </a:bodyPr>
           <a:lstStyle/>
           <a:p>
-            <a:pPr algn="ctr"/>
-            <a:r>
-              <a:rPr lang="de-DE" sz="1600" dirty="0" err="1"/>
-              <a:t>Codespaces</a:t>
+            <a:r>
+              <a:rPr lang="de-DE" sz="1600" dirty="0"/>
+              <a:t>API</a:t>
+            </a:r>
+          </a:p>
+          <a:p>
+            <a:r>
+              <a:rPr lang="de-DE" sz="1600" dirty="0"/>
+              <a:t>Management</a:t>
             </a:r>
             <a:endParaRPr lang="en-DE" sz="1600" dirty="0"/>
           </a:p>
         </p:txBody>
       </p:sp>
-      <p:pic>
-        <p:nvPicPr>
-          <p:cNvPr id="2" name="Picture 4" descr="GitHub Codespaces - Visual Studio Marketplace">
-            <a:extLst>
-              <a:ext uri="{FF2B5EF4-FFF2-40B4-BE49-F238E27FC236}">
-                <a16:creationId xmlns:a16="http://schemas.microsoft.com/office/drawing/2014/main" id="{6A8A17B2-7BE4-D427-D899-F5CEB0C8B68E}"/>
-              </a:ext>
-            </a:extLst>
-          </p:cNvPr>
-          <p:cNvPicPr>
-            <a:picLocks noChangeAspect="1" noChangeArrowheads="1"/>
-          </p:cNvPicPr>
+      <p:cxnSp>
+        <p:nvCxnSpPr>
+          <p:cNvPr id="12" name="Straight Connector 11">
+            <a:extLst>
+              <a:ext uri="{FF2B5EF4-FFF2-40B4-BE49-F238E27FC236}">
+                <a16:creationId xmlns:a16="http://schemas.microsoft.com/office/drawing/2014/main" id="{181472CB-5CF1-8862-738D-AB764920C791}"/>
+              </a:ext>
+            </a:extLst>
+          </p:cNvPr>
+          <p:cNvCxnSpPr>
+            <a:cxnSpLocks/>
+          </p:cNvCxnSpPr>
           <p:nvPr/>
-        </p:nvPicPr>
-        <p:blipFill>
-          <a:blip r:embed="rId22">
-            <a:extLst>
-              <a:ext uri="{28A0092B-C50C-407E-A947-70E740481C1C}">
-                <a14:useLocalDpi xmlns:a14="http://schemas.microsoft.com/office/drawing/2010/main" val="0"/>
-              </a:ext>
-            </a:extLst>
-          </a:blip>
-          <a:srcRect/>
-          <a:stretch>
-            <a:fillRect/>
-          </a:stretch>
-        </p:blipFill>
-        <p:spPr bwMode="auto">
-          <a:xfrm>
-            <a:off x="510898" y="2823582"/>
-            <a:ext cx="890320" cy="893791"/>
-          </a:xfrm>
-          <a:prstGeom prst="rect">
+        </p:nvCxnSpPr>
+        <p:spPr>
+          <a:xfrm flipV="1">
+            <a:off x="4628078" y="3485276"/>
+            <a:ext cx="4707581" cy="16036"/>
+          </a:xfrm>
+          <a:prstGeom prst="line">
             <a:avLst/>
           </a:prstGeom>
-          <a:noFill/>
-          <a:extLst>
-            <a:ext uri="{909E8E84-426E-40DD-AFC4-6F175D3DCCD1}">
-              <a14:hiddenFill xmlns:a14="http://schemas.microsoft.com/office/drawing/2010/main">
-                <a:solidFill>
-                  <a:srgbClr val="FFFFFF"/>
-                </a:solidFill>
-              </a14:hiddenFill>
-            </a:ext>
-          </a:extLst>
-        </p:spPr>
-      </p:pic>
-      <p:sp>
-        <p:nvSpPr>
-          <p:cNvPr id="4" name="Rectangle: Rounded Corners 3">
-            <a:extLst>
-              <a:ext uri="{FF2B5EF4-FFF2-40B4-BE49-F238E27FC236}">
-                <a16:creationId xmlns:a16="http://schemas.microsoft.com/office/drawing/2014/main" id="{73196FFF-7C2A-DCE6-3A60-FEF488CC4546}"/>
+          <a:ln w="28575">
+            <a:solidFill>
+              <a:schemeClr val="bg1">
+                <a:lumMod val="50000"/>
+              </a:schemeClr>
+            </a:solidFill>
+          </a:ln>
+        </p:spPr>
+        <p:style>
+          <a:lnRef idx="1">
+            <a:schemeClr val="accent1"/>
+          </a:lnRef>
+          <a:fillRef idx="0">
+            <a:schemeClr val="accent1"/>
+          </a:fillRef>
+          <a:effectRef idx="0">
+            <a:schemeClr val="accent1"/>
+          </a:effectRef>
+          <a:fontRef idx="minor">
+            <a:schemeClr val="tx1"/>
+          </a:fontRef>
+        </p:style>
+      </p:cxnSp>
+      <p:cxnSp>
+        <p:nvCxnSpPr>
+          <p:cNvPr id="1025" name="Straight Arrow Connector 1024">
+            <a:extLst>
+              <a:ext uri="{FF2B5EF4-FFF2-40B4-BE49-F238E27FC236}">
+                <a16:creationId xmlns:a16="http://schemas.microsoft.com/office/drawing/2014/main" id="{7DF28A63-B532-6326-D194-859164A2CF6B}"/>
+              </a:ext>
+            </a:extLst>
+          </p:cNvPr>
+          <p:cNvCxnSpPr>
+            <a:cxnSpLocks/>
+          </p:cNvCxnSpPr>
+          <p:nvPr/>
+        </p:nvCxnSpPr>
+        <p:spPr>
+          <a:xfrm>
+            <a:off x="9726107" y="3040128"/>
+            <a:ext cx="0" cy="1959624"/>
+          </a:xfrm>
+          <a:prstGeom prst="straightConnector1">
+            <a:avLst/>
+          </a:prstGeom>
+          <a:ln w="28575">
+            <a:solidFill>
+              <a:srgbClr val="7030A0"/>
+            </a:solidFill>
+            <a:headEnd type="arrow" w="med" len="med"/>
+            <a:tailEnd type="arrow" w="med" len="med"/>
+          </a:ln>
+        </p:spPr>
+        <p:style>
+          <a:lnRef idx="1">
+            <a:schemeClr val="accent1"/>
+          </a:lnRef>
+          <a:fillRef idx="0">
+            <a:schemeClr val="accent1"/>
+          </a:fillRef>
+          <a:effectRef idx="0">
+            <a:schemeClr val="accent1"/>
+          </a:effectRef>
+          <a:fontRef idx="minor">
+            <a:schemeClr val="tx1"/>
+          </a:fontRef>
+        </p:style>
+      </p:cxnSp>
+      <p:sp>
+        <p:nvSpPr>
+          <p:cNvPr id="1027" name="Rectangle: Rounded Corners 1026">
+            <a:extLst>
+              <a:ext uri="{FF2B5EF4-FFF2-40B4-BE49-F238E27FC236}">
+                <a16:creationId xmlns:a16="http://schemas.microsoft.com/office/drawing/2014/main" id="{284D38F3-4009-25C0-4CA4-978AC1825866}"/>
               </a:ext>
             </a:extLst>
           </p:cNvPr>
@@ -5201,26 +5323,23 @@
           <p:nvPr/>
         </p:nvSpPr>
         <p:spPr>
-          <a:xfrm>
-            <a:off x="1622903" y="2897182"/>
-            <a:ext cx="1058042" cy="406440"/>
+          <a:xfrm rot="16200000">
+            <a:off x="9353422" y="4046685"/>
+            <a:ext cx="745371" cy="233708"/>
           </a:xfrm>
           <a:prstGeom prst="roundRect">
-            <a:avLst/>
+            <a:avLst>
+              <a:gd name="adj" fmla="val 44614"/>
+            </a:avLst>
           </a:prstGeom>
           <a:solidFill>
-            <a:srgbClr val="404040"/>
+            <a:srgbClr val="7030A0"/>
           </a:solidFill>
-          <a:ln w="9525">
-            <a:noFill/>
+          <a:ln>
+            <a:solidFill>
+              <a:srgbClr val="7030A0"/>
+            </a:solidFill>
           </a:ln>
-          <a:effectLst>
-            <a:outerShdw blurRad="50800" dist="38100" dir="2700000" algn="tl" rotWithShape="0">
-              <a:prstClr val="black">
-                <a:alpha val="40000"/>
-              </a:prstClr>
-            </a:outerShdw>
-          </a:effectLst>
         </p:spPr>
         <p:style>
           <a:lnRef idx="2">
@@ -5244,42 +5363,193 @@
           <a:p>
             <a:pPr algn="ctr"/>
             <a:r>
-              <a:rPr lang="de-DE" sz="2000" dirty="0" err="1">
-                <a:solidFill>
-                  <a:schemeClr val="bg1"/>
-                </a:solidFill>
-                <a:latin typeface="72 Monospace" panose="020B0509030603020204" pitchFamily="49" charset="0"/>
-                <a:cs typeface="72 Monospace" panose="020B0509030603020204" pitchFamily="49" charset="0"/>
-              </a:rPr>
-              <a:t>azd</a:t>
-            </a:r>
-            <a:r>
-              <a:rPr lang="de-DE" sz="800" dirty="0">
-                <a:solidFill>
-                  <a:schemeClr val="bg1"/>
-                </a:solidFill>
-                <a:latin typeface="72 Monospace" panose="020B0509030603020204" pitchFamily="49" charset="0"/>
-                <a:cs typeface="72 Monospace" panose="020B0509030603020204" pitchFamily="49" charset="0"/>
-              </a:rPr>
-              <a:t> </a:t>
-            </a:r>
-            <a:r>
-              <a:rPr lang="de-DE" sz="2000" dirty="0" err="1">
-                <a:solidFill>
-                  <a:schemeClr val="bg1"/>
-                </a:solidFill>
-                <a:latin typeface="72 Monospace" panose="020B0509030603020204" pitchFamily="49" charset="0"/>
-                <a:cs typeface="72 Monospace" panose="020B0509030603020204" pitchFamily="49" charset="0"/>
-              </a:rPr>
-              <a:t>up</a:t>
-            </a:r>
-            <a:endParaRPr lang="en-DE" sz="2000" dirty="0">
-              <a:solidFill>
-                <a:schemeClr val="bg1"/>
-              </a:solidFill>
-              <a:latin typeface="72 Monospace" panose="020B0509030603020204" pitchFamily="49" charset="0"/>
-              <a:cs typeface="72 Monospace" panose="020B0509030603020204" pitchFamily="49" charset="0"/>
-            </a:endParaRPr>
+              <a:rPr lang="de-DE" sz="1400" dirty="0" err="1"/>
+              <a:t>OData</a:t>
+            </a:r>
+            <a:endParaRPr lang="en-DE" sz="1400" dirty="0"/>
+          </a:p>
+        </p:txBody>
+      </p:sp>
+      <p:pic>
+        <p:nvPicPr>
+          <p:cNvPr id="8" name="Graphic 7">
+            <a:extLst>
+              <a:ext uri="{FF2B5EF4-FFF2-40B4-BE49-F238E27FC236}">
+                <a16:creationId xmlns:a16="http://schemas.microsoft.com/office/drawing/2014/main" id="{6809351E-F181-ABD7-2177-ECAF1F04C96C}"/>
+              </a:ext>
+            </a:extLst>
+          </p:cNvPr>
+          <p:cNvPicPr>
+            <a:picLocks noChangeAspect="1"/>
+          </p:cNvPicPr>
+          <p:nvPr/>
+        </p:nvPicPr>
+        <p:blipFill>
+          <a:blip r:embed="rId23">
+            <a:extLst>
+              <a:ext uri="{28A0092B-C50C-407E-A947-70E740481C1C}">
+                <a14:useLocalDpi xmlns:a14="http://schemas.microsoft.com/office/drawing/2010/main" val="0"/>
+              </a:ext>
+              <a:ext uri="{96DAC541-7B7A-43D3-8B79-37D633B846F1}">
+                <asvg:svgBlip xmlns:asvg="http://schemas.microsoft.com/office/drawing/2016/SVG/main" r:embed="rId24"/>
+              </a:ext>
+            </a:extLst>
+          </a:blip>
+          <a:stretch>
+            <a:fillRect/>
+          </a:stretch>
+        </p:blipFill>
+        <p:spPr>
+          <a:xfrm>
+            <a:off x="9506454" y="3252005"/>
+            <a:ext cx="476250" cy="476250"/>
+          </a:xfrm>
+          <a:prstGeom prst="rect">
+            <a:avLst/>
+          </a:prstGeom>
+        </p:spPr>
+      </p:pic>
+      <p:pic>
+        <p:nvPicPr>
+          <p:cNvPr id="29" name="Graphic 28">
+            <a:extLst>
+              <a:ext uri="{FF2B5EF4-FFF2-40B4-BE49-F238E27FC236}">
+                <a16:creationId xmlns:a16="http://schemas.microsoft.com/office/drawing/2014/main" id="{F7CA8D5A-F4AD-F548-E664-74F73CA5FF82}"/>
+              </a:ext>
+            </a:extLst>
+          </p:cNvPr>
+          <p:cNvPicPr>
+            <a:picLocks noChangeAspect="1"/>
+          </p:cNvPicPr>
+          <p:nvPr/>
+        </p:nvPicPr>
+        <p:blipFill rotWithShape="1">
+          <a:blip r:embed="rId25">
+            <a:extLst>
+              <a:ext uri="{28A0092B-C50C-407E-A947-70E740481C1C}">
+                <a14:useLocalDpi xmlns:a14="http://schemas.microsoft.com/office/drawing/2010/main" val="0"/>
+              </a:ext>
+              <a:ext uri="{96DAC541-7B7A-43D3-8B79-37D633B846F1}">
+                <asvg:svgBlip xmlns:asvg="http://schemas.microsoft.com/office/drawing/2016/SVG/main" r:embed="rId26"/>
+              </a:ext>
+            </a:extLst>
+          </a:blip>
+          <a:srcRect l="43671" t="43857" r="41962" b="43060"/>
+          <a:stretch/>
+        </p:blipFill>
+        <p:spPr>
+          <a:xfrm>
+            <a:off x="8187784" y="3241395"/>
+            <a:ext cx="774620" cy="705385"/>
+          </a:xfrm>
+          <a:prstGeom prst="rect">
+            <a:avLst/>
+          </a:prstGeom>
+        </p:spPr>
+      </p:pic>
+      <p:sp>
+        <p:nvSpPr>
+          <p:cNvPr id="35" name="TextBox 34">
+            <a:extLst>
+              <a:ext uri="{FF2B5EF4-FFF2-40B4-BE49-F238E27FC236}">
+                <a16:creationId xmlns:a16="http://schemas.microsoft.com/office/drawing/2014/main" id="{DB6F8AFC-3A56-EBA8-0561-051D477D768D}"/>
+              </a:ext>
+            </a:extLst>
+          </p:cNvPr>
+          <p:cNvSpPr txBox="1"/>
+          <p:nvPr/>
+        </p:nvSpPr>
+        <p:spPr>
+          <a:xfrm>
+            <a:off x="8110040" y="3697673"/>
+            <a:ext cx="774621" cy="584775"/>
+          </a:xfrm>
+          <a:prstGeom prst="rect">
+            <a:avLst/>
+          </a:prstGeom>
+          <a:noFill/>
+        </p:spPr>
+        <p:txBody>
+          <a:bodyPr wrap="square" rtlCol="0">
+            <a:spAutoFit/>
+          </a:bodyPr>
+          <a:lstStyle/>
+          <a:p>
+            <a:pPr algn="ctr"/>
+            <a:r>
+              <a:rPr lang="de-DE" sz="1600" dirty="0"/>
+              <a:t>API</a:t>
+            </a:r>
+          </a:p>
+          <a:p>
+            <a:pPr algn="ctr"/>
+            <a:r>
+              <a:rPr lang="de-DE" sz="1600" dirty="0"/>
+              <a:t>Policy</a:t>
+            </a:r>
+            <a:endParaRPr lang="en-DE" sz="1600" dirty="0"/>
+          </a:p>
+        </p:txBody>
+      </p:sp>
+      <p:sp>
+        <p:nvSpPr>
+          <p:cNvPr id="37" name="Rectangle: Rounded Corners 36">
+            <a:extLst>
+              <a:ext uri="{FF2B5EF4-FFF2-40B4-BE49-F238E27FC236}">
+                <a16:creationId xmlns:a16="http://schemas.microsoft.com/office/drawing/2014/main" id="{E4E23656-C10A-5073-6469-4415B527D1FB}"/>
+              </a:ext>
+            </a:extLst>
+          </p:cNvPr>
+          <p:cNvSpPr/>
+          <p:nvPr/>
+        </p:nvSpPr>
+        <p:spPr>
+          <a:xfrm>
+            <a:off x="6746530" y="3387238"/>
+            <a:ext cx="1211543" cy="214899"/>
+          </a:xfrm>
+          <a:prstGeom prst="roundRect">
+            <a:avLst>
+              <a:gd name="adj" fmla="val 42718"/>
+            </a:avLst>
+          </a:prstGeom>
+          <a:solidFill>
+            <a:srgbClr val="7F7F7F"/>
+          </a:solidFill>
+          <a:ln>
+            <a:noFill/>
+          </a:ln>
+        </p:spPr>
+        <p:style>
+          <a:lnRef idx="2">
+            <a:schemeClr val="accent1">
+              <a:shade val="50000"/>
+            </a:schemeClr>
+          </a:lnRef>
+          <a:fillRef idx="1">
+            <a:schemeClr val="accent1"/>
+          </a:fillRef>
+          <a:effectRef idx="0">
+            <a:schemeClr val="accent1"/>
+          </a:effectRef>
+          <a:fontRef idx="minor">
+            <a:schemeClr val="lt1"/>
+          </a:fontRef>
+        </p:style>
+        <p:txBody>
+          <a:bodyPr rtlCol="0" anchor="ctr"/>
+          <a:lstStyle/>
+          <a:p>
+            <a:pPr algn="ctr"/>
+            <a:r>
+              <a:rPr lang="de-DE" sz="1400" dirty="0"/>
+              <a:t>API </a:t>
+            </a:r>
+            <a:r>
+              <a:rPr lang="de-DE" sz="1400" dirty="0" err="1"/>
+              <a:t>register</a:t>
+            </a:r>
+            <a:endParaRPr lang="en-DE" sz="1400" dirty="0"/>
           </a:p>
         </p:txBody>
       </p:sp>

--- a/assets/drawings.pptx
+++ b/assets/drawings.pptx
@@ -6,6 +6,7 @@
   </p:sldMasterIdLst>
   <p:sldIdLst>
     <p:sldId id="256" r:id="rId2"/>
+    <p:sldId id="257" r:id="rId3"/>
   </p:sldIdLst>
   <p:sldSz cx="12192000" cy="6858000"/>
   <p:notesSz cx="6858000" cy="9144000"/>
@@ -261,7 +262,7 @@
           <a:p>
             <a:fld id="{40E102C9-DE61-4CD8-AC35-112A0980813C}" type="datetimeFigureOut">
               <a:rPr lang="en-DE" smtClean="0"/>
-              <a:t>12/05/2023</a:t>
+              <a:t>01/08/2023</a:t>
             </a:fld>
             <a:endParaRPr lang="en-DE"/>
           </a:p>
@@ -461,7 +462,7 @@
           <a:p>
             <a:fld id="{40E102C9-DE61-4CD8-AC35-112A0980813C}" type="datetimeFigureOut">
               <a:rPr lang="en-DE" smtClean="0"/>
-              <a:t>12/05/2023</a:t>
+              <a:t>01/08/2023</a:t>
             </a:fld>
             <a:endParaRPr lang="en-DE"/>
           </a:p>
@@ -671,7 +672,7 @@
           <a:p>
             <a:fld id="{40E102C9-DE61-4CD8-AC35-112A0980813C}" type="datetimeFigureOut">
               <a:rPr lang="en-DE" smtClean="0"/>
-              <a:t>12/05/2023</a:t>
+              <a:t>01/08/2023</a:t>
             </a:fld>
             <a:endParaRPr lang="en-DE"/>
           </a:p>
@@ -871,7 +872,7 @@
           <a:p>
             <a:fld id="{40E102C9-DE61-4CD8-AC35-112A0980813C}" type="datetimeFigureOut">
               <a:rPr lang="en-DE" smtClean="0"/>
-              <a:t>12/05/2023</a:t>
+              <a:t>01/08/2023</a:t>
             </a:fld>
             <a:endParaRPr lang="en-DE"/>
           </a:p>
@@ -1147,7 +1148,7 @@
           <a:p>
             <a:fld id="{40E102C9-DE61-4CD8-AC35-112A0980813C}" type="datetimeFigureOut">
               <a:rPr lang="en-DE" smtClean="0"/>
-              <a:t>12/05/2023</a:t>
+              <a:t>01/08/2023</a:t>
             </a:fld>
             <a:endParaRPr lang="en-DE"/>
           </a:p>
@@ -1415,7 +1416,7 @@
           <a:p>
             <a:fld id="{40E102C9-DE61-4CD8-AC35-112A0980813C}" type="datetimeFigureOut">
               <a:rPr lang="en-DE" smtClean="0"/>
-              <a:t>12/05/2023</a:t>
+              <a:t>01/08/2023</a:t>
             </a:fld>
             <a:endParaRPr lang="en-DE"/>
           </a:p>
@@ -1830,7 +1831,7 @@
           <a:p>
             <a:fld id="{40E102C9-DE61-4CD8-AC35-112A0980813C}" type="datetimeFigureOut">
               <a:rPr lang="en-DE" smtClean="0"/>
-              <a:t>12/05/2023</a:t>
+              <a:t>01/08/2023</a:t>
             </a:fld>
             <a:endParaRPr lang="en-DE"/>
           </a:p>
@@ -1972,7 +1973,7 @@
           <a:p>
             <a:fld id="{40E102C9-DE61-4CD8-AC35-112A0980813C}" type="datetimeFigureOut">
               <a:rPr lang="en-DE" smtClean="0"/>
-              <a:t>12/05/2023</a:t>
+              <a:t>01/08/2023</a:t>
             </a:fld>
             <a:endParaRPr lang="en-DE"/>
           </a:p>
@@ -2085,7 +2086,7 @@
           <a:p>
             <a:fld id="{40E102C9-DE61-4CD8-AC35-112A0980813C}" type="datetimeFigureOut">
               <a:rPr lang="en-DE" smtClean="0"/>
-              <a:t>12/05/2023</a:t>
+              <a:t>01/08/2023</a:t>
             </a:fld>
             <a:endParaRPr lang="en-DE"/>
           </a:p>
@@ -2398,7 +2399,7 @@
           <a:p>
             <a:fld id="{40E102C9-DE61-4CD8-AC35-112A0980813C}" type="datetimeFigureOut">
               <a:rPr lang="en-DE" smtClean="0"/>
-              <a:t>12/05/2023</a:t>
+              <a:t>01/08/2023</a:t>
             </a:fld>
             <a:endParaRPr lang="en-DE"/>
           </a:p>
@@ -2687,7 +2688,7 @@
           <a:p>
             <a:fld id="{40E102C9-DE61-4CD8-AC35-112A0980813C}" type="datetimeFigureOut">
               <a:rPr lang="en-DE" smtClean="0"/>
-              <a:t>12/05/2023</a:t>
+              <a:t>01/08/2023</a:t>
             </a:fld>
             <a:endParaRPr lang="en-DE"/>
           </a:p>
@@ -2930,7 +2931,7 @@
           <a:p>
             <a:fld id="{40E102C9-DE61-4CD8-AC35-112A0980813C}" type="datetimeFigureOut">
               <a:rPr lang="en-DE" smtClean="0"/>
-              <a:t>12/05/2023</a:t>
+              <a:t>01/08/2023</a:t>
             </a:fld>
             <a:endParaRPr lang="en-DE"/>
           </a:p>
@@ -5566,6 +5567,2242 @@
 </p:sld>
 </file>
 
+<file path=ppt/slides/slide2.xml><?xml version="1.0" encoding="utf-8"?>
+<p:sld xmlns:a="http://schemas.openxmlformats.org/drawingml/2006/main" xmlns:r="http://schemas.openxmlformats.org/officeDocument/2006/relationships" xmlns:p="http://schemas.openxmlformats.org/presentationml/2006/main">
+  <p:cSld>
+    <p:spTree>
+      <p:nvGrpSpPr>
+        <p:cNvPr id="1" name=""/>
+        <p:cNvGrpSpPr/>
+        <p:nvPr/>
+      </p:nvGrpSpPr>
+      <p:grpSpPr>
+        <a:xfrm>
+          <a:off x="0" y="0"/>
+          <a:ext cx="0" cy="0"/>
+          <a:chOff x="0" y="0"/>
+          <a:chExt cx="0" cy="0"/>
+        </a:xfrm>
+      </p:grpSpPr>
+      <p:sp>
+        <p:nvSpPr>
+          <p:cNvPr id="20" name="Rectangle 19">
+            <a:extLst>
+              <a:ext uri="{FF2B5EF4-FFF2-40B4-BE49-F238E27FC236}">
+                <a16:creationId xmlns:a16="http://schemas.microsoft.com/office/drawing/2014/main" id="{1D7A66A8-F451-F4C4-E30F-57CEBFC6B9D0}"/>
+              </a:ext>
+            </a:extLst>
+          </p:cNvPr>
+          <p:cNvSpPr/>
+          <p:nvPr/>
+        </p:nvSpPr>
+        <p:spPr>
+          <a:xfrm>
+            <a:off x="103220" y="706794"/>
+            <a:ext cx="11497842" cy="5444412"/>
+          </a:xfrm>
+          <a:prstGeom prst="rect">
+            <a:avLst/>
+          </a:prstGeom>
+          <a:solidFill>
+            <a:schemeClr val="bg1"/>
+          </a:solidFill>
+          <a:ln>
+            <a:noFill/>
+          </a:ln>
+        </p:spPr>
+        <p:style>
+          <a:lnRef idx="2">
+            <a:schemeClr val="accent1">
+              <a:shade val="50000"/>
+            </a:schemeClr>
+          </a:lnRef>
+          <a:fillRef idx="1">
+            <a:schemeClr val="accent1"/>
+          </a:fillRef>
+          <a:effectRef idx="0">
+            <a:schemeClr val="accent1"/>
+          </a:effectRef>
+          <a:fontRef idx="minor">
+            <a:schemeClr val="lt1"/>
+          </a:fontRef>
+        </p:style>
+        <p:txBody>
+          <a:bodyPr rtlCol="0" anchor="ctr"/>
+          <a:lstStyle/>
+          <a:p>
+            <a:pPr algn="ctr"/>
+            <a:endParaRPr lang="en-DE"/>
+          </a:p>
+        </p:txBody>
+      </p:sp>
+      <p:sp>
+        <p:nvSpPr>
+          <p:cNvPr id="1031" name="Rectangle 1030">
+            <a:extLst>
+              <a:ext uri="{FF2B5EF4-FFF2-40B4-BE49-F238E27FC236}">
+                <a16:creationId xmlns:a16="http://schemas.microsoft.com/office/drawing/2014/main" id="{D29A1D44-C8C4-66E3-64FA-ECD21E046864}"/>
+              </a:ext>
+            </a:extLst>
+          </p:cNvPr>
+          <p:cNvSpPr/>
+          <p:nvPr/>
+        </p:nvSpPr>
+        <p:spPr>
+          <a:xfrm>
+            <a:off x="2357979" y="2471685"/>
+            <a:ext cx="970133" cy="475776"/>
+          </a:xfrm>
+          <a:prstGeom prst="rect">
+            <a:avLst/>
+          </a:prstGeom>
+          <a:solidFill>
+            <a:schemeClr val="bg1"/>
+          </a:solidFill>
+          <a:ln>
+            <a:noFill/>
+          </a:ln>
+        </p:spPr>
+        <p:style>
+          <a:lnRef idx="2">
+            <a:schemeClr val="accent1">
+              <a:shade val="50000"/>
+            </a:schemeClr>
+          </a:lnRef>
+          <a:fillRef idx="1">
+            <a:schemeClr val="accent1"/>
+          </a:fillRef>
+          <a:effectRef idx="0">
+            <a:schemeClr val="accent1"/>
+          </a:effectRef>
+          <a:fontRef idx="minor">
+            <a:schemeClr val="lt1"/>
+          </a:fontRef>
+        </p:style>
+        <p:txBody>
+          <a:bodyPr rtlCol="0" anchor="ctr"/>
+          <a:lstStyle/>
+          <a:p>
+            <a:pPr algn="ctr"/>
+            <a:endParaRPr lang="en-DE"/>
+          </a:p>
+        </p:txBody>
+      </p:sp>
+      <p:pic>
+        <p:nvPicPr>
+          <p:cNvPr id="5" name="Graphic 4">
+            <a:extLst>
+              <a:ext uri="{FF2B5EF4-FFF2-40B4-BE49-F238E27FC236}">
+                <a16:creationId xmlns:a16="http://schemas.microsoft.com/office/drawing/2014/main" id="{484EBEF5-788F-8971-2961-EEA69A60713F}"/>
+              </a:ext>
+            </a:extLst>
+          </p:cNvPr>
+          <p:cNvPicPr>
+            <a:picLocks noChangeAspect="1"/>
+          </p:cNvPicPr>
+          <p:nvPr/>
+        </p:nvPicPr>
+        <p:blipFill>
+          <a:blip r:embed="rId2">
+            <a:extLst>
+              <a:ext uri="{28A0092B-C50C-407E-A947-70E740481C1C}">
+                <a14:useLocalDpi xmlns:a14="http://schemas.microsoft.com/office/drawing/2010/main" val="0"/>
+              </a:ext>
+              <a:ext uri="{96DAC541-7B7A-43D3-8B79-37D633B846F1}">
+                <asvg:svgBlip xmlns:asvg="http://schemas.microsoft.com/office/drawing/2016/SVG/main" r:embed="rId3"/>
+              </a:ext>
+            </a:extLst>
+          </a:blip>
+          <a:stretch>
+            <a:fillRect/>
+          </a:stretch>
+        </p:blipFill>
+        <p:spPr>
+          <a:xfrm>
+            <a:off x="5675928" y="2938447"/>
+            <a:ext cx="352426" cy="352426"/>
+          </a:xfrm>
+          <a:prstGeom prst="rect">
+            <a:avLst/>
+          </a:prstGeom>
+        </p:spPr>
+      </p:pic>
+      <p:pic>
+        <p:nvPicPr>
+          <p:cNvPr id="9" name="Graphic 8">
+            <a:extLst>
+              <a:ext uri="{FF2B5EF4-FFF2-40B4-BE49-F238E27FC236}">
+                <a16:creationId xmlns:a16="http://schemas.microsoft.com/office/drawing/2014/main" id="{67EB8018-ECD5-D1AF-91F6-E21E0483908F}"/>
+              </a:ext>
+            </a:extLst>
+          </p:cNvPr>
+          <p:cNvPicPr>
+            <a:picLocks noChangeAspect="1"/>
+          </p:cNvPicPr>
+          <p:nvPr/>
+        </p:nvPicPr>
+        <p:blipFill>
+          <a:blip r:embed="rId4">
+            <a:extLst>
+              <a:ext uri="{28A0092B-C50C-407E-A947-70E740481C1C}">
+                <a14:useLocalDpi xmlns:a14="http://schemas.microsoft.com/office/drawing/2010/main" val="0"/>
+              </a:ext>
+              <a:ext uri="{96DAC541-7B7A-43D3-8B79-37D633B846F1}">
+                <asvg:svgBlip xmlns:asvg="http://schemas.microsoft.com/office/drawing/2016/SVG/main" r:embed="rId5"/>
+              </a:ext>
+            </a:extLst>
+          </a:blip>
+          <a:stretch>
+            <a:fillRect/>
+          </a:stretch>
+        </p:blipFill>
+        <p:spPr>
+          <a:xfrm>
+            <a:off x="5288708" y="3614852"/>
+            <a:ext cx="352425" cy="352425"/>
+          </a:xfrm>
+          <a:prstGeom prst="rect">
+            <a:avLst/>
+          </a:prstGeom>
+        </p:spPr>
+      </p:pic>
+      <p:pic>
+        <p:nvPicPr>
+          <p:cNvPr id="11" name="Graphic 10">
+            <a:extLst>
+              <a:ext uri="{FF2B5EF4-FFF2-40B4-BE49-F238E27FC236}">
+                <a16:creationId xmlns:a16="http://schemas.microsoft.com/office/drawing/2014/main" id="{7ECE0848-0025-2380-481E-7B6C239D2A8C}"/>
+              </a:ext>
+            </a:extLst>
+          </p:cNvPr>
+          <p:cNvPicPr>
+            <a:picLocks noChangeAspect="1"/>
+          </p:cNvPicPr>
+          <p:nvPr/>
+        </p:nvPicPr>
+        <p:blipFill>
+          <a:blip r:embed="rId6">
+            <a:extLst>
+              <a:ext uri="{28A0092B-C50C-407E-A947-70E740481C1C}">
+                <a14:useLocalDpi xmlns:a14="http://schemas.microsoft.com/office/drawing/2010/main" val="0"/>
+              </a:ext>
+              <a:ext uri="{96DAC541-7B7A-43D3-8B79-37D633B846F1}">
+                <asvg:svgBlip xmlns:asvg="http://schemas.microsoft.com/office/drawing/2016/SVG/main" r:embed="rId7"/>
+              </a:ext>
+            </a:extLst>
+          </a:blip>
+          <a:stretch>
+            <a:fillRect/>
+          </a:stretch>
+        </p:blipFill>
+        <p:spPr>
+          <a:xfrm>
+            <a:off x="5330970" y="4067852"/>
+            <a:ext cx="326768" cy="326768"/>
+          </a:xfrm>
+          <a:prstGeom prst="rect">
+            <a:avLst/>
+          </a:prstGeom>
+        </p:spPr>
+      </p:pic>
+      <p:pic>
+        <p:nvPicPr>
+          <p:cNvPr id="13" name="Graphic 12">
+            <a:extLst>
+              <a:ext uri="{FF2B5EF4-FFF2-40B4-BE49-F238E27FC236}">
+                <a16:creationId xmlns:a16="http://schemas.microsoft.com/office/drawing/2014/main" id="{F2BF9E52-123B-7687-66C2-76EA81762DB8}"/>
+              </a:ext>
+            </a:extLst>
+          </p:cNvPr>
+          <p:cNvPicPr>
+            <a:picLocks noChangeAspect="1"/>
+          </p:cNvPicPr>
+          <p:nvPr/>
+        </p:nvPicPr>
+        <p:blipFill>
+          <a:blip r:embed="rId8">
+            <a:extLst>
+              <a:ext uri="{28A0092B-C50C-407E-A947-70E740481C1C}">
+                <a14:useLocalDpi xmlns:a14="http://schemas.microsoft.com/office/drawing/2010/main" val="0"/>
+              </a:ext>
+              <a:ext uri="{96DAC541-7B7A-43D3-8B79-37D633B846F1}">
+                <asvg:svgBlip xmlns:asvg="http://schemas.microsoft.com/office/drawing/2016/SVG/main" r:embed="rId9"/>
+              </a:ext>
+            </a:extLst>
+          </a:blip>
+          <a:stretch>
+            <a:fillRect/>
+          </a:stretch>
+        </p:blipFill>
+        <p:spPr>
+          <a:xfrm>
+            <a:off x="5618486" y="4573461"/>
+            <a:ext cx="426291" cy="426291"/>
+          </a:xfrm>
+          <a:prstGeom prst="rect">
+            <a:avLst/>
+          </a:prstGeom>
+        </p:spPr>
+      </p:pic>
+      <p:pic>
+        <p:nvPicPr>
+          <p:cNvPr id="1026" name="Picture 2" descr="GitHub Actions · GitHub">
+            <a:extLst>
+              <a:ext uri="{FF2B5EF4-FFF2-40B4-BE49-F238E27FC236}">
+                <a16:creationId xmlns:a16="http://schemas.microsoft.com/office/drawing/2014/main" id="{97A9B121-016C-FFFC-BFAE-2BA85F91AAF3}"/>
+              </a:ext>
+            </a:extLst>
+          </p:cNvPr>
+          <p:cNvPicPr>
+            <a:picLocks noChangeAspect="1" noChangeArrowheads="1"/>
+          </p:cNvPicPr>
+          <p:nvPr/>
+        </p:nvPicPr>
+        <p:blipFill>
+          <a:blip r:embed="rId10">
+            <a:extLst>
+              <a:ext uri="{28A0092B-C50C-407E-A947-70E740481C1C}">
+                <a14:useLocalDpi xmlns:a14="http://schemas.microsoft.com/office/drawing/2010/main" val="0"/>
+              </a:ext>
+            </a:extLst>
+          </a:blip>
+          <a:srcRect/>
+          <a:stretch>
+            <a:fillRect/>
+          </a:stretch>
+        </p:blipFill>
+        <p:spPr bwMode="auto">
+          <a:xfrm>
+            <a:off x="674720" y="4113050"/>
+            <a:ext cx="563141" cy="563141"/>
+          </a:xfrm>
+          <a:prstGeom prst="rect">
+            <a:avLst/>
+          </a:prstGeom>
+          <a:noFill/>
+          <a:extLst>
+            <a:ext uri="{909E8E84-426E-40DD-AFC4-6F175D3DCCD1}">
+              <a14:hiddenFill xmlns:a14="http://schemas.microsoft.com/office/drawing/2010/main">
+                <a:solidFill>
+                  <a:srgbClr val="FFFFFF"/>
+                </a:solidFill>
+              </a14:hiddenFill>
+            </a:ext>
+          </a:extLst>
+        </p:spPr>
+      </p:pic>
+      <p:pic>
+        <p:nvPicPr>
+          <p:cNvPr id="16" name="Graphic 15">
+            <a:extLst>
+              <a:ext uri="{FF2B5EF4-FFF2-40B4-BE49-F238E27FC236}">
+                <a16:creationId xmlns:a16="http://schemas.microsoft.com/office/drawing/2014/main" id="{AA44D21A-47B7-76FB-F612-8318C2E377D5}"/>
+              </a:ext>
+            </a:extLst>
+          </p:cNvPr>
+          <p:cNvPicPr>
+            <a:picLocks noChangeAspect="1"/>
+          </p:cNvPicPr>
+          <p:nvPr/>
+        </p:nvPicPr>
+        <p:blipFill>
+          <a:blip r:embed="rId11">
+            <a:extLst>
+              <a:ext uri="{28A0092B-C50C-407E-A947-70E740481C1C}">
+                <a14:useLocalDpi xmlns:a14="http://schemas.microsoft.com/office/drawing/2010/main" val="0"/>
+              </a:ext>
+              <a:ext uri="{96DAC541-7B7A-43D3-8B79-37D633B846F1}">
+                <asvg:svgBlip xmlns:asvg="http://schemas.microsoft.com/office/drawing/2016/SVG/main" r:embed="rId12"/>
+              </a:ext>
+            </a:extLst>
+          </a:blip>
+          <a:stretch>
+            <a:fillRect/>
+          </a:stretch>
+        </p:blipFill>
+        <p:spPr>
+          <a:xfrm>
+            <a:off x="4298982" y="1511365"/>
+            <a:ext cx="676664" cy="676664"/>
+          </a:xfrm>
+          <a:prstGeom prst="rect">
+            <a:avLst/>
+          </a:prstGeom>
+        </p:spPr>
+      </p:pic>
+      <p:cxnSp>
+        <p:nvCxnSpPr>
+          <p:cNvPr id="18" name="Straight Connector 17">
+            <a:extLst>
+              <a:ext uri="{FF2B5EF4-FFF2-40B4-BE49-F238E27FC236}">
+                <a16:creationId xmlns:a16="http://schemas.microsoft.com/office/drawing/2014/main" id="{433D2BF1-62AD-D764-9160-5331E13527C8}"/>
+              </a:ext>
+            </a:extLst>
+          </p:cNvPr>
+          <p:cNvCxnSpPr>
+            <a:cxnSpLocks/>
+          </p:cNvCxnSpPr>
+          <p:nvPr/>
+        </p:nvCxnSpPr>
+        <p:spPr>
+          <a:xfrm>
+            <a:off x="4637314" y="2332654"/>
+            <a:ext cx="0" cy="3298371"/>
+          </a:xfrm>
+          <a:prstGeom prst="line">
+            <a:avLst/>
+          </a:prstGeom>
+          <a:ln w="28575">
+            <a:solidFill>
+              <a:schemeClr val="bg1">
+                <a:lumMod val="50000"/>
+              </a:schemeClr>
+            </a:solidFill>
+          </a:ln>
+        </p:spPr>
+        <p:style>
+          <a:lnRef idx="1">
+            <a:schemeClr val="accent1"/>
+          </a:lnRef>
+          <a:fillRef idx="0">
+            <a:schemeClr val="accent1"/>
+          </a:fillRef>
+          <a:effectRef idx="0">
+            <a:schemeClr val="accent1"/>
+          </a:effectRef>
+          <a:fontRef idx="minor">
+            <a:schemeClr val="tx1"/>
+          </a:fontRef>
+        </p:style>
+      </p:cxnSp>
+      <p:pic>
+        <p:nvPicPr>
+          <p:cNvPr id="21" name="Graphic 20">
+            <a:extLst>
+              <a:ext uri="{FF2B5EF4-FFF2-40B4-BE49-F238E27FC236}">
+                <a16:creationId xmlns:a16="http://schemas.microsoft.com/office/drawing/2014/main" id="{45A5ABEC-CE3B-199B-7E15-6AF183E51219}"/>
+              </a:ext>
+            </a:extLst>
+          </p:cNvPr>
+          <p:cNvPicPr>
+            <a:picLocks noChangeAspect="1"/>
+          </p:cNvPicPr>
+          <p:nvPr/>
+        </p:nvPicPr>
+        <p:blipFill>
+          <a:blip r:embed="rId13">
+            <a:extLst>
+              <a:ext uri="{28A0092B-C50C-407E-A947-70E740481C1C}">
+                <a14:useLocalDpi xmlns:a14="http://schemas.microsoft.com/office/drawing/2010/main" val="0"/>
+              </a:ext>
+              <a:ext uri="{96DAC541-7B7A-43D3-8B79-37D633B846F1}">
+                <asvg:svgBlip xmlns:asvg="http://schemas.microsoft.com/office/drawing/2016/SVG/main" r:embed="rId14"/>
+              </a:ext>
+            </a:extLst>
+          </a:blip>
+          <a:stretch>
+            <a:fillRect/>
+          </a:stretch>
+        </p:blipFill>
+        <p:spPr>
+          <a:xfrm>
+            <a:off x="5652357" y="5278114"/>
+            <a:ext cx="358548" cy="295275"/>
+          </a:xfrm>
+          <a:prstGeom prst="rect">
+            <a:avLst/>
+          </a:prstGeom>
+        </p:spPr>
+      </p:pic>
+      <p:cxnSp>
+        <p:nvCxnSpPr>
+          <p:cNvPr id="24" name="Straight Connector 23">
+            <a:extLst>
+              <a:ext uri="{FF2B5EF4-FFF2-40B4-BE49-F238E27FC236}">
+                <a16:creationId xmlns:a16="http://schemas.microsoft.com/office/drawing/2014/main" id="{C2351C69-1596-FE21-3757-E81275EAA91D}"/>
+              </a:ext>
+            </a:extLst>
+          </p:cNvPr>
+          <p:cNvCxnSpPr>
+            <a:cxnSpLocks/>
+          </p:cNvCxnSpPr>
+          <p:nvPr/>
+        </p:nvCxnSpPr>
+        <p:spPr>
+          <a:xfrm>
+            <a:off x="4625166" y="2629970"/>
+            <a:ext cx="449132" cy="0"/>
+          </a:xfrm>
+          <a:prstGeom prst="line">
+            <a:avLst/>
+          </a:prstGeom>
+          <a:ln w="28575">
+            <a:solidFill>
+              <a:schemeClr val="bg1">
+                <a:lumMod val="50000"/>
+              </a:schemeClr>
+            </a:solidFill>
+          </a:ln>
+        </p:spPr>
+        <p:style>
+          <a:lnRef idx="1">
+            <a:schemeClr val="accent1"/>
+          </a:lnRef>
+          <a:fillRef idx="0">
+            <a:schemeClr val="accent1"/>
+          </a:fillRef>
+          <a:effectRef idx="0">
+            <a:schemeClr val="accent1"/>
+          </a:effectRef>
+          <a:fontRef idx="minor">
+            <a:schemeClr val="tx1"/>
+          </a:fontRef>
+        </p:style>
+      </p:cxnSp>
+      <p:cxnSp>
+        <p:nvCxnSpPr>
+          <p:cNvPr id="28" name="Straight Connector 27">
+            <a:extLst>
+              <a:ext uri="{FF2B5EF4-FFF2-40B4-BE49-F238E27FC236}">
+                <a16:creationId xmlns:a16="http://schemas.microsoft.com/office/drawing/2014/main" id="{9694A0E8-D324-EED8-3831-AC77DF8B8D2B}"/>
+              </a:ext>
+            </a:extLst>
+          </p:cNvPr>
+          <p:cNvCxnSpPr>
+            <a:cxnSpLocks/>
+          </p:cNvCxnSpPr>
+          <p:nvPr/>
+        </p:nvCxnSpPr>
+        <p:spPr>
+          <a:xfrm>
+            <a:off x="4637314" y="3114553"/>
+            <a:ext cx="877078" cy="0"/>
+          </a:xfrm>
+          <a:prstGeom prst="line">
+            <a:avLst/>
+          </a:prstGeom>
+          <a:ln w="28575">
+            <a:solidFill>
+              <a:schemeClr val="bg1">
+                <a:lumMod val="50000"/>
+              </a:schemeClr>
+            </a:solidFill>
+          </a:ln>
+        </p:spPr>
+        <p:style>
+          <a:lnRef idx="1">
+            <a:schemeClr val="accent1"/>
+          </a:lnRef>
+          <a:fillRef idx="0">
+            <a:schemeClr val="accent1"/>
+          </a:fillRef>
+          <a:effectRef idx="0">
+            <a:schemeClr val="accent1"/>
+          </a:effectRef>
+          <a:fontRef idx="minor">
+            <a:schemeClr val="tx1"/>
+          </a:fontRef>
+        </p:style>
+      </p:cxnSp>
+      <p:cxnSp>
+        <p:nvCxnSpPr>
+          <p:cNvPr id="30" name="Straight Connector 29">
+            <a:extLst>
+              <a:ext uri="{FF2B5EF4-FFF2-40B4-BE49-F238E27FC236}">
+                <a16:creationId xmlns:a16="http://schemas.microsoft.com/office/drawing/2014/main" id="{F1945314-1425-25D6-2F07-9F0F8538B182}"/>
+              </a:ext>
+            </a:extLst>
+          </p:cNvPr>
+          <p:cNvCxnSpPr>
+            <a:cxnSpLocks/>
+          </p:cNvCxnSpPr>
+          <p:nvPr/>
+        </p:nvCxnSpPr>
+        <p:spPr>
+          <a:xfrm>
+            <a:off x="4637314" y="4786606"/>
+            <a:ext cx="877078" cy="0"/>
+          </a:xfrm>
+          <a:prstGeom prst="line">
+            <a:avLst/>
+          </a:prstGeom>
+          <a:ln w="28575">
+            <a:solidFill>
+              <a:schemeClr val="bg1">
+                <a:lumMod val="50000"/>
+              </a:schemeClr>
+            </a:solidFill>
+          </a:ln>
+        </p:spPr>
+        <p:style>
+          <a:lnRef idx="1">
+            <a:schemeClr val="accent1"/>
+          </a:lnRef>
+          <a:fillRef idx="0">
+            <a:schemeClr val="accent1"/>
+          </a:fillRef>
+          <a:effectRef idx="0">
+            <a:schemeClr val="accent1"/>
+          </a:effectRef>
+          <a:fontRef idx="minor">
+            <a:schemeClr val="tx1"/>
+          </a:fontRef>
+        </p:style>
+      </p:cxnSp>
+      <p:cxnSp>
+        <p:nvCxnSpPr>
+          <p:cNvPr id="31" name="Straight Connector 30">
+            <a:extLst>
+              <a:ext uri="{FF2B5EF4-FFF2-40B4-BE49-F238E27FC236}">
+                <a16:creationId xmlns:a16="http://schemas.microsoft.com/office/drawing/2014/main" id="{04171F2B-D3BB-3CB4-9BFD-709BB7817273}"/>
+              </a:ext>
+            </a:extLst>
+          </p:cNvPr>
+          <p:cNvCxnSpPr>
+            <a:cxnSpLocks/>
+          </p:cNvCxnSpPr>
+          <p:nvPr/>
+        </p:nvCxnSpPr>
+        <p:spPr>
+          <a:xfrm>
+            <a:off x="4637314" y="3800301"/>
+            <a:ext cx="449132" cy="0"/>
+          </a:xfrm>
+          <a:prstGeom prst="line">
+            <a:avLst/>
+          </a:prstGeom>
+          <a:ln w="28575">
+            <a:solidFill>
+              <a:schemeClr val="bg1">
+                <a:lumMod val="50000"/>
+              </a:schemeClr>
+            </a:solidFill>
+          </a:ln>
+        </p:spPr>
+        <p:style>
+          <a:lnRef idx="1">
+            <a:schemeClr val="accent1"/>
+          </a:lnRef>
+          <a:fillRef idx="0">
+            <a:schemeClr val="accent1"/>
+          </a:fillRef>
+          <a:effectRef idx="0">
+            <a:schemeClr val="accent1"/>
+          </a:effectRef>
+          <a:fontRef idx="minor">
+            <a:schemeClr val="tx1"/>
+          </a:fontRef>
+        </p:style>
+      </p:cxnSp>
+      <p:cxnSp>
+        <p:nvCxnSpPr>
+          <p:cNvPr id="32" name="Straight Connector 31">
+            <a:extLst>
+              <a:ext uri="{FF2B5EF4-FFF2-40B4-BE49-F238E27FC236}">
+                <a16:creationId xmlns:a16="http://schemas.microsoft.com/office/drawing/2014/main" id="{238A3636-E46C-41AF-4A36-C627C88C27AC}"/>
+              </a:ext>
+            </a:extLst>
+          </p:cNvPr>
+          <p:cNvCxnSpPr>
+            <a:cxnSpLocks/>
+          </p:cNvCxnSpPr>
+          <p:nvPr/>
+        </p:nvCxnSpPr>
+        <p:spPr>
+          <a:xfrm>
+            <a:off x="4625166" y="4280030"/>
+            <a:ext cx="449132" cy="0"/>
+          </a:xfrm>
+          <a:prstGeom prst="line">
+            <a:avLst/>
+          </a:prstGeom>
+          <a:ln w="28575">
+            <a:solidFill>
+              <a:schemeClr val="bg1">
+                <a:lumMod val="50000"/>
+              </a:schemeClr>
+            </a:solidFill>
+          </a:ln>
+        </p:spPr>
+        <p:style>
+          <a:lnRef idx="1">
+            <a:schemeClr val="accent1"/>
+          </a:lnRef>
+          <a:fillRef idx="0">
+            <a:schemeClr val="accent1"/>
+          </a:fillRef>
+          <a:effectRef idx="0">
+            <a:schemeClr val="accent1"/>
+          </a:effectRef>
+          <a:fontRef idx="minor">
+            <a:schemeClr val="tx1"/>
+          </a:fontRef>
+        </p:style>
+      </p:cxnSp>
+      <p:cxnSp>
+        <p:nvCxnSpPr>
+          <p:cNvPr id="33" name="Straight Connector 32">
+            <a:extLst>
+              <a:ext uri="{FF2B5EF4-FFF2-40B4-BE49-F238E27FC236}">
+                <a16:creationId xmlns:a16="http://schemas.microsoft.com/office/drawing/2014/main" id="{6E4C6B18-A7C1-F4CA-B6D9-2CC893719FEA}"/>
+              </a:ext>
+            </a:extLst>
+          </p:cNvPr>
+          <p:cNvCxnSpPr>
+            <a:cxnSpLocks/>
+          </p:cNvCxnSpPr>
+          <p:nvPr/>
+        </p:nvCxnSpPr>
+        <p:spPr>
+          <a:xfrm>
+            <a:off x="4625166" y="5425751"/>
+            <a:ext cx="449132" cy="0"/>
+          </a:xfrm>
+          <a:prstGeom prst="line">
+            <a:avLst/>
+          </a:prstGeom>
+          <a:ln w="28575">
+            <a:solidFill>
+              <a:schemeClr val="bg1">
+                <a:lumMod val="50000"/>
+              </a:schemeClr>
+            </a:solidFill>
+          </a:ln>
+        </p:spPr>
+        <p:style>
+          <a:lnRef idx="1">
+            <a:schemeClr val="accent1"/>
+          </a:lnRef>
+          <a:fillRef idx="0">
+            <a:schemeClr val="accent1"/>
+          </a:fillRef>
+          <a:effectRef idx="0">
+            <a:schemeClr val="accent1"/>
+          </a:effectRef>
+          <a:fontRef idx="minor">
+            <a:schemeClr val="tx1"/>
+          </a:fontRef>
+        </p:style>
+      </p:cxnSp>
+      <p:sp>
+        <p:nvSpPr>
+          <p:cNvPr id="34" name="Left Brace 33">
+            <a:extLst>
+              <a:ext uri="{FF2B5EF4-FFF2-40B4-BE49-F238E27FC236}">
+                <a16:creationId xmlns:a16="http://schemas.microsoft.com/office/drawing/2014/main" id="{28B90C8A-6CBA-0D47-2976-0B0667675F94}"/>
+              </a:ext>
+            </a:extLst>
+          </p:cNvPr>
+          <p:cNvSpPr/>
+          <p:nvPr/>
+        </p:nvSpPr>
+        <p:spPr>
+          <a:xfrm>
+            <a:off x="3288508" y="1743658"/>
+            <a:ext cx="596089" cy="3858208"/>
+          </a:xfrm>
+          <a:prstGeom prst="leftBrace">
+            <a:avLst>
+              <a:gd name="adj1" fmla="val 47466"/>
+              <a:gd name="adj2" fmla="val 50000"/>
+            </a:avLst>
+          </a:prstGeom>
+          <a:ln w="28575">
+            <a:solidFill>
+              <a:schemeClr val="bg1">
+                <a:lumMod val="50000"/>
+              </a:schemeClr>
+            </a:solidFill>
+          </a:ln>
+        </p:spPr>
+        <p:style>
+          <a:lnRef idx="1">
+            <a:schemeClr val="accent1"/>
+          </a:lnRef>
+          <a:fillRef idx="0">
+            <a:schemeClr val="accent1"/>
+          </a:fillRef>
+          <a:effectRef idx="0">
+            <a:schemeClr val="accent1"/>
+          </a:effectRef>
+          <a:fontRef idx="minor">
+            <a:schemeClr val="tx1"/>
+          </a:fontRef>
+        </p:style>
+        <p:txBody>
+          <a:bodyPr rtlCol="0" anchor="ctr"/>
+          <a:lstStyle/>
+          <a:p>
+            <a:pPr algn="ctr"/>
+            <a:endParaRPr lang="en-DE"/>
+          </a:p>
+        </p:txBody>
+      </p:sp>
+      <p:cxnSp>
+        <p:nvCxnSpPr>
+          <p:cNvPr id="36" name="Straight Arrow Connector 35">
+            <a:extLst>
+              <a:ext uri="{FF2B5EF4-FFF2-40B4-BE49-F238E27FC236}">
+                <a16:creationId xmlns:a16="http://schemas.microsoft.com/office/drawing/2014/main" id="{D9ED4788-5BCD-221D-BCA6-E9E1C9424593}"/>
+              </a:ext>
+            </a:extLst>
+          </p:cNvPr>
+          <p:cNvCxnSpPr>
+            <a:cxnSpLocks/>
+          </p:cNvCxnSpPr>
+          <p:nvPr/>
+        </p:nvCxnSpPr>
+        <p:spPr>
+          <a:xfrm>
+            <a:off x="1404257" y="3391679"/>
+            <a:ext cx="1553547" cy="0"/>
+          </a:xfrm>
+          <a:prstGeom prst="straightConnector1">
+            <a:avLst/>
+          </a:prstGeom>
+          <a:ln w="28575">
+            <a:tailEnd type="triangle"/>
+          </a:ln>
+        </p:spPr>
+        <p:style>
+          <a:lnRef idx="1">
+            <a:schemeClr val="accent2"/>
+          </a:lnRef>
+          <a:fillRef idx="0">
+            <a:schemeClr val="accent2"/>
+          </a:fillRef>
+          <a:effectRef idx="0">
+            <a:schemeClr val="accent2"/>
+          </a:effectRef>
+          <a:fontRef idx="minor">
+            <a:schemeClr val="tx1"/>
+          </a:fontRef>
+        </p:style>
+      </p:cxnSp>
+      <p:cxnSp>
+        <p:nvCxnSpPr>
+          <p:cNvPr id="39" name="Straight Arrow Connector 38">
+            <a:extLst>
+              <a:ext uri="{FF2B5EF4-FFF2-40B4-BE49-F238E27FC236}">
+                <a16:creationId xmlns:a16="http://schemas.microsoft.com/office/drawing/2014/main" id="{8E49F808-6C75-5B90-5850-D41E5B0FEDFD}"/>
+              </a:ext>
+            </a:extLst>
+          </p:cNvPr>
+          <p:cNvCxnSpPr>
+            <a:cxnSpLocks/>
+            <a:endCxn id="1026" idx="0"/>
+          </p:cNvCxnSpPr>
+          <p:nvPr/>
+        </p:nvCxnSpPr>
+        <p:spPr>
+          <a:xfrm>
+            <a:off x="956291" y="3790854"/>
+            <a:ext cx="0" cy="322196"/>
+          </a:xfrm>
+          <a:prstGeom prst="straightConnector1">
+            <a:avLst/>
+          </a:prstGeom>
+          <a:ln>
+            <a:tailEnd type="triangle"/>
+          </a:ln>
+        </p:spPr>
+        <p:style>
+          <a:lnRef idx="1">
+            <a:schemeClr val="accent3"/>
+          </a:lnRef>
+          <a:fillRef idx="0">
+            <a:schemeClr val="accent3"/>
+          </a:fillRef>
+          <a:effectRef idx="0">
+            <a:schemeClr val="accent3"/>
+          </a:effectRef>
+          <a:fontRef idx="minor">
+            <a:schemeClr val="tx1"/>
+          </a:fontRef>
+        </p:style>
+      </p:cxnSp>
+      <p:cxnSp>
+        <p:nvCxnSpPr>
+          <p:cNvPr id="40" name="Straight Arrow Connector 39">
+            <a:extLst>
+              <a:ext uri="{FF2B5EF4-FFF2-40B4-BE49-F238E27FC236}">
+                <a16:creationId xmlns:a16="http://schemas.microsoft.com/office/drawing/2014/main" id="{E5F01DEE-5D47-CB4B-16C5-DA58FCC13EBA}"/>
+              </a:ext>
+            </a:extLst>
+          </p:cNvPr>
+          <p:cNvCxnSpPr>
+            <a:cxnSpLocks/>
+          </p:cNvCxnSpPr>
+          <p:nvPr/>
+        </p:nvCxnSpPr>
+        <p:spPr>
+          <a:xfrm flipV="1">
+            <a:off x="1404257" y="3902625"/>
+            <a:ext cx="1553547" cy="534324"/>
+          </a:xfrm>
+          <a:prstGeom prst="straightConnector1">
+            <a:avLst/>
+          </a:prstGeom>
+          <a:ln>
+            <a:tailEnd type="triangle"/>
+          </a:ln>
+        </p:spPr>
+        <p:style>
+          <a:lnRef idx="1">
+            <a:schemeClr val="accent3"/>
+          </a:lnRef>
+          <a:fillRef idx="0">
+            <a:schemeClr val="accent3"/>
+          </a:fillRef>
+          <a:effectRef idx="0">
+            <a:schemeClr val="accent3"/>
+          </a:effectRef>
+          <a:fontRef idx="minor">
+            <a:schemeClr val="tx1"/>
+          </a:fontRef>
+        </p:style>
+      </p:cxnSp>
+      <p:sp>
+        <p:nvSpPr>
+          <p:cNvPr id="43" name="TextBox 42">
+            <a:extLst>
+              <a:ext uri="{FF2B5EF4-FFF2-40B4-BE49-F238E27FC236}">
+                <a16:creationId xmlns:a16="http://schemas.microsoft.com/office/drawing/2014/main" id="{EB039DCA-C32E-490F-67D9-867C97172531}"/>
+              </a:ext>
+            </a:extLst>
+          </p:cNvPr>
+          <p:cNvSpPr txBox="1"/>
+          <p:nvPr/>
+        </p:nvSpPr>
+        <p:spPr>
+          <a:xfrm>
+            <a:off x="969679" y="3756936"/>
+            <a:ext cx="949973" cy="276999"/>
+          </a:xfrm>
+          <a:prstGeom prst="rect">
+            <a:avLst/>
+          </a:prstGeom>
+          <a:noFill/>
+        </p:spPr>
+        <p:txBody>
+          <a:bodyPr wrap="square" rtlCol="0">
+            <a:spAutoFit/>
+          </a:bodyPr>
+          <a:lstStyle/>
+          <a:p>
+            <a:r>
+              <a:rPr lang="de-DE" sz="1200" dirty="0" err="1">
+                <a:solidFill>
+                  <a:schemeClr val="bg1">
+                    <a:lumMod val="50000"/>
+                  </a:schemeClr>
+                </a:solidFill>
+              </a:rPr>
+              <a:t>git</a:t>
+            </a:r>
+            <a:r>
+              <a:rPr lang="de-DE" sz="1200" dirty="0">
+                <a:solidFill>
+                  <a:schemeClr val="bg1">
+                    <a:lumMod val="50000"/>
+                  </a:schemeClr>
+                </a:solidFill>
+              </a:rPr>
+              <a:t> push</a:t>
+            </a:r>
+            <a:endParaRPr lang="en-DE" sz="1200" dirty="0">
+              <a:solidFill>
+                <a:schemeClr val="bg1">
+                  <a:lumMod val="50000"/>
+                </a:schemeClr>
+              </a:solidFill>
+            </a:endParaRPr>
+          </a:p>
+        </p:txBody>
+      </p:sp>
+      <p:sp>
+        <p:nvSpPr>
+          <p:cNvPr id="44" name="TextBox 43">
+            <a:extLst>
+              <a:ext uri="{FF2B5EF4-FFF2-40B4-BE49-F238E27FC236}">
+                <a16:creationId xmlns:a16="http://schemas.microsoft.com/office/drawing/2014/main" id="{4A4016E5-9C76-CAF6-6B8D-63234D8F8EA0}"/>
+              </a:ext>
+            </a:extLst>
+          </p:cNvPr>
+          <p:cNvSpPr txBox="1"/>
+          <p:nvPr/>
+        </p:nvSpPr>
+        <p:spPr>
+          <a:xfrm>
+            <a:off x="2052151" y="4169787"/>
+            <a:ext cx="949973" cy="276999"/>
+          </a:xfrm>
+          <a:prstGeom prst="rect">
+            <a:avLst/>
+          </a:prstGeom>
+          <a:noFill/>
+        </p:spPr>
+        <p:txBody>
+          <a:bodyPr wrap="square" rtlCol="0">
+            <a:spAutoFit/>
+          </a:bodyPr>
+          <a:lstStyle/>
+          <a:p>
+            <a:r>
+              <a:rPr lang="de-DE" sz="1200" dirty="0" err="1">
+                <a:solidFill>
+                  <a:schemeClr val="bg1">
+                    <a:lumMod val="50000"/>
+                  </a:schemeClr>
+                </a:solidFill>
+              </a:rPr>
+              <a:t>azd</a:t>
+            </a:r>
+            <a:r>
+              <a:rPr lang="de-DE" sz="1200" dirty="0">
+                <a:solidFill>
+                  <a:schemeClr val="bg1">
+                    <a:lumMod val="50000"/>
+                  </a:schemeClr>
+                </a:solidFill>
+              </a:rPr>
+              <a:t> </a:t>
+            </a:r>
+            <a:r>
+              <a:rPr lang="de-DE" sz="1200" dirty="0" err="1">
+                <a:solidFill>
+                  <a:schemeClr val="bg1">
+                    <a:lumMod val="50000"/>
+                  </a:schemeClr>
+                </a:solidFill>
+              </a:rPr>
+              <a:t>up</a:t>
+            </a:r>
+            <a:endParaRPr lang="en-DE" sz="1200" dirty="0">
+              <a:solidFill>
+                <a:schemeClr val="bg1">
+                  <a:lumMod val="50000"/>
+                </a:schemeClr>
+              </a:solidFill>
+            </a:endParaRPr>
+          </a:p>
+        </p:txBody>
+      </p:sp>
+      <p:sp>
+        <p:nvSpPr>
+          <p:cNvPr id="47" name="TextBox 46">
+            <a:extLst>
+              <a:ext uri="{FF2B5EF4-FFF2-40B4-BE49-F238E27FC236}">
+                <a16:creationId xmlns:a16="http://schemas.microsoft.com/office/drawing/2014/main" id="{DA9E9BB4-9E56-F71F-6D81-EBABB6493220}"/>
+              </a:ext>
+            </a:extLst>
+          </p:cNvPr>
+          <p:cNvSpPr txBox="1"/>
+          <p:nvPr/>
+        </p:nvSpPr>
+        <p:spPr>
+          <a:xfrm>
+            <a:off x="295541" y="4676191"/>
+            <a:ext cx="1444496" cy="338554"/>
+          </a:xfrm>
+          <a:prstGeom prst="rect">
+            <a:avLst/>
+          </a:prstGeom>
+          <a:noFill/>
+        </p:spPr>
+        <p:txBody>
+          <a:bodyPr wrap="square" rtlCol="0">
+            <a:spAutoFit/>
+          </a:bodyPr>
+          <a:lstStyle/>
+          <a:p>
+            <a:pPr algn="ctr"/>
+            <a:r>
+              <a:rPr lang="de-DE" sz="1600" dirty="0"/>
+              <a:t>GitHub Action</a:t>
+            </a:r>
+            <a:endParaRPr lang="en-DE" sz="1600" dirty="0"/>
+          </a:p>
+        </p:txBody>
+      </p:sp>
+      <p:sp>
+        <p:nvSpPr>
+          <p:cNvPr id="48" name="TextBox 47">
+            <a:extLst>
+              <a:ext uri="{FF2B5EF4-FFF2-40B4-BE49-F238E27FC236}">
+                <a16:creationId xmlns:a16="http://schemas.microsoft.com/office/drawing/2014/main" id="{DF8892EB-F1C5-AD7B-B8F9-1582EE5B1F99}"/>
+              </a:ext>
+            </a:extLst>
+          </p:cNvPr>
+          <p:cNvSpPr txBox="1"/>
+          <p:nvPr/>
+        </p:nvSpPr>
+        <p:spPr>
+          <a:xfrm>
+            <a:off x="5074298" y="1670681"/>
+            <a:ext cx="2062820" cy="338554"/>
+          </a:xfrm>
+          <a:prstGeom prst="rect">
+            <a:avLst/>
+          </a:prstGeom>
+          <a:noFill/>
+        </p:spPr>
+        <p:txBody>
+          <a:bodyPr wrap="square" rtlCol="0">
+            <a:spAutoFit/>
+          </a:bodyPr>
+          <a:lstStyle/>
+          <a:p>
+            <a:r>
+              <a:rPr lang="de-DE" sz="1600" dirty="0" err="1"/>
+              <a:t>Resource</a:t>
+            </a:r>
+            <a:r>
+              <a:rPr lang="de-DE" sz="1600" dirty="0"/>
+              <a:t> Group</a:t>
+            </a:r>
+            <a:endParaRPr lang="en-DE" sz="1600" dirty="0"/>
+          </a:p>
+        </p:txBody>
+      </p:sp>
+      <p:pic>
+        <p:nvPicPr>
+          <p:cNvPr id="50" name="Graphic 49">
+            <a:extLst>
+              <a:ext uri="{FF2B5EF4-FFF2-40B4-BE49-F238E27FC236}">
+                <a16:creationId xmlns:a16="http://schemas.microsoft.com/office/drawing/2014/main" id="{4ECA9861-D72D-975B-2292-C6433CEE08B7}"/>
+              </a:ext>
+            </a:extLst>
+          </p:cNvPr>
+          <p:cNvPicPr>
+            <a:picLocks noChangeAspect="1"/>
+          </p:cNvPicPr>
+          <p:nvPr/>
+        </p:nvPicPr>
+        <p:blipFill>
+          <a:blip r:embed="rId15">
+            <a:extLst>
+              <a:ext uri="{28A0092B-C50C-407E-A947-70E740481C1C}">
+                <a14:useLocalDpi xmlns:a14="http://schemas.microsoft.com/office/drawing/2010/main" val="0"/>
+              </a:ext>
+              <a:ext uri="{96DAC541-7B7A-43D3-8B79-37D633B846F1}">
+                <asvg:svgBlip xmlns:asvg="http://schemas.microsoft.com/office/drawing/2016/SVG/main" r:embed="rId16"/>
+              </a:ext>
+            </a:extLst>
+          </a:blip>
+          <a:stretch>
+            <a:fillRect/>
+          </a:stretch>
+        </p:blipFill>
+        <p:spPr>
+          <a:xfrm>
+            <a:off x="3932270" y="812249"/>
+            <a:ext cx="514350" cy="514350"/>
+          </a:xfrm>
+          <a:prstGeom prst="rect">
+            <a:avLst/>
+          </a:prstGeom>
+        </p:spPr>
+      </p:pic>
+      <p:sp>
+        <p:nvSpPr>
+          <p:cNvPr id="51" name="TextBox 50">
+            <a:extLst>
+              <a:ext uri="{FF2B5EF4-FFF2-40B4-BE49-F238E27FC236}">
+                <a16:creationId xmlns:a16="http://schemas.microsoft.com/office/drawing/2014/main" id="{DB4E1D0A-4775-A2F6-8409-62DF672F4ECD}"/>
+              </a:ext>
+            </a:extLst>
+          </p:cNvPr>
+          <p:cNvSpPr txBox="1"/>
+          <p:nvPr/>
+        </p:nvSpPr>
+        <p:spPr>
+          <a:xfrm>
+            <a:off x="4534980" y="903101"/>
+            <a:ext cx="2062820" cy="338554"/>
+          </a:xfrm>
+          <a:prstGeom prst="rect">
+            <a:avLst/>
+          </a:prstGeom>
+          <a:noFill/>
+        </p:spPr>
+        <p:txBody>
+          <a:bodyPr wrap="square" rtlCol="0">
+            <a:spAutoFit/>
+          </a:bodyPr>
+          <a:lstStyle/>
+          <a:p>
+            <a:r>
+              <a:rPr lang="de-DE" sz="1600" dirty="0"/>
+              <a:t>Azure</a:t>
+            </a:r>
+            <a:endParaRPr lang="en-DE" sz="1600" dirty="0"/>
+          </a:p>
+        </p:txBody>
+      </p:sp>
+      <p:sp>
+        <p:nvSpPr>
+          <p:cNvPr id="52" name="TextBox 51">
+            <a:extLst>
+              <a:ext uri="{FF2B5EF4-FFF2-40B4-BE49-F238E27FC236}">
+                <a16:creationId xmlns:a16="http://schemas.microsoft.com/office/drawing/2014/main" id="{F2BF1B5F-D1B1-3B13-A00A-2C16FBF85A1B}"/>
+              </a:ext>
+            </a:extLst>
+          </p:cNvPr>
+          <p:cNvSpPr txBox="1"/>
+          <p:nvPr/>
+        </p:nvSpPr>
+        <p:spPr>
+          <a:xfrm>
+            <a:off x="6105708" y="2460693"/>
+            <a:ext cx="2062820" cy="338554"/>
+          </a:xfrm>
+          <a:prstGeom prst="rect">
+            <a:avLst/>
+          </a:prstGeom>
+          <a:noFill/>
+        </p:spPr>
+        <p:txBody>
+          <a:bodyPr wrap="square" rtlCol="0">
+            <a:spAutoFit/>
+          </a:bodyPr>
+          <a:lstStyle/>
+          <a:p>
+            <a:r>
+              <a:rPr lang="de-DE" sz="1600" dirty="0" err="1"/>
+              <a:t>Function</a:t>
+            </a:r>
+            <a:endParaRPr lang="en-DE" sz="1600" dirty="0"/>
+          </a:p>
+        </p:txBody>
+      </p:sp>
+      <p:sp>
+        <p:nvSpPr>
+          <p:cNvPr id="53" name="TextBox 52">
+            <a:extLst>
+              <a:ext uri="{FF2B5EF4-FFF2-40B4-BE49-F238E27FC236}">
+                <a16:creationId xmlns:a16="http://schemas.microsoft.com/office/drawing/2014/main" id="{F80133DC-B81F-77FF-FDBD-D20E831523AF}"/>
+              </a:ext>
+            </a:extLst>
+          </p:cNvPr>
+          <p:cNvSpPr txBox="1"/>
+          <p:nvPr/>
+        </p:nvSpPr>
+        <p:spPr>
+          <a:xfrm>
+            <a:off x="6105705" y="2777114"/>
+            <a:ext cx="3010301" cy="584775"/>
+          </a:xfrm>
+          <a:prstGeom prst="rect">
+            <a:avLst/>
+          </a:prstGeom>
+          <a:noFill/>
+        </p:spPr>
+        <p:txBody>
+          <a:bodyPr wrap="square" rtlCol="0">
+            <a:spAutoFit/>
+          </a:bodyPr>
+          <a:lstStyle/>
+          <a:p>
+            <a:r>
+              <a:rPr lang="de-DE" sz="1600" dirty="0"/>
+              <a:t>App Service Plan</a:t>
+            </a:r>
+          </a:p>
+          <a:p>
+            <a:r>
+              <a:rPr lang="de-DE" sz="1600" dirty="0"/>
+              <a:t>(F1: Linux, </a:t>
+            </a:r>
+            <a:r>
+              <a:rPr lang="de-DE" sz="1600" dirty="0" err="1"/>
+              <a:t>free</a:t>
+            </a:r>
+            <a:r>
+              <a:rPr lang="de-DE" sz="1600" dirty="0"/>
+              <a:t>)</a:t>
+            </a:r>
+            <a:endParaRPr lang="en-DE" sz="1600" dirty="0"/>
+          </a:p>
+        </p:txBody>
+      </p:sp>
+      <p:sp>
+        <p:nvSpPr>
+          <p:cNvPr id="54" name="TextBox 53">
+            <a:extLst>
+              <a:ext uri="{FF2B5EF4-FFF2-40B4-BE49-F238E27FC236}">
+                <a16:creationId xmlns:a16="http://schemas.microsoft.com/office/drawing/2014/main" id="{12431B4F-1946-B352-EE2F-C545C35C6983}"/>
+              </a:ext>
+            </a:extLst>
+          </p:cNvPr>
+          <p:cNvSpPr txBox="1"/>
+          <p:nvPr/>
+        </p:nvSpPr>
+        <p:spPr>
+          <a:xfrm>
+            <a:off x="6105707" y="3624088"/>
+            <a:ext cx="1253764" cy="338554"/>
+          </a:xfrm>
+          <a:prstGeom prst="rect">
+            <a:avLst/>
+          </a:prstGeom>
+          <a:noFill/>
+        </p:spPr>
+        <p:txBody>
+          <a:bodyPr wrap="square" rtlCol="0">
+            <a:spAutoFit/>
+          </a:bodyPr>
+          <a:lstStyle/>
+          <a:p>
+            <a:r>
+              <a:rPr lang="de-DE" sz="1600" dirty="0"/>
+              <a:t>Key </a:t>
+            </a:r>
+            <a:r>
+              <a:rPr lang="de-DE" sz="1600" dirty="0" err="1"/>
+              <a:t>Vault</a:t>
+            </a:r>
+            <a:endParaRPr lang="en-DE" sz="1600" dirty="0"/>
+          </a:p>
+        </p:txBody>
+      </p:sp>
+      <p:sp>
+        <p:nvSpPr>
+          <p:cNvPr id="55" name="TextBox 54">
+            <a:extLst>
+              <a:ext uri="{FF2B5EF4-FFF2-40B4-BE49-F238E27FC236}">
+                <a16:creationId xmlns:a16="http://schemas.microsoft.com/office/drawing/2014/main" id="{9BC1F2F9-7C0B-7622-D2BE-D13C7540AAE3}"/>
+              </a:ext>
+            </a:extLst>
+          </p:cNvPr>
+          <p:cNvSpPr txBox="1"/>
+          <p:nvPr/>
+        </p:nvSpPr>
+        <p:spPr>
+          <a:xfrm>
+            <a:off x="6105706" y="4061960"/>
+            <a:ext cx="3010301" cy="338554"/>
+          </a:xfrm>
+          <a:prstGeom prst="rect">
+            <a:avLst/>
+          </a:prstGeom>
+          <a:noFill/>
+        </p:spPr>
+        <p:txBody>
+          <a:bodyPr wrap="square" rtlCol="0">
+            <a:spAutoFit/>
+          </a:bodyPr>
+          <a:lstStyle/>
+          <a:p>
+            <a:r>
+              <a:rPr lang="de-DE" sz="1600" dirty="0"/>
+              <a:t>Log Analytics</a:t>
+            </a:r>
+            <a:endParaRPr lang="en-DE" sz="1600" dirty="0"/>
+          </a:p>
+        </p:txBody>
+      </p:sp>
+      <p:sp>
+        <p:nvSpPr>
+          <p:cNvPr id="56" name="TextBox 55">
+            <a:extLst>
+              <a:ext uri="{FF2B5EF4-FFF2-40B4-BE49-F238E27FC236}">
+                <a16:creationId xmlns:a16="http://schemas.microsoft.com/office/drawing/2014/main" id="{E70E5717-81A4-F602-310C-D4F575D0C5B9}"/>
+              </a:ext>
+            </a:extLst>
+          </p:cNvPr>
+          <p:cNvSpPr txBox="1"/>
+          <p:nvPr/>
+        </p:nvSpPr>
+        <p:spPr>
+          <a:xfrm>
+            <a:off x="6105705" y="4617329"/>
+            <a:ext cx="3010301" cy="338554"/>
+          </a:xfrm>
+          <a:prstGeom prst="rect">
+            <a:avLst/>
+          </a:prstGeom>
+          <a:noFill/>
+        </p:spPr>
+        <p:txBody>
+          <a:bodyPr wrap="square" rtlCol="0">
+            <a:spAutoFit/>
+          </a:bodyPr>
+          <a:lstStyle/>
+          <a:p>
+            <a:r>
+              <a:rPr lang="de-DE" sz="1600" dirty="0"/>
+              <a:t>App </a:t>
+            </a:r>
+            <a:r>
+              <a:rPr lang="de-DE" sz="1600" dirty="0" err="1"/>
+              <a:t>Insights</a:t>
+            </a:r>
+            <a:endParaRPr lang="en-DE" sz="1600" dirty="0"/>
+          </a:p>
+        </p:txBody>
+      </p:sp>
+      <p:sp>
+        <p:nvSpPr>
+          <p:cNvPr id="57" name="TextBox 56">
+            <a:extLst>
+              <a:ext uri="{FF2B5EF4-FFF2-40B4-BE49-F238E27FC236}">
+                <a16:creationId xmlns:a16="http://schemas.microsoft.com/office/drawing/2014/main" id="{232E1768-8802-021A-83A8-B50B82752C83}"/>
+              </a:ext>
+            </a:extLst>
+          </p:cNvPr>
+          <p:cNvSpPr txBox="1"/>
+          <p:nvPr/>
+        </p:nvSpPr>
+        <p:spPr>
+          <a:xfrm>
+            <a:off x="6105705" y="5099683"/>
+            <a:ext cx="3313971" cy="584775"/>
+          </a:xfrm>
+          <a:prstGeom prst="rect">
+            <a:avLst/>
+          </a:prstGeom>
+          <a:noFill/>
+        </p:spPr>
+        <p:txBody>
+          <a:bodyPr wrap="square" rtlCol="0">
+            <a:spAutoFit/>
+          </a:bodyPr>
+          <a:lstStyle/>
+          <a:p>
+            <a:r>
+              <a:rPr lang="de-DE" sz="1600" dirty="0" err="1"/>
+              <a:t>Shared</a:t>
+            </a:r>
+            <a:r>
+              <a:rPr lang="de-DE" sz="1600" dirty="0"/>
+              <a:t> Dashboard</a:t>
+            </a:r>
+          </a:p>
+          <a:p>
+            <a:r>
+              <a:rPr lang="de-DE" sz="1600" dirty="0" err="1"/>
+              <a:t>for</a:t>
+            </a:r>
+            <a:r>
+              <a:rPr lang="de-DE" sz="1600" dirty="0"/>
+              <a:t> „</a:t>
+            </a:r>
+            <a:r>
+              <a:rPr lang="de-DE" sz="1600" dirty="0" err="1"/>
+              <a:t>upped</a:t>
+            </a:r>
+            <a:r>
+              <a:rPr lang="de-DE" sz="1600" dirty="0"/>
+              <a:t>“ </a:t>
+            </a:r>
+            <a:r>
+              <a:rPr lang="de-DE" sz="1600" dirty="0" err="1"/>
+              <a:t>app</a:t>
+            </a:r>
+            <a:endParaRPr lang="en-DE" sz="1600" dirty="0"/>
+          </a:p>
+        </p:txBody>
+      </p:sp>
+      <p:pic>
+        <p:nvPicPr>
+          <p:cNvPr id="59" name="Graphic 58">
+            <a:extLst>
+              <a:ext uri="{FF2B5EF4-FFF2-40B4-BE49-F238E27FC236}">
+                <a16:creationId xmlns:a16="http://schemas.microsoft.com/office/drawing/2014/main" id="{11CB1830-4ADC-DD6E-103B-9FAD4FB042CD}"/>
+              </a:ext>
+            </a:extLst>
+          </p:cNvPr>
+          <p:cNvPicPr>
+            <a:picLocks noChangeAspect="1"/>
+          </p:cNvPicPr>
+          <p:nvPr/>
+        </p:nvPicPr>
+        <p:blipFill>
+          <a:blip r:embed="rId17">
+            <a:extLst>
+              <a:ext uri="{28A0092B-C50C-407E-A947-70E740481C1C}">
+                <a14:useLocalDpi xmlns:a14="http://schemas.microsoft.com/office/drawing/2010/main" val="0"/>
+              </a:ext>
+              <a:ext uri="{96DAC541-7B7A-43D3-8B79-37D633B846F1}">
+                <asvg:svgBlip xmlns:asvg="http://schemas.microsoft.com/office/drawing/2016/SVG/main" r:embed="rId18"/>
+              </a:ext>
+            </a:extLst>
+          </a:blip>
+          <a:stretch>
+            <a:fillRect/>
+          </a:stretch>
+        </p:blipFill>
+        <p:spPr>
+          <a:xfrm>
+            <a:off x="9112198" y="2188029"/>
+            <a:ext cx="1375601" cy="745370"/>
+          </a:xfrm>
+          <a:prstGeom prst="rect">
+            <a:avLst/>
+          </a:prstGeom>
+        </p:spPr>
+      </p:pic>
+      <p:cxnSp>
+        <p:nvCxnSpPr>
+          <p:cNvPr id="61" name="Straight Connector 60">
+            <a:extLst>
+              <a:ext uri="{FF2B5EF4-FFF2-40B4-BE49-F238E27FC236}">
+                <a16:creationId xmlns:a16="http://schemas.microsoft.com/office/drawing/2014/main" id="{A3102D36-F6F0-B8B7-4D4D-ECE2183B48E2}"/>
+              </a:ext>
+            </a:extLst>
+          </p:cNvPr>
+          <p:cNvCxnSpPr>
+            <a:cxnSpLocks/>
+          </p:cNvCxnSpPr>
+          <p:nvPr/>
+        </p:nvCxnSpPr>
+        <p:spPr>
+          <a:xfrm>
+            <a:off x="7394510" y="2629970"/>
+            <a:ext cx="1638654" cy="0"/>
+          </a:xfrm>
+          <a:prstGeom prst="line">
+            <a:avLst/>
+          </a:prstGeom>
+          <a:ln w="28575"/>
+        </p:spPr>
+        <p:style>
+          <a:lnRef idx="1">
+            <a:schemeClr val="accent2"/>
+          </a:lnRef>
+          <a:fillRef idx="0">
+            <a:schemeClr val="accent2"/>
+          </a:fillRef>
+          <a:effectRef idx="0">
+            <a:schemeClr val="accent2"/>
+          </a:effectRef>
+          <a:fontRef idx="minor">
+            <a:schemeClr val="tx1"/>
+          </a:fontRef>
+        </p:style>
+      </p:cxnSp>
+      <p:sp>
+        <p:nvSpPr>
+          <p:cNvPr id="62" name="Rectangle: Rounded Corners 61">
+            <a:extLst>
+              <a:ext uri="{FF2B5EF4-FFF2-40B4-BE49-F238E27FC236}">
+                <a16:creationId xmlns:a16="http://schemas.microsoft.com/office/drawing/2014/main" id="{7EF6B8FF-F27C-2A92-D8FF-004077015F6F}"/>
+              </a:ext>
+            </a:extLst>
+          </p:cNvPr>
+          <p:cNvSpPr/>
+          <p:nvPr/>
+        </p:nvSpPr>
+        <p:spPr>
+          <a:xfrm>
+            <a:off x="7636719" y="2522520"/>
+            <a:ext cx="1211543" cy="214899"/>
+          </a:xfrm>
+          <a:prstGeom prst="roundRect">
+            <a:avLst>
+              <a:gd name="adj" fmla="val 42718"/>
+            </a:avLst>
+          </a:prstGeom>
+          <a:solidFill>
+            <a:schemeClr val="accent2"/>
+          </a:solidFill>
+          <a:ln>
+            <a:solidFill>
+              <a:srgbClr val="ED7D31"/>
+            </a:solidFill>
+          </a:ln>
+        </p:spPr>
+        <p:style>
+          <a:lnRef idx="2">
+            <a:schemeClr val="accent1">
+              <a:shade val="50000"/>
+            </a:schemeClr>
+          </a:lnRef>
+          <a:fillRef idx="1">
+            <a:schemeClr val="accent1"/>
+          </a:fillRef>
+          <a:effectRef idx="0">
+            <a:schemeClr val="accent1"/>
+          </a:effectRef>
+          <a:fontRef idx="minor">
+            <a:schemeClr val="lt1"/>
+          </a:fontRef>
+        </p:style>
+        <p:txBody>
+          <a:bodyPr rtlCol="0" anchor="ctr"/>
+          <a:lstStyle/>
+          <a:p>
+            <a:pPr algn="ctr"/>
+            <a:r>
+              <a:rPr lang="de-DE" sz="1400" dirty="0" err="1"/>
+              <a:t>powered</a:t>
+            </a:r>
+            <a:r>
+              <a:rPr lang="de-DE" sz="1400" dirty="0"/>
+              <a:t> </a:t>
+            </a:r>
+            <a:r>
+              <a:rPr lang="de-DE" sz="1400" dirty="0" err="1"/>
+              <a:t>by</a:t>
+            </a:r>
+            <a:endParaRPr lang="en-DE" sz="1400" dirty="0"/>
+          </a:p>
+        </p:txBody>
+      </p:sp>
+      <p:pic>
+        <p:nvPicPr>
+          <p:cNvPr id="1032" name="Picture 8">
+            <a:extLst>
+              <a:ext uri="{FF2B5EF4-FFF2-40B4-BE49-F238E27FC236}">
+                <a16:creationId xmlns:a16="http://schemas.microsoft.com/office/drawing/2014/main" id="{C1C26C5C-F6BB-CB54-2006-C91C0466DBD1}"/>
+              </a:ext>
+            </a:extLst>
+          </p:cNvPr>
+          <p:cNvPicPr>
+            <a:picLocks noChangeAspect="1" noChangeArrowheads="1"/>
+          </p:cNvPicPr>
+          <p:nvPr/>
+        </p:nvPicPr>
+        <p:blipFill>
+          <a:blip r:embed="rId19">
+            <a:extLst>
+              <a:ext uri="{28A0092B-C50C-407E-A947-70E740481C1C}">
+                <a14:useLocalDpi xmlns:a14="http://schemas.microsoft.com/office/drawing/2010/main" val="0"/>
+              </a:ext>
+            </a:extLst>
+          </a:blip>
+          <a:srcRect/>
+          <a:stretch>
+            <a:fillRect/>
+          </a:stretch>
+        </p:blipFill>
+        <p:spPr bwMode="auto">
+          <a:xfrm>
+            <a:off x="9179342" y="5058922"/>
+            <a:ext cx="1347326" cy="666295"/>
+          </a:xfrm>
+          <a:prstGeom prst="rect">
+            <a:avLst/>
+          </a:prstGeom>
+          <a:noFill/>
+          <a:extLst>
+            <a:ext uri="{909E8E84-426E-40DD-AFC4-6F175D3DCCD1}">
+              <a14:hiddenFill xmlns:a14="http://schemas.microsoft.com/office/drawing/2010/main">
+                <a:solidFill>
+                  <a:srgbClr val="FFFFFF"/>
+                </a:solidFill>
+              </a14:hiddenFill>
+            </a:ext>
+          </a:extLst>
+        </p:spPr>
+      </p:pic>
+      <p:sp>
+        <p:nvSpPr>
+          <p:cNvPr id="6" name="TextBox 5">
+            <a:extLst>
+              <a:ext uri="{FF2B5EF4-FFF2-40B4-BE49-F238E27FC236}">
+                <a16:creationId xmlns:a16="http://schemas.microsoft.com/office/drawing/2014/main" id="{B0080B50-0B71-235E-F184-EE01F7C63906}"/>
+              </a:ext>
+            </a:extLst>
+          </p:cNvPr>
+          <p:cNvSpPr txBox="1"/>
+          <p:nvPr/>
+        </p:nvSpPr>
+        <p:spPr>
+          <a:xfrm>
+            <a:off x="192905" y="2522520"/>
+            <a:ext cx="1553547" cy="338554"/>
+          </a:xfrm>
+          <a:prstGeom prst="rect">
+            <a:avLst/>
+          </a:prstGeom>
+          <a:noFill/>
+        </p:spPr>
+        <p:txBody>
+          <a:bodyPr wrap="square" rtlCol="0">
+            <a:spAutoFit/>
+          </a:bodyPr>
+          <a:lstStyle/>
+          <a:p>
+            <a:pPr algn="ctr"/>
+            <a:r>
+              <a:rPr lang="de-DE" sz="1600" dirty="0" err="1"/>
+              <a:t>Codespaces</a:t>
+            </a:r>
+            <a:endParaRPr lang="en-DE" sz="1600" dirty="0"/>
+          </a:p>
+        </p:txBody>
+      </p:sp>
+      <p:pic>
+        <p:nvPicPr>
+          <p:cNvPr id="2" name="Picture 4" descr="GitHub Codespaces - Visual Studio Marketplace">
+            <a:extLst>
+              <a:ext uri="{FF2B5EF4-FFF2-40B4-BE49-F238E27FC236}">
+                <a16:creationId xmlns:a16="http://schemas.microsoft.com/office/drawing/2014/main" id="{6A8A17B2-7BE4-D427-D899-F5CEB0C8B68E}"/>
+              </a:ext>
+            </a:extLst>
+          </p:cNvPr>
+          <p:cNvPicPr>
+            <a:picLocks noChangeAspect="1" noChangeArrowheads="1"/>
+          </p:cNvPicPr>
+          <p:nvPr/>
+        </p:nvPicPr>
+        <p:blipFill>
+          <a:blip r:embed="rId20">
+            <a:extLst>
+              <a:ext uri="{28A0092B-C50C-407E-A947-70E740481C1C}">
+                <a14:useLocalDpi xmlns:a14="http://schemas.microsoft.com/office/drawing/2010/main" val="0"/>
+              </a:ext>
+            </a:extLst>
+          </a:blip>
+          <a:srcRect/>
+          <a:stretch>
+            <a:fillRect/>
+          </a:stretch>
+        </p:blipFill>
+        <p:spPr bwMode="auto">
+          <a:xfrm>
+            <a:off x="510898" y="2823582"/>
+            <a:ext cx="890320" cy="893791"/>
+          </a:xfrm>
+          <a:prstGeom prst="rect">
+            <a:avLst/>
+          </a:prstGeom>
+          <a:noFill/>
+          <a:extLst>
+            <a:ext uri="{909E8E84-426E-40DD-AFC4-6F175D3DCCD1}">
+              <a14:hiddenFill xmlns:a14="http://schemas.microsoft.com/office/drawing/2010/main">
+                <a:solidFill>
+                  <a:srgbClr val="FFFFFF"/>
+                </a:solidFill>
+              </a14:hiddenFill>
+            </a:ext>
+          </a:extLst>
+        </p:spPr>
+      </p:pic>
+      <p:sp>
+        <p:nvSpPr>
+          <p:cNvPr id="4" name="Rectangle: Rounded Corners 3">
+            <a:extLst>
+              <a:ext uri="{FF2B5EF4-FFF2-40B4-BE49-F238E27FC236}">
+                <a16:creationId xmlns:a16="http://schemas.microsoft.com/office/drawing/2014/main" id="{73196FFF-7C2A-DCE6-3A60-FEF488CC4546}"/>
+              </a:ext>
+            </a:extLst>
+          </p:cNvPr>
+          <p:cNvSpPr/>
+          <p:nvPr/>
+        </p:nvSpPr>
+        <p:spPr>
+          <a:xfrm>
+            <a:off x="1622903" y="2897182"/>
+            <a:ext cx="1058042" cy="406440"/>
+          </a:xfrm>
+          <a:prstGeom prst="roundRect">
+            <a:avLst/>
+          </a:prstGeom>
+          <a:solidFill>
+            <a:srgbClr val="404040"/>
+          </a:solidFill>
+          <a:ln w="9525">
+            <a:noFill/>
+          </a:ln>
+          <a:effectLst>
+            <a:outerShdw blurRad="50800" dist="38100" dir="2700000" algn="tl" rotWithShape="0">
+              <a:prstClr val="black">
+                <a:alpha val="40000"/>
+              </a:prstClr>
+            </a:outerShdw>
+          </a:effectLst>
+        </p:spPr>
+        <p:style>
+          <a:lnRef idx="2">
+            <a:schemeClr val="accent1">
+              <a:shade val="50000"/>
+            </a:schemeClr>
+          </a:lnRef>
+          <a:fillRef idx="1">
+            <a:schemeClr val="accent1"/>
+          </a:fillRef>
+          <a:effectRef idx="0">
+            <a:schemeClr val="accent1"/>
+          </a:effectRef>
+          <a:fontRef idx="minor">
+            <a:schemeClr val="lt1"/>
+          </a:fontRef>
+        </p:style>
+        <p:txBody>
+          <a:bodyPr rtlCol="0" anchor="ctr"/>
+          <a:lstStyle/>
+          <a:p>
+            <a:pPr algn="ctr"/>
+            <a:r>
+              <a:rPr lang="de-DE" sz="2000" dirty="0" err="1">
+                <a:solidFill>
+                  <a:schemeClr val="bg1"/>
+                </a:solidFill>
+                <a:latin typeface="72 Monospace" panose="020B0509030603020204" pitchFamily="49" charset="0"/>
+                <a:cs typeface="72 Monospace" panose="020B0509030603020204" pitchFamily="49" charset="0"/>
+              </a:rPr>
+              <a:t>azd</a:t>
+            </a:r>
+            <a:r>
+              <a:rPr lang="de-DE" sz="800" dirty="0">
+                <a:solidFill>
+                  <a:schemeClr val="bg1"/>
+                </a:solidFill>
+                <a:latin typeface="72 Monospace" panose="020B0509030603020204" pitchFamily="49" charset="0"/>
+                <a:cs typeface="72 Monospace" panose="020B0509030603020204" pitchFamily="49" charset="0"/>
+              </a:rPr>
+              <a:t> </a:t>
+            </a:r>
+            <a:r>
+              <a:rPr lang="de-DE" sz="2000" dirty="0" err="1">
+                <a:solidFill>
+                  <a:schemeClr val="bg1"/>
+                </a:solidFill>
+                <a:latin typeface="72 Monospace" panose="020B0509030603020204" pitchFamily="49" charset="0"/>
+                <a:cs typeface="72 Monospace" panose="020B0509030603020204" pitchFamily="49" charset="0"/>
+              </a:rPr>
+              <a:t>up</a:t>
+            </a:r>
+            <a:endParaRPr lang="en-DE" sz="2000" dirty="0">
+              <a:solidFill>
+                <a:schemeClr val="bg1"/>
+              </a:solidFill>
+              <a:latin typeface="72 Monospace" panose="020B0509030603020204" pitchFamily="49" charset="0"/>
+              <a:cs typeface="72 Monospace" panose="020B0509030603020204" pitchFamily="49" charset="0"/>
+            </a:endParaRPr>
+          </a:p>
+        </p:txBody>
+      </p:sp>
+      <p:sp>
+        <p:nvSpPr>
+          <p:cNvPr id="10" name="TextBox 9">
+            <a:extLst>
+              <a:ext uri="{FF2B5EF4-FFF2-40B4-BE49-F238E27FC236}">
+                <a16:creationId xmlns:a16="http://schemas.microsoft.com/office/drawing/2014/main" id="{56E36416-5123-42BB-A343-DCAB289B1172}"/>
+              </a:ext>
+            </a:extLst>
+          </p:cNvPr>
+          <p:cNvSpPr txBox="1"/>
+          <p:nvPr/>
+        </p:nvSpPr>
+        <p:spPr>
+          <a:xfrm>
+            <a:off x="10039588" y="3204026"/>
+            <a:ext cx="1743691" cy="584775"/>
+          </a:xfrm>
+          <a:prstGeom prst="rect">
+            <a:avLst/>
+          </a:prstGeom>
+          <a:noFill/>
+        </p:spPr>
+        <p:txBody>
+          <a:bodyPr wrap="square" rtlCol="0">
+            <a:spAutoFit/>
+          </a:bodyPr>
+          <a:lstStyle/>
+          <a:p>
+            <a:r>
+              <a:rPr lang="de-DE" sz="1600" dirty="0"/>
+              <a:t>API</a:t>
+            </a:r>
+          </a:p>
+          <a:p>
+            <a:r>
+              <a:rPr lang="de-DE" sz="1600" dirty="0"/>
+              <a:t>Management</a:t>
+            </a:r>
+            <a:endParaRPr lang="en-DE" sz="1600" dirty="0"/>
+          </a:p>
+        </p:txBody>
+      </p:sp>
+      <p:cxnSp>
+        <p:nvCxnSpPr>
+          <p:cNvPr id="12" name="Straight Connector 11">
+            <a:extLst>
+              <a:ext uri="{FF2B5EF4-FFF2-40B4-BE49-F238E27FC236}">
+                <a16:creationId xmlns:a16="http://schemas.microsoft.com/office/drawing/2014/main" id="{181472CB-5CF1-8862-738D-AB764920C791}"/>
+              </a:ext>
+            </a:extLst>
+          </p:cNvPr>
+          <p:cNvCxnSpPr>
+            <a:cxnSpLocks/>
+          </p:cNvCxnSpPr>
+          <p:nvPr/>
+        </p:nvCxnSpPr>
+        <p:spPr>
+          <a:xfrm flipV="1">
+            <a:off x="4628078" y="3485276"/>
+            <a:ext cx="4707581" cy="16036"/>
+          </a:xfrm>
+          <a:prstGeom prst="line">
+            <a:avLst/>
+          </a:prstGeom>
+          <a:ln w="28575">
+            <a:solidFill>
+              <a:schemeClr val="bg1">
+                <a:lumMod val="50000"/>
+              </a:schemeClr>
+            </a:solidFill>
+          </a:ln>
+        </p:spPr>
+        <p:style>
+          <a:lnRef idx="1">
+            <a:schemeClr val="accent1"/>
+          </a:lnRef>
+          <a:fillRef idx="0">
+            <a:schemeClr val="accent1"/>
+          </a:fillRef>
+          <a:effectRef idx="0">
+            <a:schemeClr val="accent1"/>
+          </a:effectRef>
+          <a:fontRef idx="minor">
+            <a:schemeClr val="tx1"/>
+          </a:fontRef>
+        </p:style>
+      </p:cxnSp>
+      <p:cxnSp>
+        <p:nvCxnSpPr>
+          <p:cNvPr id="1025" name="Straight Arrow Connector 1024">
+            <a:extLst>
+              <a:ext uri="{FF2B5EF4-FFF2-40B4-BE49-F238E27FC236}">
+                <a16:creationId xmlns:a16="http://schemas.microsoft.com/office/drawing/2014/main" id="{7DF28A63-B532-6326-D194-859164A2CF6B}"/>
+              </a:ext>
+            </a:extLst>
+          </p:cNvPr>
+          <p:cNvCxnSpPr>
+            <a:cxnSpLocks/>
+          </p:cNvCxnSpPr>
+          <p:nvPr/>
+        </p:nvCxnSpPr>
+        <p:spPr>
+          <a:xfrm>
+            <a:off x="9726107" y="3040128"/>
+            <a:ext cx="0" cy="1959624"/>
+          </a:xfrm>
+          <a:prstGeom prst="straightConnector1">
+            <a:avLst/>
+          </a:prstGeom>
+          <a:ln w="28575">
+            <a:solidFill>
+              <a:srgbClr val="7030A0"/>
+            </a:solidFill>
+            <a:headEnd type="arrow" w="med" len="med"/>
+            <a:tailEnd type="arrow" w="med" len="med"/>
+          </a:ln>
+        </p:spPr>
+        <p:style>
+          <a:lnRef idx="1">
+            <a:schemeClr val="accent1"/>
+          </a:lnRef>
+          <a:fillRef idx="0">
+            <a:schemeClr val="accent1"/>
+          </a:fillRef>
+          <a:effectRef idx="0">
+            <a:schemeClr val="accent1"/>
+          </a:effectRef>
+          <a:fontRef idx="minor">
+            <a:schemeClr val="tx1"/>
+          </a:fontRef>
+        </p:style>
+      </p:cxnSp>
+      <p:sp>
+        <p:nvSpPr>
+          <p:cNvPr id="1027" name="Rectangle: Rounded Corners 1026">
+            <a:extLst>
+              <a:ext uri="{FF2B5EF4-FFF2-40B4-BE49-F238E27FC236}">
+                <a16:creationId xmlns:a16="http://schemas.microsoft.com/office/drawing/2014/main" id="{284D38F3-4009-25C0-4CA4-978AC1825866}"/>
+              </a:ext>
+            </a:extLst>
+          </p:cNvPr>
+          <p:cNvSpPr/>
+          <p:nvPr/>
+        </p:nvSpPr>
+        <p:spPr>
+          <a:xfrm rot="16200000">
+            <a:off x="9353422" y="4046685"/>
+            <a:ext cx="745371" cy="233708"/>
+          </a:xfrm>
+          <a:prstGeom prst="roundRect">
+            <a:avLst>
+              <a:gd name="adj" fmla="val 44614"/>
+            </a:avLst>
+          </a:prstGeom>
+          <a:solidFill>
+            <a:srgbClr val="7030A0"/>
+          </a:solidFill>
+          <a:ln>
+            <a:solidFill>
+              <a:srgbClr val="7030A0"/>
+            </a:solidFill>
+          </a:ln>
+        </p:spPr>
+        <p:style>
+          <a:lnRef idx="2">
+            <a:schemeClr val="accent1">
+              <a:shade val="50000"/>
+            </a:schemeClr>
+          </a:lnRef>
+          <a:fillRef idx="1">
+            <a:schemeClr val="accent1"/>
+          </a:fillRef>
+          <a:effectRef idx="0">
+            <a:schemeClr val="accent1"/>
+          </a:effectRef>
+          <a:fontRef idx="minor">
+            <a:schemeClr val="lt1"/>
+          </a:fontRef>
+        </p:style>
+        <p:txBody>
+          <a:bodyPr rtlCol="0" anchor="ctr"/>
+          <a:lstStyle/>
+          <a:p>
+            <a:pPr algn="ctr"/>
+            <a:r>
+              <a:rPr lang="de-DE" sz="1400" dirty="0" err="1"/>
+              <a:t>OData</a:t>
+            </a:r>
+            <a:endParaRPr lang="en-DE" sz="1400" dirty="0"/>
+          </a:p>
+        </p:txBody>
+      </p:sp>
+      <p:pic>
+        <p:nvPicPr>
+          <p:cNvPr id="8" name="Graphic 7">
+            <a:extLst>
+              <a:ext uri="{FF2B5EF4-FFF2-40B4-BE49-F238E27FC236}">
+                <a16:creationId xmlns:a16="http://schemas.microsoft.com/office/drawing/2014/main" id="{6809351E-F181-ABD7-2177-ECAF1F04C96C}"/>
+              </a:ext>
+            </a:extLst>
+          </p:cNvPr>
+          <p:cNvPicPr>
+            <a:picLocks noChangeAspect="1"/>
+          </p:cNvPicPr>
+          <p:nvPr/>
+        </p:nvPicPr>
+        <p:blipFill>
+          <a:blip r:embed="rId21">
+            <a:extLst>
+              <a:ext uri="{28A0092B-C50C-407E-A947-70E740481C1C}">
+                <a14:useLocalDpi xmlns:a14="http://schemas.microsoft.com/office/drawing/2010/main" val="0"/>
+              </a:ext>
+              <a:ext uri="{96DAC541-7B7A-43D3-8B79-37D633B846F1}">
+                <asvg:svgBlip xmlns:asvg="http://schemas.microsoft.com/office/drawing/2016/SVG/main" r:embed="rId22"/>
+              </a:ext>
+            </a:extLst>
+          </a:blip>
+          <a:stretch>
+            <a:fillRect/>
+          </a:stretch>
+        </p:blipFill>
+        <p:spPr>
+          <a:xfrm>
+            <a:off x="9506454" y="3252005"/>
+            <a:ext cx="476250" cy="476250"/>
+          </a:xfrm>
+          <a:prstGeom prst="rect">
+            <a:avLst/>
+          </a:prstGeom>
+        </p:spPr>
+      </p:pic>
+      <p:pic>
+        <p:nvPicPr>
+          <p:cNvPr id="29" name="Graphic 28">
+            <a:extLst>
+              <a:ext uri="{FF2B5EF4-FFF2-40B4-BE49-F238E27FC236}">
+                <a16:creationId xmlns:a16="http://schemas.microsoft.com/office/drawing/2014/main" id="{F7CA8D5A-F4AD-F548-E664-74F73CA5FF82}"/>
+              </a:ext>
+            </a:extLst>
+          </p:cNvPr>
+          <p:cNvPicPr>
+            <a:picLocks noChangeAspect="1"/>
+          </p:cNvPicPr>
+          <p:nvPr/>
+        </p:nvPicPr>
+        <p:blipFill rotWithShape="1">
+          <a:blip r:embed="rId23">
+            <a:extLst>
+              <a:ext uri="{28A0092B-C50C-407E-A947-70E740481C1C}">
+                <a14:useLocalDpi xmlns:a14="http://schemas.microsoft.com/office/drawing/2010/main" val="0"/>
+              </a:ext>
+              <a:ext uri="{96DAC541-7B7A-43D3-8B79-37D633B846F1}">
+                <asvg:svgBlip xmlns:asvg="http://schemas.microsoft.com/office/drawing/2016/SVG/main" r:embed="rId24"/>
+              </a:ext>
+            </a:extLst>
+          </a:blip>
+          <a:srcRect l="43671" t="43857" r="41962" b="43060"/>
+          <a:stretch/>
+        </p:blipFill>
+        <p:spPr>
+          <a:xfrm>
+            <a:off x="8187784" y="3241395"/>
+            <a:ext cx="774620" cy="705385"/>
+          </a:xfrm>
+          <a:prstGeom prst="rect">
+            <a:avLst/>
+          </a:prstGeom>
+        </p:spPr>
+      </p:pic>
+      <p:sp>
+        <p:nvSpPr>
+          <p:cNvPr id="35" name="TextBox 34">
+            <a:extLst>
+              <a:ext uri="{FF2B5EF4-FFF2-40B4-BE49-F238E27FC236}">
+                <a16:creationId xmlns:a16="http://schemas.microsoft.com/office/drawing/2014/main" id="{DB6F8AFC-3A56-EBA8-0561-051D477D768D}"/>
+              </a:ext>
+            </a:extLst>
+          </p:cNvPr>
+          <p:cNvSpPr txBox="1"/>
+          <p:nvPr/>
+        </p:nvSpPr>
+        <p:spPr>
+          <a:xfrm>
+            <a:off x="8110040" y="3697673"/>
+            <a:ext cx="774621" cy="584775"/>
+          </a:xfrm>
+          <a:prstGeom prst="rect">
+            <a:avLst/>
+          </a:prstGeom>
+          <a:noFill/>
+        </p:spPr>
+        <p:txBody>
+          <a:bodyPr wrap="square" rtlCol="0">
+            <a:spAutoFit/>
+          </a:bodyPr>
+          <a:lstStyle/>
+          <a:p>
+            <a:pPr algn="ctr"/>
+            <a:r>
+              <a:rPr lang="de-DE" sz="1600" dirty="0"/>
+              <a:t>API</a:t>
+            </a:r>
+          </a:p>
+          <a:p>
+            <a:pPr algn="ctr"/>
+            <a:r>
+              <a:rPr lang="de-DE" sz="1600" dirty="0"/>
+              <a:t>Policy</a:t>
+            </a:r>
+            <a:endParaRPr lang="en-DE" sz="1600" dirty="0"/>
+          </a:p>
+        </p:txBody>
+      </p:sp>
+      <p:sp>
+        <p:nvSpPr>
+          <p:cNvPr id="37" name="Rectangle: Rounded Corners 36">
+            <a:extLst>
+              <a:ext uri="{FF2B5EF4-FFF2-40B4-BE49-F238E27FC236}">
+                <a16:creationId xmlns:a16="http://schemas.microsoft.com/office/drawing/2014/main" id="{E4E23656-C10A-5073-6469-4415B527D1FB}"/>
+              </a:ext>
+            </a:extLst>
+          </p:cNvPr>
+          <p:cNvSpPr/>
+          <p:nvPr/>
+        </p:nvSpPr>
+        <p:spPr>
+          <a:xfrm>
+            <a:off x="6746530" y="3387238"/>
+            <a:ext cx="1211543" cy="214899"/>
+          </a:xfrm>
+          <a:prstGeom prst="roundRect">
+            <a:avLst>
+              <a:gd name="adj" fmla="val 42718"/>
+            </a:avLst>
+          </a:prstGeom>
+          <a:solidFill>
+            <a:srgbClr val="7F7F7F"/>
+          </a:solidFill>
+          <a:ln>
+            <a:noFill/>
+          </a:ln>
+        </p:spPr>
+        <p:style>
+          <a:lnRef idx="2">
+            <a:schemeClr val="accent1">
+              <a:shade val="50000"/>
+            </a:schemeClr>
+          </a:lnRef>
+          <a:fillRef idx="1">
+            <a:schemeClr val="accent1"/>
+          </a:fillRef>
+          <a:effectRef idx="0">
+            <a:schemeClr val="accent1"/>
+          </a:effectRef>
+          <a:fontRef idx="minor">
+            <a:schemeClr val="lt1"/>
+          </a:fontRef>
+        </p:style>
+        <p:txBody>
+          <a:bodyPr rtlCol="0" anchor="ctr"/>
+          <a:lstStyle/>
+          <a:p>
+            <a:pPr algn="ctr"/>
+            <a:r>
+              <a:rPr lang="de-DE" sz="1400" dirty="0"/>
+              <a:t>API </a:t>
+            </a:r>
+            <a:r>
+              <a:rPr lang="de-DE" sz="1400" dirty="0" err="1"/>
+              <a:t>register</a:t>
+            </a:r>
+            <a:endParaRPr lang="en-DE" sz="1400" dirty="0"/>
+          </a:p>
+        </p:txBody>
+      </p:sp>
+      <p:pic>
+        <p:nvPicPr>
+          <p:cNvPr id="17" name="Graphic 16">
+            <a:extLst>
+              <a:ext uri="{FF2B5EF4-FFF2-40B4-BE49-F238E27FC236}">
+                <a16:creationId xmlns:a16="http://schemas.microsoft.com/office/drawing/2014/main" id="{FDB08A82-6193-74B7-D626-11E2743CF4A0}"/>
+              </a:ext>
+            </a:extLst>
+          </p:cNvPr>
+          <p:cNvPicPr>
+            <a:picLocks noChangeAspect="1"/>
+          </p:cNvPicPr>
+          <p:nvPr/>
+        </p:nvPicPr>
+        <p:blipFill>
+          <a:blip r:embed="rId25">
+            <a:extLst>
+              <a:ext uri="{28A0092B-C50C-407E-A947-70E740481C1C}">
+                <a14:useLocalDpi xmlns:a14="http://schemas.microsoft.com/office/drawing/2010/main" val="0"/>
+              </a:ext>
+              <a:ext uri="{96DAC541-7B7A-43D3-8B79-37D633B846F1}">
+                <asvg:svgBlip xmlns:asvg="http://schemas.microsoft.com/office/drawing/2016/SVG/main" r:embed="rId26"/>
+              </a:ext>
+            </a:extLst>
+          </a:blip>
+          <a:stretch>
+            <a:fillRect/>
+          </a:stretch>
+        </p:blipFill>
+        <p:spPr>
+          <a:xfrm>
+            <a:off x="5253591" y="2391583"/>
+            <a:ext cx="443471" cy="443471"/>
+          </a:xfrm>
+          <a:prstGeom prst="rect">
+            <a:avLst/>
+          </a:prstGeom>
+        </p:spPr>
+      </p:pic>
+    </p:spTree>
+    <p:extLst>
+      <p:ext uri="{BB962C8B-B14F-4D97-AF65-F5344CB8AC3E}">
+        <p14:creationId xmlns:p14="http://schemas.microsoft.com/office/powerpoint/2010/main" val="3740253142"/>
+      </p:ext>
+    </p:extLst>
+  </p:cSld>
+  <p:clrMapOvr>
+    <a:masterClrMapping/>
+  </p:clrMapOvr>
+</p:sld>
+</file>
+
 <file path=ppt/theme/theme1.xml><?xml version="1.0" encoding="utf-8"?>
 <a:theme xmlns:a="http://schemas.openxmlformats.org/drawingml/2006/main" name="Office Theme">
   <a:themeElements>

--- a/assets/drawings.pptx
+++ b/assets/drawings.pptx
@@ -261,7 +261,7 @@
           <a:p>
             <a:fld id="{40E102C9-DE61-4CD8-AC35-112A0980813C}" type="datetimeFigureOut">
               <a:rPr lang="en-DE" smtClean="0"/>
-              <a:t>12/05/2023</a:t>
+              <a:t>15/12/2023</a:t>
             </a:fld>
             <a:endParaRPr lang="en-DE"/>
           </a:p>
@@ -461,7 +461,7 @@
           <a:p>
             <a:fld id="{40E102C9-DE61-4CD8-AC35-112A0980813C}" type="datetimeFigureOut">
               <a:rPr lang="en-DE" smtClean="0"/>
-              <a:t>12/05/2023</a:t>
+              <a:t>15/12/2023</a:t>
             </a:fld>
             <a:endParaRPr lang="en-DE"/>
           </a:p>
@@ -671,7 +671,7 @@
           <a:p>
             <a:fld id="{40E102C9-DE61-4CD8-AC35-112A0980813C}" type="datetimeFigureOut">
               <a:rPr lang="en-DE" smtClean="0"/>
-              <a:t>12/05/2023</a:t>
+              <a:t>15/12/2023</a:t>
             </a:fld>
             <a:endParaRPr lang="en-DE"/>
           </a:p>
@@ -871,7 +871,7 @@
           <a:p>
             <a:fld id="{40E102C9-DE61-4CD8-AC35-112A0980813C}" type="datetimeFigureOut">
               <a:rPr lang="en-DE" smtClean="0"/>
-              <a:t>12/05/2023</a:t>
+              <a:t>15/12/2023</a:t>
             </a:fld>
             <a:endParaRPr lang="en-DE"/>
           </a:p>
@@ -1147,7 +1147,7 @@
           <a:p>
             <a:fld id="{40E102C9-DE61-4CD8-AC35-112A0980813C}" type="datetimeFigureOut">
               <a:rPr lang="en-DE" smtClean="0"/>
-              <a:t>12/05/2023</a:t>
+              <a:t>15/12/2023</a:t>
             </a:fld>
             <a:endParaRPr lang="en-DE"/>
           </a:p>
@@ -1415,7 +1415,7 @@
           <a:p>
             <a:fld id="{40E102C9-DE61-4CD8-AC35-112A0980813C}" type="datetimeFigureOut">
               <a:rPr lang="en-DE" smtClean="0"/>
-              <a:t>12/05/2023</a:t>
+              <a:t>15/12/2023</a:t>
             </a:fld>
             <a:endParaRPr lang="en-DE"/>
           </a:p>
@@ -1830,7 +1830,7 @@
           <a:p>
             <a:fld id="{40E102C9-DE61-4CD8-AC35-112A0980813C}" type="datetimeFigureOut">
               <a:rPr lang="en-DE" smtClean="0"/>
-              <a:t>12/05/2023</a:t>
+              <a:t>15/12/2023</a:t>
             </a:fld>
             <a:endParaRPr lang="en-DE"/>
           </a:p>
@@ -1972,7 +1972,7 @@
           <a:p>
             <a:fld id="{40E102C9-DE61-4CD8-AC35-112A0980813C}" type="datetimeFigureOut">
               <a:rPr lang="en-DE" smtClean="0"/>
-              <a:t>12/05/2023</a:t>
+              <a:t>15/12/2023</a:t>
             </a:fld>
             <a:endParaRPr lang="en-DE"/>
           </a:p>
@@ -2085,7 +2085,7 @@
           <a:p>
             <a:fld id="{40E102C9-DE61-4CD8-AC35-112A0980813C}" type="datetimeFigureOut">
               <a:rPr lang="en-DE" smtClean="0"/>
-              <a:t>12/05/2023</a:t>
+              <a:t>15/12/2023</a:t>
             </a:fld>
             <a:endParaRPr lang="en-DE"/>
           </a:p>
@@ -2398,7 +2398,7 @@
           <a:p>
             <a:fld id="{40E102C9-DE61-4CD8-AC35-112A0980813C}" type="datetimeFigureOut">
               <a:rPr lang="en-DE" smtClean="0"/>
-              <a:t>12/05/2023</a:t>
+              <a:t>15/12/2023</a:t>
             </a:fld>
             <a:endParaRPr lang="en-DE"/>
           </a:p>
@@ -2687,7 +2687,7 @@
           <a:p>
             <a:fld id="{40E102C9-DE61-4CD8-AC35-112A0980813C}" type="datetimeFigureOut">
               <a:rPr lang="en-DE" smtClean="0"/>
-              <a:t>12/05/2023</a:t>
+              <a:t>15/12/2023</a:t>
             </a:fld>
             <a:endParaRPr lang="en-DE"/>
           </a:p>
@@ -2930,7 +2930,7 @@
           <a:p>
             <a:fld id="{40E102C9-DE61-4CD8-AC35-112A0980813C}" type="datetimeFigureOut">
               <a:rPr lang="en-DE" smtClean="0"/>
-              <a:t>12/05/2023</a:t>
+              <a:t>15/12/2023</a:t>
             </a:fld>
             <a:endParaRPr lang="en-DE"/>
           </a:p>
@@ -3361,8 +3361,8 @@
         </p:nvSpPr>
         <p:spPr>
           <a:xfrm>
-            <a:off x="103220" y="706794"/>
-            <a:ext cx="11497842" cy="5444412"/>
+            <a:off x="103220" y="672213"/>
+            <a:ext cx="11497842" cy="5787363"/>
           </a:xfrm>
           <a:prstGeom prst="rect">
             <a:avLst/>
@@ -3749,7 +3749,7 @@
         <p:spPr>
           <a:xfrm>
             <a:off x="4637314" y="2332654"/>
-            <a:ext cx="0" cy="3298371"/>
+            <a:ext cx="0" cy="3240734"/>
           </a:xfrm>
           <a:prstGeom prst="line">
             <a:avLst/>
@@ -3808,7 +3808,7 @@
         </p:blipFill>
         <p:spPr>
           <a:xfrm>
-            <a:off x="5652357" y="5278114"/>
+            <a:off x="5352987" y="5278113"/>
             <a:ext cx="358548" cy="295275"/>
           </a:xfrm>
           <a:prstGeom prst="rect">
@@ -4100,13 +4100,13 @@
         </p:nvSpPr>
         <p:spPr>
           <a:xfrm>
-            <a:off x="3288508" y="1743658"/>
-            <a:ext cx="596089" cy="3858208"/>
+            <a:off x="3288508" y="1743657"/>
+            <a:ext cx="596089" cy="4603580"/>
           </a:xfrm>
           <a:prstGeom prst="leftBrace">
             <a:avLst>
               <a:gd name="adj1" fmla="val 47466"/>
-              <a:gd name="adj2" fmla="val 50000"/>
+              <a:gd name="adj2" fmla="val 35632"/>
             </a:avLst>
           </a:prstGeom>
           <a:ln w="28575">
@@ -4498,8 +4498,8 @@
         </p:blipFill>
         <p:spPr>
           <a:xfrm>
-            <a:off x="3932270" y="812249"/>
-            <a:ext cx="514350" cy="514350"/>
+            <a:off x="3884597" y="672213"/>
+            <a:ext cx="562023" cy="562023"/>
           </a:xfrm>
           <a:prstGeom prst="rect">
             <a:avLst/>
@@ -4520,7 +4520,7 @@
         </p:nvSpPr>
         <p:spPr>
           <a:xfrm>
-            <a:off x="4534980" y="903101"/>
+            <a:off x="4534980" y="810738"/>
             <a:ext cx="2062820" cy="338554"/>
           </a:xfrm>
           <a:prstGeom prst="rect">
@@ -5550,6 +5550,220 @@
               <a:t>register</a:t>
             </a:r>
             <a:endParaRPr lang="en-DE" sz="1400" dirty="0"/>
+          </a:p>
+        </p:txBody>
+      </p:sp>
+      <p:pic>
+        <p:nvPicPr>
+          <p:cNvPr id="3" name="Picture 2" descr="A blue and white diamond&#10;&#10;Description automatically generated with low confidence">
+            <a:extLst>
+              <a:ext uri="{FF2B5EF4-FFF2-40B4-BE49-F238E27FC236}">
+                <a16:creationId xmlns:a16="http://schemas.microsoft.com/office/drawing/2014/main" id="{C8F72890-059D-53E5-1150-AAFEAFA839B4}"/>
+              </a:ext>
+            </a:extLst>
+          </p:cNvPr>
+          <p:cNvPicPr>
+            <a:picLocks noChangeAspect="1" noChangeArrowheads="1"/>
+          </p:cNvPicPr>
+          <p:nvPr/>
+        </p:nvPicPr>
+        <p:blipFill>
+          <a:blip r:embed="rId27">
+            <a:extLst>
+              <a:ext uri="{28A0092B-C50C-407E-A947-70E740481C1C}">
+                <a14:useLocalDpi xmlns:a14="http://schemas.microsoft.com/office/drawing/2010/main" val="0"/>
+              </a:ext>
+            </a:extLst>
+          </a:blip>
+          <a:srcRect/>
+          <a:stretch>
+            <a:fillRect/>
+          </a:stretch>
+        </p:blipFill>
+        <p:spPr bwMode="auto">
+          <a:xfrm>
+            <a:off x="6871625" y="789314"/>
+            <a:ext cx="399423" cy="399423"/>
+          </a:xfrm>
+          <a:prstGeom prst="rect">
+            <a:avLst/>
+          </a:prstGeom>
+          <a:noFill/>
+          <a:extLst>
+            <a:ext uri="{909E8E84-426E-40DD-AFC4-6F175D3DCCD1}">
+              <a14:hiddenFill xmlns:a14="http://schemas.microsoft.com/office/drawing/2010/main">
+                <a:solidFill>
+                  <a:srgbClr val="FFFFFF"/>
+                </a:solidFill>
+              </a14:hiddenFill>
+            </a:ext>
+          </a:extLst>
+        </p:spPr>
+      </p:pic>
+      <p:sp>
+        <p:nvSpPr>
+          <p:cNvPr id="14" name="TextBox 13">
+            <a:extLst>
+              <a:ext uri="{FF2B5EF4-FFF2-40B4-BE49-F238E27FC236}">
+                <a16:creationId xmlns:a16="http://schemas.microsoft.com/office/drawing/2014/main" id="{000355CA-4666-64A2-5BD0-79569809DD3D}"/>
+              </a:ext>
+            </a:extLst>
+          </p:cNvPr>
+          <p:cNvSpPr txBox="1"/>
+          <p:nvPr/>
+        </p:nvSpPr>
+        <p:spPr>
+          <a:xfrm>
+            <a:off x="7271048" y="861463"/>
+            <a:ext cx="3526258" cy="307777"/>
+          </a:xfrm>
+          <a:prstGeom prst="rect">
+            <a:avLst/>
+          </a:prstGeom>
+          <a:noFill/>
+        </p:spPr>
+        <p:txBody>
+          <a:bodyPr wrap="square" rtlCol="0">
+            <a:spAutoFit/>
+          </a:bodyPr>
+          <a:lstStyle/>
+          <a:p>
+            <a:r>
+              <a:rPr lang="de-DE" sz="1400" dirty="0">
+                <a:solidFill>
+                  <a:srgbClr val="074793"/>
+                </a:solidFill>
+              </a:rPr>
+              <a:t>Microsoft </a:t>
+            </a:r>
+            <a:r>
+              <a:rPr lang="de-DE" sz="1400" dirty="0" err="1">
+                <a:solidFill>
+                  <a:srgbClr val="074793"/>
+                </a:solidFill>
+              </a:rPr>
+              <a:t>Entra</a:t>
+            </a:r>
+            <a:r>
+              <a:rPr lang="de-DE" sz="1400" dirty="0">
+                <a:solidFill>
+                  <a:srgbClr val="074793"/>
+                </a:solidFill>
+              </a:rPr>
+              <a:t> ID (</a:t>
+            </a:r>
+            <a:r>
+              <a:rPr lang="de-DE" sz="1400" dirty="0" err="1">
+                <a:solidFill>
+                  <a:srgbClr val="074793"/>
+                </a:solidFill>
+              </a:rPr>
+              <a:t>formerly</a:t>
+            </a:r>
+            <a:r>
+              <a:rPr lang="de-DE" sz="1400" dirty="0">
+                <a:solidFill>
+                  <a:srgbClr val="074793"/>
+                </a:solidFill>
+              </a:rPr>
+              <a:t> Azure AD)</a:t>
+            </a:r>
+            <a:endParaRPr lang="en-DE" sz="1400" dirty="0">
+              <a:solidFill>
+                <a:srgbClr val="074793"/>
+              </a:solidFill>
+            </a:endParaRPr>
+          </a:p>
+        </p:txBody>
+      </p:sp>
+      <p:pic>
+        <p:nvPicPr>
+          <p:cNvPr id="17" name="Graphic 16">
+            <a:extLst>
+              <a:ext uri="{FF2B5EF4-FFF2-40B4-BE49-F238E27FC236}">
+                <a16:creationId xmlns:a16="http://schemas.microsoft.com/office/drawing/2014/main" id="{83C2F272-7044-86D4-C046-68A6A14BB37D}"/>
+              </a:ext>
+            </a:extLst>
+          </p:cNvPr>
+          <p:cNvPicPr>
+            <a:picLocks noChangeAspect="1"/>
+          </p:cNvPicPr>
+          <p:nvPr/>
+        </p:nvPicPr>
+        <p:blipFill>
+          <a:blip r:embed="rId28">
+            <a:extLst>
+              <a:ext uri="{28A0092B-C50C-407E-A947-70E740481C1C}">
+                <a14:useLocalDpi xmlns:a14="http://schemas.microsoft.com/office/drawing/2010/main" val="0"/>
+              </a:ext>
+              <a:ext uri="{96DAC541-7B7A-43D3-8B79-37D633B846F1}">
+                <asvg:svgBlip xmlns:asvg="http://schemas.microsoft.com/office/drawing/2016/SVG/main" r:embed="rId29"/>
+              </a:ext>
+            </a:extLst>
+          </a:blip>
+          <a:stretch>
+            <a:fillRect/>
+          </a:stretch>
+        </p:blipFill>
+        <p:spPr>
+          <a:xfrm>
+            <a:off x="4446620" y="5970341"/>
+            <a:ext cx="489235" cy="489235"/>
+          </a:xfrm>
+          <a:prstGeom prst="rect">
+            <a:avLst/>
+          </a:prstGeom>
+        </p:spPr>
+      </p:pic>
+      <p:sp>
+        <p:nvSpPr>
+          <p:cNvPr id="25" name="TextBox 24">
+            <a:extLst>
+              <a:ext uri="{FF2B5EF4-FFF2-40B4-BE49-F238E27FC236}">
+                <a16:creationId xmlns:a16="http://schemas.microsoft.com/office/drawing/2014/main" id="{37BE062C-A394-3A78-DDE1-F240453D1841}"/>
+              </a:ext>
+            </a:extLst>
+          </p:cNvPr>
+          <p:cNvSpPr txBox="1"/>
+          <p:nvPr/>
+        </p:nvSpPr>
+        <p:spPr>
+          <a:xfrm>
+            <a:off x="4928519" y="6008687"/>
+            <a:ext cx="3313971" cy="338554"/>
+          </a:xfrm>
+          <a:prstGeom prst="rect">
+            <a:avLst/>
+          </a:prstGeom>
+          <a:noFill/>
+        </p:spPr>
+        <p:txBody>
+          <a:bodyPr wrap="square" rtlCol="0">
+            <a:spAutoFit/>
+          </a:bodyPr>
+          <a:lstStyle/>
+          <a:p>
+            <a:r>
+              <a:rPr lang="de-DE" sz="1600" dirty="0" err="1">
+                <a:solidFill>
+                  <a:srgbClr val="074793"/>
+                </a:solidFill>
+              </a:rPr>
+              <a:t>Entra</a:t>
+            </a:r>
+            <a:r>
+              <a:rPr lang="de-DE" sz="1600" dirty="0">
+                <a:solidFill>
+                  <a:srgbClr val="074793"/>
+                </a:solidFill>
+              </a:rPr>
+              <a:t> ID App Registration</a:t>
+            </a:r>
+            <a:endParaRPr lang="en-DE" sz="1600" dirty="0">
+              <a:solidFill>
+                <a:srgbClr val="074793"/>
+              </a:solidFill>
+            </a:endParaRPr>
           </a:p>
         </p:txBody>
       </p:sp>

--- a/assets/drawings.pptx
+++ b/assets/drawings.pptx
@@ -261,7 +261,7 @@
           <a:p>
             <a:fld id="{40E102C9-DE61-4CD8-AC35-112A0980813C}" type="datetimeFigureOut">
               <a:rPr lang="en-DE" smtClean="0"/>
-              <a:t>15/12/2023</a:t>
+              <a:t>18/12/2023</a:t>
             </a:fld>
             <a:endParaRPr lang="en-DE"/>
           </a:p>
@@ -461,7 +461,7 @@
           <a:p>
             <a:fld id="{40E102C9-DE61-4CD8-AC35-112A0980813C}" type="datetimeFigureOut">
               <a:rPr lang="en-DE" smtClean="0"/>
-              <a:t>15/12/2023</a:t>
+              <a:t>18/12/2023</a:t>
             </a:fld>
             <a:endParaRPr lang="en-DE"/>
           </a:p>
@@ -671,7 +671,7 @@
           <a:p>
             <a:fld id="{40E102C9-DE61-4CD8-AC35-112A0980813C}" type="datetimeFigureOut">
               <a:rPr lang="en-DE" smtClean="0"/>
-              <a:t>15/12/2023</a:t>
+              <a:t>18/12/2023</a:t>
             </a:fld>
             <a:endParaRPr lang="en-DE"/>
           </a:p>
@@ -871,7 +871,7 @@
           <a:p>
             <a:fld id="{40E102C9-DE61-4CD8-AC35-112A0980813C}" type="datetimeFigureOut">
               <a:rPr lang="en-DE" smtClean="0"/>
-              <a:t>15/12/2023</a:t>
+              <a:t>18/12/2023</a:t>
             </a:fld>
             <a:endParaRPr lang="en-DE"/>
           </a:p>
@@ -1147,7 +1147,7 @@
           <a:p>
             <a:fld id="{40E102C9-DE61-4CD8-AC35-112A0980813C}" type="datetimeFigureOut">
               <a:rPr lang="en-DE" smtClean="0"/>
-              <a:t>15/12/2023</a:t>
+              <a:t>18/12/2023</a:t>
             </a:fld>
             <a:endParaRPr lang="en-DE"/>
           </a:p>
@@ -1415,7 +1415,7 @@
           <a:p>
             <a:fld id="{40E102C9-DE61-4CD8-AC35-112A0980813C}" type="datetimeFigureOut">
               <a:rPr lang="en-DE" smtClean="0"/>
-              <a:t>15/12/2023</a:t>
+              <a:t>18/12/2023</a:t>
             </a:fld>
             <a:endParaRPr lang="en-DE"/>
           </a:p>
@@ -1830,7 +1830,7 @@
           <a:p>
             <a:fld id="{40E102C9-DE61-4CD8-AC35-112A0980813C}" type="datetimeFigureOut">
               <a:rPr lang="en-DE" smtClean="0"/>
-              <a:t>15/12/2023</a:t>
+              <a:t>18/12/2023</a:t>
             </a:fld>
             <a:endParaRPr lang="en-DE"/>
           </a:p>
@@ -1972,7 +1972,7 @@
           <a:p>
             <a:fld id="{40E102C9-DE61-4CD8-AC35-112A0980813C}" type="datetimeFigureOut">
               <a:rPr lang="en-DE" smtClean="0"/>
-              <a:t>15/12/2023</a:t>
+              <a:t>18/12/2023</a:t>
             </a:fld>
             <a:endParaRPr lang="en-DE"/>
           </a:p>
@@ -2085,7 +2085,7 @@
           <a:p>
             <a:fld id="{40E102C9-DE61-4CD8-AC35-112A0980813C}" type="datetimeFigureOut">
               <a:rPr lang="en-DE" smtClean="0"/>
-              <a:t>15/12/2023</a:t>
+              <a:t>18/12/2023</a:t>
             </a:fld>
             <a:endParaRPr lang="en-DE"/>
           </a:p>
@@ -2398,7 +2398,7 @@
           <a:p>
             <a:fld id="{40E102C9-DE61-4CD8-AC35-112A0980813C}" type="datetimeFigureOut">
               <a:rPr lang="en-DE" smtClean="0"/>
-              <a:t>15/12/2023</a:t>
+              <a:t>18/12/2023</a:t>
             </a:fld>
             <a:endParaRPr lang="en-DE"/>
           </a:p>
@@ -2687,7 +2687,7 @@
           <a:p>
             <a:fld id="{40E102C9-DE61-4CD8-AC35-112A0980813C}" type="datetimeFigureOut">
               <a:rPr lang="en-DE" smtClean="0"/>
-              <a:t>15/12/2023</a:t>
+              <a:t>18/12/2023</a:t>
             </a:fld>
             <a:endParaRPr lang="en-DE"/>
           </a:p>
@@ -2930,7 +2930,7 @@
           <a:p>
             <a:fld id="{40E102C9-DE61-4CD8-AC35-112A0980813C}" type="datetimeFigureOut">
               <a:rPr lang="en-DE" smtClean="0"/>
-              <a:t>15/12/2023</a:t>
+              <a:t>18/12/2023</a:t>
             </a:fld>
             <a:endParaRPr lang="en-DE"/>
           </a:p>
@@ -3362,7 +3362,7 @@
         <p:spPr>
           <a:xfrm>
             <a:off x="103220" y="672213"/>
-            <a:ext cx="11497842" cy="5787363"/>
+            <a:ext cx="11497842" cy="6038612"/>
           </a:xfrm>
           <a:prstGeom prst="rect">
             <a:avLst/>
@@ -5764,6 +5764,149 @@
                 <a:srgbClr val="074793"/>
               </a:solidFill>
             </a:endParaRPr>
+          </a:p>
+        </p:txBody>
+      </p:sp>
+      <p:pic>
+        <p:nvPicPr>
+          <p:cNvPr id="15" name="Graphic 14">
+            <a:extLst>
+              <a:ext uri="{FF2B5EF4-FFF2-40B4-BE49-F238E27FC236}">
+                <a16:creationId xmlns:a16="http://schemas.microsoft.com/office/drawing/2014/main" id="{682708C0-2BB6-6080-6F80-E5FDA5B6D984}"/>
+              </a:ext>
+            </a:extLst>
+          </p:cNvPr>
+          <p:cNvPicPr>
+            <a:picLocks noChangeAspect="1"/>
+          </p:cNvPicPr>
+          <p:nvPr/>
+        </p:nvPicPr>
+        <p:blipFill>
+          <a:blip r:embed="rId28">
+            <a:extLst>
+              <a:ext uri="{28A0092B-C50C-407E-A947-70E740481C1C}">
+                <a14:useLocalDpi xmlns:a14="http://schemas.microsoft.com/office/drawing/2010/main" val="0"/>
+              </a:ext>
+              <a:ext uri="{96DAC541-7B7A-43D3-8B79-37D633B846F1}">
+                <asvg:svgBlip xmlns:asvg="http://schemas.microsoft.com/office/drawing/2016/SVG/main" r:embed="rId29"/>
+              </a:ext>
+            </a:extLst>
+          </a:blip>
+          <a:stretch>
+            <a:fillRect/>
+          </a:stretch>
+        </p:blipFill>
+        <p:spPr>
+          <a:xfrm>
+            <a:off x="9437816" y="3605312"/>
+            <a:ext cx="194139" cy="194139"/>
+          </a:xfrm>
+          <a:prstGeom prst="rect">
+            <a:avLst/>
+          </a:prstGeom>
+        </p:spPr>
+      </p:pic>
+      <p:cxnSp>
+        <p:nvCxnSpPr>
+          <p:cNvPr id="22" name="Connector: Elbow 21">
+            <a:extLst>
+              <a:ext uri="{FF2B5EF4-FFF2-40B4-BE49-F238E27FC236}">
+                <a16:creationId xmlns:a16="http://schemas.microsoft.com/office/drawing/2014/main" id="{FB9EA117-77B2-6083-8BD1-83F9DB791DC1}"/>
+              </a:ext>
+            </a:extLst>
+          </p:cNvPr>
+          <p:cNvCxnSpPr>
+            <a:cxnSpLocks/>
+            <a:stCxn id="17" idx="2"/>
+            <a:endCxn id="15" idx="1"/>
+          </p:cNvCxnSpPr>
+          <p:nvPr/>
+        </p:nvCxnSpPr>
+        <p:spPr>
+          <a:xfrm rot="5400000" flipH="1" flipV="1">
+            <a:off x="5685930" y="2707690"/>
+            <a:ext cx="2757194" cy="4746578"/>
+          </a:xfrm>
+          <a:prstGeom prst="bentConnector4">
+            <a:avLst>
+              <a:gd name="adj1" fmla="val -4606"/>
+              <a:gd name="adj2" fmla="val 91884"/>
+            </a:avLst>
+          </a:prstGeom>
+          <a:ln>
+            <a:prstDash val="dash"/>
+          </a:ln>
+        </p:spPr>
+        <p:style>
+          <a:lnRef idx="1">
+            <a:schemeClr val="accent3"/>
+          </a:lnRef>
+          <a:fillRef idx="0">
+            <a:schemeClr val="accent3"/>
+          </a:fillRef>
+          <a:effectRef idx="0">
+            <a:schemeClr val="accent3"/>
+          </a:effectRef>
+          <a:fontRef idx="minor">
+            <a:schemeClr val="tx1"/>
+          </a:fontRef>
+        </p:style>
+      </p:cxnSp>
+      <p:sp>
+        <p:nvSpPr>
+          <p:cNvPr id="41" name="Rectangle: Rounded Corners 40">
+            <a:extLst>
+              <a:ext uri="{FF2B5EF4-FFF2-40B4-BE49-F238E27FC236}">
+                <a16:creationId xmlns:a16="http://schemas.microsoft.com/office/drawing/2014/main" id="{29F6D4DF-9438-1717-FFBD-4ABE6A3870F9}"/>
+              </a:ext>
+            </a:extLst>
+          </p:cNvPr>
+          <p:cNvSpPr/>
+          <p:nvPr/>
+        </p:nvSpPr>
+        <p:spPr>
+          <a:xfrm>
+            <a:off x="6732589" y="6495926"/>
+            <a:ext cx="1211543" cy="214899"/>
+          </a:xfrm>
+          <a:prstGeom prst="roundRect">
+            <a:avLst>
+              <a:gd name="adj" fmla="val 42718"/>
+            </a:avLst>
+          </a:prstGeom>
+          <a:solidFill>
+            <a:srgbClr val="7F7F7F"/>
+          </a:solidFill>
+          <a:ln>
+            <a:noFill/>
+          </a:ln>
+        </p:spPr>
+        <p:style>
+          <a:lnRef idx="2">
+            <a:schemeClr val="accent1">
+              <a:shade val="50000"/>
+            </a:schemeClr>
+          </a:lnRef>
+          <a:fillRef idx="1">
+            <a:schemeClr val="accent1"/>
+          </a:fillRef>
+          <a:effectRef idx="0">
+            <a:schemeClr val="accent1"/>
+          </a:effectRef>
+          <a:fontRef idx="minor">
+            <a:schemeClr val="lt1"/>
+          </a:fontRef>
+        </p:style>
+        <p:txBody>
+          <a:bodyPr rtlCol="0" anchor="ctr"/>
+          <a:lstStyle/>
+          <a:p>
+            <a:pPr algn="ctr"/>
+            <a:r>
+              <a:rPr lang="de-DE" sz="1400" dirty="0" err="1"/>
+              <a:t>authorized</a:t>
+            </a:r>
+            <a:endParaRPr lang="en-DE" sz="1400" dirty="0"/>
           </a:p>
         </p:txBody>
       </p:sp>

--- a/assets/drawings.pptx
+++ b/assets/drawings.pptx
@@ -3,9 +3,11 @@
 <p:presentation xmlns:a="http://schemas.openxmlformats.org/drawingml/2006/main" xmlns:r="http://schemas.openxmlformats.org/officeDocument/2006/relationships" xmlns:p="http://schemas.openxmlformats.org/presentationml/2006/main" saveSubsetFonts="1">
   <p:sldMasterIdLst>
     <p:sldMasterId id="2147483648" r:id="rId1"/>
+    <p:sldMasterId id="2147483660" r:id="rId2"/>
   </p:sldMasterIdLst>
   <p:sldIdLst>
-    <p:sldId id="256" r:id="rId2"/>
+    <p:sldId id="256" r:id="rId3"/>
+    <p:sldId id="277" r:id="rId4"/>
   </p:sldIdLst>
   <p:sldSz cx="12192000" cy="6858000"/>
   <p:notesSz cx="6858000" cy="9144000"/>
@@ -261,7 +263,7 @@
           <a:p>
             <a:fld id="{40E102C9-DE61-4CD8-AC35-112A0980813C}" type="datetimeFigureOut">
               <a:rPr lang="en-DE" smtClean="0"/>
-              <a:t>18/12/2023</a:t>
+              <a:t>28/12/2023</a:t>
             </a:fld>
             <a:endParaRPr lang="en-DE"/>
           </a:p>
@@ -461,7 +463,7 @@
           <a:p>
             <a:fld id="{40E102C9-DE61-4CD8-AC35-112A0980813C}" type="datetimeFigureOut">
               <a:rPr lang="en-DE" smtClean="0"/>
-              <a:t>18/12/2023</a:t>
+              <a:t>28/12/2023</a:t>
             </a:fld>
             <a:endParaRPr lang="en-DE"/>
           </a:p>
@@ -671,7 +673,7 @@
           <a:p>
             <a:fld id="{40E102C9-DE61-4CD8-AC35-112A0980813C}" type="datetimeFigureOut">
               <a:rPr lang="en-DE" smtClean="0"/>
-              <a:t>18/12/2023</a:t>
+              <a:t>28/12/2023</a:t>
             </a:fld>
             <a:endParaRPr lang="en-DE"/>
           </a:p>
@@ -744,7 +746,229 @@
 </p:sldLayout>
 </file>
 
-<file path=ppt/slideLayouts/slideLayout2.xml><?xml version="1.0" encoding="utf-8"?>
+<file path=ppt/slideLayouts/slideLayout12.xml><?xml version="1.0" encoding="utf-8"?>
+<p:sldLayout xmlns:a="http://schemas.openxmlformats.org/drawingml/2006/main" xmlns:r="http://schemas.openxmlformats.org/officeDocument/2006/relationships" xmlns:p="http://schemas.openxmlformats.org/presentationml/2006/main" type="title" preserve="1">
+  <p:cSld name="Title Slide">
+    <p:spTree>
+      <p:nvGrpSpPr>
+        <p:cNvPr id="1" name=""/>
+        <p:cNvGrpSpPr/>
+        <p:nvPr/>
+      </p:nvGrpSpPr>
+      <p:grpSpPr>
+        <a:xfrm>
+          <a:off x="0" y="0"/>
+          <a:ext cx="0" cy="0"/>
+          <a:chOff x="0" y="0"/>
+          <a:chExt cx="0" cy="0"/>
+        </a:xfrm>
+      </p:grpSpPr>
+      <p:sp>
+        <p:nvSpPr>
+          <p:cNvPr id="2" name="Title 1">
+            <a:extLst>
+              <a:ext uri="{FF2B5EF4-FFF2-40B4-BE49-F238E27FC236}">
+                <a16:creationId xmlns:a16="http://schemas.microsoft.com/office/drawing/2014/main" id="{8A0BC38C-ADAF-450C-B687-3FC2E3E0B8B7}"/>
+              </a:ext>
+            </a:extLst>
+          </p:cNvPr>
+          <p:cNvSpPr>
+            <a:spLocks noGrp="1"/>
+          </p:cNvSpPr>
+          <p:nvPr>
+            <p:ph type="ctrTitle"/>
+          </p:nvPr>
+        </p:nvSpPr>
+        <p:spPr>
+          <a:xfrm>
+            <a:off x="1524000" y="1122363"/>
+            <a:ext cx="9144000" cy="2387600"/>
+          </a:xfrm>
+        </p:spPr>
+        <p:txBody>
+          <a:bodyPr anchor="b"/>
+          <a:lstStyle>
+            <a:lvl1pPr algn="ctr">
+              <a:defRPr sz="6000"/>
+            </a:lvl1pPr>
+          </a:lstStyle>
+          <a:p>
+            <a:r>
+              <a:rPr lang="en-US"/>
+              <a:t>Click to edit Master title style</a:t>
+            </a:r>
+            <a:endParaRPr lang="en-DE"/>
+          </a:p>
+        </p:txBody>
+      </p:sp>
+      <p:sp>
+        <p:nvSpPr>
+          <p:cNvPr id="3" name="Subtitle 2">
+            <a:extLst>
+              <a:ext uri="{FF2B5EF4-FFF2-40B4-BE49-F238E27FC236}">
+                <a16:creationId xmlns:a16="http://schemas.microsoft.com/office/drawing/2014/main" id="{255A4E63-04D9-439A-8CF8-483B1E3F847A}"/>
+              </a:ext>
+            </a:extLst>
+          </p:cNvPr>
+          <p:cNvSpPr>
+            <a:spLocks noGrp="1"/>
+          </p:cNvSpPr>
+          <p:nvPr>
+            <p:ph type="subTitle" idx="1"/>
+          </p:nvPr>
+        </p:nvSpPr>
+        <p:spPr>
+          <a:xfrm>
+            <a:off x="1524000" y="3602038"/>
+            <a:ext cx="9144000" cy="1655762"/>
+          </a:xfrm>
+        </p:spPr>
+        <p:txBody>
+          <a:bodyPr/>
+          <a:lstStyle>
+            <a:lvl1pPr marL="0" indent="0" algn="ctr">
+              <a:buNone/>
+              <a:defRPr sz="2400"/>
+            </a:lvl1pPr>
+            <a:lvl2pPr marL="457200" indent="0" algn="ctr">
+              <a:buNone/>
+              <a:defRPr sz="2000"/>
+            </a:lvl2pPr>
+            <a:lvl3pPr marL="914400" indent="0" algn="ctr">
+              <a:buNone/>
+              <a:defRPr sz="1800"/>
+            </a:lvl3pPr>
+            <a:lvl4pPr marL="1371600" indent="0" algn="ctr">
+              <a:buNone/>
+              <a:defRPr sz="1600"/>
+            </a:lvl4pPr>
+            <a:lvl5pPr marL="1828800" indent="0" algn="ctr">
+              <a:buNone/>
+              <a:defRPr sz="1600"/>
+            </a:lvl5pPr>
+            <a:lvl6pPr marL="2286000" indent="0" algn="ctr">
+              <a:buNone/>
+              <a:defRPr sz="1600"/>
+            </a:lvl6pPr>
+            <a:lvl7pPr marL="2743200" indent="0" algn="ctr">
+              <a:buNone/>
+              <a:defRPr sz="1600"/>
+            </a:lvl7pPr>
+            <a:lvl8pPr marL="3200400" indent="0" algn="ctr">
+              <a:buNone/>
+              <a:defRPr sz="1600"/>
+            </a:lvl8pPr>
+            <a:lvl9pPr marL="3657600" indent="0" algn="ctr">
+              <a:buNone/>
+              <a:defRPr sz="1600"/>
+            </a:lvl9pPr>
+          </a:lstStyle>
+          <a:p>
+            <a:r>
+              <a:rPr lang="en-US"/>
+              <a:t>Click to edit Master subtitle style</a:t>
+            </a:r>
+            <a:endParaRPr lang="en-DE"/>
+          </a:p>
+        </p:txBody>
+      </p:sp>
+      <p:sp>
+        <p:nvSpPr>
+          <p:cNvPr id="4" name="Date Placeholder 3">
+            <a:extLst>
+              <a:ext uri="{FF2B5EF4-FFF2-40B4-BE49-F238E27FC236}">
+                <a16:creationId xmlns:a16="http://schemas.microsoft.com/office/drawing/2014/main" id="{7D9A13D3-C8A7-43CC-AF26-F017887395C5}"/>
+              </a:ext>
+            </a:extLst>
+          </p:cNvPr>
+          <p:cNvSpPr>
+            <a:spLocks noGrp="1"/>
+          </p:cNvSpPr>
+          <p:nvPr>
+            <p:ph type="dt" sz="half" idx="10"/>
+          </p:nvPr>
+        </p:nvSpPr>
+        <p:spPr/>
+        <p:txBody>
+          <a:bodyPr/>
+          <a:lstStyle/>
+          <a:p>
+            <a:fld id="{EB039409-FB4B-41E9-B6A1-019319F84CB5}" type="datetimeFigureOut">
+              <a:rPr lang="en-DE" smtClean="0"/>
+              <a:t>28/12/2023</a:t>
+            </a:fld>
+            <a:endParaRPr lang="en-DE"/>
+          </a:p>
+        </p:txBody>
+      </p:sp>
+      <p:sp>
+        <p:nvSpPr>
+          <p:cNvPr id="5" name="Footer Placeholder 4">
+            <a:extLst>
+              <a:ext uri="{FF2B5EF4-FFF2-40B4-BE49-F238E27FC236}">
+                <a16:creationId xmlns:a16="http://schemas.microsoft.com/office/drawing/2014/main" id="{DAEE9076-F102-45AB-89C7-908186A5B45B}"/>
+              </a:ext>
+            </a:extLst>
+          </p:cNvPr>
+          <p:cNvSpPr>
+            <a:spLocks noGrp="1"/>
+          </p:cNvSpPr>
+          <p:nvPr>
+            <p:ph type="ftr" sz="quarter" idx="11"/>
+          </p:nvPr>
+        </p:nvSpPr>
+        <p:spPr/>
+        <p:txBody>
+          <a:bodyPr/>
+          <a:lstStyle/>
+          <a:p>
+            <a:endParaRPr lang="en-DE"/>
+          </a:p>
+        </p:txBody>
+      </p:sp>
+      <p:sp>
+        <p:nvSpPr>
+          <p:cNvPr id="6" name="Slide Number Placeholder 5">
+            <a:extLst>
+              <a:ext uri="{FF2B5EF4-FFF2-40B4-BE49-F238E27FC236}">
+                <a16:creationId xmlns:a16="http://schemas.microsoft.com/office/drawing/2014/main" id="{DEB9E665-0DE7-4F34-A38F-2365A3680D3A}"/>
+              </a:ext>
+            </a:extLst>
+          </p:cNvPr>
+          <p:cNvSpPr>
+            <a:spLocks noGrp="1"/>
+          </p:cNvSpPr>
+          <p:nvPr>
+            <p:ph type="sldNum" sz="quarter" idx="12"/>
+          </p:nvPr>
+        </p:nvSpPr>
+        <p:spPr/>
+        <p:txBody>
+          <a:bodyPr/>
+          <a:lstStyle/>
+          <a:p>
+            <a:fld id="{E9CA4D14-D3C8-47E6-82C6-C0A139CB5314}" type="slidenum">
+              <a:rPr lang="en-DE" smtClean="0"/>
+              <a:t>‹#›</a:t>
+            </a:fld>
+            <a:endParaRPr lang="en-DE"/>
+          </a:p>
+        </p:txBody>
+      </p:sp>
+    </p:spTree>
+    <p:extLst>
+      <p:ext uri="{BB962C8B-B14F-4D97-AF65-F5344CB8AC3E}">
+        <p14:creationId xmlns:p14="http://schemas.microsoft.com/office/powerpoint/2010/main" val="764046052"/>
+      </p:ext>
+    </p:extLst>
+  </p:cSld>
+  <p:clrMapOvr>
+    <a:masterClrMapping/>
+  </p:clrMapOvr>
+</p:sldLayout>
+</file>
+
+<file path=ppt/slideLayouts/slideLayout13.xml><?xml version="1.0" encoding="utf-8"?>
 <p:sldLayout xmlns:a="http://schemas.openxmlformats.org/drawingml/2006/main" xmlns:r="http://schemas.openxmlformats.org/officeDocument/2006/relationships" xmlns:p="http://schemas.openxmlformats.org/presentationml/2006/main" type="obj" preserve="1">
   <p:cSld name="Title and Content">
     <p:spTree>
@@ -766,7 +990,7 @@
           <p:cNvPr id="2" name="Title 1">
             <a:extLst>
               <a:ext uri="{FF2B5EF4-FFF2-40B4-BE49-F238E27FC236}">
-                <a16:creationId xmlns:a16="http://schemas.microsoft.com/office/drawing/2014/main" id="{F4979E65-53C7-E307-C139-1DB8C3B1E18D}"/>
+                <a16:creationId xmlns:a16="http://schemas.microsoft.com/office/drawing/2014/main" id="{BE630FA0-FDD0-47AF-AC73-03A0A18FE602}"/>
               </a:ext>
             </a:extLst>
           </p:cNvPr>
@@ -795,7 +1019,7 @@
           <p:cNvPr id="3" name="Content Placeholder 2">
             <a:extLst>
               <a:ext uri="{FF2B5EF4-FFF2-40B4-BE49-F238E27FC236}">
-                <a16:creationId xmlns:a16="http://schemas.microsoft.com/office/drawing/2014/main" id="{6A33F5E9-6D16-7301-00D2-5424323891AB}"/>
+                <a16:creationId xmlns:a16="http://schemas.microsoft.com/office/drawing/2014/main" id="{1873B469-6289-43CE-BB1C-59944012A852}"/>
               </a:ext>
             </a:extLst>
           </p:cNvPr>
@@ -853,7 +1077,7 @@
           <p:cNvPr id="4" name="Date Placeholder 3">
             <a:extLst>
               <a:ext uri="{FF2B5EF4-FFF2-40B4-BE49-F238E27FC236}">
-                <a16:creationId xmlns:a16="http://schemas.microsoft.com/office/drawing/2014/main" id="{442097A7-1C95-8E09-5681-5590895F5EAD}"/>
+                <a16:creationId xmlns:a16="http://schemas.microsoft.com/office/drawing/2014/main" id="{417F9493-163F-4C59-87B7-E23D2CC41265}"/>
               </a:ext>
             </a:extLst>
           </p:cNvPr>
@@ -869,9 +1093,9 @@
           <a:bodyPr/>
           <a:lstStyle/>
           <a:p>
-            <a:fld id="{40E102C9-DE61-4CD8-AC35-112A0980813C}" type="datetimeFigureOut">
+            <a:fld id="{EB039409-FB4B-41E9-B6A1-019319F84CB5}" type="datetimeFigureOut">
               <a:rPr lang="en-DE" smtClean="0"/>
-              <a:t>18/12/2023</a:t>
+              <a:t>28/12/2023</a:t>
             </a:fld>
             <a:endParaRPr lang="en-DE"/>
           </a:p>
@@ -882,7 +1106,7 @@
           <p:cNvPr id="5" name="Footer Placeholder 4">
             <a:extLst>
               <a:ext uri="{FF2B5EF4-FFF2-40B4-BE49-F238E27FC236}">
-                <a16:creationId xmlns:a16="http://schemas.microsoft.com/office/drawing/2014/main" id="{125CD9DF-E5C9-84F0-BB88-DA6772AAB4FC}"/>
+                <a16:creationId xmlns:a16="http://schemas.microsoft.com/office/drawing/2014/main" id="{99449D5E-EB45-4628-BB09-041F0645FB85}"/>
               </a:ext>
             </a:extLst>
           </p:cNvPr>
@@ -907,7 +1131,7 @@
           <p:cNvPr id="6" name="Slide Number Placeholder 5">
             <a:extLst>
               <a:ext uri="{FF2B5EF4-FFF2-40B4-BE49-F238E27FC236}">
-                <a16:creationId xmlns:a16="http://schemas.microsoft.com/office/drawing/2014/main" id="{FF9FC704-F4AF-7590-16B4-17E7E1B1FFB6}"/>
+                <a16:creationId xmlns:a16="http://schemas.microsoft.com/office/drawing/2014/main" id="{9F3D9354-91B3-4BF7-B72D-607A6F03A412}"/>
               </a:ext>
             </a:extLst>
           </p:cNvPr>
@@ -923,7 +1147,7 @@
           <a:bodyPr/>
           <a:lstStyle/>
           <a:p>
-            <a:fld id="{41BD4223-C428-4A78-BABE-76E4307EAE76}" type="slidenum">
+            <a:fld id="{E9CA4D14-D3C8-47E6-82C6-C0A139CB5314}" type="slidenum">
               <a:rPr lang="en-DE" smtClean="0"/>
               <a:t>‹#›</a:t>
             </a:fld>
@@ -934,7 +1158,7 @@
     </p:spTree>
     <p:extLst>
       <p:ext uri="{BB962C8B-B14F-4D97-AF65-F5344CB8AC3E}">
-        <p14:creationId xmlns:p14="http://schemas.microsoft.com/office/powerpoint/2010/main" val="1010910686"/>
+        <p14:creationId xmlns:p14="http://schemas.microsoft.com/office/powerpoint/2010/main" val="1407371153"/>
       </p:ext>
     </p:extLst>
   </p:cSld>
@@ -944,7 +1168,7 @@
 </p:sldLayout>
 </file>
 
-<file path=ppt/slideLayouts/slideLayout3.xml><?xml version="1.0" encoding="utf-8"?>
+<file path=ppt/slideLayouts/slideLayout14.xml><?xml version="1.0" encoding="utf-8"?>
 <p:sldLayout xmlns:a="http://schemas.openxmlformats.org/drawingml/2006/main" xmlns:r="http://schemas.openxmlformats.org/officeDocument/2006/relationships" xmlns:p="http://schemas.openxmlformats.org/presentationml/2006/main" type="secHead" preserve="1">
   <p:cSld name="Section Header">
     <p:spTree>
@@ -966,7 +1190,7 @@
           <p:cNvPr id="2" name="Title 1">
             <a:extLst>
               <a:ext uri="{FF2B5EF4-FFF2-40B4-BE49-F238E27FC236}">
-                <a16:creationId xmlns:a16="http://schemas.microsoft.com/office/drawing/2014/main" id="{440B7DB6-D1FB-D581-DEA7-D2A2E665CF9E}"/>
+                <a16:creationId xmlns:a16="http://schemas.microsoft.com/office/drawing/2014/main" id="{14E71253-B31F-4690-9472-AB985D73111C}"/>
               </a:ext>
             </a:extLst>
           </p:cNvPr>
@@ -1004,7 +1228,7 @@
           <p:cNvPr id="3" name="Text Placeholder 2">
             <a:extLst>
               <a:ext uri="{FF2B5EF4-FFF2-40B4-BE49-F238E27FC236}">
-                <a16:creationId xmlns:a16="http://schemas.microsoft.com/office/drawing/2014/main" id="{2C6BF411-FAA8-A3E8-D318-904EA173752D}"/>
+                <a16:creationId xmlns:a16="http://schemas.microsoft.com/office/drawing/2014/main" id="{477C5634-C4F7-47D8-9D4D-1CF3D74609DD}"/>
               </a:ext>
             </a:extLst>
           </p:cNvPr>
@@ -1129,7 +1353,7 @@
           <p:cNvPr id="4" name="Date Placeholder 3">
             <a:extLst>
               <a:ext uri="{FF2B5EF4-FFF2-40B4-BE49-F238E27FC236}">
-                <a16:creationId xmlns:a16="http://schemas.microsoft.com/office/drawing/2014/main" id="{8DC101E7-A241-0A78-6AFB-93D7EB64AD58}"/>
+                <a16:creationId xmlns:a16="http://schemas.microsoft.com/office/drawing/2014/main" id="{3F0560CD-B6B2-4300-8DE0-32C61E159585}"/>
               </a:ext>
             </a:extLst>
           </p:cNvPr>
@@ -1145,9 +1369,9 @@
           <a:bodyPr/>
           <a:lstStyle/>
           <a:p>
-            <a:fld id="{40E102C9-DE61-4CD8-AC35-112A0980813C}" type="datetimeFigureOut">
+            <a:fld id="{EB039409-FB4B-41E9-B6A1-019319F84CB5}" type="datetimeFigureOut">
               <a:rPr lang="en-DE" smtClean="0"/>
-              <a:t>18/12/2023</a:t>
+              <a:t>28/12/2023</a:t>
             </a:fld>
             <a:endParaRPr lang="en-DE"/>
           </a:p>
@@ -1158,7 +1382,7 @@
           <p:cNvPr id="5" name="Footer Placeholder 4">
             <a:extLst>
               <a:ext uri="{FF2B5EF4-FFF2-40B4-BE49-F238E27FC236}">
-                <a16:creationId xmlns:a16="http://schemas.microsoft.com/office/drawing/2014/main" id="{6C386535-AB8B-CDD1-E864-AE2683F48683}"/>
+                <a16:creationId xmlns:a16="http://schemas.microsoft.com/office/drawing/2014/main" id="{F96453D9-353F-43B9-B903-C9B8F62E9E42}"/>
               </a:ext>
             </a:extLst>
           </p:cNvPr>
@@ -1183,7 +1407,7 @@
           <p:cNvPr id="6" name="Slide Number Placeholder 5">
             <a:extLst>
               <a:ext uri="{FF2B5EF4-FFF2-40B4-BE49-F238E27FC236}">
-                <a16:creationId xmlns:a16="http://schemas.microsoft.com/office/drawing/2014/main" id="{69230DE9-F26E-79F5-4FEA-33DBD40E3EC2}"/>
+                <a16:creationId xmlns:a16="http://schemas.microsoft.com/office/drawing/2014/main" id="{C5F8254C-4D36-4882-A97D-7242C0D3119E}"/>
               </a:ext>
             </a:extLst>
           </p:cNvPr>
@@ -1199,7 +1423,7 @@
           <a:bodyPr/>
           <a:lstStyle/>
           <a:p>
-            <a:fld id="{41BD4223-C428-4A78-BABE-76E4307EAE76}" type="slidenum">
+            <a:fld id="{E9CA4D14-D3C8-47E6-82C6-C0A139CB5314}" type="slidenum">
               <a:rPr lang="en-DE" smtClean="0"/>
               <a:t>‹#›</a:t>
             </a:fld>
@@ -1210,7 +1434,7 @@
     </p:spTree>
     <p:extLst>
       <p:ext uri="{BB962C8B-B14F-4D97-AF65-F5344CB8AC3E}">
-        <p14:creationId xmlns:p14="http://schemas.microsoft.com/office/powerpoint/2010/main" val="407740978"/>
+        <p14:creationId xmlns:p14="http://schemas.microsoft.com/office/powerpoint/2010/main" val="2094335999"/>
       </p:ext>
     </p:extLst>
   </p:cSld>
@@ -1220,7 +1444,7 @@
 </p:sldLayout>
 </file>
 
-<file path=ppt/slideLayouts/slideLayout4.xml><?xml version="1.0" encoding="utf-8"?>
+<file path=ppt/slideLayouts/slideLayout15.xml><?xml version="1.0" encoding="utf-8"?>
 <p:sldLayout xmlns:a="http://schemas.openxmlformats.org/drawingml/2006/main" xmlns:r="http://schemas.openxmlformats.org/officeDocument/2006/relationships" xmlns:p="http://schemas.openxmlformats.org/presentationml/2006/main" type="twoObj" preserve="1">
   <p:cSld name="Two Content">
     <p:spTree>
@@ -1242,7 +1466,7 @@
           <p:cNvPr id="2" name="Title 1">
             <a:extLst>
               <a:ext uri="{FF2B5EF4-FFF2-40B4-BE49-F238E27FC236}">
-                <a16:creationId xmlns:a16="http://schemas.microsoft.com/office/drawing/2014/main" id="{DD87601A-58A1-3ADD-8730-71BBBF93389D}"/>
+                <a16:creationId xmlns:a16="http://schemas.microsoft.com/office/drawing/2014/main" id="{3E78A79C-2A1C-4B4B-8A51-18FC01231F01}"/>
               </a:ext>
             </a:extLst>
           </p:cNvPr>
@@ -1271,7 +1495,7 @@
           <p:cNvPr id="3" name="Content Placeholder 2">
             <a:extLst>
               <a:ext uri="{FF2B5EF4-FFF2-40B4-BE49-F238E27FC236}">
-                <a16:creationId xmlns:a16="http://schemas.microsoft.com/office/drawing/2014/main" id="{681CDDDD-40AE-E4FF-7729-F97991A0FED5}"/>
+                <a16:creationId xmlns:a16="http://schemas.microsoft.com/office/drawing/2014/main" id="{2811BB3F-AFF2-4FCD-A153-2C979D9F3408}"/>
               </a:ext>
             </a:extLst>
           </p:cNvPr>
@@ -1334,7 +1558,7 @@
           <p:cNvPr id="4" name="Content Placeholder 3">
             <a:extLst>
               <a:ext uri="{FF2B5EF4-FFF2-40B4-BE49-F238E27FC236}">
-                <a16:creationId xmlns:a16="http://schemas.microsoft.com/office/drawing/2014/main" id="{AEB142E5-390E-ACE0-C2FC-278D0C43D9F4}"/>
+                <a16:creationId xmlns:a16="http://schemas.microsoft.com/office/drawing/2014/main" id="{8902DD18-4922-4D2D-A761-95DABFC164F6}"/>
               </a:ext>
             </a:extLst>
           </p:cNvPr>
@@ -1397,7 +1621,7 @@
           <p:cNvPr id="5" name="Date Placeholder 4">
             <a:extLst>
               <a:ext uri="{FF2B5EF4-FFF2-40B4-BE49-F238E27FC236}">
-                <a16:creationId xmlns:a16="http://schemas.microsoft.com/office/drawing/2014/main" id="{2FB38707-6D61-723B-60ED-E47042B94AA3}"/>
+                <a16:creationId xmlns:a16="http://schemas.microsoft.com/office/drawing/2014/main" id="{897EB7FD-7AB9-41A7-832C-67AC619C21AB}"/>
               </a:ext>
             </a:extLst>
           </p:cNvPr>
@@ -1413,9 +1637,9 @@
           <a:bodyPr/>
           <a:lstStyle/>
           <a:p>
-            <a:fld id="{40E102C9-DE61-4CD8-AC35-112A0980813C}" type="datetimeFigureOut">
+            <a:fld id="{EB039409-FB4B-41E9-B6A1-019319F84CB5}" type="datetimeFigureOut">
               <a:rPr lang="en-DE" smtClean="0"/>
-              <a:t>18/12/2023</a:t>
+              <a:t>28/12/2023</a:t>
             </a:fld>
             <a:endParaRPr lang="en-DE"/>
           </a:p>
@@ -1426,7 +1650,7 @@
           <p:cNvPr id="6" name="Footer Placeholder 5">
             <a:extLst>
               <a:ext uri="{FF2B5EF4-FFF2-40B4-BE49-F238E27FC236}">
-                <a16:creationId xmlns:a16="http://schemas.microsoft.com/office/drawing/2014/main" id="{F928A66D-3654-CDE0-8BC8-D17F3C052234}"/>
+                <a16:creationId xmlns:a16="http://schemas.microsoft.com/office/drawing/2014/main" id="{23368560-8AE0-4E39-A610-825B8183143D}"/>
               </a:ext>
             </a:extLst>
           </p:cNvPr>
@@ -1451,7 +1675,7 @@
           <p:cNvPr id="7" name="Slide Number Placeholder 6">
             <a:extLst>
               <a:ext uri="{FF2B5EF4-FFF2-40B4-BE49-F238E27FC236}">
-                <a16:creationId xmlns:a16="http://schemas.microsoft.com/office/drawing/2014/main" id="{400A7BDA-F199-3C94-C2BF-79D40E830FF3}"/>
+                <a16:creationId xmlns:a16="http://schemas.microsoft.com/office/drawing/2014/main" id="{AD9E172D-A982-4FE6-90A9-18A9C510DBF3}"/>
               </a:ext>
             </a:extLst>
           </p:cNvPr>
@@ -1467,7 +1691,7 @@
           <a:bodyPr/>
           <a:lstStyle/>
           <a:p>
-            <a:fld id="{41BD4223-C428-4A78-BABE-76E4307EAE76}" type="slidenum">
+            <a:fld id="{E9CA4D14-D3C8-47E6-82C6-C0A139CB5314}" type="slidenum">
               <a:rPr lang="en-DE" smtClean="0"/>
               <a:t>‹#›</a:t>
             </a:fld>
@@ -1478,7 +1702,7 @@
     </p:spTree>
     <p:extLst>
       <p:ext uri="{BB962C8B-B14F-4D97-AF65-F5344CB8AC3E}">
-        <p14:creationId xmlns:p14="http://schemas.microsoft.com/office/powerpoint/2010/main" val="4142082897"/>
+        <p14:creationId xmlns:p14="http://schemas.microsoft.com/office/powerpoint/2010/main" val="1335316974"/>
       </p:ext>
     </p:extLst>
   </p:cSld>
@@ -1488,7 +1712,7 @@
 </p:sldLayout>
 </file>
 
-<file path=ppt/slideLayouts/slideLayout5.xml><?xml version="1.0" encoding="utf-8"?>
+<file path=ppt/slideLayouts/slideLayout16.xml><?xml version="1.0" encoding="utf-8"?>
 <p:sldLayout xmlns:a="http://schemas.openxmlformats.org/drawingml/2006/main" xmlns:r="http://schemas.openxmlformats.org/officeDocument/2006/relationships" xmlns:p="http://schemas.openxmlformats.org/presentationml/2006/main" type="twoTxTwoObj" preserve="1">
   <p:cSld name="Comparison">
     <p:spTree>
@@ -1510,7 +1734,7 @@
           <p:cNvPr id="2" name="Title 1">
             <a:extLst>
               <a:ext uri="{FF2B5EF4-FFF2-40B4-BE49-F238E27FC236}">
-                <a16:creationId xmlns:a16="http://schemas.microsoft.com/office/drawing/2014/main" id="{67CB3B1D-AB45-6EF7-34DA-45337E6A6566}"/>
+                <a16:creationId xmlns:a16="http://schemas.microsoft.com/office/drawing/2014/main" id="{E8C80DEB-3C36-4860-B3E3-F8D220988342}"/>
               </a:ext>
             </a:extLst>
           </p:cNvPr>
@@ -1544,7 +1768,7 @@
           <p:cNvPr id="3" name="Text Placeholder 2">
             <a:extLst>
               <a:ext uri="{FF2B5EF4-FFF2-40B4-BE49-F238E27FC236}">
-                <a16:creationId xmlns:a16="http://schemas.microsoft.com/office/drawing/2014/main" id="{87B64776-3C4B-3024-AA50-DB023D50939E}"/>
+                <a16:creationId xmlns:a16="http://schemas.microsoft.com/office/drawing/2014/main" id="{D76D75F7-92F3-4041-8CC7-9B2CD95D49F0}"/>
               </a:ext>
             </a:extLst>
           </p:cNvPr>
@@ -1615,7 +1839,7 @@
           <p:cNvPr id="4" name="Content Placeholder 3">
             <a:extLst>
               <a:ext uri="{FF2B5EF4-FFF2-40B4-BE49-F238E27FC236}">
-                <a16:creationId xmlns:a16="http://schemas.microsoft.com/office/drawing/2014/main" id="{1F467446-D4FB-518C-C438-2C4A8AE55E90}"/>
+                <a16:creationId xmlns:a16="http://schemas.microsoft.com/office/drawing/2014/main" id="{16DCB491-D838-4E71-87C3-3DFA3983ADC4}"/>
               </a:ext>
             </a:extLst>
           </p:cNvPr>
@@ -1678,7 +1902,7 @@
           <p:cNvPr id="5" name="Text Placeholder 4">
             <a:extLst>
               <a:ext uri="{FF2B5EF4-FFF2-40B4-BE49-F238E27FC236}">
-                <a16:creationId xmlns:a16="http://schemas.microsoft.com/office/drawing/2014/main" id="{536F2477-A91E-867E-3C63-D93B0D896E05}"/>
+                <a16:creationId xmlns:a16="http://schemas.microsoft.com/office/drawing/2014/main" id="{E44C479C-DBE2-4086-93E9-EDE14F184CD0}"/>
               </a:ext>
             </a:extLst>
           </p:cNvPr>
@@ -1749,7 +1973,7 @@
           <p:cNvPr id="6" name="Content Placeholder 5">
             <a:extLst>
               <a:ext uri="{FF2B5EF4-FFF2-40B4-BE49-F238E27FC236}">
-                <a16:creationId xmlns:a16="http://schemas.microsoft.com/office/drawing/2014/main" id="{4724B50E-FD6F-3239-5F4E-748ABBC70D22}"/>
+                <a16:creationId xmlns:a16="http://schemas.microsoft.com/office/drawing/2014/main" id="{8016526D-9A95-490E-82CC-EEC0F932F25E}"/>
               </a:ext>
             </a:extLst>
           </p:cNvPr>
@@ -1812,7 +2036,7 @@
           <p:cNvPr id="7" name="Date Placeholder 6">
             <a:extLst>
               <a:ext uri="{FF2B5EF4-FFF2-40B4-BE49-F238E27FC236}">
-                <a16:creationId xmlns:a16="http://schemas.microsoft.com/office/drawing/2014/main" id="{FE46B68B-877F-CB7A-D1CE-4DC39182EC90}"/>
+                <a16:creationId xmlns:a16="http://schemas.microsoft.com/office/drawing/2014/main" id="{0D4BD9C3-41D1-433C-B09B-589E734C90A7}"/>
               </a:ext>
             </a:extLst>
           </p:cNvPr>
@@ -1828,9 +2052,9 @@
           <a:bodyPr/>
           <a:lstStyle/>
           <a:p>
-            <a:fld id="{40E102C9-DE61-4CD8-AC35-112A0980813C}" type="datetimeFigureOut">
+            <a:fld id="{EB039409-FB4B-41E9-B6A1-019319F84CB5}" type="datetimeFigureOut">
               <a:rPr lang="en-DE" smtClean="0"/>
-              <a:t>18/12/2023</a:t>
+              <a:t>28/12/2023</a:t>
             </a:fld>
             <a:endParaRPr lang="en-DE"/>
           </a:p>
@@ -1841,7 +2065,7 @@
           <p:cNvPr id="8" name="Footer Placeholder 7">
             <a:extLst>
               <a:ext uri="{FF2B5EF4-FFF2-40B4-BE49-F238E27FC236}">
-                <a16:creationId xmlns:a16="http://schemas.microsoft.com/office/drawing/2014/main" id="{58F346B2-5346-BC9A-73E0-AB880994E16F}"/>
+                <a16:creationId xmlns:a16="http://schemas.microsoft.com/office/drawing/2014/main" id="{37B4E85E-A796-4EC2-B0A9-6E7BEEC5966D}"/>
               </a:ext>
             </a:extLst>
           </p:cNvPr>
@@ -1866,7 +2090,7 @@
           <p:cNvPr id="9" name="Slide Number Placeholder 8">
             <a:extLst>
               <a:ext uri="{FF2B5EF4-FFF2-40B4-BE49-F238E27FC236}">
-                <a16:creationId xmlns:a16="http://schemas.microsoft.com/office/drawing/2014/main" id="{8608F704-7674-A35B-6408-9E2A6066FC8B}"/>
+                <a16:creationId xmlns:a16="http://schemas.microsoft.com/office/drawing/2014/main" id="{062C97B7-6C9C-45A6-873E-178F80E7FF7B}"/>
               </a:ext>
             </a:extLst>
           </p:cNvPr>
@@ -1882,7 +2106,7 @@
           <a:bodyPr/>
           <a:lstStyle/>
           <a:p>
-            <a:fld id="{41BD4223-C428-4A78-BABE-76E4307EAE76}" type="slidenum">
+            <a:fld id="{E9CA4D14-D3C8-47E6-82C6-C0A139CB5314}" type="slidenum">
               <a:rPr lang="en-DE" smtClean="0"/>
               <a:t>‹#›</a:t>
             </a:fld>
@@ -1893,7 +2117,7 @@
     </p:spTree>
     <p:extLst>
       <p:ext uri="{BB962C8B-B14F-4D97-AF65-F5344CB8AC3E}">
-        <p14:creationId xmlns:p14="http://schemas.microsoft.com/office/powerpoint/2010/main" val="1334539826"/>
+        <p14:creationId xmlns:p14="http://schemas.microsoft.com/office/powerpoint/2010/main" val="4293307350"/>
       </p:ext>
     </p:extLst>
   </p:cSld>
@@ -1903,7 +2127,7 @@
 </p:sldLayout>
 </file>
 
-<file path=ppt/slideLayouts/slideLayout6.xml><?xml version="1.0" encoding="utf-8"?>
+<file path=ppt/slideLayouts/slideLayout17.xml><?xml version="1.0" encoding="utf-8"?>
 <p:sldLayout xmlns:a="http://schemas.openxmlformats.org/drawingml/2006/main" xmlns:r="http://schemas.openxmlformats.org/officeDocument/2006/relationships" xmlns:p="http://schemas.openxmlformats.org/presentationml/2006/main" type="titleOnly" preserve="1">
   <p:cSld name="Title Only">
     <p:spTree>
@@ -1925,7 +2149,7 @@
           <p:cNvPr id="2" name="Title 1">
             <a:extLst>
               <a:ext uri="{FF2B5EF4-FFF2-40B4-BE49-F238E27FC236}">
-                <a16:creationId xmlns:a16="http://schemas.microsoft.com/office/drawing/2014/main" id="{88C56105-E05E-796C-AEC2-A8D1ADB607EE}"/>
+                <a16:creationId xmlns:a16="http://schemas.microsoft.com/office/drawing/2014/main" id="{745ACE15-C3BA-407C-AE08-3A6C0DF98F84}"/>
               </a:ext>
             </a:extLst>
           </p:cNvPr>
@@ -1954,7 +2178,7 @@
           <p:cNvPr id="3" name="Date Placeholder 2">
             <a:extLst>
               <a:ext uri="{FF2B5EF4-FFF2-40B4-BE49-F238E27FC236}">
-                <a16:creationId xmlns:a16="http://schemas.microsoft.com/office/drawing/2014/main" id="{4BFA7AF3-907C-7FB3-FB7F-D2FD85284CE6}"/>
+                <a16:creationId xmlns:a16="http://schemas.microsoft.com/office/drawing/2014/main" id="{368DA5C9-903F-42B2-A944-A363DF4A2429}"/>
               </a:ext>
             </a:extLst>
           </p:cNvPr>
@@ -1970,9 +2194,9 @@
           <a:bodyPr/>
           <a:lstStyle/>
           <a:p>
-            <a:fld id="{40E102C9-DE61-4CD8-AC35-112A0980813C}" type="datetimeFigureOut">
+            <a:fld id="{EB039409-FB4B-41E9-B6A1-019319F84CB5}" type="datetimeFigureOut">
               <a:rPr lang="en-DE" smtClean="0"/>
-              <a:t>18/12/2023</a:t>
+              <a:t>28/12/2023</a:t>
             </a:fld>
             <a:endParaRPr lang="en-DE"/>
           </a:p>
@@ -1983,7 +2207,7 @@
           <p:cNvPr id="4" name="Footer Placeholder 3">
             <a:extLst>
               <a:ext uri="{FF2B5EF4-FFF2-40B4-BE49-F238E27FC236}">
-                <a16:creationId xmlns:a16="http://schemas.microsoft.com/office/drawing/2014/main" id="{3F7C8F88-C810-15B1-3D80-F6BCDA02874C}"/>
+                <a16:creationId xmlns:a16="http://schemas.microsoft.com/office/drawing/2014/main" id="{FD6FD36C-3026-4B33-A106-C0664024FAF7}"/>
               </a:ext>
             </a:extLst>
           </p:cNvPr>
@@ -2008,7 +2232,7 @@
           <p:cNvPr id="5" name="Slide Number Placeholder 4">
             <a:extLst>
               <a:ext uri="{FF2B5EF4-FFF2-40B4-BE49-F238E27FC236}">
-                <a16:creationId xmlns:a16="http://schemas.microsoft.com/office/drawing/2014/main" id="{CC9D85CD-010E-A08C-0661-20942198A28A}"/>
+                <a16:creationId xmlns:a16="http://schemas.microsoft.com/office/drawing/2014/main" id="{C01AE81B-BC94-4645-A942-8FE1E5427794}"/>
               </a:ext>
             </a:extLst>
           </p:cNvPr>
@@ -2024,7 +2248,7 @@
           <a:bodyPr/>
           <a:lstStyle/>
           <a:p>
-            <a:fld id="{41BD4223-C428-4A78-BABE-76E4307EAE76}" type="slidenum">
+            <a:fld id="{E9CA4D14-D3C8-47E6-82C6-C0A139CB5314}" type="slidenum">
               <a:rPr lang="en-DE" smtClean="0"/>
               <a:t>‹#›</a:t>
             </a:fld>
@@ -2035,7 +2259,7 @@
     </p:spTree>
     <p:extLst>
       <p:ext uri="{BB962C8B-B14F-4D97-AF65-F5344CB8AC3E}">
-        <p14:creationId xmlns:p14="http://schemas.microsoft.com/office/powerpoint/2010/main" val="2276765221"/>
+        <p14:creationId xmlns:p14="http://schemas.microsoft.com/office/powerpoint/2010/main" val="4227603094"/>
       </p:ext>
     </p:extLst>
   </p:cSld>
@@ -2045,7 +2269,7 @@
 </p:sldLayout>
 </file>
 
-<file path=ppt/slideLayouts/slideLayout7.xml><?xml version="1.0" encoding="utf-8"?>
+<file path=ppt/slideLayouts/slideLayout18.xml><?xml version="1.0" encoding="utf-8"?>
 <p:sldLayout xmlns:a="http://schemas.openxmlformats.org/drawingml/2006/main" xmlns:r="http://schemas.openxmlformats.org/officeDocument/2006/relationships" xmlns:p="http://schemas.openxmlformats.org/presentationml/2006/main" type="blank" preserve="1">
   <p:cSld name="Blank">
     <p:spTree>
@@ -2067,7 +2291,7 @@
           <p:cNvPr id="2" name="Date Placeholder 1">
             <a:extLst>
               <a:ext uri="{FF2B5EF4-FFF2-40B4-BE49-F238E27FC236}">
-                <a16:creationId xmlns:a16="http://schemas.microsoft.com/office/drawing/2014/main" id="{E32398FD-0BC1-98DB-D897-CBABB0325194}"/>
+                <a16:creationId xmlns:a16="http://schemas.microsoft.com/office/drawing/2014/main" id="{C0A7DAA8-F822-4554-A112-1611A1B6A660}"/>
               </a:ext>
             </a:extLst>
           </p:cNvPr>
@@ -2083,9 +2307,9 @@
           <a:bodyPr/>
           <a:lstStyle/>
           <a:p>
-            <a:fld id="{40E102C9-DE61-4CD8-AC35-112A0980813C}" type="datetimeFigureOut">
+            <a:fld id="{EB039409-FB4B-41E9-B6A1-019319F84CB5}" type="datetimeFigureOut">
               <a:rPr lang="en-DE" smtClean="0"/>
-              <a:t>18/12/2023</a:t>
+              <a:t>28/12/2023</a:t>
             </a:fld>
             <a:endParaRPr lang="en-DE"/>
           </a:p>
@@ -2096,7 +2320,7 @@
           <p:cNvPr id="3" name="Footer Placeholder 2">
             <a:extLst>
               <a:ext uri="{FF2B5EF4-FFF2-40B4-BE49-F238E27FC236}">
-                <a16:creationId xmlns:a16="http://schemas.microsoft.com/office/drawing/2014/main" id="{ACEE8D94-8A95-A025-627B-C31ECE75DB80}"/>
+                <a16:creationId xmlns:a16="http://schemas.microsoft.com/office/drawing/2014/main" id="{704FEEA0-AE51-4C48-AC61-BF5DCA831559}"/>
               </a:ext>
             </a:extLst>
           </p:cNvPr>
@@ -2121,7 +2345,7 @@
           <p:cNvPr id="4" name="Slide Number Placeholder 3">
             <a:extLst>
               <a:ext uri="{FF2B5EF4-FFF2-40B4-BE49-F238E27FC236}">
-                <a16:creationId xmlns:a16="http://schemas.microsoft.com/office/drawing/2014/main" id="{88C55AC7-EB44-F825-C0F3-B651F10D0AA0}"/>
+                <a16:creationId xmlns:a16="http://schemas.microsoft.com/office/drawing/2014/main" id="{BF912DEA-D4C3-4AF8-9E65-C8A25216337B}"/>
               </a:ext>
             </a:extLst>
           </p:cNvPr>
@@ -2137,7 +2361,7 @@
           <a:bodyPr/>
           <a:lstStyle/>
           <a:p>
-            <a:fld id="{41BD4223-C428-4A78-BABE-76E4307EAE76}" type="slidenum">
+            <a:fld id="{E9CA4D14-D3C8-47E6-82C6-C0A139CB5314}" type="slidenum">
               <a:rPr lang="en-DE" smtClean="0"/>
               <a:t>‹#›</a:t>
             </a:fld>
@@ -2148,7 +2372,7 @@
     </p:spTree>
     <p:extLst>
       <p:ext uri="{BB962C8B-B14F-4D97-AF65-F5344CB8AC3E}">
-        <p14:creationId xmlns:p14="http://schemas.microsoft.com/office/powerpoint/2010/main" val="445641311"/>
+        <p14:creationId xmlns:p14="http://schemas.microsoft.com/office/powerpoint/2010/main" val="3782287976"/>
       </p:ext>
     </p:extLst>
   </p:cSld>
@@ -2158,7 +2382,7 @@
 </p:sldLayout>
 </file>
 
-<file path=ppt/slideLayouts/slideLayout8.xml><?xml version="1.0" encoding="utf-8"?>
+<file path=ppt/slideLayouts/slideLayout19.xml><?xml version="1.0" encoding="utf-8"?>
 <p:sldLayout xmlns:a="http://schemas.openxmlformats.org/drawingml/2006/main" xmlns:r="http://schemas.openxmlformats.org/officeDocument/2006/relationships" xmlns:p="http://schemas.openxmlformats.org/presentationml/2006/main" type="objTx" preserve="1">
   <p:cSld name="Content with Caption">
     <p:spTree>
@@ -2180,7 +2404,7 @@
           <p:cNvPr id="2" name="Title 1">
             <a:extLst>
               <a:ext uri="{FF2B5EF4-FFF2-40B4-BE49-F238E27FC236}">
-                <a16:creationId xmlns:a16="http://schemas.microsoft.com/office/drawing/2014/main" id="{2ABFDF16-4E47-276A-BC84-84EEAA3B6288}"/>
+                <a16:creationId xmlns:a16="http://schemas.microsoft.com/office/drawing/2014/main" id="{778AF3DC-D586-4BEE-85E8-3494D7EC267F}"/>
               </a:ext>
             </a:extLst>
           </p:cNvPr>
@@ -2218,7 +2442,7 @@
           <p:cNvPr id="3" name="Content Placeholder 2">
             <a:extLst>
               <a:ext uri="{FF2B5EF4-FFF2-40B4-BE49-F238E27FC236}">
-                <a16:creationId xmlns:a16="http://schemas.microsoft.com/office/drawing/2014/main" id="{2BA7EACC-6CD0-2322-335D-26A5D86E6E83}"/>
+                <a16:creationId xmlns:a16="http://schemas.microsoft.com/office/drawing/2014/main" id="{BF69F4D9-B518-43F0-B822-AC28B18D1CAE}"/>
               </a:ext>
             </a:extLst>
           </p:cNvPr>
@@ -2309,7 +2533,7 @@
           <p:cNvPr id="4" name="Text Placeholder 3">
             <a:extLst>
               <a:ext uri="{FF2B5EF4-FFF2-40B4-BE49-F238E27FC236}">
-                <a16:creationId xmlns:a16="http://schemas.microsoft.com/office/drawing/2014/main" id="{DF42592B-C646-A7B6-E044-AAA72F6CDDC3}"/>
+                <a16:creationId xmlns:a16="http://schemas.microsoft.com/office/drawing/2014/main" id="{87E86CB8-7FAD-4880-8261-F65453F4741D}"/>
               </a:ext>
             </a:extLst>
           </p:cNvPr>
@@ -2380,7 +2604,7 @@
           <p:cNvPr id="5" name="Date Placeholder 4">
             <a:extLst>
               <a:ext uri="{FF2B5EF4-FFF2-40B4-BE49-F238E27FC236}">
-                <a16:creationId xmlns:a16="http://schemas.microsoft.com/office/drawing/2014/main" id="{21314E5C-87F7-5D79-D60B-B1BC449C6F4A}"/>
+                <a16:creationId xmlns:a16="http://schemas.microsoft.com/office/drawing/2014/main" id="{09B827BE-C5B4-461A-B98B-5DC287815F8F}"/>
               </a:ext>
             </a:extLst>
           </p:cNvPr>
@@ -2396,9 +2620,9 @@
           <a:bodyPr/>
           <a:lstStyle/>
           <a:p>
-            <a:fld id="{40E102C9-DE61-4CD8-AC35-112A0980813C}" type="datetimeFigureOut">
+            <a:fld id="{EB039409-FB4B-41E9-B6A1-019319F84CB5}" type="datetimeFigureOut">
               <a:rPr lang="en-DE" smtClean="0"/>
-              <a:t>18/12/2023</a:t>
+              <a:t>28/12/2023</a:t>
             </a:fld>
             <a:endParaRPr lang="en-DE"/>
           </a:p>
@@ -2409,7 +2633,7 @@
           <p:cNvPr id="6" name="Footer Placeholder 5">
             <a:extLst>
               <a:ext uri="{FF2B5EF4-FFF2-40B4-BE49-F238E27FC236}">
-                <a16:creationId xmlns:a16="http://schemas.microsoft.com/office/drawing/2014/main" id="{6B9F34A1-783F-2921-39EB-9472C8D82A6F}"/>
+                <a16:creationId xmlns:a16="http://schemas.microsoft.com/office/drawing/2014/main" id="{5B693C47-CD62-4055-B01E-D21CE178E9B6}"/>
               </a:ext>
             </a:extLst>
           </p:cNvPr>
@@ -2434,7 +2658,7 @@
           <p:cNvPr id="7" name="Slide Number Placeholder 6">
             <a:extLst>
               <a:ext uri="{FF2B5EF4-FFF2-40B4-BE49-F238E27FC236}">
-                <a16:creationId xmlns:a16="http://schemas.microsoft.com/office/drawing/2014/main" id="{537AA442-E98D-11FF-3C0A-97B6B4312E7A}"/>
+                <a16:creationId xmlns:a16="http://schemas.microsoft.com/office/drawing/2014/main" id="{58DAF441-3B63-438B-81C7-EE4C2E413646}"/>
               </a:ext>
             </a:extLst>
           </p:cNvPr>
@@ -2450,7 +2674,7 @@
           <a:bodyPr/>
           <a:lstStyle/>
           <a:p>
-            <a:fld id="{41BD4223-C428-4A78-BABE-76E4307EAE76}" type="slidenum">
+            <a:fld id="{E9CA4D14-D3C8-47E6-82C6-C0A139CB5314}" type="slidenum">
               <a:rPr lang="en-DE" smtClean="0"/>
               <a:t>‹#›</a:t>
             </a:fld>
@@ -2461,7 +2685,7 @@
     </p:spTree>
     <p:extLst>
       <p:ext uri="{BB962C8B-B14F-4D97-AF65-F5344CB8AC3E}">
-        <p14:creationId xmlns:p14="http://schemas.microsoft.com/office/powerpoint/2010/main" val="315280199"/>
+        <p14:creationId xmlns:p14="http://schemas.microsoft.com/office/powerpoint/2010/main" val="2611737495"/>
       </p:ext>
     </p:extLst>
   </p:cSld>
@@ -2471,7 +2695,207 @@
 </p:sldLayout>
 </file>
 
-<file path=ppt/slideLayouts/slideLayout9.xml><?xml version="1.0" encoding="utf-8"?>
+<file path=ppt/slideLayouts/slideLayout2.xml><?xml version="1.0" encoding="utf-8"?>
+<p:sldLayout xmlns:a="http://schemas.openxmlformats.org/drawingml/2006/main" xmlns:r="http://schemas.openxmlformats.org/officeDocument/2006/relationships" xmlns:p="http://schemas.openxmlformats.org/presentationml/2006/main" type="obj" preserve="1">
+  <p:cSld name="Title and Content">
+    <p:spTree>
+      <p:nvGrpSpPr>
+        <p:cNvPr id="1" name=""/>
+        <p:cNvGrpSpPr/>
+        <p:nvPr/>
+      </p:nvGrpSpPr>
+      <p:grpSpPr>
+        <a:xfrm>
+          <a:off x="0" y="0"/>
+          <a:ext cx="0" cy="0"/>
+          <a:chOff x="0" y="0"/>
+          <a:chExt cx="0" cy="0"/>
+        </a:xfrm>
+      </p:grpSpPr>
+      <p:sp>
+        <p:nvSpPr>
+          <p:cNvPr id="2" name="Title 1">
+            <a:extLst>
+              <a:ext uri="{FF2B5EF4-FFF2-40B4-BE49-F238E27FC236}">
+                <a16:creationId xmlns:a16="http://schemas.microsoft.com/office/drawing/2014/main" id="{F4979E65-53C7-E307-C139-1DB8C3B1E18D}"/>
+              </a:ext>
+            </a:extLst>
+          </p:cNvPr>
+          <p:cNvSpPr>
+            <a:spLocks noGrp="1"/>
+          </p:cNvSpPr>
+          <p:nvPr>
+            <p:ph type="title"/>
+          </p:nvPr>
+        </p:nvSpPr>
+        <p:spPr/>
+        <p:txBody>
+          <a:bodyPr/>
+          <a:lstStyle/>
+          <a:p>
+            <a:r>
+              <a:rPr lang="en-US"/>
+              <a:t>Click to edit Master title style</a:t>
+            </a:r>
+            <a:endParaRPr lang="en-DE"/>
+          </a:p>
+        </p:txBody>
+      </p:sp>
+      <p:sp>
+        <p:nvSpPr>
+          <p:cNvPr id="3" name="Content Placeholder 2">
+            <a:extLst>
+              <a:ext uri="{FF2B5EF4-FFF2-40B4-BE49-F238E27FC236}">
+                <a16:creationId xmlns:a16="http://schemas.microsoft.com/office/drawing/2014/main" id="{6A33F5E9-6D16-7301-00D2-5424323891AB}"/>
+              </a:ext>
+            </a:extLst>
+          </p:cNvPr>
+          <p:cNvSpPr>
+            <a:spLocks noGrp="1"/>
+          </p:cNvSpPr>
+          <p:nvPr>
+            <p:ph idx="1"/>
+          </p:nvPr>
+        </p:nvSpPr>
+        <p:spPr/>
+        <p:txBody>
+          <a:bodyPr/>
+          <a:lstStyle/>
+          <a:p>
+            <a:pPr lvl="0"/>
+            <a:r>
+              <a:rPr lang="en-US"/>
+              <a:t>Click to edit Master text styles</a:t>
+            </a:r>
+          </a:p>
+          <a:p>
+            <a:pPr lvl="1"/>
+            <a:r>
+              <a:rPr lang="en-US"/>
+              <a:t>Second level</a:t>
+            </a:r>
+          </a:p>
+          <a:p>
+            <a:pPr lvl="2"/>
+            <a:r>
+              <a:rPr lang="en-US"/>
+              <a:t>Third level</a:t>
+            </a:r>
+          </a:p>
+          <a:p>
+            <a:pPr lvl="3"/>
+            <a:r>
+              <a:rPr lang="en-US"/>
+              <a:t>Fourth level</a:t>
+            </a:r>
+          </a:p>
+          <a:p>
+            <a:pPr lvl="4"/>
+            <a:r>
+              <a:rPr lang="en-US"/>
+              <a:t>Fifth level</a:t>
+            </a:r>
+            <a:endParaRPr lang="en-DE"/>
+          </a:p>
+        </p:txBody>
+      </p:sp>
+      <p:sp>
+        <p:nvSpPr>
+          <p:cNvPr id="4" name="Date Placeholder 3">
+            <a:extLst>
+              <a:ext uri="{FF2B5EF4-FFF2-40B4-BE49-F238E27FC236}">
+                <a16:creationId xmlns:a16="http://schemas.microsoft.com/office/drawing/2014/main" id="{442097A7-1C95-8E09-5681-5590895F5EAD}"/>
+              </a:ext>
+            </a:extLst>
+          </p:cNvPr>
+          <p:cNvSpPr>
+            <a:spLocks noGrp="1"/>
+          </p:cNvSpPr>
+          <p:nvPr>
+            <p:ph type="dt" sz="half" idx="10"/>
+          </p:nvPr>
+        </p:nvSpPr>
+        <p:spPr/>
+        <p:txBody>
+          <a:bodyPr/>
+          <a:lstStyle/>
+          <a:p>
+            <a:fld id="{40E102C9-DE61-4CD8-AC35-112A0980813C}" type="datetimeFigureOut">
+              <a:rPr lang="en-DE" smtClean="0"/>
+              <a:t>28/12/2023</a:t>
+            </a:fld>
+            <a:endParaRPr lang="en-DE"/>
+          </a:p>
+        </p:txBody>
+      </p:sp>
+      <p:sp>
+        <p:nvSpPr>
+          <p:cNvPr id="5" name="Footer Placeholder 4">
+            <a:extLst>
+              <a:ext uri="{FF2B5EF4-FFF2-40B4-BE49-F238E27FC236}">
+                <a16:creationId xmlns:a16="http://schemas.microsoft.com/office/drawing/2014/main" id="{125CD9DF-E5C9-84F0-BB88-DA6772AAB4FC}"/>
+              </a:ext>
+            </a:extLst>
+          </p:cNvPr>
+          <p:cNvSpPr>
+            <a:spLocks noGrp="1"/>
+          </p:cNvSpPr>
+          <p:nvPr>
+            <p:ph type="ftr" sz="quarter" idx="11"/>
+          </p:nvPr>
+        </p:nvSpPr>
+        <p:spPr/>
+        <p:txBody>
+          <a:bodyPr/>
+          <a:lstStyle/>
+          <a:p>
+            <a:endParaRPr lang="en-DE"/>
+          </a:p>
+        </p:txBody>
+      </p:sp>
+      <p:sp>
+        <p:nvSpPr>
+          <p:cNvPr id="6" name="Slide Number Placeholder 5">
+            <a:extLst>
+              <a:ext uri="{FF2B5EF4-FFF2-40B4-BE49-F238E27FC236}">
+                <a16:creationId xmlns:a16="http://schemas.microsoft.com/office/drawing/2014/main" id="{FF9FC704-F4AF-7590-16B4-17E7E1B1FFB6}"/>
+              </a:ext>
+            </a:extLst>
+          </p:cNvPr>
+          <p:cNvSpPr>
+            <a:spLocks noGrp="1"/>
+          </p:cNvSpPr>
+          <p:nvPr>
+            <p:ph type="sldNum" sz="quarter" idx="12"/>
+          </p:nvPr>
+        </p:nvSpPr>
+        <p:spPr/>
+        <p:txBody>
+          <a:bodyPr/>
+          <a:lstStyle/>
+          <a:p>
+            <a:fld id="{41BD4223-C428-4A78-BABE-76E4307EAE76}" type="slidenum">
+              <a:rPr lang="en-DE" smtClean="0"/>
+              <a:t>‹#›</a:t>
+            </a:fld>
+            <a:endParaRPr lang="en-DE"/>
+          </a:p>
+        </p:txBody>
+      </p:sp>
+    </p:spTree>
+    <p:extLst>
+      <p:ext uri="{BB962C8B-B14F-4D97-AF65-F5344CB8AC3E}">
+        <p14:creationId xmlns:p14="http://schemas.microsoft.com/office/powerpoint/2010/main" val="1010910686"/>
+      </p:ext>
+    </p:extLst>
+  </p:cSld>
+  <p:clrMapOvr>
+    <a:masterClrMapping/>
+  </p:clrMapOvr>
+</p:sldLayout>
+</file>
+
+<file path=ppt/slideLayouts/slideLayout20.xml><?xml version="1.0" encoding="utf-8"?>
 <p:sldLayout xmlns:a="http://schemas.openxmlformats.org/drawingml/2006/main" xmlns:r="http://schemas.openxmlformats.org/officeDocument/2006/relationships" xmlns:p="http://schemas.openxmlformats.org/presentationml/2006/main" type="picTx" preserve="1">
   <p:cSld name="Picture with Caption">
     <p:spTree>
@@ -2493,7 +2917,7 @@
           <p:cNvPr id="2" name="Title 1">
             <a:extLst>
               <a:ext uri="{FF2B5EF4-FFF2-40B4-BE49-F238E27FC236}">
-                <a16:creationId xmlns:a16="http://schemas.microsoft.com/office/drawing/2014/main" id="{C9AC7ECC-500E-E948-CE54-A0F50E1D65FA}"/>
+                <a16:creationId xmlns:a16="http://schemas.microsoft.com/office/drawing/2014/main" id="{E1BD5009-7465-402A-A42E-EB09E6AFA57A}"/>
               </a:ext>
             </a:extLst>
           </p:cNvPr>
@@ -2531,7 +2955,7 @@
           <p:cNvPr id="3" name="Picture Placeholder 2">
             <a:extLst>
               <a:ext uri="{FF2B5EF4-FFF2-40B4-BE49-F238E27FC236}">
-                <a16:creationId xmlns:a16="http://schemas.microsoft.com/office/drawing/2014/main" id="{663F17E9-FDE1-1EC4-123C-2D2AF747F139}"/>
+                <a16:creationId xmlns:a16="http://schemas.microsoft.com/office/drawing/2014/main" id="{1C75B258-96C1-4D1D-9356-C5B70C050105}"/>
               </a:ext>
             </a:extLst>
           </p:cNvPr>
@@ -2598,7 +3022,7 @@
           <p:cNvPr id="4" name="Text Placeholder 3">
             <a:extLst>
               <a:ext uri="{FF2B5EF4-FFF2-40B4-BE49-F238E27FC236}">
-                <a16:creationId xmlns:a16="http://schemas.microsoft.com/office/drawing/2014/main" id="{7060B540-D152-5B03-C116-8EF11DB7E7AD}"/>
+                <a16:creationId xmlns:a16="http://schemas.microsoft.com/office/drawing/2014/main" id="{803B2C26-2DE3-446B-85AE-D7418AF74006}"/>
               </a:ext>
             </a:extLst>
           </p:cNvPr>
@@ -2669,7 +3093,7 @@
           <p:cNvPr id="5" name="Date Placeholder 4">
             <a:extLst>
               <a:ext uri="{FF2B5EF4-FFF2-40B4-BE49-F238E27FC236}">
-                <a16:creationId xmlns:a16="http://schemas.microsoft.com/office/drawing/2014/main" id="{6A779D09-FE91-5314-23CD-6F9F47375AEA}"/>
+                <a16:creationId xmlns:a16="http://schemas.microsoft.com/office/drawing/2014/main" id="{5075F57B-1B04-45BB-AF40-EE8FC77EF658}"/>
               </a:ext>
             </a:extLst>
           </p:cNvPr>
@@ -2685,9 +3109,2235 @@
           <a:bodyPr/>
           <a:lstStyle/>
           <a:p>
+            <a:fld id="{EB039409-FB4B-41E9-B6A1-019319F84CB5}" type="datetimeFigureOut">
+              <a:rPr lang="en-DE" smtClean="0"/>
+              <a:t>28/12/2023</a:t>
+            </a:fld>
+            <a:endParaRPr lang="en-DE"/>
+          </a:p>
+        </p:txBody>
+      </p:sp>
+      <p:sp>
+        <p:nvSpPr>
+          <p:cNvPr id="6" name="Footer Placeholder 5">
+            <a:extLst>
+              <a:ext uri="{FF2B5EF4-FFF2-40B4-BE49-F238E27FC236}">
+                <a16:creationId xmlns:a16="http://schemas.microsoft.com/office/drawing/2014/main" id="{EEF961E6-C0B1-487F-AF1C-41F1BC337CAE}"/>
+              </a:ext>
+            </a:extLst>
+          </p:cNvPr>
+          <p:cNvSpPr>
+            <a:spLocks noGrp="1"/>
+          </p:cNvSpPr>
+          <p:nvPr>
+            <p:ph type="ftr" sz="quarter" idx="11"/>
+          </p:nvPr>
+        </p:nvSpPr>
+        <p:spPr/>
+        <p:txBody>
+          <a:bodyPr/>
+          <a:lstStyle/>
+          <a:p>
+            <a:endParaRPr lang="en-DE"/>
+          </a:p>
+        </p:txBody>
+      </p:sp>
+      <p:sp>
+        <p:nvSpPr>
+          <p:cNvPr id="7" name="Slide Number Placeholder 6">
+            <a:extLst>
+              <a:ext uri="{FF2B5EF4-FFF2-40B4-BE49-F238E27FC236}">
+                <a16:creationId xmlns:a16="http://schemas.microsoft.com/office/drawing/2014/main" id="{780BBF96-E4D3-4DE9-81AD-C8460C6B530D}"/>
+              </a:ext>
+            </a:extLst>
+          </p:cNvPr>
+          <p:cNvSpPr>
+            <a:spLocks noGrp="1"/>
+          </p:cNvSpPr>
+          <p:nvPr>
+            <p:ph type="sldNum" sz="quarter" idx="12"/>
+          </p:nvPr>
+        </p:nvSpPr>
+        <p:spPr/>
+        <p:txBody>
+          <a:bodyPr/>
+          <a:lstStyle/>
+          <a:p>
+            <a:fld id="{E9CA4D14-D3C8-47E6-82C6-C0A139CB5314}" type="slidenum">
+              <a:rPr lang="en-DE" smtClean="0"/>
+              <a:t>‹#›</a:t>
+            </a:fld>
+            <a:endParaRPr lang="en-DE"/>
+          </a:p>
+        </p:txBody>
+      </p:sp>
+    </p:spTree>
+    <p:extLst>
+      <p:ext uri="{BB962C8B-B14F-4D97-AF65-F5344CB8AC3E}">
+        <p14:creationId xmlns:p14="http://schemas.microsoft.com/office/powerpoint/2010/main" val="1626302523"/>
+      </p:ext>
+    </p:extLst>
+  </p:cSld>
+  <p:clrMapOvr>
+    <a:masterClrMapping/>
+  </p:clrMapOvr>
+</p:sldLayout>
+</file>
+
+<file path=ppt/slideLayouts/slideLayout21.xml><?xml version="1.0" encoding="utf-8"?>
+<p:sldLayout xmlns:a="http://schemas.openxmlformats.org/drawingml/2006/main" xmlns:r="http://schemas.openxmlformats.org/officeDocument/2006/relationships" xmlns:p="http://schemas.openxmlformats.org/presentationml/2006/main" type="vertTx" preserve="1">
+  <p:cSld name="Title and Vertical Text">
+    <p:spTree>
+      <p:nvGrpSpPr>
+        <p:cNvPr id="1" name=""/>
+        <p:cNvGrpSpPr/>
+        <p:nvPr/>
+      </p:nvGrpSpPr>
+      <p:grpSpPr>
+        <a:xfrm>
+          <a:off x="0" y="0"/>
+          <a:ext cx="0" cy="0"/>
+          <a:chOff x="0" y="0"/>
+          <a:chExt cx="0" cy="0"/>
+        </a:xfrm>
+      </p:grpSpPr>
+      <p:sp>
+        <p:nvSpPr>
+          <p:cNvPr id="2" name="Title 1">
+            <a:extLst>
+              <a:ext uri="{FF2B5EF4-FFF2-40B4-BE49-F238E27FC236}">
+                <a16:creationId xmlns:a16="http://schemas.microsoft.com/office/drawing/2014/main" id="{4B0E219F-28EB-4629-BF9E-E91E3F59CA58}"/>
+              </a:ext>
+            </a:extLst>
+          </p:cNvPr>
+          <p:cNvSpPr>
+            <a:spLocks noGrp="1"/>
+          </p:cNvSpPr>
+          <p:nvPr>
+            <p:ph type="title"/>
+          </p:nvPr>
+        </p:nvSpPr>
+        <p:spPr/>
+        <p:txBody>
+          <a:bodyPr/>
+          <a:lstStyle/>
+          <a:p>
+            <a:r>
+              <a:rPr lang="en-US"/>
+              <a:t>Click to edit Master title style</a:t>
+            </a:r>
+            <a:endParaRPr lang="en-DE"/>
+          </a:p>
+        </p:txBody>
+      </p:sp>
+      <p:sp>
+        <p:nvSpPr>
+          <p:cNvPr id="3" name="Vertical Text Placeholder 2">
+            <a:extLst>
+              <a:ext uri="{FF2B5EF4-FFF2-40B4-BE49-F238E27FC236}">
+                <a16:creationId xmlns:a16="http://schemas.microsoft.com/office/drawing/2014/main" id="{6717A857-7C62-409A-951F-F2DA4E18E9B6}"/>
+              </a:ext>
+            </a:extLst>
+          </p:cNvPr>
+          <p:cNvSpPr>
+            <a:spLocks noGrp="1"/>
+          </p:cNvSpPr>
+          <p:nvPr>
+            <p:ph type="body" orient="vert" idx="1"/>
+          </p:nvPr>
+        </p:nvSpPr>
+        <p:spPr/>
+        <p:txBody>
+          <a:bodyPr vert="eaVert"/>
+          <a:lstStyle/>
+          <a:p>
+            <a:pPr lvl="0"/>
+            <a:r>
+              <a:rPr lang="en-US"/>
+              <a:t>Click to edit Master text styles</a:t>
+            </a:r>
+          </a:p>
+          <a:p>
+            <a:pPr lvl="1"/>
+            <a:r>
+              <a:rPr lang="en-US"/>
+              <a:t>Second level</a:t>
+            </a:r>
+          </a:p>
+          <a:p>
+            <a:pPr lvl="2"/>
+            <a:r>
+              <a:rPr lang="en-US"/>
+              <a:t>Third level</a:t>
+            </a:r>
+          </a:p>
+          <a:p>
+            <a:pPr lvl="3"/>
+            <a:r>
+              <a:rPr lang="en-US"/>
+              <a:t>Fourth level</a:t>
+            </a:r>
+          </a:p>
+          <a:p>
+            <a:pPr lvl="4"/>
+            <a:r>
+              <a:rPr lang="en-US"/>
+              <a:t>Fifth level</a:t>
+            </a:r>
+            <a:endParaRPr lang="en-DE"/>
+          </a:p>
+        </p:txBody>
+      </p:sp>
+      <p:sp>
+        <p:nvSpPr>
+          <p:cNvPr id="4" name="Date Placeholder 3">
+            <a:extLst>
+              <a:ext uri="{FF2B5EF4-FFF2-40B4-BE49-F238E27FC236}">
+                <a16:creationId xmlns:a16="http://schemas.microsoft.com/office/drawing/2014/main" id="{CD97F688-94AF-48CC-AC0E-E9E923E2822B}"/>
+              </a:ext>
+            </a:extLst>
+          </p:cNvPr>
+          <p:cNvSpPr>
+            <a:spLocks noGrp="1"/>
+          </p:cNvSpPr>
+          <p:nvPr>
+            <p:ph type="dt" sz="half" idx="10"/>
+          </p:nvPr>
+        </p:nvSpPr>
+        <p:spPr/>
+        <p:txBody>
+          <a:bodyPr/>
+          <a:lstStyle/>
+          <a:p>
+            <a:fld id="{EB039409-FB4B-41E9-B6A1-019319F84CB5}" type="datetimeFigureOut">
+              <a:rPr lang="en-DE" smtClean="0"/>
+              <a:t>28/12/2023</a:t>
+            </a:fld>
+            <a:endParaRPr lang="en-DE"/>
+          </a:p>
+        </p:txBody>
+      </p:sp>
+      <p:sp>
+        <p:nvSpPr>
+          <p:cNvPr id="5" name="Footer Placeholder 4">
+            <a:extLst>
+              <a:ext uri="{FF2B5EF4-FFF2-40B4-BE49-F238E27FC236}">
+                <a16:creationId xmlns:a16="http://schemas.microsoft.com/office/drawing/2014/main" id="{57A988C0-3132-4BEB-B2F2-15F0C9672D52}"/>
+              </a:ext>
+            </a:extLst>
+          </p:cNvPr>
+          <p:cNvSpPr>
+            <a:spLocks noGrp="1"/>
+          </p:cNvSpPr>
+          <p:nvPr>
+            <p:ph type="ftr" sz="quarter" idx="11"/>
+          </p:nvPr>
+        </p:nvSpPr>
+        <p:spPr/>
+        <p:txBody>
+          <a:bodyPr/>
+          <a:lstStyle/>
+          <a:p>
+            <a:endParaRPr lang="en-DE"/>
+          </a:p>
+        </p:txBody>
+      </p:sp>
+      <p:sp>
+        <p:nvSpPr>
+          <p:cNvPr id="6" name="Slide Number Placeholder 5">
+            <a:extLst>
+              <a:ext uri="{FF2B5EF4-FFF2-40B4-BE49-F238E27FC236}">
+                <a16:creationId xmlns:a16="http://schemas.microsoft.com/office/drawing/2014/main" id="{9DE84BB5-8327-4FD0-B511-97277DE8850A}"/>
+              </a:ext>
+            </a:extLst>
+          </p:cNvPr>
+          <p:cNvSpPr>
+            <a:spLocks noGrp="1"/>
+          </p:cNvSpPr>
+          <p:nvPr>
+            <p:ph type="sldNum" sz="quarter" idx="12"/>
+          </p:nvPr>
+        </p:nvSpPr>
+        <p:spPr/>
+        <p:txBody>
+          <a:bodyPr/>
+          <a:lstStyle/>
+          <a:p>
+            <a:fld id="{E9CA4D14-D3C8-47E6-82C6-C0A139CB5314}" type="slidenum">
+              <a:rPr lang="en-DE" smtClean="0"/>
+              <a:t>‹#›</a:t>
+            </a:fld>
+            <a:endParaRPr lang="en-DE"/>
+          </a:p>
+        </p:txBody>
+      </p:sp>
+    </p:spTree>
+    <p:extLst>
+      <p:ext uri="{BB962C8B-B14F-4D97-AF65-F5344CB8AC3E}">
+        <p14:creationId xmlns:p14="http://schemas.microsoft.com/office/powerpoint/2010/main" val="2233724867"/>
+      </p:ext>
+    </p:extLst>
+  </p:cSld>
+  <p:clrMapOvr>
+    <a:masterClrMapping/>
+  </p:clrMapOvr>
+</p:sldLayout>
+</file>
+
+<file path=ppt/slideLayouts/slideLayout22.xml><?xml version="1.0" encoding="utf-8"?>
+<p:sldLayout xmlns:a="http://schemas.openxmlformats.org/drawingml/2006/main" xmlns:r="http://schemas.openxmlformats.org/officeDocument/2006/relationships" xmlns:p="http://schemas.openxmlformats.org/presentationml/2006/main" type="vertTitleAndTx" preserve="1">
+  <p:cSld name="Vertical Title and Text">
+    <p:spTree>
+      <p:nvGrpSpPr>
+        <p:cNvPr id="1" name=""/>
+        <p:cNvGrpSpPr/>
+        <p:nvPr/>
+      </p:nvGrpSpPr>
+      <p:grpSpPr>
+        <a:xfrm>
+          <a:off x="0" y="0"/>
+          <a:ext cx="0" cy="0"/>
+          <a:chOff x="0" y="0"/>
+          <a:chExt cx="0" cy="0"/>
+        </a:xfrm>
+      </p:grpSpPr>
+      <p:sp>
+        <p:nvSpPr>
+          <p:cNvPr id="2" name="Vertical Title 1">
+            <a:extLst>
+              <a:ext uri="{FF2B5EF4-FFF2-40B4-BE49-F238E27FC236}">
+                <a16:creationId xmlns:a16="http://schemas.microsoft.com/office/drawing/2014/main" id="{6F90E000-7A5B-4BD1-9EB9-1B9F730B33B0}"/>
+              </a:ext>
+            </a:extLst>
+          </p:cNvPr>
+          <p:cNvSpPr>
+            <a:spLocks noGrp="1"/>
+          </p:cNvSpPr>
+          <p:nvPr>
+            <p:ph type="title" orient="vert"/>
+          </p:nvPr>
+        </p:nvSpPr>
+        <p:spPr>
+          <a:xfrm>
+            <a:off x="8724900" y="365125"/>
+            <a:ext cx="2628900" cy="5811838"/>
+          </a:xfrm>
+        </p:spPr>
+        <p:txBody>
+          <a:bodyPr vert="eaVert"/>
+          <a:lstStyle/>
+          <a:p>
+            <a:r>
+              <a:rPr lang="en-US"/>
+              <a:t>Click to edit Master title style</a:t>
+            </a:r>
+            <a:endParaRPr lang="en-DE"/>
+          </a:p>
+        </p:txBody>
+      </p:sp>
+      <p:sp>
+        <p:nvSpPr>
+          <p:cNvPr id="3" name="Vertical Text Placeholder 2">
+            <a:extLst>
+              <a:ext uri="{FF2B5EF4-FFF2-40B4-BE49-F238E27FC236}">
+                <a16:creationId xmlns:a16="http://schemas.microsoft.com/office/drawing/2014/main" id="{6D80CF64-9FF9-4936-9923-F63174973AD5}"/>
+              </a:ext>
+            </a:extLst>
+          </p:cNvPr>
+          <p:cNvSpPr>
+            <a:spLocks noGrp="1"/>
+          </p:cNvSpPr>
+          <p:nvPr>
+            <p:ph type="body" orient="vert" idx="1"/>
+          </p:nvPr>
+        </p:nvSpPr>
+        <p:spPr>
+          <a:xfrm>
+            <a:off x="838200" y="365125"/>
+            <a:ext cx="7734300" cy="5811838"/>
+          </a:xfrm>
+        </p:spPr>
+        <p:txBody>
+          <a:bodyPr vert="eaVert"/>
+          <a:lstStyle/>
+          <a:p>
+            <a:pPr lvl="0"/>
+            <a:r>
+              <a:rPr lang="en-US"/>
+              <a:t>Click to edit Master text styles</a:t>
+            </a:r>
+          </a:p>
+          <a:p>
+            <a:pPr lvl="1"/>
+            <a:r>
+              <a:rPr lang="en-US"/>
+              <a:t>Second level</a:t>
+            </a:r>
+          </a:p>
+          <a:p>
+            <a:pPr lvl="2"/>
+            <a:r>
+              <a:rPr lang="en-US"/>
+              <a:t>Third level</a:t>
+            </a:r>
+          </a:p>
+          <a:p>
+            <a:pPr lvl="3"/>
+            <a:r>
+              <a:rPr lang="en-US"/>
+              <a:t>Fourth level</a:t>
+            </a:r>
+          </a:p>
+          <a:p>
+            <a:pPr lvl="4"/>
+            <a:r>
+              <a:rPr lang="en-US"/>
+              <a:t>Fifth level</a:t>
+            </a:r>
+            <a:endParaRPr lang="en-DE"/>
+          </a:p>
+        </p:txBody>
+      </p:sp>
+      <p:sp>
+        <p:nvSpPr>
+          <p:cNvPr id="4" name="Date Placeholder 3">
+            <a:extLst>
+              <a:ext uri="{FF2B5EF4-FFF2-40B4-BE49-F238E27FC236}">
+                <a16:creationId xmlns:a16="http://schemas.microsoft.com/office/drawing/2014/main" id="{2AC27BD0-5B96-4D9E-89AB-2AD003F666E1}"/>
+              </a:ext>
+            </a:extLst>
+          </p:cNvPr>
+          <p:cNvSpPr>
+            <a:spLocks noGrp="1"/>
+          </p:cNvSpPr>
+          <p:nvPr>
+            <p:ph type="dt" sz="half" idx="10"/>
+          </p:nvPr>
+        </p:nvSpPr>
+        <p:spPr/>
+        <p:txBody>
+          <a:bodyPr/>
+          <a:lstStyle/>
+          <a:p>
+            <a:fld id="{EB039409-FB4B-41E9-B6A1-019319F84CB5}" type="datetimeFigureOut">
+              <a:rPr lang="en-DE" smtClean="0"/>
+              <a:t>28/12/2023</a:t>
+            </a:fld>
+            <a:endParaRPr lang="en-DE"/>
+          </a:p>
+        </p:txBody>
+      </p:sp>
+      <p:sp>
+        <p:nvSpPr>
+          <p:cNvPr id="5" name="Footer Placeholder 4">
+            <a:extLst>
+              <a:ext uri="{FF2B5EF4-FFF2-40B4-BE49-F238E27FC236}">
+                <a16:creationId xmlns:a16="http://schemas.microsoft.com/office/drawing/2014/main" id="{9D85F7C3-F33D-4BD2-BCD0-DADE68A59322}"/>
+              </a:ext>
+            </a:extLst>
+          </p:cNvPr>
+          <p:cNvSpPr>
+            <a:spLocks noGrp="1"/>
+          </p:cNvSpPr>
+          <p:nvPr>
+            <p:ph type="ftr" sz="quarter" idx="11"/>
+          </p:nvPr>
+        </p:nvSpPr>
+        <p:spPr/>
+        <p:txBody>
+          <a:bodyPr/>
+          <a:lstStyle/>
+          <a:p>
+            <a:endParaRPr lang="en-DE"/>
+          </a:p>
+        </p:txBody>
+      </p:sp>
+      <p:sp>
+        <p:nvSpPr>
+          <p:cNvPr id="6" name="Slide Number Placeholder 5">
+            <a:extLst>
+              <a:ext uri="{FF2B5EF4-FFF2-40B4-BE49-F238E27FC236}">
+                <a16:creationId xmlns:a16="http://schemas.microsoft.com/office/drawing/2014/main" id="{6D22950E-2215-470C-91C3-CF3020276EA1}"/>
+              </a:ext>
+            </a:extLst>
+          </p:cNvPr>
+          <p:cNvSpPr>
+            <a:spLocks noGrp="1"/>
+          </p:cNvSpPr>
+          <p:nvPr>
+            <p:ph type="sldNum" sz="quarter" idx="12"/>
+          </p:nvPr>
+        </p:nvSpPr>
+        <p:spPr/>
+        <p:txBody>
+          <a:bodyPr/>
+          <a:lstStyle/>
+          <a:p>
+            <a:fld id="{E9CA4D14-D3C8-47E6-82C6-C0A139CB5314}" type="slidenum">
+              <a:rPr lang="en-DE" smtClean="0"/>
+              <a:t>‹#›</a:t>
+            </a:fld>
+            <a:endParaRPr lang="en-DE"/>
+          </a:p>
+        </p:txBody>
+      </p:sp>
+    </p:spTree>
+    <p:extLst>
+      <p:ext uri="{BB962C8B-B14F-4D97-AF65-F5344CB8AC3E}">
+        <p14:creationId xmlns:p14="http://schemas.microsoft.com/office/powerpoint/2010/main" val="2758907033"/>
+      </p:ext>
+    </p:extLst>
+  </p:cSld>
+  <p:clrMapOvr>
+    <a:masterClrMapping/>
+  </p:clrMapOvr>
+</p:sldLayout>
+</file>
+
+<file path=ppt/slideLayouts/slideLayout3.xml><?xml version="1.0" encoding="utf-8"?>
+<p:sldLayout xmlns:a="http://schemas.openxmlformats.org/drawingml/2006/main" xmlns:r="http://schemas.openxmlformats.org/officeDocument/2006/relationships" xmlns:p="http://schemas.openxmlformats.org/presentationml/2006/main" type="secHead" preserve="1">
+  <p:cSld name="Section Header">
+    <p:spTree>
+      <p:nvGrpSpPr>
+        <p:cNvPr id="1" name=""/>
+        <p:cNvGrpSpPr/>
+        <p:nvPr/>
+      </p:nvGrpSpPr>
+      <p:grpSpPr>
+        <a:xfrm>
+          <a:off x="0" y="0"/>
+          <a:ext cx="0" cy="0"/>
+          <a:chOff x="0" y="0"/>
+          <a:chExt cx="0" cy="0"/>
+        </a:xfrm>
+      </p:grpSpPr>
+      <p:sp>
+        <p:nvSpPr>
+          <p:cNvPr id="2" name="Title 1">
+            <a:extLst>
+              <a:ext uri="{FF2B5EF4-FFF2-40B4-BE49-F238E27FC236}">
+                <a16:creationId xmlns:a16="http://schemas.microsoft.com/office/drawing/2014/main" id="{440B7DB6-D1FB-D581-DEA7-D2A2E665CF9E}"/>
+              </a:ext>
+            </a:extLst>
+          </p:cNvPr>
+          <p:cNvSpPr>
+            <a:spLocks noGrp="1"/>
+          </p:cNvSpPr>
+          <p:nvPr>
+            <p:ph type="title"/>
+          </p:nvPr>
+        </p:nvSpPr>
+        <p:spPr>
+          <a:xfrm>
+            <a:off x="831850" y="1709738"/>
+            <a:ext cx="10515600" cy="2852737"/>
+          </a:xfrm>
+        </p:spPr>
+        <p:txBody>
+          <a:bodyPr anchor="b"/>
+          <a:lstStyle>
+            <a:lvl1pPr>
+              <a:defRPr sz="6000"/>
+            </a:lvl1pPr>
+          </a:lstStyle>
+          <a:p>
+            <a:r>
+              <a:rPr lang="en-US"/>
+              <a:t>Click to edit Master title style</a:t>
+            </a:r>
+            <a:endParaRPr lang="en-DE"/>
+          </a:p>
+        </p:txBody>
+      </p:sp>
+      <p:sp>
+        <p:nvSpPr>
+          <p:cNvPr id="3" name="Text Placeholder 2">
+            <a:extLst>
+              <a:ext uri="{FF2B5EF4-FFF2-40B4-BE49-F238E27FC236}">
+                <a16:creationId xmlns:a16="http://schemas.microsoft.com/office/drawing/2014/main" id="{2C6BF411-FAA8-A3E8-D318-904EA173752D}"/>
+              </a:ext>
+            </a:extLst>
+          </p:cNvPr>
+          <p:cNvSpPr>
+            <a:spLocks noGrp="1"/>
+          </p:cNvSpPr>
+          <p:nvPr>
+            <p:ph type="body" idx="1"/>
+          </p:nvPr>
+        </p:nvSpPr>
+        <p:spPr>
+          <a:xfrm>
+            <a:off x="831850" y="4589463"/>
+            <a:ext cx="10515600" cy="1500187"/>
+          </a:xfrm>
+        </p:spPr>
+        <p:txBody>
+          <a:bodyPr/>
+          <a:lstStyle>
+            <a:lvl1pPr marL="0" indent="0">
+              <a:buNone/>
+              <a:defRPr sz="2400">
+                <a:solidFill>
+                  <a:schemeClr val="tx1">
+                    <a:tint val="75000"/>
+                  </a:schemeClr>
+                </a:solidFill>
+              </a:defRPr>
+            </a:lvl1pPr>
+            <a:lvl2pPr marL="457200" indent="0">
+              <a:buNone/>
+              <a:defRPr sz="2000">
+                <a:solidFill>
+                  <a:schemeClr val="tx1">
+                    <a:tint val="75000"/>
+                  </a:schemeClr>
+                </a:solidFill>
+              </a:defRPr>
+            </a:lvl2pPr>
+            <a:lvl3pPr marL="914400" indent="0">
+              <a:buNone/>
+              <a:defRPr sz="1800">
+                <a:solidFill>
+                  <a:schemeClr val="tx1">
+                    <a:tint val="75000"/>
+                  </a:schemeClr>
+                </a:solidFill>
+              </a:defRPr>
+            </a:lvl3pPr>
+            <a:lvl4pPr marL="1371600" indent="0">
+              <a:buNone/>
+              <a:defRPr sz="1600">
+                <a:solidFill>
+                  <a:schemeClr val="tx1">
+                    <a:tint val="75000"/>
+                  </a:schemeClr>
+                </a:solidFill>
+              </a:defRPr>
+            </a:lvl4pPr>
+            <a:lvl5pPr marL="1828800" indent="0">
+              <a:buNone/>
+              <a:defRPr sz="1600">
+                <a:solidFill>
+                  <a:schemeClr val="tx1">
+                    <a:tint val="75000"/>
+                  </a:schemeClr>
+                </a:solidFill>
+              </a:defRPr>
+            </a:lvl5pPr>
+            <a:lvl6pPr marL="2286000" indent="0">
+              <a:buNone/>
+              <a:defRPr sz="1600">
+                <a:solidFill>
+                  <a:schemeClr val="tx1">
+                    <a:tint val="75000"/>
+                  </a:schemeClr>
+                </a:solidFill>
+              </a:defRPr>
+            </a:lvl6pPr>
+            <a:lvl7pPr marL="2743200" indent="0">
+              <a:buNone/>
+              <a:defRPr sz="1600">
+                <a:solidFill>
+                  <a:schemeClr val="tx1">
+                    <a:tint val="75000"/>
+                  </a:schemeClr>
+                </a:solidFill>
+              </a:defRPr>
+            </a:lvl7pPr>
+            <a:lvl8pPr marL="3200400" indent="0">
+              <a:buNone/>
+              <a:defRPr sz="1600">
+                <a:solidFill>
+                  <a:schemeClr val="tx1">
+                    <a:tint val="75000"/>
+                  </a:schemeClr>
+                </a:solidFill>
+              </a:defRPr>
+            </a:lvl8pPr>
+            <a:lvl9pPr marL="3657600" indent="0">
+              <a:buNone/>
+              <a:defRPr sz="1600">
+                <a:solidFill>
+                  <a:schemeClr val="tx1">
+                    <a:tint val="75000"/>
+                  </a:schemeClr>
+                </a:solidFill>
+              </a:defRPr>
+            </a:lvl9pPr>
+          </a:lstStyle>
+          <a:p>
+            <a:pPr lvl="0"/>
+            <a:r>
+              <a:rPr lang="en-US"/>
+              <a:t>Click to edit Master text styles</a:t>
+            </a:r>
+          </a:p>
+        </p:txBody>
+      </p:sp>
+      <p:sp>
+        <p:nvSpPr>
+          <p:cNvPr id="4" name="Date Placeholder 3">
+            <a:extLst>
+              <a:ext uri="{FF2B5EF4-FFF2-40B4-BE49-F238E27FC236}">
+                <a16:creationId xmlns:a16="http://schemas.microsoft.com/office/drawing/2014/main" id="{8DC101E7-A241-0A78-6AFB-93D7EB64AD58}"/>
+              </a:ext>
+            </a:extLst>
+          </p:cNvPr>
+          <p:cNvSpPr>
+            <a:spLocks noGrp="1"/>
+          </p:cNvSpPr>
+          <p:nvPr>
+            <p:ph type="dt" sz="half" idx="10"/>
+          </p:nvPr>
+        </p:nvSpPr>
+        <p:spPr/>
+        <p:txBody>
+          <a:bodyPr/>
+          <a:lstStyle/>
+          <a:p>
             <a:fld id="{40E102C9-DE61-4CD8-AC35-112A0980813C}" type="datetimeFigureOut">
               <a:rPr lang="en-DE" smtClean="0"/>
-              <a:t>18/12/2023</a:t>
+              <a:t>28/12/2023</a:t>
+            </a:fld>
+            <a:endParaRPr lang="en-DE"/>
+          </a:p>
+        </p:txBody>
+      </p:sp>
+      <p:sp>
+        <p:nvSpPr>
+          <p:cNvPr id="5" name="Footer Placeholder 4">
+            <a:extLst>
+              <a:ext uri="{FF2B5EF4-FFF2-40B4-BE49-F238E27FC236}">
+                <a16:creationId xmlns:a16="http://schemas.microsoft.com/office/drawing/2014/main" id="{6C386535-AB8B-CDD1-E864-AE2683F48683}"/>
+              </a:ext>
+            </a:extLst>
+          </p:cNvPr>
+          <p:cNvSpPr>
+            <a:spLocks noGrp="1"/>
+          </p:cNvSpPr>
+          <p:nvPr>
+            <p:ph type="ftr" sz="quarter" idx="11"/>
+          </p:nvPr>
+        </p:nvSpPr>
+        <p:spPr/>
+        <p:txBody>
+          <a:bodyPr/>
+          <a:lstStyle/>
+          <a:p>
+            <a:endParaRPr lang="en-DE"/>
+          </a:p>
+        </p:txBody>
+      </p:sp>
+      <p:sp>
+        <p:nvSpPr>
+          <p:cNvPr id="6" name="Slide Number Placeholder 5">
+            <a:extLst>
+              <a:ext uri="{FF2B5EF4-FFF2-40B4-BE49-F238E27FC236}">
+                <a16:creationId xmlns:a16="http://schemas.microsoft.com/office/drawing/2014/main" id="{69230DE9-F26E-79F5-4FEA-33DBD40E3EC2}"/>
+              </a:ext>
+            </a:extLst>
+          </p:cNvPr>
+          <p:cNvSpPr>
+            <a:spLocks noGrp="1"/>
+          </p:cNvSpPr>
+          <p:nvPr>
+            <p:ph type="sldNum" sz="quarter" idx="12"/>
+          </p:nvPr>
+        </p:nvSpPr>
+        <p:spPr/>
+        <p:txBody>
+          <a:bodyPr/>
+          <a:lstStyle/>
+          <a:p>
+            <a:fld id="{41BD4223-C428-4A78-BABE-76E4307EAE76}" type="slidenum">
+              <a:rPr lang="en-DE" smtClean="0"/>
+              <a:t>‹#›</a:t>
+            </a:fld>
+            <a:endParaRPr lang="en-DE"/>
+          </a:p>
+        </p:txBody>
+      </p:sp>
+    </p:spTree>
+    <p:extLst>
+      <p:ext uri="{BB962C8B-B14F-4D97-AF65-F5344CB8AC3E}">
+        <p14:creationId xmlns:p14="http://schemas.microsoft.com/office/powerpoint/2010/main" val="407740978"/>
+      </p:ext>
+    </p:extLst>
+  </p:cSld>
+  <p:clrMapOvr>
+    <a:masterClrMapping/>
+  </p:clrMapOvr>
+</p:sldLayout>
+</file>
+
+<file path=ppt/slideLayouts/slideLayout4.xml><?xml version="1.0" encoding="utf-8"?>
+<p:sldLayout xmlns:a="http://schemas.openxmlformats.org/drawingml/2006/main" xmlns:r="http://schemas.openxmlformats.org/officeDocument/2006/relationships" xmlns:p="http://schemas.openxmlformats.org/presentationml/2006/main" type="twoObj" preserve="1">
+  <p:cSld name="Two Content">
+    <p:spTree>
+      <p:nvGrpSpPr>
+        <p:cNvPr id="1" name=""/>
+        <p:cNvGrpSpPr/>
+        <p:nvPr/>
+      </p:nvGrpSpPr>
+      <p:grpSpPr>
+        <a:xfrm>
+          <a:off x="0" y="0"/>
+          <a:ext cx="0" cy="0"/>
+          <a:chOff x="0" y="0"/>
+          <a:chExt cx="0" cy="0"/>
+        </a:xfrm>
+      </p:grpSpPr>
+      <p:sp>
+        <p:nvSpPr>
+          <p:cNvPr id="2" name="Title 1">
+            <a:extLst>
+              <a:ext uri="{FF2B5EF4-FFF2-40B4-BE49-F238E27FC236}">
+                <a16:creationId xmlns:a16="http://schemas.microsoft.com/office/drawing/2014/main" id="{DD87601A-58A1-3ADD-8730-71BBBF93389D}"/>
+              </a:ext>
+            </a:extLst>
+          </p:cNvPr>
+          <p:cNvSpPr>
+            <a:spLocks noGrp="1"/>
+          </p:cNvSpPr>
+          <p:nvPr>
+            <p:ph type="title"/>
+          </p:nvPr>
+        </p:nvSpPr>
+        <p:spPr/>
+        <p:txBody>
+          <a:bodyPr/>
+          <a:lstStyle/>
+          <a:p>
+            <a:r>
+              <a:rPr lang="en-US"/>
+              <a:t>Click to edit Master title style</a:t>
+            </a:r>
+            <a:endParaRPr lang="en-DE"/>
+          </a:p>
+        </p:txBody>
+      </p:sp>
+      <p:sp>
+        <p:nvSpPr>
+          <p:cNvPr id="3" name="Content Placeholder 2">
+            <a:extLst>
+              <a:ext uri="{FF2B5EF4-FFF2-40B4-BE49-F238E27FC236}">
+                <a16:creationId xmlns:a16="http://schemas.microsoft.com/office/drawing/2014/main" id="{681CDDDD-40AE-E4FF-7729-F97991A0FED5}"/>
+              </a:ext>
+            </a:extLst>
+          </p:cNvPr>
+          <p:cNvSpPr>
+            <a:spLocks noGrp="1"/>
+          </p:cNvSpPr>
+          <p:nvPr>
+            <p:ph sz="half" idx="1"/>
+          </p:nvPr>
+        </p:nvSpPr>
+        <p:spPr>
+          <a:xfrm>
+            <a:off x="838200" y="1825625"/>
+            <a:ext cx="5181600" cy="4351338"/>
+          </a:xfrm>
+        </p:spPr>
+        <p:txBody>
+          <a:bodyPr/>
+          <a:lstStyle/>
+          <a:p>
+            <a:pPr lvl="0"/>
+            <a:r>
+              <a:rPr lang="en-US"/>
+              <a:t>Click to edit Master text styles</a:t>
+            </a:r>
+          </a:p>
+          <a:p>
+            <a:pPr lvl="1"/>
+            <a:r>
+              <a:rPr lang="en-US"/>
+              <a:t>Second level</a:t>
+            </a:r>
+          </a:p>
+          <a:p>
+            <a:pPr lvl="2"/>
+            <a:r>
+              <a:rPr lang="en-US"/>
+              <a:t>Third level</a:t>
+            </a:r>
+          </a:p>
+          <a:p>
+            <a:pPr lvl="3"/>
+            <a:r>
+              <a:rPr lang="en-US"/>
+              <a:t>Fourth level</a:t>
+            </a:r>
+          </a:p>
+          <a:p>
+            <a:pPr lvl="4"/>
+            <a:r>
+              <a:rPr lang="en-US"/>
+              <a:t>Fifth level</a:t>
+            </a:r>
+            <a:endParaRPr lang="en-DE"/>
+          </a:p>
+        </p:txBody>
+      </p:sp>
+      <p:sp>
+        <p:nvSpPr>
+          <p:cNvPr id="4" name="Content Placeholder 3">
+            <a:extLst>
+              <a:ext uri="{FF2B5EF4-FFF2-40B4-BE49-F238E27FC236}">
+                <a16:creationId xmlns:a16="http://schemas.microsoft.com/office/drawing/2014/main" id="{AEB142E5-390E-ACE0-C2FC-278D0C43D9F4}"/>
+              </a:ext>
+            </a:extLst>
+          </p:cNvPr>
+          <p:cNvSpPr>
+            <a:spLocks noGrp="1"/>
+          </p:cNvSpPr>
+          <p:nvPr>
+            <p:ph sz="half" idx="2"/>
+          </p:nvPr>
+        </p:nvSpPr>
+        <p:spPr>
+          <a:xfrm>
+            <a:off x="6172200" y="1825625"/>
+            <a:ext cx="5181600" cy="4351338"/>
+          </a:xfrm>
+        </p:spPr>
+        <p:txBody>
+          <a:bodyPr/>
+          <a:lstStyle/>
+          <a:p>
+            <a:pPr lvl="0"/>
+            <a:r>
+              <a:rPr lang="en-US"/>
+              <a:t>Click to edit Master text styles</a:t>
+            </a:r>
+          </a:p>
+          <a:p>
+            <a:pPr lvl="1"/>
+            <a:r>
+              <a:rPr lang="en-US"/>
+              <a:t>Second level</a:t>
+            </a:r>
+          </a:p>
+          <a:p>
+            <a:pPr lvl="2"/>
+            <a:r>
+              <a:rPr lang="en-US"/>
+              <a:t>Third level</a:t>
+            </a:r>
+          </a:p>
+          <a:p>
+            <a:pPr lvl="3"/>
+            <a:r>
+              <a:rPr lang="en-US"/>
+              <a:t>Fourth level</a:t>
+            </a:r>
+          </a:p>
+          <a:p>
+            <a:pPr lvl="4"/>
+            <a:r>
+              <a:rPr lang="en-US"/>
+              <a:t>Fifth level</a:t>
+            </a:r>
+            <a:endParaRPr lang="en-DE"/>
+          </a:p>
+        </p:txBody>
+      </p:sp>
+      <p:sp>
+        <p:nvSpPr>
+          <p:cNvPr id="5" name="Date Placeholder 4">
+            <a:extLst>
+              <a:ext uri="{FF2B5EF4-FFF2-40B4-BE49-F238E27FC236}">
+                <a16:creationId xmlns:a16="http://schemas.microsoft.com/office/drawing/2014/main" id="{2FB38707-6D61-723B-60ED-E47042B94AA3}"/>
+              </a:ext>
+            </a:extLst>
+          </p:cNvPr>
+          <p:cNvSpPr>
+            <a:spLocks noGrp="1"/>
+          </p:cNvSpPr>
+          <p:nvPr>
+            <p:ph type="dt" sz="half" idx="10"/>
+          </p:nvPr>
+        </p:nvSpPr>
+        <p:spPr/>
+        <p:txBody>
+          <a:bodyPr/>
+          <a:lstStyle/>
+          <a:p>
+            <a:fld id="{40E102C9-DE61-4CD8-AC35-112A0980813C}" type="datetimeFigureOut">
+              <a:rPr lang="en-DE" smtClean="0"/>
+              <a:t>28/12/2023</a:t>
+            </a:fld>
+            <a:endParaRPr lang="en-DE"/>
+          </a:p>
+        </p:txBody>
+      </p:sp>
+      <p:sp>
+        <p:nvSpPr>
+          <p:cNvPr id="6" name="Footer Placeholder 5">
+            <a:extLst>
+              <a:ext uri="{FF2B5EF4-FFF2-40B4-BE49-F238E27FC236}">
+                <a16:creationId xmlns:a16="http://schemas.microsoft.com/office/drawing/2014/main" id="{F928A66D-3654-CDE0-8BC8-D17F3C052234}"/>
+              </a:ext>
+            </a:extLst>
+          </p:cNvPr>
+          <p:cNvSpPr>
+            <a:spLocks noGrp="1"/>
+          </p:cNvSpPr>
+          <p:nvPr>
+            <p:ph type="ftr" sz="quarter" idx="11"/>
+          </p:nvPr>
+        </p:nvSpPr>
+        <p:spPr/>
+        <p:txBody>
+          <a:bodyPr/>
+          <a:lstStyle/>
+          <a:p>
+            <a:endParaRPr lang="en-DE"/>
+          </a:p>
+        </p:txBody>
+      </p:sp>
+      <p:sp>
+        <p:nvSpPr>
+          <p:cNvPr id="7" name="Slide Number Placeholder 6">
+            <a:extLst>
+              <a:ext uri="{FF2B5EF4-FFF2-40B4-BE49-F238E27FC236}">
+                <a16:creationId xmlns:a16="http://schemas.microsoft.com/office/drawing/2014/main" id="{400A7BDA-F199-3C94-C2BF-79D40E830FF3}"/>
+              </a:ext>
+            </a:extLst>
+          </p:cNvPr>
+          <p:cNvSpPr>
+            <a:spLocks noGrp="1"/>
+          </p:cNvSpPr>
+          <p:nvPr>
+            <p:ph type="sldNum" sz="quarter" idx="12"/>
+          </p:nvPr>
+        </p:nvSpPr>
+        <p:spPr/>
+        <p:txBody>
+          <a:bodyPr/>
+          <a:lstStyle/>
+          <a:p>
+            <a:fld id="{41BD4223-C428-4A78-BABE-76E4307EAE76}" type="slidenum">
+              <a:rPr lang="en-DE" smtClean="0"/>
+              <a:t>‹#›</a:t>
+            </a:fld>
+            <a:endParaRPr lang="en-DE"/>
+          </a:p>
+        </p:txBody>
+      </p:sp>
+    </p:spTree>
+    <p:extLst>
+      <p:ext uri="{BB962C8B-B14F-4D97-AF65-F5344CB8AC3E}">
+        <p14:creationId xmlns:p14="http://schemas.microsoft.com/office/powerpoint/2010/main" val="4142082897"/>
+      </p:ext>
+    </p:extLst>
+  </p:cSld>
+  <p:clrMapOvr>
+    <a:masterClrMapping/>
+  </p:clrMapOvr>
+</p:sldLayout>
+</file>
+
+<file path=ppt/slideLayouts/slideLayout5.xml><?xml version="1.0" encoding="utf-8"?>
+<p:sldLayout xmlns:a="http://schemas.openxmlformats.org/drawingml/2006/main" xmlns:r="http://schemas.openxmlformats.org/officeDocument/2006/relationships" xmlns:p="http://schemas.openxmlformats.org/presentationml/2006/main" type="twoTxTwoObj" preserve="1">
+  <p:cSld name="Comparison">
+    <p:spTree>
+      <p:nvGrpSpPr>
+        <p:cNvPr id="1" name=""/>
+        <p:cNvGrpSpPr/>
+        <p:nvPr/>
+      </p:nvGrpSpPr>
+      <p:grpSpPr>
+        <a:xfrm>
+          <a:off x="0" y="0"/>
+          <a:ext cx="0" cy="0"/>
+          <a:chOff x="0" y="0"/>
+          <a:chExt cx="0" cy="0"/>
+        </a:xfrm>
+      </p:grpSpPr>
+      <p:sp>
+        <p:nvSpPr>
+          <p:cNvPr id="2" name="Title 1">
+            <a:extLst>
+              <a:ext uri="{FF2B5EF4-FFF2-40B4-BE49-F238E27FC236}">
+                <a16:creationId xmlns:a16="http://schemas.microsoft.com/office/drawing/2014/main" id="{67CB3B1D-AB45-6EF7-34DA-45337E6A6566}"/>
+              </a:ext>
+            </a:extLst>
+          </p:cNvPr>
+          <p:cNvSpPr>
+            <a:spLocks noGrp="1"/>
+          </p:cNvSpPr>
+          <p:nvPr>
+            <p:ph type="title"/>
+          </p:nvPr>
+        </p:nvSpPr>
+        <p:spPr>
+          <a:xfrm>
+            <a:off x="839788" y="365125"/>
+            <a:ext cx="10515600" cy="1325563"/>
+          </a:xfrm>
+        </p:spPr>
+        <p:txBody>
+          <a:bodyPr/>
+          <a:lstStyle/>
+          <a:p>
+            <a:r>
+              <a:rPr lang="en-US"/>
+              <a:t>Click to edit Master title style</a:t>
+            </a:r>
+            <a:endParaRPr lang="en-DE"/>
+          </a:p>
+        </p:txBody>
+      </p:sp>
+      <p:sp>
+        <p:nvSpPr>
+          <p:cNvPr id="3" name="Text Placeholder 2">
+            <a:extLst>
+              <a:ext uri="{FF2B5EF4-FFF2-40B4-BE49-F238E27FC236}">
+                <a16:creationId xmlns:a16="http://schemas.microsoft.com/office/drawing/2014/main" id="{87B64776-3C4B-3024-AA50-DB023D50939E}"/>
+              </a:ext>
+            </a:extLst>
+          </p:cNvPr>
+          <p:cNvSpPr>
+            <a:spLocks noGrp="1"/>
+          </p:cNvSpPr>
+          <p:nvPr>
+            <p:ph type="body" idx="1"/>
+          </p:nvPr>
+        </p:nvSpPr>
+        <p:spPr>
+          <a:xfrm>
+            <a:off x="839788" y="1681163"/>
+            <a:ext cx="5157787" cy="823912"/>
+          </a:xfrm>
+        </p:spPr>
+        <p:txBody>
+          <a:bodyPr anchor="b"/>
+          <a:lstStyle>
+            <a:lvl1pPr marL="0" indent="0">
+              <a:buNone/>
+              <a:defRPr sz="2400" b="1"/>
+            </a:lvl1pPr>
+            <a:lvl2pPr marL="457200" indent="0">
+              <a:buNone/>
+              <a:defRPr sz="2000" b="1"/>
+            </a:lvl2pPr>
+            <a:lvl3pPr marL="914400" indent="0">
+              <a:buNone/>
+              <a:defRPr sz="1800" b="1"/>
+            </a:lvl3pPr>
+            <a:lvl4pPr marL="1371600" indent="0">
+              <a:buNone/>
+              <a:defRPr sz="1600" b="1"/>
+            </a:lvl4pPr>
+            <a:lvl5pPr marL="1828800" indent="0">
+              <a:buNone/>
+              <a:defRPr sz="1600" b="1"/>
+            </a:lvl5pPr>
+            <a:lvl6pPr marL="2286000" indent="0">
+              <a:buNone/>
+              <a:defRPr sz="1600" b="1"/>
+            </a:lvl6pPr>
+            <a:lvl7pPr marL="2743200" indent="0">
+              <a:buNone/>
+              <a:defRPr sz="1600" b="1"/>
+            </a:lvl7pPr>
+            <a:lvl8pPr marL="3200400" indent="0">
+              <a:buNone/>
+              <a:defRPr sz="1600" b="1"/>
+            </a:lvl8pPr>
+            <a:lvl9pPr marL="3657600" indent="0">
+              <a:buNone/>
+              <a:defRPr sz="1600" b="1"/>
+            </a:lvl9pPr>
+          </a:lstStyle>
+          <a:p>
+            <a:pPr lvl="0"/>
+            <a:r>
+              <a:rPr lang="en-US"/>
+              <a:t>Click to edit Master text styles</a:t>
+            </a:r>
+          </a:p>
+        </p:txBody>
+      </p:sp>
+      <p:sp>
+        <p:nvSpPr>
+          <p:cNvPr id="4" name="Content Placeholder 3">
+            <a:extLst>
+              <a:ext uri="{FF2B5EF4-FFF2-40B4-BE49-F238E27FC236}">
+                <a16:creationId xmlns:a16="http://schemas.microsoft.com/office/drawing/2014/main" id="{1F467446-D4FB-518C-C438-2C4A8AE55E90}"/>
+              </a:ext>
+            </a:extLst>
+          </p:cNvPr>
+          <p:cNvSpPr>
+            <a:spLocks noGrp="1"/>
+          </p:cNvSpPr>
+          <p:nvPr>
+            <p:ph sz="half" idx="2"/>
+          </p:nvPr>
+        </p:nvSpPr>
+        <p:spPr>
+          <a:xfrm>
+            <a:off x="839788" y="2505075"/>
+            <a:ext cx="5157787" cy="3684588"/>
+          </a:xfrm>
+        </p:spPr>
+        <p:txBody>
+          <a:bodyPr/>
+          <a:lstStyle/>
+          <a:p>
+            <a:pPr lvl="0"/>
+            <a:r>
+              <a:rPr lang="en-US"/>
+              <a:t>Click to edit Master text styles</a:t>
+            </a:r>
+          </a:p>
+          <a:p>
+            <a:pPr lvl="1"/>
+            <a:r>
+              <a:rPr lang="en-US"/>
+              <a:t>Second level</a:t>
+            </a:r>
+          </a:p>
+          <a:p>
+            <a:pPr lvl="2"/>
+            <a:r>
+              <a:rPr lang="en-US"/>
+              <a:t>Third level</a:t>
+            </a:r>
+          </a:p>
+          <a:p>
+            <a:pPr lvl="3"/>
+            <a:r>
+              <a:rPr lang="en-US"/>
+              <a:t>Fourth level</a:t>
+            </a:r>
+          </a:p>
+          <a:p>
+            <a:pPr lvl="4"/>
+            <a:r>
+              <a:rPr lang="en-US"/>
+              <a:t>Fifth level</a:t>
+            </a:r>
+            <a:endParaRPr lang="en-DE"/>
+          </a:p>
+        </p:txBody>
+      </p:sp>
+      <p:sp>
+        <p:nvSpPr>
+          <p:cNvPr id="5" name="Text Placeholder 4">
+            <a:extLst>
+              <a:ext uri="{FF2B5EF4-FFF2-40B4-BE49-F238E27FC236}">
+                <a16:creationId xmlns:a16="http://schemas.microsoft.com/office/drawing/2014/main" id="{536F2477-A91E-867E-3C63-D93B0D896E05}"/>
+              </a:ext>
+            </a:extLst>
+          </p:cNvPr>
+          <p:cNvSpPr>
+            <a:spLocks noGrp="1"/>
+          </p:cNvSpPr>
+          <p:nvPr>
+            <p:ph type="body" sz="quarter" idx="3"/>
+          </p:nvPr>
+        </p:nvSpPr>
+        <p:spPr>
+          <a:xfrm>
+            <a:off x="6172200" y="1681163"/>
+            <a:ext cx="5183188" cy="823912"/>
+          </a:xfrm>
+        </p:spPr>
+        <p:txBody>
+          <a:bodyPr anchor="b"/>
+          <a:lstStyle>
+            <a:lvl1pPr marL="0" indent="0">
+              <a:buNone/>
+              <a:defRPr sz="2400" b="1"/>
+            </a:lvl1pPr>
+            <a:lvl2pPr marL="457200" indent="0">
+              <a:buNone/>
+              <a:defRPr sz="2000" b="1"/>
+            </a:lvl2pPr>
+            <a:lvl3pPr marL="914400" indent="0">
+              <a:buNone/>
+              <a:defRPr sz="1800" b="1"/>
+            </a:lvl3pPr>
+            <a:lvl4pPr marL="1371600" indent="0">
+              <a:buNone/>
+              <a:defRPr sz="1600" b="1"/>
+            </a:lvl4pPr>
+            <a:lvl5pPr marL="1828800" indent="0">
+              <a:buNone/>
+              <a:defRPr sz="1600" b="1"/>
+            </a:lvl5pPr>
+            <a:lvl6pPr marL="2286000" indent="0">
+              <a:buNone/>
+              <a:defRPr sz="1600" b="1"/>
+            </a:lvl6pPr>
+            <a:lvl7pPr marL="2743200" indent="0">
+              <a:buNone/>
+              <a:defRPr sz="1600" b="1"/>
+            </a:lvl7pPr>
+            <a:lvl8pPr marL="3200400" indent="0">
+              <a:buNone/>
+              <a:defRPr sz="1600" b="1"/>
+            </a:lvl8pPr>
+            <a:lvl9pPr marL="3657600" indent="0">
+              <a:buNone/>
+              <a:defRPr sz="1600" b="1"/>
+            </a:lvl9pPr>
+          </a:lstStyle>
+          <a:p>
+            <a:pPr lvl="0"/>
+            <a:r>
+              <a:rPr lang="en-US"/>
+              <a:t>Click to edit Master text styles</a:t>
+            </a:r>
+          </a:p>
+        </p:txBody>
+      </p:sp>
+      <p:sp>
+        <p:nvSpPr>
+          <p:cNvPr id="6" name="Content Placeholder 5">
+            <a:extLst>
+              <a:ext uri="{FF2B5EF4-FFF2-40B4-BE49-F238E27FC236}">
+                <a16:creationId xmlns:a16="http://schemas.microsoft.com/office/drawing/2014/main" id="{4724B50E-FD6F-3239-5F4E-748ABBC70D22}"/>
+              </a:ext>
+            </a:extLst>
+          </p:cNvPr>
+          <p:cNvSpPr>
+            <a:spLocks noGrp="1"/>
+          </p:cNvSpPr>
+          <p:nvPr>
+            <p:ph sz="quarter" idx="4"/>
+          </p:nvPr>
+        </p:nvSpPr>
+        <p:spPr>
+          <a:xfrm>
+            <a:off x="6172200" y="2505075"/>
+            <a:ext cx="5183188" cy="3684588"/>
+          </a:xfrm>
+        </p:spPr>
+        <p:txBody>
+          <a:bodyPr/>
+          <a:lstStyle/>
+          <a:p>
+            <a:pPr lvl="0"/>
+            <a:r>
+              <a:rPr lang="en-US"/>
+              <a:t>Click to edit Master text styles</a:t>
+            </a:r>
+          </a:p>
+          <a:p>
+            <a:pPr lvl="1"/>
+            <a:r>
+              <a:rPr lang="en-US"/>
+              <a:t>Second level</a:t>
+            </a:r>
+          </a:p>
+          <a:p>
+            <a:pPr lvl="2"/>
+            <a:r>
+              <a:rPr lang="en-US"/>
+              <a:t>Third level</a:t>
+            </a:r>
+          </a:p>
+          <a:p>
+            <a:pPr lvl="3"/>
+            <a:r>
+              <a:rPr lang="en-US"/>
+              <a:t>Fourth level</a:t>
+            </a:r>
+          </a:p>
+          <a:p>
+            <a:pPr lvl="4"/>
+            <a:r>
+              <a:rPr lang="en-US"/>
+              <a:t>Fifth level</a:t>
+            </a:r>
+            <a:endParaRPr lang="en-DE"/>
+          </a:p>
+        </p:txBody>
+      </p:sp>
+      <p:sp>
+        <p:nvSpPr>
+          <p:cNvPr id="7" name="Date Placeholder 6">
+            <a:extLst>
+              <a:ext uri="{FF2B5EF4-FFF2-40B4-BE49-F238E27FC236}">
+                <a16:creationId xmlns:a16="http://schemas.microsoft.com/office/drawing/2014/main" id="{FE46B68B-877F-CB7A-D1CE-4DC39182EC90}"/>
+              </a:ext>
+            </a:extLst>
+          </p:cNvPr>
+          <p:cNvSpPr>
+            <a:spLocks noGrp="1"/>
+          </p:cNvSpPr>
+          <p:nvPr>
+            <p:ph type="dt" sz="half" idx="10"/>
+          </p:nvPr>
+        </p:nvSpPr>
+        <p:spPr/>
+        <p:txBody>
+          <a:bodyPr/>
+          <a:lstStyle/>
+          <a:p>
+            <a:fld id="{40E102C9-DE61-4CD8-AC35-112A0980813C}" type="datetimeFigureOut">
+              <a:rPr lang="en-DE" smtClean="0"/>
+              <a:t>28/12/2023</a:t>
+            </a:fld>
+            <a:endParaRPr lang="en-DE"/>
+          </a:p>
+        </p:txBody>
+      </p:sp>
+      <p:sp>
+        <p:nvSpPr>
+          <p:cNvPr id="8" name="Footer Placeholder 7">
+            <a:extLst>
+              <a:ext uri="{FF2B5EF4-FFF2-40B4-BE49-F238E27FC236}">
+                <a16:creationId xmlns:a16="http://schemas.microsoft.com/office/drawing/2014/main" id="{58F346B2-5346-BC9A-73E0-AB880994E16F}"/>
+              </a:ext>
+            </a:extLst>
+          </p:cNvPr>
+          <p:cNvSpPr>
+            <a:spLocks noGrp="1"/>
+          </p:cNvSpPr>
+          <p:nvPr>
+            <p:ph type="ftr" sz="quarter" idx="11"/>
+          </p:nvPr>
+        </p:nvSpPr>
+        <p:spPr/>
+        <p:txBody>
+          <a:bodyPr/>
+          <a:lstStyle/>
+          <a:p>
+            <a:endParaRPr lang="en-DE"/>
+          </a:p>
+        </p:txBody>
+      </p:sp>
+      <p:sp>
+        <p:nvSpPr>
+          <p:cNvPr id="9" name="Slide Number Placeholder 8">
+            <a:extLst>
+              <a:ext uri="{FF2B5EF4-FFF2-40B4-BE49-F238E27FC236}">
+                <a16:creationId xmlns:a16="http://schemas.microsoft.com/office/drawing/2014/main" id="{8608F704-7674-A35B-6408-9E2A6066FC8B}"/>
+              </a:ext>
+            </a:extLst>
+          </p:cNvPr>
+          <p:cNvSpPr>
+            <a:spLocks noGrp="1"/>
+          </p:cNvSpPr>
+          <p:nvPr>
+            <p:ph type="sldNum" sz="quarter" idx="12"/>
+          </p:nvPr>
+        </p:nvSpPr>
+        <p:spPr/>
+        <p:txBody>
+          <a:bodyPr/>
+          <a:lstStyle/>
+          <a:p>
+            <a:fld id="{41BD4223-C428-4A78-BABE-76E4307EAE76}" type="slidenum">
+              <a:rPr lang="en-DE" smtClean="0"/>
+              <a:t>‹#›</a:t>
+            </a:fld>
+            <a:endParaRPr lang="en-DE"/>
+          </a:p>
+        </p:txBody>
+      </p:sp>
+    </p:spTree>
+    <p:extLst>
+      <p:ext uri="{BB962C8B-B14F-4D97-AF65-F5344CB8AC3E}">
+        <p14:creationId xmlns:p14="http://schemas.microsoft.com/office/powerpoint/2010/main" val="1334539826"/>
+      </p:ext>
+    </p:extLst>
+  </p:cSld>
+  <p:clrMapOvr>
+    <a:masterClrMapping/>
+  </p:clrMapOvr>
+</p:sldLayout>
+</file>
+
+<file path=ppt/slideLayouts/slideLayout6.xml><?xml version="1.0" encoding="utf-8"?>
+<p:sldLayout xmlns:a="http://schemas.openxmlformats.org/drawingml/2006/main" xmlns:r="http://schemas.openxmlformats.org/officeDocument/2006/relationships" xmlns:p="http://schemas.openxmlformats.org/presentationml/2006/main" type="titleOnly" preserve="1">
+  <p:cSld name="Title Only">
+    <p:spTree>
+      <p:nvGrpSpPr>
+        <p:cNvPr id="1" name=""/>
+        <p:cNvGrpSpPr/>
+        <p:nvPr/>
+      </p:nvGrpSpPr>
+      <p:grpSpPr>
+        <a:xfrm>
+          <a:off x="0" y="0"/>
+          <a:ext cx="0" cy="0"/>
+          <a:chOff x="0" y="0"/>
+          <a:chExt cx="0" cy="0"/>
+        </a:xfrm>
+      </p:grpSpPr>
+      <p:sp>
+        <p:nvSpPr>
+          <p:cNvPr id="2" name="Title 1">
+            <a:extLst>
+              <a:ext uri="{FF2B5EF4-FFF2-40B4-BE49-F238E27FC236}">
+                <a16:creationId xmlns:a16="http://schemas.microsoft.com/office/drawing/2014/main" id="{88C56105-E05E-796C-AEC2-A8D1ADB607EE}"/>
+              </a:ext>
+            </a:extLst>
+          </p:cNvPr>
+          <p:cNvSpPr>
+            <a:spLocks noGrp="1"/>
+          </p:cNvSpPr>
+          <p:nvPr>
+            <p:ph type="title"/>
+          </p:nvPr>
+        </p:nvSpPr>
+        <p:spPr/>
+        <p:txBody>
+          <a:bodyPr/>
+          <a:lstStyle/>
+          <a:p>
+            <a:r>
+              <a:rPr lang="en-US"/>
+              <a:t>Click to edit Master title style</a:t>
+            </a:r>
+            <a:endParaRPr lang="en-DE"/>
+          </a:p>
+        </p:txBody>
+      </p:sp>
+      <p:sp>
+        <p:nvSpPr>
+          <p:cNvPr id="3" name="Date Placeholder 2">
+            <a:extLst>
+              <a:ext uri="{FF2B5EF4-FFF2-40B4-BE49-F238E27FC236}">
+                <a16:creationId xmlns:a16="http://schemas.microsoft.com/office/drawing/2014/main" id="{4BFA7AF3-907C-7FB3-FB7F-D2FD85284CE6}"/>
+              </a:ext>
+            </a:extLst>
+          </p:cNvPr>
+          <p:cNvSpPr>
+            <a:spLocks noGrp="1"/>
+          </p:cNvSpPr>
+          <p:nvPr>
+            <p:ph type="dt" sz="half" idx="10"/>
+          </p:nvPr>
+        </p:nvSpPr>
+        <p:spPr/>
+        <p:txBody>
+          <a:bodyPr/>
+          <a:lstStyle/>
+          <a:p>
+            <a:fld id="{40E102C9-DE61-4CD8-AC35-112A0980813C}" type="datetimeFigureOut">
+              <a:rPr lang="en-DE" smtClean="0"/>
+              <a:t>28/12/2023</a:t>
+            </a:fld>
+            <a:endParaRPr lang="en-DE"/>
+          </a:p>
+        </p:txBody>
+      </p:sp>
+      <p:sp>
+        <p:nvSpPr>
+          <p:cNvPr id="4" name="Footer Placeholder 3">
+            <a:extLst>
+              <a:ext uri="{FF2B5EF4-FFF2-40B4-BE49-F238E27FC236}">
+                <a16:creationId xmlns:a16="http://schemas.microsoft.com/office/drawing/2014/main" id="{3F7C8F88-C810-15B1-3D80-F6BCDA02874C}"/>
+              </a:ext>
+            </a:extLst>
+          </p:cNvPr>
+          <p:cNvSpPr>
+            <a:spLocks noGrp="1"/>
+          </p:cNvSpPr>
+          <p:nvPr>
+            <p:ph type="ftr" sz="quarter" idx="11"/>
+          </p:nvPr>
+        </p:nvSpPr>
+        <p:spPr/>
+        <p:txBody>
+          <a:bodyPr/>
+          <a:lstStyle/>
+          <a:p>
+            <a:endParaRPr lang="en-DE"/>
+          </a:p>
+        </p:txBody>
+      </p:sp>
+      <p:sp>
+        <p:nvSpPr>
+          <p:cNvPr id="5" name="Slide Number Placeholder 4">
+            <a:extLst>
+              <a:ext uri="{FF2B5EF4-FFF2-40B4-BE49-F238E27FC236}">
+                <a16:creationId xmlns:a16="http://schemas.microsoft.com/office/drawing/2014/main" id="{CC9D85CD-010E-A08C-0661-20942198A28A}"/>
+              </a:ext>
+            </a:extLst>
+          </p:cNvPr>
+          <p:cNvSpPr>
+            <a:spLocks noGrp="1"/>
+          </p:cNvSpPr>
+          <p:nvPr>
+            <p:ph type="sldNum" sz="quarter" idx="12"/>
+          </p:nvPr>
+        </p:nvSpPr>
+        <p:spPr/>
+        <p:txBody>
+          <a:bodyPr/>
+          <a:lstStyle/>
+          <a:p>
+            <a:fld id="{41BD4223-C428-4A78-BABE-76E4307EAE76}" type="slidenum">
+              <a:rPr lang="en-DE" smtClean="0"/>
+              <a:t>‹#›</a:t>
+            </a:fld>
+            <a:endParaRPr lang="en-DE"/>
+          </a:p>
+        </p:txBody>
+      </p:sp>
+    </p:spTree>
+    <p:extLst>
+      <p:ext uri="{BB962C8B-B14F-4D97-AF65-F5344CB8AC3E}">
+        <p14:creationId xmlns:p14="http://schemas.microsoft.com/office/powerpoint/2010/main" val="2276765221"/>
+      </p:ext>
+    </p:extLst>
+  </p:cSld>
+  <p:clrMapOvr>
+    <a:masterClrMapping/>
+  </p:clrMapOvr>
+</p:sldLayout>
+</file>
+
+<file path=ppt/slideLayouts/slideLayout7.xml><?xml version="1.0" encoding="utf-8"?>
+<p:sldLayout xmlns:a="http://schemas.openxmlformats.org/drawingml/2006/main" xmlns:r="http://schemas.openxmlformats.org/officeDocument/2006/relationships" xmlns:p="http://schemas.openxmlformats.org/presentationml/2006/main" type="blank" preserve="1">
+  <p:cSld name="Blank">
+    <p:spTree>
+      <p:nvGrpSpPr>
+        <p:cNvPr id="1" name=""/>
+        <p:cNvGrpSpPr/>
+        <p:nvPr/>
+      </p:nvGrpSpPr>
+      <p:grpSpPr>
+        <a:xfrm>
+          <a:off x="0" y="0"/>
+          <a:ext cx="0" cy="0"/>
+          <a:chOff x="0" y="0"/>
+          <a:chExt cx="0" cy="0"/>
+        </a:xfrm>
+      </p:grpSpPr>
+      <p:sp>
+        <p:nvSpPr>
+          <p:cNvPr id="2" name="Date Placeholder 1">
+            <a:extLst>
+              <a:ext uri="{FF2B5EF4-FFF2-40B4-BE49-F238E27FC236}">
+                <a16:creationId xmlns:a16="http://schemas.microsoft.com/office/drawing/2014/main" id="{E32398FD-0BC1-98DB-D897-CBABB0325194}"/>
+              </a:ext>
+            </a:extLst>
+          </p:cNvPr>
+          <p:cNvSpPr>
+            <a:spLocks noGrp="1"/>
+          </p:cNvSpPr>
+          <p:nvPr>
+            <p:ph type="dt" sz="half" idx="10"/>
+          </p:nvPr>
+        </p:nvSpPr>
+        <p:spPr/>
+        <p:txBody>
+          <a:bodyPr/>
+          <a:lstStyle/>
+          <a:p>
+            <a:fld id="{40E102C9-DE61-4CD8-AC35-112A0980813C}" type="datetimeFigureOut">
+              <a:rPr lang="en-DE" smtClean="0"/>
+              <a:t>28/12/2023</a:t>
+            </a:fld>
+            <a:endParaRPr lang="en-DE"/>
+          </a:p>
+        </p:txBody>
+      </p:sp>
+      <p:sp>
+        <p:nvSpPr>
+          <p:cNvPr id="3" name="Footer Placeholder 2">
+            <a:extLst>
+              <a:ext uri="{FF2B5EF4-FFF2-40B4-BE49-F238E27FC236}">
+                <a16:creationId xmlns:a16="http://schemas.microsoft.com/office/drawing/2014/main" id="{ACEE8D94-8A95-A025-627B-C31ECE75DB80}"/>
+              </a:ext>
+            </a:extLst>
+          </p:cNvPr>
+          <p:cNvSpPr>
+            <a:spLocks noGrp="1"/>
+          </p:cNvSpPr>
+          <p:nvPr>
+            <p:ph type="ftr" sz="quarter" idx="11"/>
+          </p:nvPr>
+        </p:nvSpPr>
+        <p:spPr/>
+        <p:txBody>
+          <a:bodyPr/>
+          <a:lstStyle/>
+          <a:p>
+            <a:endParaRPr lang="en-DE"/>
+          </a:p>
+        </p:txBody>
+      </p:sp>
+      <p:sp>
+        <p:nvSpPr>
+          <p:cNvPr id="4" name="Slide Number Placeholder 3">
+            <a:extLst>
+              <a:ext uri="{FF2B5EF4-FFF2-40B4-BE49-F238E27FC236}">
+                <a16:creationId xmlns:a16="http://schemas.microsoft.com/office/drawing/2014/main" id="{88C55AC7-EB44-F825-C0F3-B651F10D0AA0}"/>
+              </a:ext>
+            </a:extLst>
+          </p:cNvPr>
+          <p:cNvSpPr>
+            <a:spLocks noGrp="1"/>
+          </p:cNvSpPr>
+          <p:nvPr>
+            <p:ph type="sldNum" sz="quarter" idx="12"/>
+          </p:nvPr>
+        </p:nvSpPr>
+        <p:spPr/>
+        <p:txBody>
+          <a:bodyPr/>
+          <a:lstStyle/>
+          <a:p>
+            <a:fld id="{41BD4223-C428-4A78-BABE-76E4307EAE76}" type="slidenum">
+              <a:rPr lang="en-DE" smtClean="0"/>
+              <a:t>‹#›</a:t>
+            </a:fld>
+            <a:endParaRPr lang="en-DE"/>
+          </a:p>
+        </p:txBody>
+      </p:sp>
+    </p:spTree>
+    <p:extLst>
+      <p:ext uri="{BB962C8B-B14F-4D97-AF65-F5344CB8AC3E}">
+        <p14:creationId xmlns:p14="http://schemas.microsoft.com/office/powerpoint/2010/main" val="445641311"/>
+      </p:ext>
+    </p:extLst>
+  </p:cSld>
+  <p:clrMapOvr>
+    <a:masterClrMapping/>
+  </p:clrMapOvr>
+</p:sldLayout>
+</file>
+
+<file path=ppt/slideLayouts/slideLayout8.xml><?xml version="1.0" encoding="utf-8"?>
+<p:sldLayout xmlns:a="http://schemas.openxmlformats.org/drawingml/2006/main" xmlns:r="http://schemas.openxmlformats.org/officeDocument/2006/relationships" xmlns:p="http://schemas.openxmlformats.org/presentationml/2006/main" type="objTx" preserve="1">
+  <p:cSld name="Content with Caption">
+    <p:spTree>
+      <p:nvGrpSpPr>
+        <p:cNvPr id="1" name=""/>
+        <p:cNvGrpSpPr/>
+        <p:nvPr/>
+      </p:nvGrpSpPr>
+      <p:grpSpPr>
+        <a:xfrm>
+          <a:off x="0" y="0"/>
+          <a:ext cx="0" cy="0"/>
+          <a:chOff x="0" y="0"/>
+          <a:chExt cx="0" cy="0"/>
+        </a:xfrm>
+      </p:grpSpPr>
+      <p:sp>
+        <p:nvSpPr>
+          <p:cNvPr id="2" name="Title 1">
+            <a:extLst>
+              <a:ext uri="{FF2B5EF4-FFF2-40B4-BE49-F238E27FC236}">
+                <a16:creationId xmlns:a16="http://schemas.microsoft.com/office/drawing/2014/main" id="{2ABFDF16-4E47-276A-BC84-84EEAA3B6288}"/>
+              </a:ext>
+            </a:extLst>
+          </p:cNvPr>
+          <p:cNvSpPr>
+            <a:spLocks noGrp="1"/>
+          </p:cNvSpPr>
+          <p:nvPr>
+            <p:ph type="title"/>
+          </p:nvPr>
+        </p:nvSpPr>
+        <p:spPr>
+          <a:xfrm>
+            <a:off x="839788" y="457200"/>
+            <a:ext cx="3932237" cy="1600200"/>
+          </a:xfrm>
+        </p:spPr>
+        <p:txBody>
+          <a:bodyPr anchor="b"/>
+          <a:lstStyle>
+            <a:lvl1pPr>
+              <a:defRPr sz="3200"/>
+            </a:lvl1pPr>
+          </a:lstStyle>
+          <a:p>
+            <a:r>
+              <a:rPr lang="en-US"/>
+              <a:t>Click to edit Master title style</a:t>
+            </a:r>
+            <a:endParaRPr lang="en-DE"/>
+          </a:p>
+        </p:txBody>
+      </p:sp>
+      <p:sp>
+        <p:nvSpPr>
+          <p:cNvPr id="3" name="Content Placeholder 2">
+            <a:extLst>
+              <a:ext uri="{FF2B5EF4-FFF2-40B4-BE49-F238E27FC236}">
+                <a16:creationId xmlns:a16="http://schemas.microsoft.com/office/drawing/2014/main" id="{2BA7EACC-6CD0-2322-335D-26A5D86E6E83}"/>
+              </a:ext>
+            </a:extLst>
+          </p:cNvPr>
+          <p:cNvSpPr>
+            <a:spLocks noGrp="1"/>
+          </p:cNvSpPr>
+          <p:nvPr>
+            <p:ph idx="1"/>
+          </p:nvPr>
+        </p:nvSpPr>
+        <p:spPr>
+          <a:xfrm>
+            <a:off x="5183188" y="987425"/>
+            <a:ext cx="6172200" cy="4873625"/>
+          </a:xfrm>
+        </p:spPr>
+        <p:txBody>
+          <a:bodyPr/>
+          <a:lstStyle>
+            <a:lvl1pPr>
+              <a:defRPr sz="3200"/>
+            </a:lvl1pPr>
+            <a:lvl2pPr>
+              <a:defRPr sz="2800"/>
+            </a:lvl2pPr>
+            <a:lvl3pPr>
+              <a:defRPr sz="2400"/>
+            </a:lvl3pPr>
+            <a:lvl4pPr>
+              <a:defRPr sz="2000"/>
+            </a:lvl4pPr>
+            <a:lvl5pPr>
+              <a:defRPr sz="2000"/>
+            </a:lvl5pPr>
+            <a:lvl6pPr>
+              <a:defRPr sz="2000"/>
+            </a:lvl6pPr>
+            <a:lvl7pPr>
+              <a:defRPr sz="2000"/>
+            </a:lvl7pPr>
+            <a:lvl8pPr>
+              <a:defRPr sz="2000"/>
+            </a:lvl8pPr>
+            <a:lvl9pPr>
+              <a:defRPr sz="2000"/>
+            </a:lvl9pPr>
+          </a:lstStyle>
+          <a:p>
+            <a:pPr lvl="0"/>
+            <a:r>
+              <a:rPr lang="en-US"/>
+              <a:t>Click to edit Master text styles</a:t>
+            </a:r>
+          </a:p>
+          <a:p>
+            <a:pPr lvl="1"/>
+            <a:r>
+              <a:rPr lang="en-US"/>
+              <a:t>Second level</a:t>
+            </a:r>
+          </a:p>
+          <a:p>
+            <a:pPr lvl="2"/>
+            <a:r>
+              <a:rPr lang="en-US"/>
+              <a:t>Third level</a:t>
+            </a:r>
+          </a:p>
+          <a:p>
+            <a:pPr lvl="3"/>
+            <a:r>
+              <a:rPr lang="en-US"/>
+              <a:t>Fourth level</a:t>
+            </a:r>
+          </a:p>
+          <a:p>
+            <a:pPr lvl="4"/>
+            <a:r>
+              <a:rPr lang="en-US"/>
+              <a:t>Fifth level</a:t>
+            </a:r>
+            <a:endParaRPr lang="en-DE"/>
+          </a:p>
+        </p:txBody>
+      </p:sp>
+      <p:sp>
+        <p:nvSpPr>
+          <p:cNvPr id="4" name="Text Placeholder 3">
+            <a:extLst>
+              <a:ext uri="{FF2B5EF4-FFF2-40B4-BE49-F238E27FC236}">
+                <a16:creationId xmlns:a16="http://schemas.microsoft.com/office/drawing/2014/main" id="{DF42592B-C646-A7B6-E044-AAA72F6CDDC3}"/>
+              </a:ext>
+            </a:extLst>
+          </p:cNvPr>
+          <p:cNvSpPr>
+            <a:spLocks noGrp="1"/>
+          </p:cNvSpPr>
+          <p:nvPr>
+            <p:ph type="body" sz="half" idx="2"/>
+          </p:nvPr>
+        </p:nvSpPr>
+        <p:spPr>
+          <a:xfrm>
+            <a:off x="839788" y="2057400"/>
+            <a:ext cx="3932237" cy="3811588"/>
+          </a:xfrm>
+        </p:spPr>
+        <p:txBody>
+          <a:bodyPr/>
+          <a:lstStyle>
+            <a:lvl1pPr marL="0" indent="0">
+              <a:buNone/>
+              <a:defRPr sz="1600"/>
+            </a:lvl1pPr>
+            <a:lvl2pPr marL="457200" indent="0">
+              <a:buNone/>
+              <a:defRPr sz="1400"/>
+            </a:lvl2pPr>
+            <a:lvl3pPr marL="914400" indent="0">
+              <a:buNone/>
+              <a:defRPr sz="1200"/>
+            </a:lvl3pPr>
+            <a:lvl4pPr marL="1371600" indent="0">
+              <a:buNone/>
+              <a:defRPr sz="1000"/>
+            </a:lvl4pPr>
+            <a:lvl5pPr marL="1828800" indent="0">
+              <a:buNone/>
+              <a:defRPr sz="1000"/>
+            </a:lvl5pPr>
+            <a:lvl6pPr marL="2286000" indent="0">
+              <a:buNone/>
+              <a:defRPr sz="1000"/>
+            </a:lvl6pPr>
+            <a:lvl7pPr marL="2743200" indent="0">
+              <a:buNone/>
+              <a:defRPr sz="1000"/>
+            </a:lvl7pPr>
+            <a:lvl8pPr marL="3200400" indent="0">
+              <a:buNone/>
+              <a:defRPr sz="1000"/>
+            </a:lvl8pPr>
+            <a:lvl9pPr marL="3657600" indent="0">
+              <a:buNone/>
+              <a:defRPr sz="1000"/>
+            </a:lvl9pPr>
+          </a:lstStyle>
+          <a:p>
+            <a:pPr lvl="0"/>
+            <a:r>
+              <a:rPr lang="en-US"/>
+              <a:t>Click to edit Master text styles</a:t>
+            </a:r>
+          </a:p>
+        </p:txBody>
+      </p:sp>
+      <p:sp>
+        <p:nvSpPr>
+          <p:cNvPr id="5" name="Date Placeholder 4">
+            <a:extLst>
+              <a:ext uri="{FF2B5EF4-FFF2-40B4-BE49-F238E27FC236}">
+                <a16:creationId xmlns:a16="http://schemas.microsoft.com/office/drawing/2014/main" id="{21314E5C-87F7-5D79-D60B-B1BC449C6F4A}"/>
+              </a:ext>
+            </a:extLst>
+          </p:cNvPr>
+          <p:cNvSpPr>
+            <a:spLocks noGrp="1"/>
+          </p:cNvSpPr>
+          <p:nvPr>
+            <p:ph type="dt" sz="half" idx="10"/>
+          </p:nvPr>
+        </p:nvSpPr>
+        <p:spPr/>
+        <p:txBody>
+          <a:bodyPr/>
+          <a:lstStyle/>
+          <a:p>
+            <a:fld id="{40E102C9-DE61-4CD8-AC35-112A0980813C}" type="datetimeFigureOut">
+              <a:rPr lang="en-DE" smtClean="0"/>
+              <a:t>28/12/2023</a:t>
+            </a:fld>
+            <a:endParaRPr lang="en-DE"/>
+          </a:p>
+        </p:txBody>
+      </p:sp>
+      <p:sp>
+        <p:nvSpPr>
+          <p:cNvPr id="6" name="Footer Placeholder 5">
+            <a:extLst>
+              <a:ext uri="{FF2B5EF4-FFF2-40B4-BE49-F238E27FC236}">
+                <a16:creationId xmlns:a16="http://schemas.microsoft.com/office/drawing/2014/main" id="{6B9F34A1-783F-2921-39EB-9472C8D82A6F}"/>
+              </a:ext>
+            </a:extLst>
+          </p:cNvPr>
+          <p:cNvSpPr>
+            <a:spLocks noGrp="1"/>
+          </p:cNvSpPr>
+          <p:nvPr>
+            <p:ph type="ftr" sz="quarter" idx="11"/>
+          </p:nvPr>
+        </p:nvSpPr>
+        <p:spPr/>
+        <p:txBody>
+          <a:bodyPr/>
+          <a:lstStyle/>
+          <a:p>
+            <a:endParaRPr lang="en-DE"/>
+          </a:p>
+        </p:txBody>
+      </p:sp>
+      <p:sp>
+        <p:nvSpPr>
+          <p:cNvPr id="7" name="Slide Number Placeholder 6">
+            <a:extLst>
+              <a:ext uri="{FF2B5EF4-FFF2-40B4-BE49-F238E27FC236}">
+                <a16:creationId xmlns:a16="http://schemas.microsoft.com/office/drawing/2014/main" id="{537AA442-E98D-11FF-3C0A-97B6B4312E7A}"/>
+              </a:ext>
+            </a:extLst>
+          </p:cNvPr>
+          <p:cNvSpPr>
+            <a:spLocks noGrp="1"/>
+          </p:cNvSpPr>
+          <p:nvPr>
+            <p:ph type="sldNum" sz="quarter" idx="12"/>
+          </p:nvPr>
+        </p:nvSpPr>
+        <p:spPr/>
+        <p:txBody>
+          <a:bodyPr/>
+          <a:lstStyle/>
+          <a:p>
+            <a:fld id="{41BD4223-C428-4A78-BABE-76E4307EAE76}" type="slidenum">
+              <a:rPr lang="en-DE" smtClean="0"/>
+              <a:t>‹#›</a:t>
+            </a:fld>
+            <a:endParaRPr lang="en-DE"/>
+          </a:p>
+        </p:txBody>
+      </p:sp>
+    </p:spTree>
+    <p:extLst>
+      <p:ext uri="{BB962C8B-B14F-4D97-AF65-F5344CB8AC3E}">
+        <p14:creationId xmlns:p14="http://schemas.microsoft.com/office/powerpoint/2010/main" val="315280199"/>
+      </p:ext>
+    </p:extLst>
+  </p:cSld>
+  <p:clrMapOvr>
+    <a:masterClrMapping/>
+  </p:clrMapOvr>
+</p:sldLayout>
+</file>
+
+<file path=ppt/slideLayouts/slideLayout9.xml><?xml version="1.0" encoding="utf-8"?>
+<p:sldLayout xmlns:a="http://schemas.openxmlformats.org/drawingml/2006/main" xmlns:r="http://schemas.openxmlformats.org/officeDocument/2006/relationships" xmlns:p="http://schemas.openxmlformats.org/presentationml/2006/main" type="picTx" preserve="1">
+  <p:cSld name="Picture with Caption">
+    <p:spTree>
+      <p:nvGrpSpPr>
+        <p:cNvPr id="1" name=""/>
+        <p:cNvGrpSpPr/>
+        <p:nvPr/>
+      </p:nvGrpSpPr>
+      <p:grpSpPr>
+        <a:xfrm>
+          <a:off x="0" y="0"/>
+          <a:ext cx="0" cy="0"/>
+          <a:chOff x="0" y="0"/>
+          <a:chExt cx="0" cy="0"/>
+        </a:xfrm>
+      </p:grpSpPr>
+      <p:sp>
+        <p:nvSpPr>
+          <p:cNvPr id="2" name="Title 1">
+            <a:extLst>
+              <a:ext uri="{FF2B5EF4-FFF2-40B4-BE49-F238E27FC236}">
+                <a16:creationId xmlns:a16="http://schemas.microsoft.com/office/drawing/2014/main" id="{C9AC7ECC-500E-E948-CE54-A0F50E1D65FA}"/>
+              </a:ext>
+            </a:extLst>
+          </p:cNvPr>
+          <p:cNvSpPr>
+            <a:spLocks noGrp="1"/>
+          </p:cNvSpPr>
+          <p:nvPr>
+            <p:ph type="title"/>
+          </p:nvPr>
+        </p:nvSpPr>
+        <p:spPr>
+          <a:xfrm>
+            <a:off x="839788" y="457200"/>
+            <a:ext cx="3932237" cy="1600200"/>
+          </a:xfrm>
+        </p:spPr>
+        <p:txBody>
+          <a:bodyPr anchor="b"/>
+          <a:lstStyle>
+            <a:lvl1pPr>
+              <a:defRPr sz="3200"/>
+            </a:lvl1pPr>
+          </a:lstStyle>
+          <a:p>
+            <a:r>
+              <a:rPr lang="en-US"/>
+              <a:t>Click to edit Master title style</a:t>
+            </a:r>
+            <a:endParaRPr lang="en-DE"/>
+          </a:p>
+        </p:txBody>
+      </p:sp>
+      <p:sp>
+        <p:nvSpPr>
+          <p:cNvPr id="3" name="Picture Placeholder 2">
+            <a:extLst>
+              <a:ext uri="{FF2B5EF4-FFF2-40B4-BE49-F238E27FC236}">
+                <a16:creationId xmlns:a16="http://schemas.microsoft.com/office/drawing/2014/main" id="{663F17E9-FDE1-1EC4-123C-2D2AF747F139}"/>
+              </a:ext>
+            </a:extLst>
+          </p:cNvPr>
+          <p:cNvSpPr>
+            <a:spLocks noGrp="1"/>
+          </p:cNvSpPr>
+          <p:nvPr>
+            <p:ph type="pic" idx="1"/>
+          </p:nvPr>
+        </p:nvSpPr>
+        <p:spPr>
+          <a:xfrm>
+            <a:off x="5183188" y="987425"/>
+            <a:ext cx="6172200" cy="4873625"/>
+          </a:xfrm>
+        </p:spPr>
+        <p:txBody>
+          <a:bodyPr/>
+          <a:lstStyle>
+            <a:lvl1pPr marL="0" indent="0">
+              <a:buNone/>
+              <a:defRPr sz="3200"/>
+            </a:lvl1pPr>
+            <a:lvl2pPr marL="457200" indent="0">
+              <a:buNone/>
+              <a:defRPr sz="2800"/>
+            </a:lvl2pPr>
+            <a:lvl3pPr marL="914400" indent="0">
+              <a:buNone/>
+              <a:defRPr sz="2400"/>
+            </a:lvl3pPr>
+            <a:lvl4pPr marL="1371600" indent="0">
+              <a:buNone/>
+              <a:defRPr sz="2000"/>
+            </a:lvl4pPr>
+            <a:lvl5pPr marL="1828800" indent="0">
+              <a:buNone/>
+              <a:defRPr sz="2000"/>
+            </a:lvl5pPr>
+            <a:lvl6pPr marL="2286000" indent="0">
+              <a:buNone/>
+              <a:defRPr sz="2000"/>
+            </a:lvl6pPr>
+            <a:lvl7pPr marL="2743200" indent="0">
+              <a:buNone/>
+              <a:defRPr sz="2000"/>
+            </a:lvl7pPr>
+            <a:lvl8pPr marL="3200400" indent="0">
+              <a:buNone/>
+              <a:defRPr sz="2000"/>
+            </a:lvl8pPr>
+            <a:lvl9pPr marL="3657600" indent="0">
+              <a:buNone/>
+              <a:defRPr sz="2000"/>
+            </a:lvl9pPr>
+          </a:lstStyle>
+          <a:p>
+            <a:endParaRPr lang="en-DE"/>
+          </a:p>
+        </p:txBody>
+      </p:sp>
+      <p:sp>
+        <p:nvSpPr>
+          <p:cNvPr id="4" name="Text Placeholder 3">
+            <a:extLst>
+              <a:ext uri="{FF2B5EF4-FFF2-40B4-BE49-F238E27FC236}">
+                <a16:creationId xmlns:a16="http://schemas.microsoft.com/office/drawing/2014/main" id="{7060B540-D152-5B03-C116-8EF11DB7E7AD}"/>
+              </a:ext>
+            </a:extLst>
+          </p:cNvPr>
+          <p:cNvSpPr>
+            <a:spLocks noGrp="1"/>
+          </p:cNvSpPr>
+          <p:nvPr>
+            <p:ph type="body" sz="half" idx="2"/>
+          </p:nvPr>
+        </p:nvSpPr>
+        <p:spPr>
+          <a:xfrm>
+            <a:off x="839788" y="2057400"/>
+            <a:ext cx="3932237" cy="3811588"/>
+          </a:xfrm>
+        </p:spPr>
+        <p:txBody>
+          <a:bodyPr/>
+          <a:lstStyle>
+            <a:lvl1pPr marL="0" indent="0">
+              <a:buNone/>
+              <a:defRPr sz="1600"/>
+            </a:lvl1pPr>
+            <a:lvl2pPr marL="457200" indent="0">
+              <a:buNone/>
+              <a:defRPr sz="1400"/>
+            </a:lvl2pPr>
+            <a:lvl3pPr marL="914400" indent="0">
+              <a:buNone/>
+              <a:defRPr sz="1200"/>
+            </a:lvl3pPr>
+            <a:lvl4pPr marL="1371600" indent="0">
+              <a:buNone/>
+              <a:defRPr sz="1000"/>
+            </a:lvl4pPr>
+            <a:lvl5pPr marL="1828800" indent="0">
+              <a:buNone/>
+              <a:defRPr sz="1000"/>
+            </a:lvl5pPr>
+            <a:lvl6pPr marL="2286000" indent="0">
+              <a:buNone/>
+              <a:defRPr sz="1000"/>
+            </a:lvl6pPr>
+            <a:lvl7pPr marL="2743200" indent="0">
+              <a:buNone/>
+              <a:defRPr sz="1000"/>
+            </a:lvl7pPr>
+            <a:lvl8pPr marL="3200400" indent="0">
+              <a:buNone/>
+              <a:defRPr sz="1000"/>
+            </a:lvl8pPr>
+            <a:lvl9pPr marL="3657600" indent="0">
+              <a:buNone/>
+              <a:defRPr sz="1000"/>
+            </a:lvl9pPr>
+          </a:lstStyle>
+          <a:p>
+            <a:pPr lvl="0"/>
+            <a:r>
+              <a:rPr lang="en-US"/>
+              <a:t>Click to edit Master text styles</a:t>
+            </a:r>
+          </a:p>
+        </p:txBody>
+      </p:sp>
+      <p:sp>
+        <p:nvSpPr>
+          <p:cNvPr id="5" name="Date Placeholder 4">
+            <a:extLst>
+              <a:ext uri="{FF2B5EF4-FFF2-40B4-BE49-F238E27FC236}">
+                <a16:creationId xmlns:a16="http://schemas.microsoft.com/office/drawing/2014/main" id="{6A779D09-FE91-5314-23CD-6F9F47375AEA}"/>
+              </a:ext>
+            </a:extLst>
+          </p:cNvPr>
+          <p:cNvSpPr>
+            <a:spLocks noGrp="1"/>
+          </p:cNvSpPr>
+          <p:nvPr>
+            <p:ph type="dt" sz="half" idx="10"/>
+          </p:nvPr>
+        </p:nvSpPr>
+        <p:spPr/>
+        <p:txBody>
+          <a:bodyPr/>
+          <a:lstStyle/>
+          <a:p>
+            <a:fld id="{40E102C9-DE61-4CD8-AC35-112A0980813C}" type="datetimeFigureOut">
+              <a:rPr lang="en-DE" smtClean="0"/>
+              <a:t>28/12/2023</a:t>
             </a:fld>
             <a:endParaRPr lang="en-DE"/>
           </a:p>
@@ -2930,7 +5580,7 @@
           <a:p>
             <a:fld id="{40E102C9-DE61-4CD8-AC35-112A0980813C}" type="datetimeFigureOut">
               <a:rPr lang="en-DE" smtClean="0"/>
-              <a:t>18/12/2023</a:t>
+              <a:t>28/12/2023</a:t>
             </a:fld>
             <a:endParaRPr lang="en-DE"/>
           </a:p>
@@ -3330,6 +5980,576 @@
 </p:sldMaster>
 </file>
 
+<file path=ppt/slideMasters/slideMaster2.xml><?xml version="1.0" encoding="utf-8"?>
+<p:sldMaster xmlns:a="http://schemas.openxmlformats.org/drawingml/2006/main" xmlns:r="http://schemas.openxmlformats.org/officeDocument/2006/relationships" xmlns:p="http://schemas.openxmlformats.org/presentationml/2006/main">
+  <p:cSld>
+    <p:bg>
+      <p:bgRef idx="1001">
+        <a:schemeClr val="bg1"/>
+      </p:bgRef>
+    </p:bg>
+    <p:spTree>
+      <p:nvGrpSpPr>
+        <p:cNvPr id="1" name=""/>
+        <p:cNvGrpSpPr/>
+        <p:nvPr/>
+      </p:nvGrpSpPr>
+      <p:grpSpPr>
+        <a:xfrm>
+          <a:off x="0" y="0"/>
+          <a:ext cx="0" cy="0"/>
+          <a:chOff x="0" y="0"/>
+          <a:chExt cx="0" cy="0"/>
+        </a:xfrm>
+      </p:grpSpPr>
+      <p:sp>
+        <p:nvSpPr>
+          <p:cNvPr id="2" name="Title Placeholder 1">
+            <a:extLst>
+              <a:ext uri="{FF2B5EF4-FFF2-40B4-BE49-F238E27FC236}">
+                <a16:creationId xmlns:a16="http://schemas.microsoft.com/office/drawing/2014/main" id="{99234024-43FE-451F-8315-66F6ADCC2472}"/>
+              </a:ext>
+            </a:extLst>
+          </p:cNvPr>
+          <p:cNvSpPr>
+            <a:spLocks noGrp="1"/>
+          </p:cNvSpPr>
+          <p:nvPr>
+            <p:ph type="title"/>
+          </p:nvPr>
+        </p:nvSpPr>
+        <p:spPr>
+          <a:xfrm>
+            <a:off x="838200" y="365125"/>
+            <a:ext cx="10515600" cy="1325563"/>
+          </a:xfrm>
+          <a:prstGeom prst="rect">
+            <a:avLst/>
+          </a:prstGeom>
+        </p:spPr>
+        <p:txBody>
+          <a:bodyPr vert="horz" lIns="91440" tIns="45720" rIns="91440" bIns="45720" rtlCol="0" anchor="ctr">
+            <a:normAutofit/>
+          </a:bodyPr>
+          <a:lstStyle/>
+          <a:p>
+            <a:r>
+              <a:rPr lang="en-US"/>
+              <a:t>Click to edit Master title style</a:t>
+            </a:r>
+            <a:endParaRPr lang="en-DE"/>
+          </a:p>
+        </p:txBody>
+      </p:sp>
+      <p:sp>
+        <p:nvSpPr>
+          <p:cNvPr id="3" name="Text Placeholder 2">
+            <a:extLst>
+              <a:ext uri="{FF2B5EF4-FFF2-40B4-BE49-F238E27FC236}">
+                <a16:creationId xmlns:a16="http://schemas.microsoft.com/office/drawing/2014/main" id="{CDB497C7-12EB-4B3F-8EC7-37C3875C0D4B}"/>
+              </a:ext>
+            </a:extLst>
+          </p:cNvPr>
+          <p:cNvSpPr>
+            <a:spLocks noGrp="1"/>
+          </p:cNvSpPr>
+          <p:nvPr>
+            <p:ph type="body" idx="1"/>
+          </p:nvPr>
+        </p:nvSpPr>
+        <p:spPr>
+          <a:xfrm>
+            <a:off x="838200" y="1825625"/>
+            <a:ext cx="10515600" cy="4351338"/>
+          </a:xfrm>
+          <a:prstGeom prst="rect">
+            <a:avLst/>
+          </a:prstGeom>
+        </p:spPr>
+        <p:txBody>
+          <a:bodyPr vert="horz" lIns="91440" tIns="45720" rIns="91440" bIns="45720" rtlCol="0">
+            <a:normAutofit/>
+          </a:bodyPr>
+          <a:lstStyle/>
+          <a:p>
+            <a:pPr lvl="0"/>
+            <a:r>
+              <a:rPr lang="en-US"/>
+              <a:t>Click to edit Master text styles</a:t>
+            </a:r>
+          </a:p>
+          <a:p>
+            <a:pPr lvl="1"/>
+            <a:r>
+              <a:rPr lang="en-US"/>
+              <a:t>Second level</a:t>
+            </a:r>
+          </a:p>
+          <a:p>
+            <a:pPr lvl="2"/>
+            <a:r>
+              <a:rPr lang="en-US"/>
+              <a:t>Third level</a:t>
+            </a:r>
+          </a:p>
+          <a:p>
+            <a:pPr lvl="3"/>
+            <a:r>
+              <a:rPr lang="en-US"/>
+              <a:t>Fourth level</a:t>
+            </a:r>
+          </a:p>
+          <a:p>
+            <a:pPr lvl="4"/>
+            <a:r>
+              <a:rPr lang="en-US"/>
+              <a:t>Fifth level</a:t>
+            </a:r>
+            <a:endParaRPr lang="en-DE"/>
+          </a:p>
+        </p:txBody>
+      </p:sp>
+      <p:sp>
+        <p:nvSpPr>
+          <p:cNvPr id="4" name="Date Placeholder 3">
+            <a:extLst>
+              <a:ext uri="{FF2B5EF4-FFF2-40B4-BE49-F238E27FC236}">
+                <a16:creationId xmlns:a16="http://schemas.microsoft.com/office/drawing/2014/main" id="{6E3B80CD-E575-4443-9200-B9E408C1FCB5}"/>
+              </a:ext>
+            </a:extLst>
+          </p:cNvPr>
+          <p:cNvSpPr>
+            <a:spLocks noGrp="1"/>
+          </p:cNvSpPr>
+          <p:nvPr>
+            <p:ph type="dt" sz="half" idx="2"/>
+          </p:nvPr>
+        </p:nvSpPr>
+        <p:spPr>
+          <a:xfrm>
+            <a:off x="838200" y="6356350"/>
+            <a:ext cx="2743200" cy="365125"/>
+          </a:xfrm>
+          <a:prstGeom prst="rect">
+            <a:avLst/>
+          </a:prstGeom>
+        </p:spPr>
+        <p:txBody>
+          <a:bodyPr vert="horz" lIns="91440" tIns="45720" rIns="91440" bIns="45720" rtlCol="0" anchor="ctr"/>
+          <a:lstStyle>
+            <a:lvl1pPr algn="l">
+              <a:defRPr sz="1200">
+                <a:solidFill>
+                  <a:schemeClr val="tx1">
+                    <a:tint val="75000"/>
+                  </a:schemeClr>
+                </a:solidFill>
+              </a:defRPr>
+            </a:lvl1pPr>
+          </a:lstStyle>
+          <a:p>
+            <a:fld id="{EB039409-FB4B-41E9-B6A1-019319F84CB5}" type="datetimeFigureOut">
+              <a:rPr lang="en-DE" smtClean="0"/>
+              <a:t>28/12/2023</a:t>
+            </a:fld>
+            <a:endParaRPr lang="en-DE"/>
+          </a:p>
+        </p:txBody>
+      </p:sp>
+      <p:sp>
+        <p:nvSpPr>
+          <p:cNvPr id="5" name="Footer Placeholder 4">
+            <a:extLst>
+              <a:ext uri="{FF2B5EF4-FFF2-40B4-BE49-F238E27FC236}">
+                <a16:creationId xmlns:a16="http://schemas.microsoft.com/office/drawing/2014/main" id="{B0266008-9FB2-4384-8E17-1FA2AAE1DC03}"/>
+              </a:ext>
+            </a:extLst>
+          </p:cNvPr>
+          <p:cNvSpPr>
+            <a:spLocks noGrp="1"/>
+          </p:cNvSpPr>
+          <p:nvPr>
+            <p:ph type="ftr" sz="quarter" idx="3"/>
+          </p:nvPr>
+        </p:nvSpPr>
+        <p:spPr>
+          <a:xfrm>
+            <a:off x="4038600" y="6356350"/>
+            <a:ext cx="4114800" cy="365125"/>
+          </a:xfrm>
+          <a:prstGeom prst="rect">
+            <a:avLst/>
+          </a:prstGeom>
+        </p:spPr>
+        <p:txBody>
+          <a:bodyPr vert="horz" lIns="91440" tIns="45720" rIns="91440" bIns="45720" rtlCol="0" anchor="ctr"/>
+          <a:lstStyle>
+            <a:lvl1pPr algn="ctr">
+              <a:defRPr sz="1200">
+                <a:solidFill>
+                  <a:schemeClr val="tx1">
+                    <a:tint val="75000"/>
+                  </a:schemeClr>
+                </a:solidFill>
+              </a:defRPr>
+            </a:lvl1pPr>
+          </a:lstStyle>
+          <a:p>
+            <a:endParaRPr lang="en-DE"/>
+          </a:p>
+        </p:txBody>
+      </p:sp>
+      <p:sp>
+        <p:nvSpPr>
+          <p:cNvPr id="6" name="Slide Number Placeholder 5">
+            <a:extLst>
+              <a:ext uri="{FF2B5EF4-FFF2-40B4-BE49-F238E27FC236}">
+                <a16:creationId xmlns:a16="http://schemas.microsoft.com/office/drawing/2014/main" id="{05054381-825A-4733-879C-24B9150EE443}"/>
+              </a:ext>
+            </a:extLst>
+          </p:cNvPr>
+          <p:cNvSpPr>
+            <a:spLocks noGrp="1"/>
+          </p:cNvSpPr>
+          <p:nvPr>
+            <p:ph type="sldNum" sz="quarter" idx="4"/>
+          </p:nvPr>
+        </p:nvSpPr>
+        <p:spPr>
+          <a:xfrm>
+            <a:off x="8610600" y="6356350"/>
+            <a:ext cx="2743200" cy="365125"/>
+          </a:xfrm>
+          <a:prstGeom prst="rect">
+            <a:avLst/>
+          </a:prstGeom>
+        </p:spPr>
+        <p:txBody>
+          <a:bodyPr vert="horz" lIns="91440" tIns="45720" rIns="91440" bIns="45720" rtlCol="0" anchor="ctr"/>
+          <a:lstStyle>
+            <a:lvl1pPr algn="r">
+              <a:defRPr sz="1200">
+                <a:solidFill>
+                  <a:schemeClr val="tx1">
+                    <a:tint val="75000"/>
+                  </a:schemeClr>
+                </a:solidFill>
+              </a:defRPr>
+            </a:lvl1pPr>
+          </a:lstStyle>
+          <a:p>
+            <a:fld id="{E9CA4D14-D3C8-47E6-82C6-C0A139CB5314}" type="slidenum">
+              <a:rPr lang="en-DE" smtClean="0"/>
+              <a:t>‹#›</a:t>
+            </a:fld>
+            <a:endParaRPr lang="en-DE"/>
+          </a:p>
+        </p:txBody>
+      </p:sp>
+    </p:spTree>
+    <p:extLst>
+      <p:ext uri="{BB962C8B-B14F-4D97-AF65-F5344CB8AC3E}">
+        <p14:creationId xmlns:p14="http://schemas.microsoft.com/office/powerpoint/2010/main" val="3261415006"/>
+      </p:ext>
+    </p:extLst>
+  </p:cSld>
+  <p:clrMap bg1="lt1" tx1="dk1" bg2="lt2" tx2="dk2" accent1="accent1" accent2="accent2" accent3="accent3" accent4="accent4" accent5="accent5" accent6="accent6" hlink="hlink" folHlink="folHlink"/>
+  <p:sldLayoutIdLst>
+    <p:sldLayoutId id="2147483661" r:id="rId1"/>
+    <p:sldLayoutId id="2147483662" r:id="rId2"/>
+    <p:sldLayoutId id="2147483663" r:id="rId3"/>
+    <p:sldLayoutId id="2147483664" r:id="rId4"/>
+    <p:sldLayoutId id="2147483665" r:id="rId5"/>
+    <p:sldLayoutId id="2147483666" r:id="rId6"/>
+    <p:sldLayoutId id="2147483667" r:id="rId7"/>
+    <p:sldLayoutId id="2147483668" r:id="rId8"/>
+    <p:sldLayoutId id="2147483669" r:id="rId9"/>
+    <p:sldLayoutId id="2147483670" r:id="rId10"/>
+    <p:sldLayoutId id="2147483671" r:id="rId11"/>
+  </p:sldLayoutIdLst>
+  <p:txStyles>
+    <p:titleStyle>
+      <a:lvl1pPr algn="l" defTabSz="914400" rtl="0" eaLnBrk="1" latinLnBrk="0" hangingPunct="1">
+        <a:lnSpc>
+          <a:spcPct val="90000"/>
+        </a:lnSpc>
+        <a:spcBef>
+          <a:spcPct val="0"/>
+        </a:spcBef>
+        <a:buNone/>
+        <a:defRPr sz="4400" kern="1200">
+          <a:solidFill>
+            <a:schemeClr val="tx1"/>
+          </a:solidFill>
+          <a:latin typeface="+mj-lt"/>
+          <a:ea typeface="+mj-ea"/>
+          <a:cs typeface="+mj-cs"/>
+        </a:defRPr>
+      </a:lvl1pPr>
+    </p:titleStyle>
+    <p:bodyStyle>
+      <a:lvl1pPr marL="228600" indent="-228600" algn="l" defTabSz="914400" rtl="0" eaLnBrk="1" latinLnBrk="0" hangingPunct="1">
+        <a:lnSpc>
+          <a:spcPct val="90000"/>
+        </a:lnSpc>
+        <a:spcBef>
+          <a:spcPts val="1000"/>
+        </a:spcBef>
+        <a:buFont typeface="Arial" panose="020B0604020202020204" pitchFamily="34" charset="0"/>
+        <a:buChar char="•"/>
+        <a:defRPr sz="2800" kern="1200">
+          <a:solidFill>
+            <a:schemeClr val="tx1"/>
+          </a:solidFill>
+          <a:latin typeface="+mn-lt"/>
+          <a:ea typeface="+mn-ea"/>
+          <a:cs typeface="+mn-cs"/>
+        </a:defRPr>
+      </a:lvl1pPr>
+      <a:lvl2pPr marL="685800" indent="-228600" algn="l" defTabSz="914400" rtl="0" eaLnBrk="1" latinLnBrk="0" hangingPunct="1">
+        <a:lnSpc>
+          <a:spcPct val="90000"/>
+        </a:lnSpc>
+        <a:spcBef>
+          <a:spcPts val="500"/>
+        </a:spcBef>
+        <a:buFont typeface="Arial" panose="020B0604020202020204" pitchFamily="34" charset="0"/>
+        <a:buChar char="•"/>
+        <a:defRPr sz="2400" kern="1200">
+          <a:solidFill>
+            <a:schemeClr val="tx1"/>
+          </a:solidFill>
+          <a:latin typeface="+mn-lt"/>
+          <a:ea typeface="+mn-ea"/>
+          <a:cs typeface="+mn-cs"/>
+        </a:defRPr>
+      </a:lvl2pPr>
+      <a:lvl3pPr marL="1143000" indent="-228600" algn="l" defTabSz="914400" rtl="0" eaLnBrk="1" latinLnBrk="0" hangingPunct="1">
+        <a:lnSpc>
+          <a:spcPct val="90000"/>
+        </a:lnSpc>
+        <a:spcBef>
+          <a:spcPts val="500"/>
+        </a:spcBef>
+        <a:buFont typeface="Arial" panose="020B0604020202020204" pitchFamily="34" charset="0"/>
+        <a:buChar char="•"/>
+        <a:defRPr sz="2000" kern="1200">
+          <a:solidFill>
+            <a:schemeClr val="tx1"/>
+          </a:solidFill>
+          <a:latin typeface="+mn-lt"/>
+          <a:ea typeface="+mn-ea"/>
+          <a:cs typeface="+mn-cs"/>
+        </a:defRPr>
+      </a:lvl3pPr>
+      <a:lvl4pPr marL="1600200" indent="-228600" algn="l" defTabSz="914400" rtl="0" eaLnBrk="1" latinLnBrk="0" hangingPunct="1">
+        <a:lnSpc>
+          <a:spcPct val="90000"/>
+        </a:lnSpc>
+        <a:spcBef>
+          <a:spcPts val="500"/>
+        </a:spcBef>
+        <a:buFont typeface="Arial" panose="020B0604020202020204" pitchFamily="34" charset="0"/>
+        <a:buChar char="•"/>
+        <a:defRPr sz="1800" kern="1200">
+          <a:solidFill>
+            <a:schemeClr val="tx1"/>
+          </a:solidFill>
+          <a:latin typeface="+mn-lt"/>
+          <a:ea typeface="+mn-ea"/>
+          <a:cs typeface="+mn-cs"/>
+        </a:defRPr>
+      </a:lvl4pPr>
+      <a:lvl5pPr marL="2057400" indent="-228600" algn="l" defTabSz="914400" rtl="0" eaLnBrk="1" latinLnBrk="0" hangingPunct="1">
+        <a:lnSpc>
+          <a:spcPct val="90000"/>
+        </a:lnSpc>
+        <a:spcBef>
+          <a:spcPts val="500"/>
+        </a:spcBef>
+        <a:buFont typeface="Arial" panose="020B0604020202020204" pitchFamily="34" charset="0"/>
+        <a:buChar char="•"/>
+        <a:defRPr sz="1800" kern="1200">
+          <a:solidFill>
+            <a:schemeClr val="tx1"/>
+          </a:solidFill>
+          <a:latin typeface="+mn-lt"/>
+          <a:ea typeface="+mn-ea"/>
+          <a:cs typeface="+mn-cs"/>
+        </a:defRPr>
+      </a:lvl5pPr>
+      <a:lvl6pPr marL="2514600" indent="-228600" algn="l" defTabSz="914400" rtl="0" eaLnBrk="1" latinLnBrk="0" hangingPunct="1">
+        <a:lnSpc>
+          <a:spcPct val="90000"/>
+        </a:lnSpc>
+        <a:spcBef>
+          <a:spcPts val="500"/>
+        </a:spcBef>
+        <a:buFont typeface="Arial" panose="020B0604020202020204" pitchFamily="34" charset="0"/>
+        <a:buChar char="•"/>
+        <a:defRPr sz="1800" kern="1200">
+          <a:solidFill>
+            <a:schemeClr val="tx1"/>
+          </a:solidFill>
+          <a:latin typeface="+mn-lt"/>
+          <a:ea typeface="+mn-ea"/>
+          <a:cs typeface="+mn-cs"/>
+        </a:defRPr>
+      </a:lvl6pPr>
+      <a:lvl7pPr marL="2971800" indent="-228600" algn="l" defTabSz="914400" rtl="0" eaLnBrk="1" latinLnBrk="0" hangingPunct="1">
+        <a:lnSpc>
+          <a:spcPct val="90000"/>
+        </a:lnSpc>
+        <a:spcBef>
+          <a:spcPts val="500"/>
+        </a:spcBef>
+        <a:buFont typeface="Arial" panose="020B0604020202020204" pitchFamily="34" charset="0"/>
+        <a:buChar char="•"/>
+        <a:defRPr sz="1800" kern="1200">
+          <a:solidFill>
+            <a:schemeClr val="tx1"/>
+          </a:solidFill>
+          <a:latin typeface="+mn-lt"/>
+          <a:ea typeface="+mn-ea"/>
+          <a:cs typeface="+mn-cs"/>
+        </a:defRPr>
+      </a:lvl7pPr>
+      <a:lvl8pPr marL="3429000" indent="-228600" algn="l" defTabSz="914400" rtl="0" eaLnBrk="1" latinLnBrk="0" hangingPunct="1">
+        <a:lnSpc>
+          <a:spcPct val="90000"/>
+        </a:lnSpc>
+        <a:spcBef>
+          <a:spcPts val="500"/>
+        </a:spcBef>
+        <a:buFont typeface="Arial" panose="020B0604020202020204" pitchFamily="34" charset="0"/>
+        <a:buChar char="•"/>
+        <a:defRPr sz="1800" kern="1200">
+          <a:solidFill>
+            <a:schemeClr val="tx1"/>
+          </a:solidFill>
+          <a:latin typeface="+mn-lt"/>
+          <a:ea typeface="+mn-ea"/>
+          <a:cs typeface="+mn-cs"/>
+        </a:defRPr>
+      </a:lvl8pPr>
+      <a:lvl9pPr marL="3886200" indent="-228600" algn="l" defTabSz="914400" rtl="0" eaLnBrk="1" latinLnBrk="0" hangingPunct="1">
+        <a:lnSpc>
+          <a:spcPct val="90000"/>
+        </a:lnSpc>
+        <a:spcBef>
+          <a:spcPts val="500"/>
+        </a:spcBef>
+        <a:buFont typeface="Arial" panose="020B0604020202020204" pitchFamily="34" charset="0"/>
+        <a:buChar char="•"/>
+        <a:defRPr sz="1800" kern="1200">
+          <a:solidFill>
+            <a:schemeClr val="tx1"/>
+          </a:solidFill>
+          <a:latin typeface="+mn-lt"/>
+          <a:ea typeface="+mn-ea"/>
+          <a:cs typeface="+mn-cs"/>
+        </a:defRPr>
+      </a:lvl9pPr>
+    </p:bodyStyle>
+    <p:otherStyle>
+      <a:defPPr>
+        <a:defRPr lang="en-DE"/>
+      </a:defPPr>
+      <a:lvl1pPr marL="0" algn="l" defTabSz="914400" rtl="0" eaLnBrk="1" latinLnBrk="0" hangingPunct="1">
+        <a:defRPr sz="1800" kern="1200">
+          <a:solidFill>
+            <a:schemeClr val="tx1"/>
+          </a:solidFill>
+          <a:latin typeface="+mn-lt"/>
+          <a:ea typeface="+mn-ea"/>
+          <a:cs typeface="+mn-cs"/>
+        </a:defRPr>
+      </a:lvl1pPr>
+      <a:lvl2pPr marL="457200" algn="l" defTabSz="914400" rtl="0" eaLnBrk="1" latinLnBrk="0" hangingPunct="1">
+        <a:defRPr sz="1800" kern="1200">
+          <a:solidFill>
+            <a:schemeClr val="tx1"/>
+          </a:solidFill>
+          <a:latin typeface="+mn-lt"/>
+          <a:ea typeface="+mn-ea"/>
+          <a:cs typeface="+mn-cs"/>
+        </a:defRPr>
+      </a:lvl2pPr>
+      <a:lvl3pPr marL="914400" algn="l" defTabSz="914400" rtl="0" eaLnBrk="1" latinLnBrk="0" hangingPunct="1">
+        <a:defRPr sz="1800" kern="1200">
+          <a:solidFill>
+            <a:schemeClr val="tx1"/>
+          </a:solidFill>
+          <a:latin typeface="+mn-lt"/>
+          <a:ea typeface="+mn-ea"/>
+          <a:cs typeface="+mn-cs"/>
+        </a:defRPr>
+      </a:lvl3pPr>
+      <a:lvl4pPr marL="1371600" algn="l" defTabSz="914400" rtl="0" eaLnBrk="1" latinLnBrk="0" hangingPunct="1">
+        <a:defRPr sz="1800" kern="1200">
+          <a:solidFill>
+            <a:schemeClr val="tx1"/>
+          </a:solidFill>
+          <a:latin typeface="+mn-lt"/>
+          <a:ea typeface="+mn-ea"/>
+          <a:cs typeface="+mn-cs"/>
+        </a:defRPr>
+      </a:lvl4pPr>
+      <a:lvl5pPr marL="1828800" algn="l" defTabSz="914400" rtl="0" eaLnBrk="1" latinLnBrk="0" hangingPunct="1">
+        <a:defRPr sz="1800" kern="1200">
+          <a:solidFill>
+            <a:schemeClr val="tx1"/>
+          </a:solidFill>
+          <a:latin typeface="+mn-lt"/>
+          <a:ea typeface="+mn-ea"/>
+          <a:cs typeface="+mn-cs"/>
+        </a:defRPr>
+      </a:lvl5pPr>
+      <a:lvl6pPr marL="2286000" algn="l" defTabSz="914400" rtl="0" eaLnBrk="1" latinLnBrk="0" hangingPunct="1">
+        <a:defRPr sz="1800" kern="1200">
+          <a:solidFill>
+            <a:schemeClr val="tx1"/>
+          </a:solidFill>
+          <a:latin typeface="+mn-lt"/>
+          <a:ea typeface="+mn-ea"/>
+          <a:cs typeface="+mn-cs"/>
+        </a:defRPr>
+      </a:lvl6pPr>
+      <a:lvl7pPr marL="2743200" algn="l" defTabSz="914400" rtl="0" eaLnBrk="1" latinLnBrk="0" hangingPunct="1">
+        <a:defRPr sz="1800" kern="1200">
+          <a:solidFill>
+            <a:schemeClr val="tx1"/>
+          </a:solidFill>
+          <a:latin typeface="+mn-lt"/>
+          <a:ea typeface="+mn-ea"/>
+          <a:cs typeface="+mn-cs"/>
+        </a:defRPr>
+      </a:lvl7pPr>
+      <a:lvl8pPr marL="3200400" algn="l" defTabSz="914400" rtl="0" eaLnBrk="1" latinLnBrk="0" hangingPunct="1">
+        <a:defRPr sz="1800" kern="1200">
+          <a:solidFill>
+            <a:schemeClr val="tx1"/>
+          </a:solidFill>
+          <a:latin typeface="+mn-lt"/>
+          <a:ea typeface="+mn-ea"/>
+          <a:cs typeface="+mn-cs"/>
+        </a:defRPr>
+      </a:lvl8pPr>
+      <a:lvl9pPr marL="3657600" algn="l" defTabSz="914400" rtl="0" eaLnBrk="1" latinLnBrk="0" hangingPunct="1">
+        <a:defRPr sz="1800" kern="1200">
+          <a:solidFill>
+            <a:schemeClr val="tx1"/>
+          </a:solidFill>
+          <a:latin typeface="+mn-lt"/>
+          <a:ea typeface="+mn-ea"/>
+          <a:cs typeface="+mn-cs"/>
+        </a:defRPr>
+      </a:lvl9pPr>
+    </p:otherStyle>
+  </p:txStyles>
+</p:sldMaster>
+</file>
+
 <file path=ppt/slides/slide1.xml><?xml version="1.0" encoding="utf-8"?>
 <p:sld xmlns:a="http://schemas.openxmlformats.org/drawingml/2006/main" xmlns:r="http://schemas.openxmlformats.org/officeDocument/2006/relationships" xmlns:p="http://schemas.openxmlformats.org/presentationml/2006/main">
   <p:cSld>
@@ -5914,6 +9134,4119 @@
     <p:extLst>
       <p:ext uri="{BB962C8B-B14F-4D97-AF65-F5344CB8AC3E}">
         <p14:creationId xmlns:p14="http://schemas.microsoft.com/office/powerpoint/2010/main" val="3904395317"/>
+      </p:ext>
+    </p:extLst>
+  </p:cSld>
+  <p:clrMapOvr>
+    <a:masterClrMapping/>
+  </p:clrMapOvr>
+</p:sld>
+</file>
+
+<file path=ppt/slides/slide2.xml><?xml version="1.0" encoding="utf-8"?>
+<p:sld xmlns:a="http://schemas.openxmlformats.org/drawingml/2006/main" xmlns:r="http://schemas.openxmlformats.org/officeDocument/2006/relationships" xmlns:p="http://schemas.openxmlformats.org/presentationml/2006/main">
+  <p:cSld>
+    <p:spTree>
+      <p:nvGrpSpPr>
+        <p:cNvPr id="1" name=""/>
+        <p:cNvGrpSpPr/>
+        <p:nvPr/>
+      </p:nvGrpSpPr>
+      <p:grpSpPr>
+        <a:xfrm>
+          <a:off x="0" y="0"/>
+          <a:ext cx="0" cy="0"/>
+          <a:chOff x="0" y="0"/>
+          <a:chExt cx="0" cy="0"/>
+        </a:xfrm>
+      </p:grpSpPr>
+      <p:grpSp>
+        <p:nvGrpSpPr>
+          <p:cNvPr id="9" name="Group 8">
+            <a:extLst>
+              <a:ext uri="{FF2B5EF4-FFF2-40B4-BE49-F238E27FC236}">
+                <a16:creationId xmlns:a16="http://schemas.microsoft.com/office/drawing/2014/main" id="{FB148EC1-0164-E79D-D13B-82076757AFF7}"/>
+              </a:ext>
+            </a:extLst>
+          </p:cNvPr>
+          <p:cNvGrpSpPr/>
+          <p:nvPr/>
+        </p:nvGrpSpPr>
+        <p:grpSpPr>
+          <a:xfrm>
+            <a:off x="255485" y="2733964"/>
+            <a:ext cx="10778386" cy="3435927"/>
+            <a:chOff x="255485" y="2733964"/>
+            <a:chExt cx="10778386" cy="3435927"/>
+          </a:xfrm>
+        </p:grpSpPr>
+        <p:sp>
+          <p:nvSpPr>
+            <p:cNvPr id="7" name="Rectangle 6">
+              <a:extLst>
+                <a:ext uri="{FF2B5EF4-FFF2-40B4-BE49-F238E27FC236}">
+                  <a16:creationId xmlns:a16="http://schemas.microsoft.com/office/drawing/2014/main" id="{F1570D97-1D4B-68DF-E5A4-DEF0D0A9D773}"/>
+                </a:ext>
+              </a:extLst>
+            </p:cNvPr>
+            <p:cNvSpPr/>
+            <p:nvPr/>
+          </p:nvSpPr>
+          <p:spPr>
+            <a:xfrm>
+              <a:off x="255485" y="2733964"/>
+              <a:ext cx="10778386" cy="3435927"/>
+            </a:xfrm>
+            <a:prstGeom prst="rect">
+              <a:avLst/>
+            </a:prstGeom>
+            <a:solidFill>
+              <a:schemeClr val="bg1"/>
+            </a:solidFill>
+            <a:ln>
+              <a:noFill/>
+            </a:ln>
+          </p:spPr>
+          <p:style>
+            <a:lnRef idx="2">
+              <a:schemeClr val="accent1">
+                <a:shade val="15000"/>
+              </a:schemeClr>
+            </a:lnRef>
+            <a:fillRef idx="1">
+              <a:schemeClr val="accent1"/>
+            </a:fillRef>
+            <a:effectRef idx="0">
+              <a:schemeClr val="accent1"/>
+            </a:effectRef>
+            <a:fontRef idx="minor">
+              <a:schemeClr val="lt1"/>
+            </a:fontRef>
+          </p:style>
+          <p:txBody>
+            <a:bodyPr rtlCol="0" anchor="ctr"/>
+            <a:lstStyle/>
+            <a:p>
+              <a:pPr algn="ctr"/>
+              <a:endParaRPr lang="en-DE"/>
+            </a:p>
+          </p:txBody>
+        </p:sp>
+        <p:sp>
+          <p:nvSpPr>
+            <p:cNvPr id="33" name="Rectangle 32">
+              <a:extLst>
+                <a:ext uri="{FF2B5EF4-FFF2-40B4-BE49-F238E27FC236}">
+                  <a16:creationId xmlns:a16="http://schemas.microsoft.com/office/drawing/2014/main" id="{421F41B5-52A3-4E8F-83CA-E34766019B45}"/>
+                </a:ext>
+              </a:extLst>
+            </p:cNvPr>
+            <p:cNvSpPr/>
+            <p:nvPr/>
+          </p:nvSpPr>
+          <p:spPr>
+            <a:xfrm>
+              <a:off x="893105" y="3789825"/>
+              <a:ext cx="8934443" cy="410504"/>
+            </a:xfrm>
+            <a:prstGeom prst="rect">
+              <a:avLst/>
+            </a:prstGeom>
+            <a:solidFill>
+              <a:schemeClr val="bg1">
+                <a:lumMod val="50000"/>
+              </a:schemeClr>
+            </a:solidFill>
+          </p:spPr>
+          <p:style>
+            <a:lnRef idx="2">
+              <a:schemeClr val="accent3">
+                <a:shade val="50000"/>
+              </a:schemeClr>
+            </a:lnRef>
+            <a:fillRef idx="1">
+              <a:schemeClr val="accent3"/>
+            </a:fillRef>
+            <a:effectRef idx="0">
+              <a:schemeClr val="accent3"/>
+            </a:effectRef>
+            <a:fontRef idx="minor">
+              <a:schemeClr val="lt1"/>
+            </a:fontRef>
+          </p:style>
+          <p:txBody>
+            <a:bodyPr rtlCol="0" anchor="ctr"/>
+            <a:lstStyle/>
+            <a:p>
+              <a:pPr marL="0" marR="0" lvl="0" indent="0" algn="ctr" defTabSz="914400" rtl="0" eaLnBrk="1" fontAlgn="auto" latinLnBrk="0" hangingPunct="1">
+                <a:lnSpc>
+                  <a:spcPct val="100000"/>
+                </a:lnSpc>
+                <a:spcBef>
+                  <a:spcPts val="0"/>
+                </a:spcBef>
+                <a:spcAft>
+                  <a:spcPts val="0"/>
+                </a:spcAft>
+                <a:buClrTx/>
+                <a:buSzTx/>
+                <a:buFontTx/>
+                <a:buNone/>
+                <a:tabLst/>
+                <a:defRPr/>
+              </a:pPr>
+              <a:r>
+                <a:rPr kumimoji="0" lang="de-DE" sz="1600" b="0" i="0" u="none" strike="noStrike" kern="1200" cap="none" spc="0" normalizeH="0" baseline="0" noProof="0" dirty="0">
+                  <a:ln>
+                    <a:noFill/>
+                  </a:ln>
+                  <a:solidFill>
+                    <a:prstClr val="white"/>
+                  </a:solidFill>
+                  <a:effectLst/>
+                  <a:uLnTx/>
+                  <a:uFillTx/>
+                  <a:latin typeface="Calibri" panose="020F0502020204030204"/>
+                  <a:ea typeface="+mn-ea"/>
+                  <a:cs typeface="+mn-cs"/>
+                </a:rPr>
+                <a:t>Refresh </a:t>
+              </a:r>
+              <a:r>
+                <a:rPr kumimoji="0" lang="de-DE" sz="1600" b="0" i="0" u="none" strike="noStrike" kern="1200" cap="none" spc="0" normalizeH="0" baseline="0" noProof="0" dirty="0" err="1">
+                  <a:ln>
+                    <a:noFill/>
+                  </a:ln>
+                  <a:solidFill>
+                    <a:prstClr val="white"/>
+                  </a:solidFill>
+                  <a:effectLst/>
+                  <a:uLnTx/>
+                  <a:uFillTx/>
+                  <a:latin typeface="Calibri" panose="020F0502020204030204"/>
+                  <a:ea typeface="+mn-ea"/>
+                  <a:cs typeface="+mn-cs"/>
+                </a:rPr>
+                <a:t>token</a:t>
+              </a:r>
+              <a:r>
+                <a:rPr kumimoji="0" lang="de-DE" sz="1600" b="0" i="0" u="none" strike="noStrike" kern="1200" cap="none" spc="0" normalizeH="0" baseline="0" noProof="0" dirty="0">
+                  <a:ln>
+                    <a:noFill/>
+                  </a:ln>
+                  <a:solidFill>
+                    <a:prstClr val="white"/>
+                  </a:solidFill>
+                  <a:effectLst/>
+                  <a:uLnTx/>
+                  <a:uFillTx/>
+                  <a:latin typeface="Calibri" panose="020F0502020204030204"/>
+                  <a:ea typeface="+mn-ea"/>
+                  <a:cs typeface="+mn-cs"/>
+                </a:rPr>
+                <a:t> </a:t>
+              </a:r>
+              <a:r>
+                <a:rPr kumimoji="0" lang="de-DE" sz="1600" b="0" i="0" u="none" strike="noStrike" kern="1200" cap="none" spc="0" normalizeH="0" baseline="0" noProof="0" dirty="0" err="1">
+                  <a:ln>
+                    <a:noFill/>
+                  </a:ln>
+                  <a:solidFill>
+                    <a:prstClr val="white"/>
+                  </a:solidFill>
+                  <a:effectLst/>
+                  <a:uLnTx/>
+                  <a:uFillTx/>
+                  <a:latin typeface="Calibri" panose="020F0502020204030204"/>
+                  <a:ea typeface="+mn-ea"/>
+                  <a:cs typeface="+mn-cs"/>
+                </a:rPr>
+                <a:t>lifetime</a:t>
+              </a:r>
+              <a:endParaRPr kumimoji="0" lang="en-DE" sz="1600" b="0" i="0" u="none" strike="noStrike" kern="1200" cap="none" spc="0" normalizeH="0" baseline="0" noProof="0" dirty="0">
+                <a:ln>
+                  <a:noFill/>
+                </a:ln>
+                <a:solidFill>
+                  <a:prstClr val="white"/>
+                </a:solidFill>
+                <a:effectLst/>
+                <a:uLnTx/>
+                <a:uFillTx/>
+                <a:latin typeface="Calibri" panose="020F0502020204030204"/>
+                <a:ea typeface="+mn-ea"/>
+                <a:cs typeface="+mn-cs"/>
+              </a:endParaRPr>
+            </a:p>
+          </p:txBody>
+        </p:sp>
+        <p:sp>
+          <p:nvSpPr>
+            <p:cNvPr id="79" name="Rectangle 78">
+              <a:extLst>
+                <a:ext uri="{FF2B5EF4-FFF2-40B4-BE49-F238E27FC236}">
+                  <a16:creationId xmlns:a16="http://schemas.microsoft.com/office/drawing/2014/main" id="{2907ABEE-1F79-4D37-9615-D8574B0B7F69}"/>
+                </a:ext>
+              </a:extLst>
+            </p:cNvPr>
+            <p:cNvSpPr/>
+            <p:nvPr/>
+          </p:nvSpPr>
+          <p:spPr>
+            <a:xfrm>
+              <a:off x="7802531" y="3806865"/>
+              <a:ext cx="2025018" cy="311896"/>
+            </a:xfrm>
+            <a:prstGeom prst="rect">
+              <a:avLst/>
+            </a:prstGeom>
+            <a:solidFill>
+              <a:srgbClr val="7030A0"/>
+            </a:solidFill>
+          </p:spPr>
+          <p:style>
+            <a:lnRef idx="2">
+              <a:schemeClr val="accent3">
+                <a:shade val="50000"/>
+              </a:schemeClr>
+            </a:lnRef>
+            <a:fillRef idx="1">
+              <a:schemeClr val="accent3"/>
+            </a:fillRef>
+            <a:effectRef idx="0">
+              <a:schemeClr val="accent3"/>
+            </a:effectRef>
+            <a:fontRef idx="minor">
+              <a:schemeClr val="lt1"/>
+            </a:fontRef>
+          </p:style>
+          <p:txBody>
+            <a:bodyPr rtlCol="0" anchor="ctr"/>
+            <a:lstStyle/>
+            <a:p>
+              <a:pPr marL="0" marR="0" lvl="0" indent="0" algn="ctr" defTabSz="914400" rtl="0" eaLnBrk="1" fontAlgn="auto" latinLnBrk="0" hangingPunct="1">
+                <a:lnSpc>
+                  <a:spcPct val="100000"/>
+                </a:lnSpc>
+                <a:spcBef>
+                  <a:spcPts val="0"/>
+                </a:spcBef>
+                <a:spcAft>
+                  <a:spcPts val="0"/>
+                </a:spcAft>
+                <a:buClrTx/>
+                <a:buSzTx/>
+                <a:buFontTx/>
+                <a:buNone/>
+                <a:tabLst/>
+                <a:defRPr/>
+              </a:pPr>
+              <a:r>
+                <a:rPr kumimoji="0" lang="de-DE" sz="1600" b="0" i="0" u="none" strike="noStrike" kern="1200" cap="none" spc="0" normalizeH="0" baseline="0" noProof="0" dirty="0">
+                  <a:ln>
+                    <a:noFill/>
+                  </a:ln>
+                  <a:solidFill>
+                    <a:prstClr val="white"/>
+                  </a:solidFill>
+                  <a:effectLst/>
+                  <a:uLnTx/>
+                  <a:uFillTx/>
+                  <a:latin typeface="Calibri" panose="020F0502020204030204"/>
+                  <a:ea typeface="+mn-ea"/>
+                  <a:cs typeface="+mn-cs"/>
+                </a:rPr>
+                <a:t>Random </a:t>
+              </a:r>
+              <a:r>
+                <a:rPr kumimoji="0" lang="de-DE" sz="1600" b="0" i="0" u="none" strike="noStrike" kern="1200" cap="none" spc="0" normalizeH="0" baseline="0" noProof="0" dirty="0" err="1">
+                  <a:ln>
+                    <a:noFill/>
+                  </a:ln>
+                  <a:solidFill>
+                    <a:prstClr val="white"/>
+                  </a:solidFill>
+                  <a:effectLst/>
+                  <a:uLnTx/>
+                  <a:uFillTx/>
+                  <a:latin typeface="Calibri" panose="020F0502020204030204"/>
+                  <a:ea typeface="+mn-ea"/>
+                  <a:cs typeface="+mn-cs"/>
+                </a:rPr>
+                <a:t>backoff</a:t>
+              </a:r>
+              <a:r>
+                <a:rPr kumimoji="0" lang="de-DE" sz="1600" b="0" i="0" u="none" strike="noStrike" kern="1200" cap="none" spc="0" normalizeH="0" baseline="0" noProof="0" dirty="0">
+                  <a:ln>
+                    <a:noFill/>
+                  </a:ln>
+                  <a:solidFill>
+                    <a:prstClr val="white"/>
+                  </a:solidFill>
+                  <a:effectLst/>
+                  <a:uLnTx/>
+                  <a:uFillTx/>
+                  <a:latin typeface="Calibri" panose="020F0502020204030204"/>
+                  <a:ea typeface="+mn-ea"/>
+                  <a:cs typeface="+mn-cs"/>
+                </a:rPr>
+                <a:t> </a:t>
+              </a:r>
+              <a:r>
+                <a:rPr kumimoji="0" lang="de-DE" sz="1600" b="0" i="0" u="none" strike="noStrike" kern="1200" cap="none" spc="0" normalizeH="0" baseline="0" noProof="0" dirty="0" err="1">
+                  <a:ln>
+                    <a:noFill/>
+                  </a:ln>
+                  <a:solidFill>
+                    <a:prstClr val="white"/>
+                  </a:solidFill>
+                  <a:effectLst/>
+                  <a:uLnTx/>
+                  <a:uFillTx/>
+                  <a:latin typeface="Calibri" panose="020F0502020204030204"/>
+                  <a:ea typeface="+mn-ea"/>
+                  <a:cs typeface="+mn-cs"/>
+                </a:rPr>
+                <a:t>delay</a:t>
+              </a:r>
+              <a:endParaRPr kumimoji="0" lang="en-DE" sz="1600" b="0" i="0" u="none" strike="noStrike" kern="1200" cap="none" spc="0" normalizeH="0" baseline="0" noProof="0" dirty="0">
+                <a:ln>
+                  <a:noFill/>
+                </a:ln>
+                <a:solidFill>
+                  <a:prstClr val="white"/>
+                </a:solidFill>
+                <a:effectLst/>
+                <a:uLnTx/>
+                <a:uFillTx/>
+                <a:latin typeface="Calibri" panose="020F0502020204030204"/>
+                <a:ea typeface="+mn-ea"/>
+                <a:cs typeface="+mn-cs"/>
+              </a:endParaRPr>
+            </a:p>
+          </p:txBody>
+        </p:sp>
+        <p:sp>
+          <p:nvSpPr>
+            <p:cNvPr id="16" name="Rectangle 15">
+              <a:extLst>
+                <a:ext uri="{FF2B5EF4-FFF2-40B4-BE49-F238E27FC236}">
+                  <a16:creationId xmlns:a16="http://schemas.microsoft.com/office/drawing/2014/main" id="{BB9C3536-11A2-48EE-A8EA-F7C495364454}"/>
+                </a:ext>
+              </a:extLst>
+            </p:cNvPr>
+            <p:cNvSpPr/>
+            <p:nvPr/>
+          </p:nvSpPr>
+          <p:spPr>
+            <a:xfrm>
+              <a:off x="893108" y="3370364"/>
+              <a:ext cx="5397873" cy="414983"/>
+            </a:xfrm>
+            <a:prstGeom prst="rect">
+              <a:avLst/>
+            </a:prstGeom>
+            <a:solidFill>
+              <a:schemeClr val="bg1">
+                <a:lumMod val="75000"/>
+              </a:schemeClr>
+            </a:solidFill>
+          </p:spPr>
+          <p:style>
+            <a:lnRef idx="2">
+              <a:schemeClr val="accent3">
+                <a:shade val="50000"/>
+              </a:schemeClr>
+            </a:lnRef>
+            <a:fillRef idx="1">
+              <a:schemeClr val="accent3"/>
+            </a:fillRef>
+            <a:effectRef idx="0">
+              <a:schemeClr val="accent3"/>
+            </a:effectRef>
+            <a:fontRef idx="minor">
+              <a:schemeClr val="lt1"/>
+            </a:fontRef>
+          </p:style>
+          <p:txBody>
+            <a:bodyPr rtlCol="0" anchor="ctr"/>
+            <a:lstStyle/>
+            <a:p>
+              <a:pPr marL="0" marR="0" lvl="0" indent="0" algn="l" defTabSz="914400" rtl="0" eaLnBrk="1" fontAlgn="auto" latinLnBrk="0" hangingPunct="1">
+                <a:lnSpc>
+                  <a:spcPct val="100000"/>
+                </a:lnSpc>
+                <a:spcBef>
+                  <a:spcPts val="0"/>
+                </a:spcBef>
+                <a:spcAft>
+                  <a:spcPts val="0"/>
+                </a:spcAft>
+                <a:buClrTx/>
+                <a:buSzTx/>
+                <a:buFontTx/>
+                <a:buNone/>
+                <a:tabLst/>
+                <a:defRPr/>
+              </a:pPr>
+              <a:endParaRPr kumimoji="0" lang="en-DE" sz="1600" b="0" i="0" u="none" strike="noStrike" kern="1200" cap="none" spc="0" normalizeH="0" baseline="0" noProof="0" dirty="0">
+                <a:ln>
+                  <a:noFill/>
+                </a:ln>
+                <a:solidFill>
+                  <a:prstClr val="white"/>
+                </a:solidFill>
+                <a:effectLst/>
+                <a:uLnTx/>
+                <a:uFillTx/>
+                <a:latin typeface="Calibri" panose="020F0502020204030204"/>
+                <a:ea typeface="+mn-ea"/>
+                <a:cs typeface="+mn-cs"/>
+              </a:endParaRPr>
+            </a:p>
+          </p:txBody>
+        </p:sp>
+        <p:sp>
+          <p:nvSpPr>
+            <p:cNvPr id="35" name="Rectangle 34">
+              <a:extLst>
+                <a:ext uri="{FF2B5EF4-FFF2-40B4-BE49-F238E27FC236}">
+                  <a16:creationId xmlns:a16="http://schemas.microsoft.com/office/drawing/2014/main" id="{B4F6CA2C-37F6-4619-96F4-56BBE47F6FD8}"/>
+                </a:ext>
+              </a:extLst>
+            </p:cNvPr>
+            <p:cNvSpPr/>
+            <p:nvPr/>
+          </p:nvSpPr>
+          <p:spPr>
+            <a:xfrm>
+              <a:off x="4265963" y="3472953"/>
+              <a:ext cx="2025018" cy="311896"/>
+            </a:xfrm>
+            <a:prstGeom prst="rect">
+              <a:avLst/>
+            </a:prstGeom>
+            <a:solidFill>
+              <a:srgbClr val="7030A0"/>
+            </a:solidFill>
+          </p:spPr>
+          <p:style>
+            <a:lnRef idx="2">
+              <a:schemeClr val="accent3">
+                <a:shade val="50000"/>
+              </a:schemeClr>
+            </a:lnRef>
+            <a:fillRef idx="1">
+              <a:schemeClr val="accent3"/>
+            </a:fillRef>
+            <a:effectRef idx="0">
+              <a:schemeClr val="accent3"/>
+            </a:effectRef>
+            <a:fontRef idx="minor">
+              <a:schemeClr val="lt1"/>
+            </a:fontRef>
+          </p:style>
+          <p:txBody>
+            <a:bodyPr rtlCol="0" anchor="ctr"/>
+            <a:lstStyle/>
+            <a:p>
+              <a:pPr marL="0" marR="0" lvl="0" indent="0" algn="ctr" defTabSz="914400" rtl="0" eaLnBrk="1" fontAlgn="auto" latinLnBrk="0" hangingPunct="1">
+                <a:lnSpc>
+                  <a:spcPct val="100000"/>
+                </a:lnSpc>
+                <a:spcBef>
+                  <a:spcPts val="0"/>
+                </a:spcBef>
+                <a:spcAft>
+                  <a:spcPts val="0"/>
+                </a:spcAft>
+                <a:buClrTx/>
+                <a:buSzTx/>
+                <a:buFontTx/>
+                <a:buNone/>
+                <a:tabLst/>
+                <a:defRPr/>
+              </a:pPr>
+              <a:r>
+                <a:rPr kumimoji="0" lang="de-DE" sz="1600" b="0" i="0" u="none" strike="noStrike" kern="1200" cap="none" spc="0" normalizeH="0" baseline="0" noProof="0" dirty="0">
+                  <a:ln>
+                    <a:noFill/>
+                  </a:ln>
+                  <a:solidFill>
+                    <a:prstClr val="white"/>
+                  </a:solidFill>
+                  <a:effectLst/>
+                  <a:uLnTx/>
+                  <a:uFillTx/>
+                  <a:latin typeface="Calibri" panose="020F0502020204030204"/>
+                  <a:ea typeface="+mn-ea"/>
+                  <a:cs typeface="+mn-cs"/>
+                </a:rPr>
+                <a:t>Random </a:t>
+              </a:r>
+              <a:r>
+                <a:rPr kumimoji="0" lang="de-DE" sz="1600" b="0" i="0" u="none" strike="noStrike" kern="1200" cap="none" spc="0" normalizeH="0" baseline="0" noProof="0" dirty="0" err="1">
+                  <a:ln>
+                    <a:noFill/>
+                  </a:ln>
+                  <a:solidFill>
+                    <a:prstClr val="white"/>
+                  </a:solidFill>
+                  <a:effectLst/>
+                  <a:uLnTx/>
+                  <a:uFillTx/>
+                  <a:latin typeface="Calibri" panose="020F0502020204030204"/>
+                  <a:ea typeface="+mn-ea"/>
+                  <a:cs typeface="+mn-cs"/>
+                </a:rPr>
+                <a:t>backoff</a:t>
+              </a:r>
+              <a:r>
+                <a:rPr kumimoji="0" lang="de-DE" sz="1600" b="0" i="0" u="none" strike="noStrike" kern="1200" cap="none" spc="0" normalizeH="0" baseline="0" noProof="0" dirty="0">
+                  <a:ln>
+                    <a:noFill/>
+                  </a:ln>
+                  <a:solidFill>
+                    <a:prstClr val="white"/>
+                  </a:solidFill>
+                  <a:effectLst/>
+                  <a:uLnTx/>
+                  <a:uFillTx/>
+                  <a:latin typeface="Calibri" panose="020F0502020204030204"/>
+                  <a:ea typeface="+mn-ea"/>
+                  <a:cs typeface="+mn-cs"/>
+                </a:rPr>
+                <a:t> </a:t>
+              </a:r>
+              <a:r>
+                <a:rPr kumimoji="0" lang="de-DE" sz="1600" b="0" i="0" u="none" strike="noStrike" kern="1200" cap="none" spc="0" normalizeH="0" baseline="0" noProof="0" dirty="0" err="1">
+                  <a:ln>
+                    <a:noFill/>
+                  </a:ln>
+                  <a:solidFill>
+                    <a:prstClr val="white"/>
+                  </a:solidFill>
+                  <a:effectLst/>
+                  <a:uLnTx/>
+                  <a:uFillTx/>
+                  <a:latin typeface="Calibri" panose="020F0502020204030204"/>
+                  <a:ea typeface="+mn-ea"/>
+                  <a:cs typeface="+mn-cs"/>
+                </a:rPr>
+                <a:t>delay</a:t>
+              </a:r>
+              <a:endParaRPr kumimoji="0" lang="en-DE" sz="1600" b="0" i="0" u="none" strike="noStrike" kern="1200" cap="none" spc="0" normalizeH="0" baseline="0" noProof="0" dirty="0">
+                <a:ln>
+                  <a:noFill/>
+                </a:ln>
+                <a:solidFill>
+                  <a:prstClr val="white"/>
+                </a:solidFill>
+                <a:effectLst/>
+                <a:uLnTx/>
+                <a:uFillTx/>
+                <a:latin typeface="Calibri" panose="020F0502020204030204"/>
+                <a:ea typeface="+mn-ea"/>
+                <a:cs typeface="+mn-cs"/>
+              </a:endParaRPr>
+            </a:p>
+          </p:txBody>
+        </p:sp>
+        <p:cxnSp>
+          <p:nvCxnSpPr>
+            <p:cNvPr id="5" name="Straight Connector 4">
+              <a:extLst>
+                <a:ext uri="{FF2B5EF4-FFF2-40B4-BE49-F238E27FC236}">
+                  <a16:creationId xmlns:a16="http://schemas.microsoft.com/office/drawing/2014/main" id="{2390333E-B036-47FD-88B7-9D25F860FFEC}"/>
+                </a:ext>
+              </a:extLst>
+            </p:cNvPr>
+            <p:cNvCxnSpPr>
+              <a:cxnSpLocks/>
+            </p:cNvCxnSpPr>
+            <p:nvPr/>
+          </p:nvCxnSpPr>
+          <p:spPr>
+            <a:xfrm flipV="1">
+              <a:off x="981635" y="3785346"/>
+              <a:ext cx="8814547" cy="1"/>
+            </a:xfrm>
+            <a:prstGeom prst="line">
+              <a:avLst/>
+            </a:prstGeom>
+            <a:ln w="38100"/>
+          </p:spPr>
+          <p:style>
+            <a:lnRef idx="1">
+              <a:schemeClr val="accent1"/>
+            </a:lnRef>
+            <a:fillRef idx="0">
+              <a:schemeClr val="accent1"/>
+            </a:fillRef>
+            <a:effectRef idx="0">
+              <a:schemeClr val="accent1"/>
+            </a:effectRef>
+            <a:fontRef idx="minor">
+              <a:schemeClr val="tx1"/>
+            </a:fontRef>
+          </p:style>
+        </p:cxnSp>
+        <p:sp>
+          <p:nvSpPr>
+            <p:cNvPr id="6" name="Oval 5">
+              <a:extLst>
+                <a:ext uri="{FF2B5EF4-FFF2-40B4-BE49-F238E27FC236}">
+                  <a16:creationId xmlns:a16="http://schemas.microsoft.com/office/drawing/2014/main" id="{62EE5476-8EE8-4AE8-9BAA-10031C3D6636}"/>
+                </a:ext>
+              </a:extLst>
+            </p:cNvPr>
+            <p:cNvSpPr/>
+            <p:nvPr/>
+          </p:nvSpPr>
+          <p:spPr>
+            <a:xfrm>
+              <a:off x="791135" y="3683373"/>
+              <a:ext cx="203947" cy="203947"/>
+            </a:xfrm>
+            <a:prstGeom prst="ellipse">
+              <a:avLst/>
+            </a:prstGeom>
+          </p:spPr>
+          <p:style>
+            <a:lnRef idx="2">
+              <a:schemeClr val="accent1">
+                <a:shade val="50000"/>
+              </a:schemeClr>
+            </a:lnRef>
+            <a:fillRef idx="1">
+              <a:schemeClr val="accent1"/>
+            </a:fillRef>
+            <a:effectRef idx="0">
+              <a:schemeClr val="accent1"/>
+            </a:effectRef>
+            <a:fontRef idx="minor">
+              <a:schemeClr val="lt1"/>
+            </a:fontRef>
+          </p:style>
+          <p:txBody>
+            <a:bodyPr rtlCol="0" anchor="ctr"/>
+            <a:lstStyle/>
+            <a:p>
+              <a:pPr marL="0" marR="0" lvl="0" indent="0" algn="ctr" defTabSz="914400" rtl="0" eaLnBrk="1" fontAlgn="auto" latinLnBrk="0" hangingPunct="1">
+                <a:lnSpc>
+                  <a:spcPct val="100000"/>
+                </a:lnSpc>
+                <a:spcBef>
+                  <a:spcPts val="0"/>
+                </a:spcBef>
+                <a:spcAft>
+                  <a:spcPts val="0"/>
+                </a:spcAft>
+                <a:buClrTx/>
+                <a:buSzTx/>
+                <a:buFontTx/>
+                <a:buNone/>
+                <a:tabLst/>
+                <a:defRPr/>
+              </a:pPr>
+              <a:endParaRPr kumimoji="0" lang="en-DE" sz="1800" b="0" i="0" u="none" strike="noStrike" kern="1200" cap="none" spc="0" normalizeH="0" baseline="0" noProof="0">
+                <a:ln>
+                  <a:noFill/>
+                </a:ln>
+                <a:solidFill>
+                  <a:prstClr val="white"/>
+                </a:solidFill>
+                <a:effectLst/>
+                <a:uLnTx/>
+                <a:uFillTx/>
+                <a:latin typeface="Calibri" panose="020F0502020204030204"/>
+                <a:ea typeface="+mn-ea"/>
+                <a:cs typeface="+mn-cs"/>
+              </a:endParaRPr>
+            </a:p>
+          </p:txBody>
+        </p:sp>
+        <p:sp>
+          <p:nvSpPr>
+            <p:cNvPr id="8" name="Oval 7">
+              <a:extLst>
+                <a:ext uri="{FF2B5EF4-FFF2-40B4-BE49-F238E27FC236}">
+                  <a16:creationId xmlns:a16="http://schemas.microsoft.com/office/drawing/2014/main" id="{E9652958-F321-4C5F-8CFE-450C58914B12}"/>
+                </a:ext>
+              </a:extLst>
+            </p:cNvPr>
+            <p:cNvSpPr/>
+            <p:nvPr/>
+          </p:nvSpPr>
+          <p:spPr>
+            <a:xfrm>
+              <a:off x="9724458" y="3683373"/>
+              <a:ext cx="203947" cy="203947"/>
+            </a:xfrm>
+            <a:prstGeom prst="ellipse">
+              <a:avLst/>
+            </a:prstGeom>
+          </p:spPr>
+          <p:style>
+            <a:lnRef idx="2">
+              <a:schemeClr val="accent1">
+                <a:shade val="50000"/>
+              </a:schemeClr>
+            </a:lnRef>
+            <a:fillRef idx="1">
+              <a:schemeClr val="accent1"/>
+            </a:fillRef>
+            <a:effectRef idx="0">
+              <a:schemeClr val="accent1"/>
+            </a:effectRef>
+            <a:fontRef idx="minor">
+              <a:schemeClr val="lt1"/>
+            </a:fontRef>
+          </p:style>
+          <p:txBody>
+            <a:bodyPr rtlCol="0" anchor="ctr"/>
+            <a:lstStyle/>
+            <a:p>
+              <a:pPr marL="0" marR="0" lvl="0" indent="0" algn="ctr" defTabSz="914400" rtl="0" eaLnBrk="1" fontAlgn="auto" latinLnBrk="0" hangingPunct="1">
+                <a:lnSpc>
+                  <a:spcPct val="100000"/>
+                </a:lnSpc>
+                <a:spcBef>
+                  <a:spcPts val="0"/>
+                </a:spcBef>
+                <a:spcAft>
+                  <a:spcPts val="0"/>
+                </a:spcAft>
+                <a:buClrTx/>
+                <a:buSzTx/>
+                <a:buFontTx/>
+                <a:buNone/>
+                <a:tabLst/>
+                <a:defRPr/>
+              </a:pPr>
+              <a:endParaRPr kumimoji="0" lang="en-DE" sz="1800" b="0" i="0" u="none" strike="noStrike" kern="1200" cap="none" spc="0" normalizeH="0" baseline="0" noProof="0">
+                <a:ln>
+                  <a:noFill/>
+                </a:ln>
+                <a:solidFill>
+                  <a:prstClr val="white"/>
+                </a:solidFill>
+                <a:effectLst/>
+                <a:uLnTx/>
+                <a:uFillTx/>
+                <a:latin typeface="Calibri" panose="020F0502020204030204"/>
+                <a:ea typeface="+mn-ea"/>
+                <a:cs typeface="+mn-cs"/>
+              </a:endParaRPr>
+            </a:p>
+          </p:txBody>
+        </p:sp>
+        <p:cxnSp>
+          <p:nvCxnSpPr>
+            <p:cNvPr id="10" name="Straight Connector 9">
+              <a:extLst>
+                <a:ext uri="{FF2B5EF4-FFF2-40B4-BE49-F238E27FC236}">
+                  <a16:creationId xmlns:a16="http://schemas.microsoft.com/office/drawing/2014/main" id="{4B20E1A5-70E3-4F46-BF7D-59D538239C3E}"/>
+                </a:ext>
+              </a:extLst>
+            </p:cNvPr>
+            <p:cNvCxnSpPr/>
+            <p:nvPr/>
+          </p:nvCxnSpPr>
+          <p:spPr>
+            <a:xfrm>
+              <a:off x="4249284" y="3231772"/>
+              <a:ext cx="0" cy="652183"/>
+            </a:xfrm>
+            <a:prstGeom prst="line">
+              <a:avLst/>
+            </a:prstGeom>
+            <a:ln w="28575">
+              <a:solidFill>
+                <a:srgbClr val="7030A0"/>
+              </a:solidFill>
+              <a:prstDash val="sysDot"/>
+            </a:ln>
+          </p:spPr>
+          <p:style>
+            <a:lnRef idx="1">
+              <a:schemeClr val="accent1"/>
+            </a:lnRef>
+            <a:fillRef idx="0">
+              <a:schemeClr val="accent1"/>
+            </a:fillRef>
+            <a:effectRef idx="0">
+              <a:schemeClr val="accent1"/>
+            </a:effectRef>
+            <a:fontRef idx="minor">
+              <a:schemeClr val="tx1"/>
+            </a:fontRef>
+          </p:style>
+        </p:cxnSp>
+        <p:cxnSp>
+          <p:nvCxnSpPr>
+            <p:cNvPr id="12" name="Straight Connector 11">
+              <a:extLst>
+                <a:ext uri="{FF2B5EF4-FFF2-40B4-BE49-F238E27FC236}">
+                  <a16:creationId xmlns:a16="http://schemas.microsoft.com/office/drawing/2014/main" id="{D1E6F431-8C02-43CC-98F4-29CBFB11F223}"/>
+                </a:ext>
+              </a:extLst>
+            </p:cNvPr>
+            <p:cNvCxnSpPr>
+              <a:cxnSpLocks/>
+            </p:cNvCxnSpPr>
+            <p:nvPr/>
+          </p:nvCxnSpPr>
+          <p:spPr>
+            <a:xfrm>
+              <a:off x="6290982" y="3227107"/>
+              <a:ext cx="0" cy="652183"/>
+            </a:xfrm>
+            <a:prstGeom prst="line">
+              <a:avLst/>
+            </a:prstGeom>
+            <a:ln w="28575"/>
+          </p:spPr>
+          <p:style>
+            <a:lnRef idx="1">
+              <a:schemeClr val="accent1"/>
+            </a:lnRef>
+            <a:fillRef idx="0">
+              <a:schemeClr val="accent1"/>
+            </a:fillRef>
+            <a:effectRef idx="0">
+              <a:schemeClr val="accent1"/>
+            </a:effectRef>
+            <a:fontRef idx="minor">
+              <a:schemeClr val="tx1"/>
+            </a:fontRef>
+          </p:style>
+        </p:cxnSp>
+        <p:sp>
+          <p:nvSpPr>
+            <p:cNvPr id="13" name="TextBox 12">
+              <a:extLst>
+                <a:ext uri="{FF2B5EF4-FFF2-40B4-BE49-F238E27FC236}">
+                  <a16:creationId xmlns:a16="http://schemas.microsoft.com/office/drawing/2014/main" id="{90C3EFF2-C9C7-4418-BD19-2D94122B9B5D}"/>
+                </a:ext>
+              </a:extLst>
+            </p:cNvPr>
+            <p:cNvSpPr txBox="1"/>
+            <p:nvPr/>
+          </p:nvSpPr>
+          <p:spPr>
+            <a:xfrm>
+              <a:off x="331693" y="2882161"/>
+              <a:ext cx="1122830" cy="307777"/>
+            </a:xfrm>
+            <a:prstGeom prst="rect">
+              <a:avLst/>
+            </a:prstGeom>
+            <a:noFill/>
+          </p:spPr>
+          <p:txBody>
+            <a:bodyPr wrap="square" rtlCol="0">
+              <a:spAutoFit/>
+            </a:bodyPr>
+            <a:lstStyle/>
+            <a:p>
+              <a:pPr marL="0" marR="0" lvl="0" indent="0" algn="ctr" defTabSz="914400" rtl="0" eaLnBrk="1" fontAlgn="auto" latinLnBrk="0" hangingPunct="1">
+                <a:lnSpc>
+                  <a:spcPct val="100000"/>
+                </a:lnSpc>
+                <a:spcBef>
+                  <a:spcPts val="0"/>
+                </a:spcBef>
+                <a:spcAft>
+                  <a:spcPts val="0"/>
+                </a:spcAft>
+                <a:buClrTx/>
+                <a:buSzTx/>
+                <a:buFontTx/>
+                <a:buNone/>
+                <a:tabLst/>
+                <a:defRPr/>
+              </a:pPr>
+              <a:r>
+                <a:rPr kumimoji="0" lang="de-DE" sz="1400" b="0" i="0" u="none" strike="noStrike" kern="1200" cap="none" spc="0" normalizeH="0" baseline="0" noProof="0" dirty="0">
+                  <a:ln>
+                    <a:noFill/>
+                  </a:ln>
+                  <a:solidFill>
+                    <a:prstClr val="black"/>
+                  </a:solidFill>
+                  <a:effectLst/>
+                  <a:uLnTx/>
+                  <a:uFillTx/>
+                  <a:latin typeface="Calibri" panose="020F0502020204030204"/>
+                  <a:ea typeface="+mn-ea"/>
+                  <a:cs typeface="+mn-cs"/>
+                </a:rPr>
+                <a:t>User </a:t>
+              </a:r>
+              <a:r>
+                <a:rPr kumimoji="0" lang="de-DE" sz="1400" b="0" i="0" u="none" strike="noStrike" kern="1200" cap="none" spc="0" normalizeH="0" baseline="0" noProof="0" dirty="0" err="1">
+                  <a:ln>
+                    <a:noFill/>
+                  </a:ln>
+                  <a:solidFill>
+                    <a:prstClr val="black"/>
+                  </a:solidFill>
+                  <a:effectLst/>
+                  <a:uLnTx/>
+                  <a:uFillTx/>
+                  <a:latin typeface="Calibri" panose="020F0502020204030204"/>
+                  <a:ea typeface="+mn-ea"/>
+                  <a:cs typeface="+mn-cs"/>
+                </a:rPr>
+                <a:t>sign</a:t>
+              </a:r>
+              <a:r>
+                <a:rPr kumimoji="0" lang="de-DE" sz="1400" b="0" i="0" u="none" strike="noStrike" kern="1200" cap="none" spc="0" normalizeH="0" baseline="0" noProof="0" dirty="0">
+                  <a:ln>
+                    <a:noFill/>
+                  </a:ln>
+                  <a:solidFill>
+                    <a:prstClr val="black"/>
+                  </a:solidFill>
+                  <a:effectLst/>
+                  <a:uLnTx/>
+                  <a:uFillTx/>
+                  <a:latin typeface="Calibri" panose="020F0502020204030204"/>
+                  <a:ea typeface="+mn-ea"/>
+                  <a:cs typeface="+mn-cs"/>
+                </a:rPr>
+                <a:t>-in</a:t>
+              </a:r>
+              <a:endParaRPr kumimoji="0" lang="en-DE" sz="1400" b="0" i="0" u="none" strike="noStrike" kern="1200" cap="none" spc="0" normalizeH="0" baseline="0" noProof="0" dirty="0">
+                <a:ln>
+                  <a:noFill/>
+                </a:ln>
+                <a:solidFill>
+                  <a:prstClr val="black"/>
+                </a:solidFill>
+                <a:effectLst/>
+                <a:uLnTx/>
+                <a:uFillTx/>
+                <a:latin typeface="Calibri" panose="020F0502020204030204"/>
+                <a:ea typeface="+mn-ea"/>
+                <a:cs typeface="+mn-cs"/>
+              </a:endParaRPr>
+            </a:p>
+          </p:txBody>
+        </p:sp>
+        <p:cxnSp>
+          <p:nvCxnSpPr>
+            <p:cNvPr id="15" name="Straight Connector 14">
+              <a:extLst>
+                <a:ext uri="{FF2B5EF4-FFF2-40B4-BE49-F238E27FC236}">
+                  <a16:creationId xmlns:a16="http://schemas.microsoft.com/office/drawing/2014/main" id="{10307205-C390-4B53-9BB5-5D172811D021}"/>
+                </a:ext>
+              </a:extLst>
+            </p:cNvPr>
+            <p:cNvCxnSpPr>
+              <a:cxnSpLocks/>
+            </p:cNvCxnSpPr>
+            <p:nvPr/>
+          </p:nvCxnSpPr>
+          <p:spPr>
+            <a:xfrm>
+              <a:off x="893108" y="3190314"/>
+              <a:ext cx="0" cy="652183"/>
+            </a:xfrm>
+            <a:prstGeom prst="line">
+              <a:avLst/>
+            </a:prstGeom>
+            <a:ln w="28575"/>
+          </p:spPr>
+          <p:style>
+            <a:lnRef idx="1">
+              <a:schemeClr val="accent1"/>
+            </a:lnRef>
+            <a:fillRef idx="0">
+              <a:schemeClr val="accent1"/>
+            </a:fillRef>
+            <a:effectRef idx="0">
+              <a:schemeClr val="accent1"/>
+            </a:effectRef>
+            <a:fontRef idx="minor">
+              <a:schemeClr val="tx1"/>
+            </a:fontRef>
+          </p:style>
+        </p:cxnSp>
+        <p:sp>
+          <p:nvSpPr>
+            <p:cNvPr id="18" name="TextBox 17">
+              <a:extLst>
+                <a:ext uri="{FF2B5EF4-FFF2-40B4-BE49-F238E27FC236}">
+                  <a16:creationId xmlns:a16="http://schemas.microsoft.com/office/drawing/2014/main" id="{1387362A-A29B-4790-8C88-2919C1F917F9}"/>
+                </a:ext>
+              </a:extLst>
+            </p:cNvPr>
+            <p:cNvSpPr txBox="1"/>
+            <p:nvPr/>
+          </p:nvSpPr>
+          <p:spPr>
+            <a:xfrm>
+              <a:off x="3687866" y="2882537"/>
+              <a:ext cx="1122830" cy="307777"/>
+            </a:xfrm>
+            <a:prstGeom prst="rect">
+              <a:avLst/>
+            </a:prstGeom>
+            <a:noFill/>
+          </p:spPr>
+          <p:txBody>
+            <a:bodyPr wrap="square" rtlCol="0">
+              <a:spAutoFit/>
+            </a:bodyPr>
+            <a:lstStyle/>
+            <a:p>
+              <a:pPr marL="0" marR="0" lvl="0" indent="0" algn="ctr" defTabSz="914400" rtl="0" eaLnBrk="1" fontAlgn="auto" latinLnBrk="0" hangingPunct="1">
+                <a:lnSpc>
+                  <a:spcPct val="100000"/>
+                </a:lnSpc>
+                <a:spcBef>
+                  <a:spcPts val="0"/>
+                </a:spcBef>
+                <a:spcAft>
+                  <a:spcPts val="0"/>
+                </a:spcAft>
+                <a:buClrTx/>
+                <a:buSzTx/>
+                <a:buFontTx/>
+                <a:buNone/>
+                <a:tabLst/>
+                <a:defRPr/>
+              </a:pPr>
+              <a:r>
+                <a:rPr kumimoji="0" lang="de-DE" sz="1400" b="0" i="0" u="none" strike="noStrike" kern="1200" cap="none" spc="0" normalizeH="0" baseline="0" noProof="0" dirty="0">
+                  <a:ln>
+                    <a:noFill/>
+                  </a:ln>
+                  <a:solidFill>
+                    <a:prstClr val="black"/>
+                  </a:solidFill>
+                  <a:effectLst/>
+                  <a:uLnTx/>
+                  <a:uFillTx/>
+                  <a:latin typeface="Calibri" panose="020F0502020204030204"/>
+                  <a:ea typeface="+mn-ea"/>
+                  <a:cs typeface="+mn-cs"/>
+                </a:rPr>
+                <a:t>36h - </a:t>
+              </a:r>
+              <a:r>
+                <a:rPr kumimoji="0" lang="de-DE" sz="1400" b="0" i="0" u="none" strike="noStrike" kern="1200" cap="none" spc="0" normalizeH="0" baseline="0" noProof="0" dirty="0" err="1">
+                  <a:ln>
+                    <a:noFill/>
+                  </a:ln>
+                  <a:solidFill>
+                    <a:prstClr val="black"/>
+                  </a:solidFill>
+                  <a:effectLst/>
+                  <a:uLnTx/>
+                  <a:uFillTx/>
+                  <a:latin typeface="Calibri" panose="020F0502020204030204"/>
+                  <a:ea typeface="+mn-ea"/>
+                  <a:cs typeface="+mn-cs"/>
+                </a:rPr>
+                <a:t>backoff</a:t>
+              </a:r>
+              <a:endParaRPr kumimoji="0" lang="en-DE" sz="1400" b="0" i="0" u="none" strike="noStrike" kern="1200" cap="none" spc="0" normalizeH="0" baseline="0" noProof="0" dirty="0">
+                <a:ln>
+                  <a:noFill/>
+                </a:ln>
+                <a:solidFill>
+                  <a:prstClr val="black"/>
+                </a:solidFill>
+                <a:effectLst/>
+                <a:uLnTx/>
+                <a:uFillTx/>
+                <a:latin typeface="Calibri" panose="020F0502020204030204"/>
+                <a:ea typeface="+mn-ea"/>
+                <a:cs typeface="+mn-cs"/>
+              </a:endParaRPr>
+            </a:p>
+          </p:txBody>
+        </p:sp>
+        <p:sp>
+          <p:nvSpPr>
+            <p:cNvPr id="20" name="TextBox 19">
+              <a:extLst>
+                <a:ext uri="{FF2B5EF4-FFF2-40B4-BE49-F238E27FC236}">
+                  <a16:creationId xmlns:a16="http://schemas.microsoft.com/office/drawing/2014/main" id="{00A78B70-0752-4506-8FCF-8CCEC9733A4E}"/>
+                </a:ext>
+              </a:extLst>
+            </p:cNvPr>
+            <p:cNvSpPr txBox="1"/>
+            <p:nvPr/>
+          </p:nvSpPr>
+          <p:spPr>
+            <a:xfrm>
+              <a:off x="5729567" y="2928017"/>
+              <a:ext cx="1122830" cy="307777"/>
+            </a:xfrm>
+            <a:prstGeom prst="rect">
+              <a:avLst/>
+            </a:prstGeom>
+            <a:noFill/>
+          </p:spPr>
+          <p:txBody>
+            <a:bodyPr wrap="square" rtlCol="0">
+              <a:spAutoFit/>
+            </a:bodyPr>
+            <a:lstStyle/>
+            <a:p>
+              <a:pPr marL="0" marR="0" lvl="0" indent="0" algn="ctr" defTabSz="914400" rtl="0" eaLnBrk="1" fontAlgn="auto" latinLnBrk="0" hangingPunct="1">
+                <a:lnSpc>
+                  <a:spcPct val="100000"/>
+                </a:lnSpc>
+                <a:spcBef>
+                  <a:spcPts val="0"/>
+                </a:spcBef>
+                <a:spcAft>
+                  <a:spcPts val="0"/>
+                </a:spcAft>
+                <a:buClrTx/>
+                <a:buSzTx/>
+                <a:buFontTx/>
+                <a:buNone/>
+                <a:tabLst/>
+                <a:defRPr/>
+              </a:pPr>
+              <a:r>
+                <a:rPr kumimoji="0" lang="de-DE" sz="1400" b="0" i="0" u="none" strike="noStrike" kern="1200" cap="none" spc="0" normalizeH="0" baseline="0" noProof="0" dirty="0">
+                  <a:ln>
+                    <a:noFill/>
+                  </a:ln>
+                  <a:solidFill>
+                    <a:prstClr val="black"/>
+                  </a:solidFill>
+                  <a:effectLst/>
+                  <a:uLnTx/>
+                  <a:uFillTx/>
+                  <a:latin typeface="Calibri" panose="020F0502020204030204"/>
+                  <a:ea typeface="+mn-ea"/>
+                  <a:cs typeface="+mn-cs"/>
+                </a:rPr>
+                <a:t>36h</a:t>
+              </a:r>
+              <a:endParaRPr kumimoji="0" lang="en-DE" sz="1400" b="0" i="0" u="none" strike="noStrike" kern="1200" cap="none" spc="0" normalizeH="0" baseline="0" noProof="0" dirty="0">
+                <a:ln>
+                  <a:noFill/>
+                </a:ln>
+                <a:solidFill>
+                  <a:prstClr val="black"/>
+                </a:solidFill>
+                <a:effectLst/>
+                <a:uLnTx/>
+                <a:uFillTx/>
+                <a:latin typeface="Calibri" panose="020F0502020204030204"/>
+                <a:ea typeface="+mn-ea"/>
+                <a:cs typeface="+mn-cs"/>
+              </a:endParaRPr>
+            </a:p>
+          </p:txBody>
+        </p:sp>
+        <p:cxnSp>
+          <p:nvCxnSpPr>
+            <p:cNvPr id="22" name="Straight Connector 21">
+              <a:extLst>
+                <a:ext uri="{FF2B5EF4-FFF2-40B4-BE49-F238E27FC236}">
+                  <a16:creationId xmlns:a16="http://schemas.microsoft.com/office/drawing/2014/main" id="{194B2270-7795-490A-9AC0-1B821C563062}"/>
+                </a:ext>
+              </a:extLst>
+            </p:cNvPr>
+            <p:cNvCxnSpPr>
+              <a:cxnSpLocks/>
+            </p:cNvCxnSpPr>
+            <p:nvPr/>
+          </p:nvCxnSpPr>
+          <p:spPr>
+            <a:xfrm>
+              <a:off x="9827548" y="3180231"/>
+              <a:ext cx="0" cy="652183"/>
+            </a:xfrm>
+            <a:prstGeom prst="line">
+              <a:avLst/>
+            </a:prstGeom>
+            <a:ln w="28575"/>
+          </p:spPr>
+          <p:style>
+            <a:lnRef idx="1">
+              <a:schemeClr val="accent1"/>
+            </a:lnRef>
+            <a:fillRef idx="0">
+              <a:schemeClr val="accent1"/>
+            </a:fillRef>
+            <a:effectRef idx="0">
+              <a:schemeClr val="accent1"/>
+            </a:effectRef>
+            <a:fontRef idx="minor">
+              <a:schemeClr val="tx1"/>
+            </a:fontRef>
+          </p:style>
+        </p:cxnSp>
+        <p:sp>
+          <p:nvSpPr>
+            <p:cNvPr id="24" name="TextBox 23">
+              <a:extLst>
+                <a:ext uri="{FF2B5EF4-FFF2-40B4-BE49-F238E27FC236}">
+                  <a16:creationId xmlns:a16="http://schemas.microsoft.com/office/drawing/2014/main" id="{A4D73076-2A23-4994-846E-F3FA4521051C}"/>
+                </a:ext>
+              </a:extLst>
+            </p:cNvPr>
+            <p:cNvSpPr txBox="1"/>
+            <p:nvPr/>
+          </p:nvSpPr>
+          <p:spPr>
+            <a:xfrm>
+              <a:off x="9000003" y="2882161"/>
+              <a:ext cx="1592357" cy="307777"/>
+            </a:xfrm>
+            <a:prstGeom prst="rect">
+              <a:avLst/>
+            </a:prstGeom>
+            <a:noFill/>
+          </p:spPr>
+          <p:txBody>
+            <a:bodyPr wrap="square" rtlCol="0">
+              <a:spAutoFit/>
+            </a:bodyPr>
+            <a:lstStyle/>
+            <a:p>
+              <a:pPr marL="0" marR="0" lvl="0" indent="0" algn="ctr" defTabSz="914400" rtl="0" eaLnBrk="1" fontAlgn="auto" latinLnBrk="0" hangingPunct="1">
+                <a:lnSpc>
+                  <a:spcPct val="100000"/>
+                </a:lnSpc>
+                <a:spcBef>
+                  <a:spcPts val="0"/>
+                </a:spcBef>
+                <a:spcAft>
+                  <a:spcPts val="0"/>
+                </a:spcAft>
+                <a:buClrTx/>
+                <a:buSzTx/>
+                <a:buFontTx/>
+                <a:buNone/>
+                <a:tabLst/>
+                <a:defRPr/>
+              </a:pPr>
+              <a:r>
+                <a:rPr kumimoji="0" lang="de-DE" sz="1400" b="0" i="0" u="none" strike="noStrike" kern="1200" cap="none" spc="0" normalizeH="0" baseline="0" noProof="0" dirty="0">
+                  <a:ln>
+                    <a:noFill/>
+                  </a:ln>
+                  <a:solidFill>
+                    <a:prstClr val="black"/>
+                  </a:solidFill>
+                  <a:effectLst/>
+                  <a:uLnTx/>
+                  <a:uFillTx/>
+                  <a:latin typeface="Calibri" panose="020F0502020204030204"/>
+                  <a:ea typeface="+mn-ea"/>
+                  <a:cs typeface="+mn-cs"/>
+                </a:rPr>
+                <a:t>2years</a:t>
+              </a:r>
+              <a:endParaRPr kumimoji="0" lang="en-DE" sz="1400" b="0" i="0" u="none" strike="noStrike" kern="1200" cap="none" spc="0" normalizeH="0" baseline="0" noProof="0" dirty="0">
+                <a:ln>
+                  <a:noFill/>
+                </a:ln>
+                <a:solidFill>
+                  <a:prstClr val="black"/>
+                </a:solidFill>
+                <a:effectLst/>
+                <a:uLnTx/>
+                <a:uFillTx/>
+                <a:latin typeface="Calibri" panose="020F0502020204030204"/>
+                <a:ea typeface="+mn-ea"/>
+                <a:cs typeface="+mn-cs"/>
+              </a:endParaRPr>
+            </a:p>
+          </p:txBody>
+        </p:sp>
+        <p:sp>
+          <p:nvSpPr>
+            <p:cNvPr id="29" name="TextBox 28">
+              <a:extLst>
+                <a:ext uri="{FF2B5EF4-FFF2-40B4-BE49-F238E27FC236}">
+                  <a16:creationId xmlns:a16="http://schemas.microsoft.com/office/drawing/2014/main" id="{5C73A35B-539A-4C65-94C6-16CE93ED68F6}"/>
+                </a:ext>
+              </a:extLst>
+            </p:cNvPr>
+            <p:cNvSpPr txBox="1"/>
+            <p:nvPr/>
+          </p:nvSpPr>
+          <p:spPr>
+            <a:xfrm>
+              <a:off x="9911041" y="3611148"/>
+              <a:ext cx="1122830" cy="307777"/>
+            </a:xfrm>
+            <a:prstGeom prst="rect">
+              <a:avLst/>
+            </a:prstGeom>
+            <a:noFill/>
+          </p:spPr>
+          <p:txBody>
+            <a:bodyPr wrap="square" rtlCol="0">
+              <a:spAutoFit/>
+            </a:bodyPr>
+            <a:lstStyle/>
+            <a:p>
+              <a:pPr marL="0" marR="0" lvl="0" indent="0" algn="ctr" defTabSz="914400" rtl="0" eaLnBrk="1" fontAlgn="auto" latinLnBrk="0" hangingPunct="1">
+                <a:lnSpc>
+                  <a:spcPct val="100000"/>
+                </a:lnSpc>
+                <a:spcBef>
+                  <a:spcPts val="0"/>
+                </a:spcBef>
+                <a:spcAft>
+                  <a:spcPts val="0"/>
+                </a:spcAft>
+                <a:buClrTx/>
+                <a:buSzTx/>
+                <a:buFontTx/>
+                <a:buNone/>
+                <a:tabLst/>
+                <a:defRPr/>
+              </a:pPr>
+              <a:r>
+                <a:rPr kumimoji="0" lang="de-DE" sz="1400" b="0" i="0" u="none" strike="noStrike" kern="1200" cap="none" spc="0" normalizeH="0" baseline="0" noProof="0" dirty="0" err="1">
+                  <a:ln>
+                    <a:noFill/>
+                  </a:ln>
+                  <a:solidFill>
+                    <a:prstClr val="black"/>
+                  </a:solidFill>
+                  <a:effectLst/>
+                  <a:uLnTx/>
+                  <a:uFillTx/>
+                  <a:latin typeface="Calibri" panose="020F0502020204030204"/>
+                  <a:ea typeface="+mn-ea"/>
+                  <a:cs typeface="+mn-cs"/>
+                </a:rPr>
+                <a:t>token</a:t>
+              </a:r>
+              <a:r>
+                <a:rPr kumimoji="0" lang="de-DE" sz="1400" b="0" i="0" u="none" strike="noStrike" kern="1200" cap="none" spc="0" normalizeH="0" baseline="0" noProof="0" dirty="0">
+                  <a:ln>
+                    <a:noFill/>
+                  </a:ln>
+                  <a:solidFill>
+                    <a:prstClr val="black"/>
+                  </a:solidFill>
+                  <a:effectLst/>
+                  <a:uLnTx/>
+                  <a:uFillTx/>
+                  <a:latin typeface="Calibri" panose="020F0502020204030204"/>
+                  <a:ea typeface="+mn-ea"/>
+                  <a:cs typeface="+mn-cs"/>
+                </a:rPr>
+                <a:t> </a:t>
+              </a:r>
+              <a:r>
+                <a:rPr kumimoji="0" lang="de-DE" sz="1400" b="0" i="0" u="none" strike="noStrike" kern="1200" cap="none" spc="0" normalizeH="0" baseline="0" noProof="0" dirty="0" err="1">
+                  <a:ln>
+                    <a:noFill/>
+                  </a:ln>
+                  <a:solidFill>
+                    <a:prstClr val="black"/>
+                  </a:solidFill>
+                  <a:effectLst/>
+                  <a:uLnTx/>
+                  <a:uFillTx/>
+                  <a:latin typeface="Calibri" panose="020F0502020204030204"/>
+                  <a:ea typeface="+mn-ea"/>
+                  <a:cs typeface="+mn-cs"/>
+                </a:rPr>
+                <a:t>expiry</a:t>
+              </a:r>
+              <a:endParaRPr kumimoji="0" lang="en-DE" sz="1400" b="0" i="0" u="none" strike="noStrike" kern="1200" cap="none" spc="0" normalizeH="0" baseline="0" noProof="0" dirty="0">
+                <a:ln>
+                  <a:noFill/>
+                </a:ln>
+                <a:solidFill>
+                  <a:prstClr val="black"/>
+                </a:solidFill>
+                <a:effectLst/>
+                <a:uLnTx/>
+                <a:uFillTx/>
+                <a:latin typeface="Calibri" panose="020F0502020204030204"/>
+                <a:ea typeface="+mn-ea"/>
+                <a:cs typeface="+mn-cs"/>
+              </a:endParaRPr>
+            </a:p>
+          </p:txBody>
+        </p:sp>
+        <p:sp>
+          <p:nvSpPr>
+            <p:cNvPr id="31" name="TextBox 30">
+              <a:extLst>
+                <a:ext uri="{FF2B5EF4-FFF2-40B4-BE49-F238E27FC236}">
+                  <a16:creationId xmlns:a16="http://schemas.microsoft.com/office/drawing/2014/main" id="{65245136-1FCB-4233-8947-89B8C1F9D5B5}"/>
+                </a:ext>
+              </a:extLst>
+            </p:cNvPr>
+            <p:cNvSpPr txBox="1"/>
+            <p:nvPr/>
+          </p:nvSpPr>
+          <p:spPr>
+            <a:xfrm>
+              <a:off x="255485" y="3631457"/>
+              <a:ext cx="549097" cy="307777"/>
+            </a:xfrm>
+            <a:prstGeom prst="rect">
+              <a:avLst/>
+            </a:prstGeom>
+            <a:noFill/>
+          </p:spPr>
+          <p:txBody>
+            <a:bodyPr wrap="square" rtlCol="0">
+              <a:spAutoFit/>
+            </a:bodyPr>
+            <a:lstStyle/>
+            <a:p>
+              <a:pPr marL="0" marR="0" lvl="0" indent="0" algn="ctr" defTabSz="914400" rtl="0" eaLnBrk="1" fontAlgn="auto" latinLnBrk="0" hangingPunct="1">
+                <a:lnSpc>
+                  <a:spcPct val="100000"/>
+                </a:lnSpc>
+                <a:spcBef>
+                  <a:spcPts val="0"/>
+                </a:spcBef>
+                <a:spcAft>
+                  <a:spcPts val="0"/>
+                </a:spcAft>
+                <a:buClrTx/>
+                <a:buSzTx/>
+                <a:buFontTx/>
+                <a:buNone/>
+                <a:tabLst/>
+                <a:defRPr/>
+              </a:pPr>
+              <a:r>
+                <a:rPr kumimoji="0" lang="de-DE" sz="1400" b="0" i="0" u="none" strike="noStrike" kern="1200" cap="none" spc="0" normalizeH="0" baseline="0" noProof="0" dirty="0" err="1">
+                  <a:ln>
+                    <a:noFill/>
+                  </a:ln>
+                  <a:solidFill>
+                    <a:prstClr val="black"/>
+                  </a:solidFill>
+                  <a:effectLst/>
+                  <a:uLnTx/>
+                  <a:uFillTx/>
+                  <a:latin typeface="Calibri" panose="020F0502020204030204"/>
+                  <a:ea typeface="+mn-ea"/>
+                  <a:cs typeface="+mn-cs"/>
+                </a:rPr>
+                <a:t>start</a:t>
+              </a:r>
+              <a:endParaRPr kumimoji="0" lang="en-DE" sz="1400" b="0" i="0" u="none" strike="noStrike" kern="1200" cap="none" spc="0" normalizeH="0" baseline="0" noProof="0" dirty="0">
+                <a:ln>
+                  <a:noFill/>
+                </a:ln>
+                <a:solidFill>
+                  <a:prstClr val="black"/>
+                </a:solidFill>
+                <a:effectLst/>
+                <a:uLnTx/>
+                <a:uFillTx/>
+                <a:latin typeface="Calibri" panose="020F0502020204030204"/>
+                <a:ea typeface="+mn-ea"/>
+                <a:cs typeface="+mn-cs"/>
+              </a:endParaRPr>
+            </a:p>
+          </p:txBody>
+        </p:sp>
+        <p:cxnSp>
+          <p:nvCxnSpPr>
+            <p:cNvPr id="37" name="Straight Connector 36">
+              <a:extLst>
+                <a:ext uri="{FF2B5EF4-FFF2-40B4-BE49-F238E27FC236}">
+                  <a16:creationId xmlns:a16="http://schemas.microsoft.com/office/drawing/2014/main" id="{1D6221E1-4BAE-461C-B570-04226E0B74AF}"/>
+                </a:ext>
+              </a:extLst>
+            </p:cNvPr>
+            <p:cNvCxnSpPr/>
+            <p:nvPr/>
+          </p:nvCxnSpPr>
+          <p:spPr>
+            <a:xfrm flipV="1">
+              <a:off x="4331900" y="3375711"/>
+              <a:ext cx="74140" cy="102589"/>
+            </a:xfrm>
+            <a:prstGeom prst="line">
+              <a:avLst/>
+            </a:prstGeom>
+            <a:ln w="28575">
+              <a:solidFill>
+                <a:srgbClr val="7030A0"/>
+              </a:solidFill>
+            </a:ln>
+          </p:spPr>
+          <p:style>
+            <a:lnRef idx="1">
+              <a:schemeClr val="accent1"/>
+            </a:lnRef>
+            <a:fillRef idx="0">
+              <a:schemeClr val="accent1"/>
+            </a:fillRef>
+            <a:effectRef idx="0">
+              <a:schemeClr val="accent1"/>
+            </a:effectRef>
+            <a:fontRef idx="minor">
+              <a:schemeClr val="tx1"/>
+            </a:fontRef>
+          </p:style>
+        </p:cxnSp>
+        <p:cxnSp>
+          <p:nvCxnSpPr>
+            <p:cNvPr id="39" name="Straight Connector 38">
+              <a:extLst>
+                <a:ext uri="{FF2B5EF4-FFF2-40B4-BE49-F238E27FC236}">
+                  <a16:creationId xmlns:a16="http://schemas.microsoft.com/office/drawing/2014/main" id="{4B7EECC1-8CBE-4362-8FC8-23FE73C14EC6}"/>
+                </a:ext>
+              </a:extLst>
+            </p:cNvPr>
+            <p:cNvCxnSpPr>
+              <a:cxnSpLocks/>
+            </p:cNvCxnSpPr>
+            <p:nvPr/>
+          </p:nvCxnSpPr>
+          <p:spPr>
+            <a:xfrm flipV="1">
+              <a:off x="4420837" y="3377705"/>
+              <a:ext cx="74140" cy="102589"/>
+            </a:xfrm>
+            <a:prstGeom prst="line">
+              <a:avLst/>
+            </a:prstGeom>
+            <a:ln w="28575">
+              <a:solidFill>
+                <a:srgbClr val="7030A0"/>
+              </a:solidFill>
+            </a:ln>
+          </p:spPr>
+          <p:style>
+            <a:lnRef idx="1">
+              <a:schemeClr val="accent1"/>
+            </a:lnRef>
+            <a:fillRef idx="0">
+              <a:schemeClr val="accent1"/>
+            </a:fillRef>
+            <a:effectRef idx="0">
+              <a:schemeClr val="accent1"/>
+            </a:effectRef>
+            <a:fontRef idx="minor">
+              <a:schemeClr val="tx1"/>
+            </a:fontRef>
+          </p:style>
+        </p:cxnSp>
+        <p:cxnSp>
+          <p:nvCxnSpPr>
+            <p:cNvPr id="41" name="Straight Connector 40">
+              <a:extLst>
+                <a:ext uri="{FF2B5EF4-FFF2-40B4-BE49-F238E27FC236}">
+                  <a16:creationId xmlns:a16="http://schemas.microsoft.com/office/drawing/2014/main" id="{BD51BE7A-9632-4F4E-9C1E-AD9712C6213D}"/>
+                </a:ext>
+              </a:extLst>
+            </p:cNvPr>
+            <p:cNvCxnSpPr>
+              <a:cxnSpLocks/>
+            </p:cNvCxnSpPr>
+            <p:nvPr/>
+          </p:nvCxnSpPr>
+          <p:spPr>
+            <a:xfrm flipV="1">
+              <a:off x="4511655" y="3382702"/>
+              <a:ext cx="74140" cy="102589"/>
+            </a:xfrm>
+            <a:prstGeom prst="line">
+              <a:avLst/>
+            </a:prstGeom>
+            <a:ln w="28575">
+              <a:solidFill>
+                <a:srgbClr val="7030A0"/>
+              </a:solidFill>
+            </a:ln>
+          </p:spPr>
+          <p:style>
+            <a:lnRef idx="1">
+              <a:schemeClr val="accent1"/>
+            </a:lnRef>
+            <a:fillRef idx="0">
+              <a:schemeClr val="accent1"/>
+            </a:fillRef>
+            <a:effectRef idx="0">
+              <a:schemeClr val="accent1"/>
+            </a:effectRef>
+            <a:fontRef idx="minor">
+              <a:schemeClr val="tx1"/>
+            </a:fontRef>
+          </p:style>
+        </p:cxnSp>
+        <p:cxnSp>
+          <p:nvCxnSpPr>
+            <p:cNvPr id="43" name="Straight Connector 42">
+              <a:extLst>
+                <a:ext uri="{FF2B5EF4-FFF2-40B4-BE49-F238E27FC236}">
+                  <a16:creationId xmlns:a16="http://schemas.microsoft.com/office/drawing/2014/main" id="{5BA4A220-6B69-4D1F-94E3-5E618A497143}"/>
+                </a:ext>
+              </a:extLst>
+            </p:cNvPr>
+            <p:cNvCxnSpPr>
+              <a:cxnSpLocks/>
+            </p:cNvCxnSpPr>
+            <p:nvPr/>
+          </p:nvCxnSpPr>
+          <p:spPr>
+            <a:xfrm flipV="1">
+              <a:off x="4617161" y="3372948"/>
+              <a:ext cx="74140" cy="102589"/>
+            </a:xfrm>
+            <a:prstGeom prst="line">
+              <a:avLst/>
+            </a:prstGeom>
+            <a:ln w="28575">
+              <a:solidFill>
+                <a:srgbClr val="7030A0"/>
+              </a:solidFill>
+            </a:ln>
+          </p:spPr>
+          <p:style>
+            <a:lnRef idx="1">
+              <a:schemeClr val="accent1"/>
+            </a:lnRef>
+            <a:fillRef idx="0">
+              <a:schemeClr val="accent1"/>
+            </a:fillRef>
+            <a:effectRef idx="0">
+              <a:schemeClr val="accent1"/>
+            </a:effectRef>
+            <a:fontRef idx="minor">
+              <a:schemeClr val="tx1"/>
+            </a:fontRef>
+          </p:style>
+        </p:cxnSp>
+        <p:cxnSp>
+          <p:nvCxnSpPr>
+            <p:cNvPr id="45" name="Straight Connector 44">
+              <a:extLst>
+                <a:ext uri="{FF2B5EF4-FFF2-40B4-BE49-F238E27FC236}">
+                  <a16:creationId xmlns:a16="http://schemas.microsoft.com/office/drawing/2014/main" id="{12FD04B9-B923-4FF1-ADAC-CB067AA8F95D}"/>
+                </a:ext>
+              </a:extLst>
+            </p:cNvPr>
+            <p:cNvCxnSpPr>
+              <a:cxnSpLocks/>
+            </p:cNvCxnSpPr>
+            <p:nvPr/>
+          </p:nvCxnSpPr>
+          <p:spPr>
+            <a:xfrm flipV="1">
+              <a:off x="4717488" y="3374460"/>
+              <a:ext cx="74140" cy="102589"/>
+            </a:xfrm>
+            <a:prstGeom prst="line">
+              <a:avLst/>
+            </a:prstGeom>
+            <a:ln w="28575">
+              <a:solidFill>
+                <a:srgbClr val="7030A0"/>
+              </a:solidFill>
+            </a:ln>
+          </p:spPr>
+          <p:style>
+            <a:lnRef idx="1">
+              <a:schemeClr val="accent1"/>
+            </a:lnRef>
+            <a:fillRef idx="0">
+              <a:schemeClr val="accent1"/>
+            </a:fillRef>
+            <a:effectRef idx="0">
+              <a:schemeClr val="accent1"/>
+            </a:effectRef>
+            <a:fontRef idx="minor">
+              <a:schemeClr val="tx1"/>
+            </a:fontRef>
+          </p:style>
+        </p:cxnSp>
+        <p:cxnSp>
+          <p:nvCxnSpPr>
+            <p:cNvPr id="47" name="Straight Connector 46">
+              <a:extLst>
+                <a:ext uri="{FF2B5EF4-FFF2-40B4-BE49-F238E27FC236}">
+                  <a16:creationId xmlns:a16="http://schemas.microsoft.com/office/drawing/2014/main" id="{F127C46A-D62E-494A-A9C9-8F79897CF6E9}"/>
+                </a:ext>
+              </a:extLst>
+            </p:cNvPr>
+            <p:cNvCxnSpPr>
+              <a:cxnSpLocks/>
+            </p:cNvCxnSpPr>
+            <p:nvPr/>
+          </p:nvCxnSpPr>
+          <p:spPr>
+            <a:xfrm flipV="1">
+              <a:off x="4613630" y="3372948"/>
+              <a:ext cx="74140" cy="102589"/>
+            </a:xfrm>
+            <a:prstGeom prst="line">
+              <a:avLst/>
+            </a:prstGeom>
+            <a:ln w="28575">
+              <a:solidFill>
+                <a:srgbClr val="7030A0"/>
+              </a:solidFill>
+            </a:ln>
+          </p:spPr>
+          <p:style>
+            <a:lnRef idx="1">
+              <a:schemeClr val="accent1"/>
+            </a:lnRef>
+            <a:fillRef idx="0">
+              <a:schemeClr val="accent1"/>
+            </a:fillRef>
+            <a:effectRef idx="0">
+              <a:schemeClr val="accent1"/>
+            </a:effectRef>
+            <a:fontRef idx="minor">
+              <a:schemeClr val="tx1"/>
+            </a:fontRef>
+          </p:style>
+        </p:cxnSp>
+        <p:cxnSp>
+          <p:nvCxnSpPr>
+            <p:cNvPr id="49" name="Straight Connector 48">
+              <a:extLst>
+                <a:ext uri="{FF2B5EF4-FFF2-40B4-BE49-F238E27FC236}">
+                  <a16:creationId xmlns:a16="http://schemas.microsoft.com/office/drawing/2014/main" id="{8BA12C36-AEA1-4947-8606-92864E59C8D4}"/>
+                </a:ext>
+              </a:extLst>
+            </p:cNvPr>
+            <p:cNvCxnSpPr>
+              <a:cxnSpLocks/>
+            </p:cNvCxnSpPr>
+            <p:nvPr/>
+          </p:nvCxnSpPr>
+          <p:spPr>
+            <a:xfrm flipV="1">
+              <a:off x="4810696" y="3370910"/>
+              <a:ext cx="74140" cy="102589"/>
+            </a:xfrm>
+            <a:prstGeom prst="line">
+              <a:avLst/>
+            </a:prstGeom>
+            <a:ln w="28575">
+              <a:solidFill>
+                <a:srgbClr val="7030A0"/>
+              </a:solidFill>
+            </a:ln>
+          </p:spPr>
+          <p:style>
+            <a:lnRef idx="1">
+              <a:schemeClr val="accent1"/>
+            </a:lnRef>
+            <a:fillRef idx="0">
+              <a:schemeClr val="accent1"/>
+            </a:fillRef>
+            <a:effectRef idx="0">
+              <a:schemeClr val="accent1"/>
+            </a:effectRef>
+            <a:fontRef idx="minor">
+              <a:schemeClr val="tx1"/>
+            </a:fontRef>
+          </p:style>
+        </p:cxnSp>
+        <p:cxnSp>
+          <p:nvCxnSpPr>
+            <p:cNvPr id="51" name="Straight Connector 50">
+              <a:extLst>
+                <a:ext uri="{FF2B5EF4-FFF2-40B4-BE49-F238E27FC236}">
+                  <a16:creationId xmlns:a16="http://schemas.microsoft.com/office/drawing/2014/main" id="{B727141A-AF6C-4D67-9BF0-582F93AA6397}"/>
+                </a:ext>
+              </a:extLst>
+            </p:cNvPr>
+            <p:cNvCxnSpPr>
+              <a:cxnSpLocks/>
+            </p:cNvCxnSpPr>
+            <p:nvPr/>
+          </p:nvCxnSpPr>
+          <p:spPr>
+            <a:xfrm flipV="1">
+              <a:off x="4904543" y="3374422"/>
+              <a:ext cx="74140" cy="102589"/>
+            </a:xfrm>
+            <a:prstGeom prst="line">
+              <a:avLst/>
+            </a:prstGeom>
+            <a:ln w="28575">
+              <a:solidFill>
+                <a:srgbClr val="7030A0"/>
+              </a:solidFill>
+            </a:ln>
+          </p:spPr>
+          <p:style>
+            <a:lnRef idx="1">
+              <a:schemeClr val="accent1"/>
+            </a:lnRef>
+            <a:fillRef idx="0">
+              <a:schemeClr val="accent1"/>
+            </a:fillRef>
+            <a:effectRef idx="0">
+              <a:schemeClr val="accent1"/>
+            </a:effectRef>
+            <a:fontRef idx="minor">
+              <a:schemeClr val="tx1"/>
+            </a:fontRef>
+          </p:style>
+        </p:cxnSp>
+        <p:cxnSp>
+          <p:nvCxnSpPr>
+            <p:cNvPr id="53" name="Straight Connector 52">
+              <a:extLst>
+                <a:ext uri="{FF2B5EF4-FFF2-40B4-BE49-F238E27FC236}">
+                  <a16:creationId xmlns:a16="http://schemas.microsoft.com/office/drawing/2014/main" id="{D098DFEC-410E-4107-BB2E-6AF5B73B5FE9}"/>
+                </a:ext>
+              </a:extLst>
+            </p:cNvPr>
+            <p:cNvCxnSpPr>
+              <a:cxnSpLocks/>
+            </p:cNvCxnSpPr>
+            <p:nvPr/>
+          </p:nvCxnSpPr>
+          <p:spPr>
+            <a:xfrm flipV="1">
+              <a:off x="5004962" y="3377131"/>
+              <a:ext cx="74140" cy="102589"/>
+            </a:xfrm>
+            <a:prstGeom prst="line">
+              <a:avLst/>
+            </a:prstGeom>
+            <a:ln w="28575">
+              <a:solidFill>
+                <a:srgbClr val="7030A0"/>
+              </a:solidFill>
+            </a:ln>
+          </p:spPr>
+          <p:style>
+            <a:lnRef idx="1">
+              <a:schemeClr val="accent1"/>
+            </a:lnRef>
+            <a:fillRef idx="0">
+              <a:schemeClr val="accent1"/>
+            </a:fillRef>
+            <a:effectRef idx="0">
+              <a:schemeClr val="accent1"/>
+            </a:effectRef>
+            <a:fontRef idx="minor">
+              <a:schemeClr val="tx1"/>
+            </a:fontRef>
+          </p:style>
+        </p:cxnSp>
+        <p:cxnSp>
+          <p:nvCxnSpPr>
+            <p:cNvPr id="55" name="Straight Connector 54">
+              <a:extLst>
+                <a:ext uri="{FF2B5EF4-FFF2-40B4-BE49-F238E27FC236}">
+                  <a16:creationId xmlns:a16="http://schemas.microsoft.com/office/drawing/2014/main" id="{F508DAEA-235B-4844-945B-3DFC725D256B}"/>
+                </a:ext>
+              </a:extLst>
+            </p:cNvPr>
+            <p:cNvCxnSpPr>
+              <a:cxnSpLocks/>
+            </p:cNvCxnSpPr>
+            <p:nvPr/>
+          </p:nvCxnSpPr>
+          <p:spPr>
+            <a:xfrm flipV="1">
+              <a:off x="5121658" y="3372948"/>
+              <a:ext cx="74140" cy="102589"/>
+            </a:xfrm>
+            <a:prstGeom prst="line">
+              <a:avLst/>
+            </a:prstGeom>
+            <a:ln w="28575">
+              <a:solidFill>
+                <a:srgbClr val="7030A0"/>
+              </a:solidFill>
+            </a:ln>
+          </p:spPr>
+          <p:style>
+            <a:lnRef idx="1">
+              <a:schemeClr val="accent1"/>
+            </a:lnRef>
+            <a:fillRef idx="0">
+              <a:schemeClr val="accent1"/>
+            </a:fillRef>
+            <a:effectRef idx="0">
+              <a:schemeClr val="accent1"/>
+            </a:effectRef>
+            <a:fontRef idx="minor">
+              <a:schemeClr val="tx1"/>
+            </a:fontRef>
+          </p:style>
+        </p:cxnSp>
+        <p:cxnSp>
+          <p:nvCxnSpPr>
+            <p:cNvPr id="57" name="Straight Connector 56">
+              <a:extLst>
+                <a:ext uri="{FF2B5EF4-FFF2-40B4-BE49-F238E27FC236}">
+                  <a16:creationId xmlns:a16="http://schemas.microsoft.com/office/drawing/2014/main" id="{A50176C2-6F64-4B71-81E9-303F2AE4E490}"/>
+                </a:ext>
+              </a:extLst>
+            </p:cNvPr>
+            <p:cNvCxnSpPr>
+              <a:cxnSpLocks/>
+            </p:cNvCxnSpPr>
+            <p:nvPr/>
+          </p:nvCxnSpPr>
+          <p:spPr>
+            <a:xfrm flipV="1">
+              <a:off x="5229927" y="3377882"/>
+              <a:ext cx="74140" cy="102589"/>
+            </a:xfrm>
+            <a:prstGeom prst="line">
+              <a:avLst/>
+            </a:prstGeom>
+            <a:ln w="28575">
+              <a:solidFill>
+                <a:srgbClr val="7030A0"/>
+              </a:solidFill>
+            </a:ln>
+          </p:spPr>
+          <p:style>
+            <a:lnRef idx="1">
+              <a:schemeClr val="accent1"/>
+            </a:lnRef>
+            <a:fillRef idx="0">
+              <a:schemeClr val="accent1"/>
+            </a:fillRef>
+            <a:effectRef idx="0">
+              <a:schemeClr val="accent1"/>
+            </a:effectRef>
+            <a:fontRef idx="minor">
+              <a:schemeClr val="tx1"/>
+            </a:fontRef>
+          </p:style>
+        </p:cxnSp>
+        <p:cxnSp>
+          <p:nvCxnSpPr>
+            <p:cNvPr id="59" name="Straight Connector 58">
+              <a:extLst>
+                <a:ext uri="{FF2B5EF4-FFF2-40B4-BE49-F238E27FC236}">
+                  <a16:creationId xmlns:a16="http://schemas.microsoft.com/office/drawing/2014/main" id="{6E5F10E1-5204-43E8-8CB0-BD479564B4B9}"/>
+                </a:ext>
+              </a:extLst>
+            </p:cNvPr>
+            <p:cNvCxnSpPr>
+              <a:cxnSpLocks/>
+            </p:cNvCxnSpPr>
+            <p:nvPr/>
+          </p:nvCxnSpPr>
+          <p:spPr>
+            <a:xfrm flipV="1">
+              <a:off x="5330254" y="3382102"/>
+              <a:ext cx="74140" cy="102589"/>
+            </a:xfrm>
+            <a:prstGeom prst="line">
+              <a:avLst/>
+            </a:prstGeom>
+            <a:ln w="28575">
+              <a:solidFill>
+                <a:srgbClr val="7030A0"/>
+              </a:solidFill>
+            </a:ln>
+          </p:spPr>
+          <p:style>
+            <a:lnRef idx="1">
+              <a:schemeClr val="accent1"/>
+            </a:lnRef>
+            <a:fillRef idx="0">
+              <a:schemeClr val="accent1"/>
+            </a:fillRef>
+            <a:effectRef idx="0">
+              <a:schemeClr val="accent1"/>
+            </a:effectRef>
+            <a:fontRef idx="minor">
+              <a:schemeClr val="tx1"/>
+            </a:fontRef>
+          </p:style>
+        </p:cxnSp>
+        <p:cxnSp>
+          <p:nvCxnSpPr>
+            <p:cNvPr id="61" name="Straight Connector 60">
+              <a:extLst>
+                <a:ext uri="{FF2B5EF4-FFF2-40B4-BE49-F238E27FC236}">
+                  <a16:creationId xmlns:a16="http://schemas.microsoft.com/office/drawing/2014/main" id="{0D6D84E8-A3EC-45E1-80B6-EC8F13598914}"/>
+                </a:ext>
+              </a:extLst>
+            </p:cNvPr>
+            <p:cNvCxnSpPr>
+              <a:cxnSpLocks/>
+            </p:cNvCxnSpPr>
+            <p:nvPr/>
+          </p:nvCxnSpPr>
+          <p:spPr>
+            <a:xfrm flipV="1">
+              <a:off x="5425694" y="3376478"/>
+              <a:ext cx="74140" cy="102589"/>
+            </a:xfrm>
+            <a:prstGeom prst="line">
+              <a:avLst/>
+            </a:prstGeom>
+            <a:ln w="28575">
+              <a:solidFill>
+                <a:srgbClr val="7030A0"/>
+              </a:solidFill>
+            </a:ln>
+          </p:spPr>
+          <p:style>
+            <a:lnRef idx="1">
+              <a:schemeClr val="accent1"/>
+            </a:lnRef>
+            <a:fillRef idx="0">
+              <a:schemeClr val="accent1"/>
+            </a:fillRef>
+            <a:effectRef idx="0">
+              <a:schemeClr val="accent1"/>
+            </a:effectRef>
+            <a:fontRef idx="minor">
+              <a:schemeClr val="tx1"/>
+            </a:fontRef>
+          </p:style>
+        </p:cxnSp>
+        <p:cxnSp>
+          <p:nvCxnSpPr>
+            <p:cNvPr id="63" name="Straight Connector 62">
+              <a:extLst>
+                <a:ext uri="{FF2B5EF4-FFF2-40B4-BE49-F238E27FC236}">
+                  <a16:creationId xmlns:a16="http://schemas.microsoft.com/office/drawing/2014/main" id="{6541B365-1F0B-47E1-AB06-24442A8C223F}"/>
+                </a:ext>
+              </a:extLst>
+            </p:cNvPr>
+            <p:cNvCxnSpPr>
+              <a:cxnSpLocks/>
+            </p:cNvCxnSpPr>
+            <p:nvPr/>
+          </p:nvCxnSpPr>
+          <p:spPr>
+            <a:xfrm flipV="1">
+              <a:off x="5533036" y="3372948"/>
+              <a:ext cx="74140" cy="102589"/>
+            </a:xfrm>
+            <a:prstGeom prst="line">
+              <a:avLst/>
+            </a:prstGeom>
+            <a:ln w="28575">
+              <a:solidFill>
+                <a:srgbClr val="7030A0"/>
+              </a:solidFill>
+            </a:ln>
+          </p:spPr>
+          <p:style>
+            <a:lnRef idx="1">
+              <a:schemeClr val="accent1"/>
+            </a:lnRef>
+            <a:fillRef idx="0">
+              <a:schemeClr val="accent1"/>
+            </a:fillRef>
+            <a:effectRef idx="0">
+              <a:schemeClr val="accent1"/>
+            </a:effectRef>
+            <a:fontRef idx="minor">
+              <a:schemeClr val="tx1"/>
+            </a:fontRef>
+          </p:style>
+        </p:cxnSp>
+        <p:cxnSp>
+          <p:nvCxnSpPr>
+            <p:cNvPr id="65" name="Straight Connector 64">
+              <a:extLst>
+                <a:ext uri="{FF2B5EF4-FFF2-40B4-BE49-F238E27FC236}">
+                  <a16:creationId xmlns:a16="http://schemas.microsoft.com/office/drawing/2014/main" id="{1B967ADC-DAB5-40F5-94B0-CF09A11BA48C}"/>
+                </a:ext>
+              </a:extLst>
+            </p:cNvPr>
+            <p:cNvCxnSpPr>
+              <a:cxnSpLocks/>
+            </p:cNvCxnSpPr>
+            <p:nvPr/>
+          </p:nvCxnSpPr>
+          <p:spPr>
+            <a:xfrm flipV="1">
+              <a:off x="5631357" y="3370874"/>
+              <a:ext cx="74140" cy="102589"/>
+            </a:xfrm>
+            <a:prstGeom prst="line">
+              <a:avLst/>
+            </a:prstGeom>
+            <a:ln w="28575">
+              <a:solidFill>
+                <a:srgbClr val="7030A0"/>
+              </a:solidFill>
+            </a:ln>
+          </p:spPr>
+          <p:style>
+            <a:lnRef idx="1">
+              <a:schemeClr val="accent1"/>
+            </a:lnRef>
+            <a:fillRef idx="0">
+              <a:schemeClr val="accent1"/>
+            </a:fillRef>
+            <a:effectRef idx="0">
+              <a:schemeClr val="accent1"/>
+            </a:effectRef>
+            <a:fontRef idx="minor">
+              <a:schemeClr val="tx1"/>
+            </a:fontRef>
+          </p:style>
+        </p:cxnSp>
+        <p:cxnSp>
+          <p:nvCxnSpPr>
+            <p:cNvPr id="67" name="Straight Connector 66">
+              <a:extLst>
+                <a:ext uri="{FF2B5EF4-FFF2-40B4-BE49-F238E27FC236}">
+                  <a16:creationId xmlns:a16="http://schemas.microsoft.com/office/drawing/2014/main" id="{40FBF189-8494-42AE-A8CB-E839506F330C}"/>
+                </a:ext>
+              </a:extLst>
+            </p:cNvPr>
+            <p:cNvCxnSpPr>
+              <a:cxnSpLocks/>
+            </p:cNvCxnSpPr>
+            <p:nvPr/>
+          </p:nvCxnSpPr>
+          <p:spPr>
+            <a:xfrm flipV="1">
+              <a:off x="5728898" y="3373126"/>
+              <a:ext cx="74140" cy="102589"/>
+            </a:xfrm>
+            <a:prstGeom prst="line">
+              <a:avLst/>
+            </a:prstGeom>
+            <a:ln w="28575">
+              <a:solidFill>
+                <a:srgbClr val="7030A0"/>
+              </a:solidFill>
+            </a:ln>
+          </p:spPr>
+          <p:style>
+            <a:lnRef idx="1">
+              <a:schemeClr val="accent1"/>
+            </a:lnRef>
+            <a:fillRef idx="0">
+              <a:schemeClr val="accent1"/>
+            </a:fillRef>
+            <a:effectRef idx="0">
+              <a:schemeClr val="accent1"/>
+            </a:effectRef>
+            <a:fontRef idx="minor">
+              <a:schemeClr val="tx1"/>
+            </a:fontRef>
+          </p:style>
+        </p:cxnSp>
+        <p:cxnSp>
+          <p:nvCxnSpPr>
+            <p:cNvPr id="69" name="Straight Connector 68">
+              <a:extLst>
+                <a:ext uri="{FF2B5EF4-FFF2-40B4-BE49-F238E27FC236}">
+                  <a16:creationId xmlns:a16="http://schemas.microsoft.com/office/drawing/2014/main" id="{D6A6B370-C210-47D1-A814-40F371C5B831}"/>
+                </a:ext>
+              </a:extLst>
+            </p:cNvPr>
+            <p:cNvCxnSpPr>
+              <a:cxnSpLocks/>
+            </p:cNvCxnSpPr>
+            <p:nvPr/>
+          </p:nvCxnSpPr>
+          <p:spPr>
+            <a:xfrm flipV="1">
+              <a:off x="5825978" y="3378588"/>
+              <a:ext cx="74140" cy="102589"/>
+            </a:xfrm>
+            <a:prstGeom prst="line">
+              <a:avLst/>
+            </a:prstGeom>
+            <a:ln w="28575">
+              <a:solidFill>
+                <a:srgbClr val="7030A0"/>
+              </a:solidFill>
+            </a:ln>
+          </p:spPr>
+          <p:style>
+            <a:lnRef idx="1">
+              <a:schemeClr val="accent1"/>
+            </a:lnRef>
+            <a:fillRef idx="0">
+              <a:schemeClr val="accent1"/>
+            </a:fillRef>
+            <a:effectRef idx="0">
+              <a:schemeClr val="accent1"/>
+            </a:effectRef>
+            <a:fontRef idx="minor">
+              <a:schemeClr val="tx1"/>
+            </a:fontRef>
+          </p:style>
+        </p:cxnSp>
+        <p:cxnSp>
+          <p:nvCxnSpPr>
+            <p:cNvPr id="71" name="Straight Connector 70">
+              <a:extLst>
+                <a:ext uri="{FF2B5EF4-FFF2-40B4-BE49-F238E27FC236}">
+                  <a16:creationId xmlns:a16="http://schemas.microsoft.com/office/drawing/2014/main" id="{071D638D-8217-4B31-A8D2-D69AE90445F2}"/>
+                </a:ext>
+              </a:extLst>
+            </p:cNvPr>
+            <p:cNvCxnSpPr>
+              <a:cxnSpLocks/>
+            </p:cNvCxnSpPr>
+            <p:nvPr/>
+          </p:nvCxnSpPr>
+          <p:spPr>
+            <a:xfrm flipV="1">
+              <a:off x="5926189" y="3379521"/>
+              <a:ext cx="74140" cy="102589"/>
+            </a:xfrm>
+            <a:prstGeom prst="line">
+              <a:avLst/>
+            </a:prstGeom>
+            <a:ln w="28575">
+              <a:solidFill>
+                <a:srgbClr val="7030A0"/>
+              </a:solidFill>
+            </a:ln>
+          </p:spPr>
+          <p:style>
+            <a:lnRef idx="1">
+              <a:schemeClr val="accent1"/>
+            </a:lnRef>
+            <a:fillRef idx="0">
+              <a:schemeClr val="accent1"/>
+            </a:fillRef>
+            <a:effectRef idx="0">
+              <a:schemeClr val="accent1"/>
+            </a:effectRef>
+            <a:fontRef idx="minor">
+              <a:schemeClr val="tx1"/>
+            </a:fontRef>
+          </p:style>
+        </p:cxnSp>
+        <p:cxnSp>
+          <p:nvCxnSpPr>
+            <p:cNvPr id="73" name="Straight Connector 72">
+              <a:extLst>
+                <a:ext uri="{FF2B5EF4-FFF2-40B4-BE49-F238E27FC236}">
+                  <a16:creationId xmlns:a16="http://schemas.microsoft.com/office/drawing/2014/main" id="{1791A139-E455-44E0-A534-CB2EEB3E28AB}"/>
+                </a:ext>
+              </a:extLst>
+            </p:cNvPr>
+            <p:cNvCxnSpPr>
+              <a:cxnSpLocks/>
+            </p:cNvCxnSpPr>
+            <p:nvPr/>
+          </p:nvCxnSpPr>
+          <p:spPr>
+            <a:xfrm flipV="1">
+              <a:off x="6026545" y="3372967"/>
+              <a:ext cx="74140" cy="102589"/>
+            </a:xfrm>
+            <a:prstGeom prst="line">
+              <a:avLst/>
+            </a:prstGeom>
+            <a:ln w="28575">
+              <a:solidFill>
+                <a:srgbClr val="7030A0"/>
+              </a:solidFill>
+            </a:ln>
+          </p:spPr>
+          <p:style>
+            <a:lnRef idx="1">
+              <a:schemeClr val="accent1"/>
+            </a:lnRef>
+            <a:fillRef idx="0">
+              <a:schemeClr val="accent1"/>
+            </a:fillRef>
+            <a:effectRef idx="0">
+              <a:schemeClr val="accent1"/>
+            </a:effectRef>
+            <a:fontRef idx="minor">
+              <a:schemeClr val="tx1"/>
+            </a:fontRef>
+          </p:style>
+        </p:cxnSp>
+        <p:cxnSp>
+          <p:nvCxnSpPr>
+            <p:cNvPr id="75" name="Straight Connector 74">
+              <a:extLst>
+                <a:ext uri="{FF2B5EF4-FFF2-40B4-BE49-F238E27FC236}">
+                  <a16:creationId xmlns:a16="http://schemas.microsoft.com/office/drawing/2014/main" id="{2F9969DF-3F06-4A83-9F31-405FB6F4440E}"/>
+                </a:ext>
+              </a:extLst>
+            </p:cNvPr>
+            <p:cNvCxnSpPr>
+              <a:cxnSpLocks/>
+            </p:cNvCxnSpPr>
+            <p:nvPr/>
+          </p:nvCxnSpPr>
+          <p:spPr>
+            <a:xfrm flipV="1">
+              <a:off x="6105044" y="3377130"/>
+              <a:ext cx="74140" cy="102589"/>
+            </a:xfrm>
+            <a:prstGeom prst="line">
+              <a:avLst/>
+            </a:prstGeom>
+            <a:ln w="28575">
+              <a:solidFill>
+                <a:srgbClr val="7030A0"/>
+              </a:solidFill>
+            </a:ln>
+          </p:spPr>
+          <p:style>
+            <a:lnRef idx="1">
+              <a:schemeClr val="accent1"/>
+            </a:lnRef>
+            <a:fillRef idx="0">
+              <a:schemeClr val="accent1"/>
+            </a:fillRef>
+            <a:effectRef idx="0">
+              <a:schemeClr val="accent1"/>
+            </a:effectRef>
+            <a:fontRef idx="minor">
+              <a:schemeClr val="tx1"/>
+            </a:fontRef>
+          </p:style>
+        </p:cxnSp>
+        <p:cxnSp>
+          <p:nvCxnSpPr>
+            <p:cNvPr id="77" name="Straight Connector 76">
+              <a:extLst>
+                <a:ext uri="{FF2B5EF4-FFF2-40B4-BE49-F238E27FC236}">
+                  <a16:creationId xmlns:a16="http://schemas.microsoft.com/office/drawing/2014/main" id="{EF102DB3-7681-492B-93E3-30199276EE75}"/>
+                </a:ext>
+              </a:extLst>
+            </p:cNvPr>
+            <p:cNvCxnSpPr>
+              <a:cxnSpLocks/>
+            </p:cNvCxnSpPr>
+            <p:nvPr/>
+          </p:nvCxnSpPr>
+          <p:spPr>
+            <a:xfrm flipV="1">
+              <a:off x="6185002" y="3374454"/>
+              <a:ext cx="74140" cy="102589"/>
+            </a:xfrm>
+            <a:prstGeom prst="line">
+              <a:avLst/>
+            </a:prstGeom>
+            <a:ln w="28575">
+              <a:solidFill>
+                <a:srgbClr val="7030A0"/>
+              </a:solidFill>
+            </a:ln>
+          </p:spPr>
+          <p:style>
+            <a:lnRef idx="1">
+              <a:schemeClr val="accent1"/>
+            </a:lnRef>
+            <a:fillRef idx="0">
+              <a:schemeClr val="accent1"/>
+            </a:fillRef>
+            <a:effectRef idx="0">
+              <a:schemeClr val="accent1"/>
+            </a:effectRef>
+            <a:fontRef idx="minor">
+              <a:schemeClr val="tx1"/>
+            </a:fontRef>
+          </p:style>
+        </p:cxnSp>
+        <p:cxnSp>
+          <p:nvCxnSpPr>
+            <p:cNvPr id="81" name="Straight Connector 80">
+              <a:extLst>
+                <a:ext uri="{FF2B5EF4-FFF2-40B4-BE49-F238E27FC236}">
+                  <a16:creationId xmlns:a16="http://schemas.microsoft.com/office/drawing/2014/main" id="{59497713-83B8-472D-AF87-50F1F24B70BC}"/>
+                </a:ext>
+              </a:extLst>
+            </p:cNvPr>
+            <p:cNvCxnSpPr>
+              <a:cxnSpLocks/>
+            </p:cNvCxnSpPr>
+            <p:nvPr/>
+          </p:nvCxnSpPr>
+          <p:spPr>
+            <a:xfrm flipV="1">
+              <a:off x="7852594" y="4087230"/>
+              <a:ext cx="74140" cy="102589"/>
+            </a:xfrm>
+            <a:prstGeom prst="line">
+              <a:avLst/>
+            </a:prstGeom>
+            <a:ln w="28575">
+              <a:solidFill>
+                <a:srgbClr val="7030A0"/>
+              </a:solidFill>
+            </a:ln>
+          </p:spPr>
+          <p:style>
+            <a:lnRef idx="1">
+              <a:schemeClr val="accent1"/>
+            </a:lnRef>
+            <a:fillRef idx="0">
+              <a:schemeClr val="accent1"/>
+            </a:fillRef>
+            <a:effectRef idx="0">
+              <a:schemeClr val="accent1"/>
+            </a:effectRef>
+            <a:fontRef idx="minor">
+              <a:schemeClr val="tx1"/>
+            </a:fontRef>
+          </p:style>
+        </p:cxnSp>
+        <p:cxnSp>
+          <p:nvCxnSpPr>
+            <p:cNvPr id="83" name="Straight Connector 82">
+              <a:extLst>
+                <a:ext uri="{FF2B5EF4-FFF2-40B4-BE49-F238E27FC236}">
+                  <a16:creationId xmlns:a16="http://schemas.microsoft.com/office/drawing/2014/main" id="{FA164432-EE65-49BF-B112-C4D153185C92}"/>
+                </a:ext>
+              </a:extLst>
+            </p:cNvPr>
+            <p:cNvCxnSpPr>
+              <a:cxnSpLocks/>
+            </p:cNvCxnSpPr>
+            <p:nvPr/>
+          </p:nvCxnSpPr>
+          <p:spPr>
+            <a:xfrm flipV="1">
+              <a:off x="7939727" y="4096331"/>
+              <a:ext cx="74140" cy="102589"/>
+            </a:xfrm>
+            <a:prstGeom prst="line">
+              <a:avLst/>
+            </a:prstGeom>
+            <a:ln w="28575">
+              <a:solidFill>
+                <a:srgbClr val="7030A0"/>
+              </a:solidFill>
+            </a:ln>
+          </p:spPr>
+          <p:style>
+            <a:lnRef idx="1">
+              <a:schemeClr val="accent1"/>
+            </a:lnRef>
+            <a:fillRef idx="0">
+              <a:schemeClr val="accent1"/>
+            </a:fillRef>
+            <a:effectRef idx="0">
+              <a:schemeClr val="accent1"/>
+            </a:effectRef>
+            <a:fontRef idx="minor">
+              <a:schemeClr val="tx1"/>
+            </a:fontRef>
+          </p:style>
+        </p:cxnSp>
+        <p:cxnSp>
+          <p:nvCxnSpPr>
+            <p:cNvPr id="85" name="Straight Connector 84">
+              <a:extLst>
+                <a:ext uri="{FF2B5EF4-FFF2-40B4-BE49-F238E27FC236}">
+                  <a16:creationId xmlns:a16="http://schemas.microsoft.com/office/drawing/2014/main" id="{CFADE8A2-26AD-46B3-872F-C2B6A90ECC66}"/>
+                </a:ext>
+              </a:extLst>
+            </p:cNvPr>
+            <p:cNvCxnSpPr>
+              <a:cxnSpLocks/>
+            </p:cNvCxnSpPr>
+            <p:nvPr/>
+          </p:nvCxnSpPr>
+          <p:spPr>
+            <a:xfrm flipV="1">
+              <a:off x="8028090" y="4094024"/>
+              <a:ext cx="74140" cy="102589"/>
+            </a:xfrm>
+            <a:prstGeom prst="line">
+              <a:avLst/>
+            </a:prstGeom>
+            <a:ln w="28575">
+              <a:solidFill>
+                <a:srgbClr val="7030A0"/>
+              </a:solidFill>
+            </a:ln>
+          </p:spPr>
+          <p:style>
+            <a:lnRef idx="1">
+              <a:schemeClr val="accent1"/>
+            </a:lnRef>
+            <a:fillRef idx="0">
+              <a:schemeClr val="accent1"/>
+            </a:fillRef>
+            <a:effectRef idx="0">
+              <a:schemeClr val="accent1"/>
+            </a:effectRef>
+            <a:fontRef idx="minor">
+              <a:schemeClr val="tx1"/>
+            </a:fontRef>
+          </p:style>
+        </p:cxnSp>
+        <p:cxnSp>
+          <p:nvCxnSpPr>
+            <p:cNvPr id="87" name="Straight Connector 86">
+              <a:extLst>
+                <a:ext uri="{FF2B5EF4-FFF2-40B4-BE49-F238E27FC236}">
+                  <a16:creationId xmlns:a16="http://schemas.microsoft.com/office/drawing/2014/main" id="{FAACB766-6016-495E-8840-3817E84581E7}"/>
+                </a:ext>
+              </a:extLst>
+            </p:cNvPr>
+            <p:cNvCxnSpPr>
+              <a:cxnSpLocks/>
+            </p:cNvCxnSpPr>
+            <p:nvPr/>
+          </p:nvCxnSpPr>
+          <p:spPr>
+            <a:xfrm flipV="1">
+              <a:off x="8122575" y="4094023"/>
+              <a:ext cx="74140" cy="102589"/>
+            </a:xfrm>
+            <a:prstGeom prst="line">
+              <a:avLst/>
+            </a:prstGeom>
+            <a:ln w="28575">
+              <a:solidFill>
+                <a:srgbClr val="7030A0"/>
+              </a:solidFill>
+            </a:ln>
+          </p:spPr>
+          <p:style>
+            <a:lnRef idx="1">
+              <a:schemeClr val="accent1"/>
+            </a:lnRef>
+            <a:fillRef idx="0">
+              <a:schemeClr val="accent1"/>
+            </a:fillRef>
+            <a:effectRef idx="0">
+              <a:schemeClr val="accent1"/>
+            </a:effectRef>
+            <a:fontRef idx="minor">
+              <a:schemeClr val="tx1"/>
+            </a:fontRef>
+          </p:style>
+        </p:cxnSp>
+        <p:cxnSp>
+          <p:nvCxnSpPr>
+            <p:cNvPr id="89" name="Straight Connector 88">
+              <a:extLst>
+                <a:ext uri="{FF2B5EF4-FFF2-40B4-BE49-F238E27FC236}">
+                  <a16:creationId xmlns:a16="http://schemas.microsoft.com/office/drawing/2014/main" id="{938C8F11-50A7-454F-9796-6F4D45C906CF}"/>
+                </a:ext>
+              </a:extLst>
+            </p:cNvPr>
+            <p:cNvCxnSpPr>
+              <a:cxnSpLocks/>
+            </p:cNvCxnSpPr>
+            <p:nvPr/>
+          </p:nvCxnSpPr>
+          <p:spPr>
+            <a:xfrm flipV="1">
+              <a:off x="8205927" y="4094022"/>
+              <a:ext cx="74140" cy="102589"/>
+            </a:xfrm>
+            <a:prstGeom prst="line">
+              <a:avLst/>
+            </a:prstGeom>
+            <a:ln w="28575">
+              <a:solidFill>
+                <a:srgbClr val="7030A0"/>
+              </a:solidFill>
+            </a:ln>
+          </p:spPr>
+          <p:style>
+            <a:lnRef idx="1">
+              <a:schemeClr val="accent1"/>
+            </a:lnRef>
+            <a:fillRef idx="0">
+              <a:schemeClr val="accent1"/>
+            </a:fillRef>
+            <a:effectRef idx="0">
+              <a:schemeClr val="accent1"/>
+            </a:effectRef>
+            <a:fontRef idx="minor">
+              <a:schemeClr val="tx1"/>
+            </a:fontRef>
+          </p:style>
+        </p:cxnSp>
+        <p:cxnSp>
+          <p:nvCxnSpPr>
+            <p:cNvPr id="91" name="Straight Connector 90">
+              <a:extLst>
+                <a:ext uri="{FF2B5EF4-FFF2-40B4-BE49-F238E27FC236}">
+                  <a16:creationId xmlns:a16="http://schemas.microsoft.com/office/drawing/2014/main" id="{B7761C3D-3F9D-4C42-8377-F07307E9BA91}"/>
+                </a:ext>
+              </a:extLst>
+            </p:cNvPr>
+            <p:cNvCxnSpPr>
+              <a:cxnSpLocks/>
+            </p:cNvCxnSpPr>
+            <p:nvPr/>
+          </p:nvCxnSpPr>
+          <p:spPr>
+            <a:xfrm flipV="1">
+              <a:off x="8290969" y="4094021"/>
+              <a:ext cx="74140" cy="102589"/>
+            </a:xfrm>
+            <a:prstGeom prst="line">
+              <a:avLst/>
+            </a:prstGeom>
+            <a:ln w="28575">
+              <a:solidFill>
+                <a:srgbClr val="7030A0"/>
+              </a:solidFill>
+            </a:ln>
+          </p:spPr>
+          <p:style>
+            <a:lnRef idx="1">
+              <a:schemeClr val="accent1"/>
+            </a:lnRef>
+            <a:fillRef idx="0">
+              <a:schemeClr val="accent1"/>
+            </a:fillRef>
+            <a:effectRef idx="0">
+              <a:schemeClr val="accent1"/>
+            </a:effectRef>
+            <a:fontRef idx="minor">
+              <a:schemeClr val="tx1"/>
+            </a:fontRef>
+          </p:style>
+        </p:cxnSp>
+        <p:cxnSp>
+          <p:nvCxnSpPr>
+            <p:cNvPr id="93" name="Straight Connector 92">
+              <a:extLst>
+                <a:ext uri="{FF2B5EF4-FFF2-40B4-BE49-F238E27FC236}">
+                  <a16:creationId xmlns:a16="http://schemas.microsoft.com/office/drawing/2014/main" id="{AAA50DD0-4F64-4C67-AEB4-360E56B2E493}"/>
+                </a:ext>
+              </a:extLst>
+            </p:cNvPr>
+            <p:cNvCxnSpPr>
+              <a:cxnSpLocks/>
+            </p:cNvCxnSpPr>
+            <p:nvPr/>
+          </p:nvCxnSpPr>
+          <p:spPr>
+            <a:xfrm flipV="1">
+              <a:off x="8379215" y="4094020"/>
+              <a:ext cx="74140" cy="102589"/>
+            </a:xfrm>
+            <a:prstGeom prst="line">
+              <a:avLst/>
+            </a:prstGeom>
+            <a:ln w="28575">
+              <a:solidFill>
+                <a:srgbClr val="7030A0"/>
+              </a:solidFill>
+            </a:ln>
+          </p:spPr>
+          <p:style>
+            <a:lnRef idx="1">
+              <a:schemeClr val="accent1"/>
+            </a:lnRef>
+            <a:fillRef idx="0">
+              <a:schemeClr val="accent1"/>
+            </a:fillRef>
+            <a:effectRef idx="0">
+              <a:schemeClr val="accent1"/>
+            </a:effectRef>
+            <a:fontRef idx="minor">
+              <a:schemeClr val="tx1"/>
+            </a:fontRef>
+          </p:style>
+        </p:cxnSp>
+        <p:cxnSp>
+          <p:nvCxnSpPr>
+            <p:cNvPr id="95" name="Straight Connector 94">
+              <a:extLst>
+                <a:ext uri="{FF2B5EF4-FFF2-40B4-BE49-F238E27FC236}">
+                  <a16:creationId xmlns:a16="http://schemas.microsoft.com/office/drawing/2014/main" id="{2A4A2F90-4037-4AE4-8685-53E14B14292D}"/>
+                </a:ext>
+              </a:extLst>
+            </p:cNvPr>
+            <p:cNvCxnSpPr>
+              <a:cxnSpLocks/>
+            </p:cNvCxnSpPr>
+            <p:nvPr/>
+          </p:nvCxnSpPr>
+          <p:spPr>
+            <a:xfrm flipV="1">
+              <a:off x="8473469" y="4094019"/>
+              <a:ext cx="74140" cy="102589"/>
+            </a:xfrm>
+            <a:prstGeom prst="line">
+              <a:avLst/>
+            </a:prstGeom>
+            <a:ln w="28575">
+              <a:solidFill>
+                <a:srgbClr val="7030A0"/>
+              </a:solidFill>
+            </a:ln>
+          </p:spPr>
+          <p:style>
+            <a:lnRef idx="1">
+              <a:schemeClr val="accent1"/>
+            </a:lnRef>
+            <a:fillRef idx="0">
+              <a:schemeClr val="accent1"/>
+            </a:fillRef>
+            <a:effectRef idx="0">
+              <a:schemeClr val="accent1"/>
+            </a:effectRef>
+            <a:fontRef idx="minor">
+              <a:schemeClr val="tx1"/>
+            </a:fontRef>
+          </p:style>
+        </p:cxnSp>
+        <p:cxnSp>
+          <p:nvCxnSpPr>
+            <p:cNvPr id="97" name="Straight Connector 96">
+              <a:extLst>
+                <a:ext uri="{FF2B5EF4-FFF2-40B4-BE49-F238E27FC236}">
+                  <a16:creationId xmlns:a16="http://schemas.microsoft.com/office/drawing/2014/main" id="{64F5B3BC-03D6-4A7A-A3D6-219041DDFF5A}"/>
+                </a:ext>
+              </a:extLst>
+            </p:cNvPr>
+            <p:cNvCxnSpPr>
+              <a:cxnSpLocks/>
+            </p:cNvCxnSpPr>
+            <p:nvPr/>
+          </p:nvCxnSpPr>
+          <p:spPr>
+            <a:xfrm flipV="1">
+              <a:off x="8579696" y="4094019"/>
+              <a:ext cx="74140" cy="102589"/>
+            </a:xfrm>
+            <a:prstGeom prst="line">
+              <a:avLst/>
+            </a:prstGeom>
+            <a:ln w="28575">
+              <a:solidFill>
+                <a:srgbClr val="7030A0"/>
+              </a:solidFill>
+            </a:ln>
+          </p:spPr>
+          <p:style>
+            <a:lnRef idx="1">
+              <a:schemeClr val="accent1"/>
+            </a:lnRef>
+            <a:fillRef idx="0">
+              <a:schemeClr val="accent1"/>
+            </a:fillRef>
+            <a:effectRef idx="0">
+              <a:schemeClr val="accent1"/>
+            </a:effectRef>
+            <a:fontRef idx="minor">
+              <a:schemeClr val="tx1"/>
+            </a:fontRef>
+          </p:style>
+        </p:cxnSp>
+        <p:cxnSp>
+          <p:nvCxnSpPr>
+            <p:cNvPr id="99" name="Straight Connector 98">
+              <a:extLst>
+                <a:ext uri="{FF2B5EF4-FFF2-40B4-BE49-F238E27FC236}">
+                  <a16:creationId xmlns:a16="http://schemas.microsoft.com/office/drawing/2014/main" id="{7FD4FC83-3117-4947-AE38-A90B871FCAF7}"/>
+                </a:ext>
+              </a:extLst>
+            </p:cNvPr>
+            <p:cNvCxnSpPr>
+              <a:cxnSpLocks/>
+            </p:cNvCxnSpPr>
+            <p:nvPr/>
+          </p:nvCxnSpPr>
+          <p:spPr>
+            <a:xfrm flipV="1">
+              <a:off x="8692274" y="4094019"/>
+              <a:ext cx="74140" cy="102589"/>
+            </a:xfrm>
+            <a:prstGeom prst="line">
+              <a:avLst/>
+            </a:prstGeom>
+            <a:ln w="28575">
+              <a:solidFill>
+                <a:srgbClr val="7030A0"/>
+              </a:solidFill>
+            </a:ln>
+          </p:spPr>
+          <p:style>
+            <a:lnRef idx="1">
+              <a:schemeClr val="accent1"/>
+            </a:lnRef>
+            <a:fillRef idx="0">
+              <a:schemeClr val="accent1"/>
+            </a:fillRef>
+            <a:effectRef idx="0">
+              <a:schemeClr val="accent1"/>
+            </a:effectRef>
+            <a:fontRef idx="minor">
+              <a:schemeClr val="tx1"/>
+            </a:fontRef>
+          </p:style>
+        </p:cxnSp>
+        <p:cxnSp>
+          <p:nvCxnSpPr>
+            <p:cNvPr id="101" name="Straight Connector 100">
+              <a:extLst>
+                <a:ext uri="{FF2B5EF4-FFF2-40B4-BE49-F238E27FC236}">
+                  <a16:creationId xmlns:a16="http://schemas.microsoft.com/office/drawing/2014/main" id="{909E48E0-EC3A-4201-AFAC-8414F3ABAC57}"/>
+                </a:ext>
+              </a:extLst>
+            </p:cNvPr>
+            <p:cNvCxnSpPr>
+              <a:cxnSpLocks/>
+            </p:cNvCxnSpPr>
+            <p:nvPr/>
+          </p:nvCxnSpPr>
+          <p:spPr>
+            <a:xfrm flipV="1">
+              <a:off x="8787293" y="4094018"/>
+              <a:ext cx="74140" cy="102589"/>
+            </a:xfrm>
+            <a:prstGeom prst="line">
+              <a:avLst/>
+            </a:prstGeom>
+            <a:ln w="28575">
+              <a:solidFill>
+                <a:srgbClr val="7030A0"/>
+              </a:solidFill>
+            </a:ln>
+          </p:spPr>
+          <p:style>
+            <a:lnRef idx="1">
+              <a:schemeClr val="accent1"/>
+            </a:lnRef>
+            <a:fillRef idx="0">
+              <a:schemeClr val="accent1"/>
+            </a:fillRef>
+            <a:effectRef idx="0">
+              <a:schemeClr val="accent1"/>
+            </a:effectRef>
+            <a:fontRef idx="minor">
+              <a:schemeClr val="tx1"/>
+            </a:fontRef>
+          </p:style>
+        </p:cxnSp>
+        <p:cxnSp>
+          <p:nvCxnSpPr>
+            <p:cNvPr id="103" name="Straight Connector 102">
+              <a:extLst>
+                <a:ext uri="{FF2B5EF4-FFF2-40B4-BE49-F238E27FC236}">
+                  <a16:creationId xmlns:a16="http://schemas.microsoft.com/office/drawing/2014/main" id="{5E2BD48C-702F-4527-9494-8B63A986B642}"/>
+                </a:ext>
+              </a:extLst>
+            </p:cNvPr>
+            <p:cNvCxnSpPr>
+              <a:cxnSpLocks/>
+            </p:cNvCxnSpPr>
+            <p:nvPr/>
+          </p:nvCxnSpPr>
+          <p:spPr>
+            <a:xfrm flipV="1">
+              <a:off x="8880576" y="4094017"/>
+              <a:ext cx="74140" cy="102589"/>
+            </a:xfrm>
+            <a:prstGeom prst="line">
+              <a:avLst/>
+            </a:prstGeom>
+            <a:ln w="28575">
+              <a:solidFill>
+                <a:srgbClr val="7030A0"/>
+              </a:solidFill>
+            </a:ln>
+          </p:spPr>
+          <p:style>
+            <a:lnRef idx="1">
+              <a:schemeClr val="accent1"/>
+            </a:lnRef>
+            <a:fillRef idx="0">
+              <a:schemeClr val="accent1"/>
+            </a:fillRef>
+            <a:effectRef idx="0">
+              <a:schemeClr val="accent1"/>
+            </a:effectRef>
+            <a:fontRef idx="minor">
+              <a:schemeClr val="tx1"/>
+            </a:fontRef>
+          </p:style>
+        </p:cxnSp>
+        <p:cxnSp>
+          <p:nvCxnSpPr>
+            <p:cNvPr id="105" name="Straight Connector 104">
+              <a:extLst>
+                <a:ext uri="{FF2B5EF4-FFF2-40B4-BE49-F238E27FC236}">
+                  <a16:creationId xmlns:a16="http://schemas.microsoft.com/office/drawing/2014/main" id="{155879CC-22FC-4E0B-9E8E-D842EDD7E4F7}"/>
+                </a:ext>
+              </a:extLst>
+            </p:cNvPr>
+            <p:cNvCxnSpPr>
+              <a:cxnSpLocks/>
+            </p:cNvCxnSpPr>
+            <p:nvPr/>
+          </p:nvCxnSpPr>
+          <p:spPr>
+            <a:xfrm flipV="1">
+              <a:off x="8978065" y="4094016"/>
+              <a:ext cx="74140" cy="102589"/>
+            </a:xfrm>
+            <a:prstGeom prst="line">
+              <a:avLst/>
+            </a:prstGeom>
+            <a:ln w="28575">
+              <a:solidFill>
+                <a:srgbClr val="7030A0"/>
+              </a:solidFill>
+            </a:ln>
+          </p:spPr>
+          <p:style>
+            <a:lnRef idx="1">
+              <a:schemeClr val="accent1"/>
+            </a:lnRef>
+            <a:fillRef idx="0">
+              <a:schemeClr val="accent1"/>
+            </a:fillRef>
+            <a:effectRef idx="0">
+              <a:schemeClr val="accent1"/>
+            </a:effectRef>
+            <a:fontRef idx="minor">
+              <a:schemeClr val="tx1"/>
+            </a:fontRef>
+          </p:style>
+        </p:cxnSp>
+        <p:cxnSp>
+          <p:nvCxnSpPr>
+            <p:cNvPr id="107" name="Straight Connector 106">
+              <a:extLst>
+                <a:ext uri="{FF2B5EF4-FFF2-40B4-BE49-F238E27FC236}">
+                  <a16:creationId xmlns:a16="http://schemas.microsoft.com/office/drawing/2014/main" id="{0933A03B-9773-496C-A7D6-290C7A2D9D15}"/>
+                </a:ext>
+              </a:extLst>
+            </p:cNvPr>
+            <p:cNvCxnSpPr>
+              <a:cxnSpLocks/>
+            </p:cNvCxnSpPr>
+            <p:nvPr/>
+          </p:nvCxnSpPr>
+          <p:spPr>
+            <a:xfrm flipV="1">
+              <a:off x="9069315" y="4094016"/>
+              <a:ext cx="74140" cy="102589"/>
+            </a:xfrm>
+            <a:prstGeom prst="line">
+              <a:avLst/>
+            </a:prstGeom>
+            <a:ln w="28575">
+              <a:solidFill>
+                <a:srgbClr val="7030A0"/>
+              </a:solidFill>
+            </a:ln>
+          </p:spPr>
+          <p:style>
+            <a:lnRef idx="1">
+              <a:schemeClr val="accent1"/>
+            </a:lnRef>
+            <a:fillRef idx="0">
+              <a:schemeClr val="accent1"/>
+            </a:fillRef>
+            <a:effectRef idx="0">
+              <a:schemeClr val="accent1"/>
+            </a:effectRef>
+            <a:fontRef idx="minor">
+              <a:schemeClr val="tx1"/>
+            </a:fontRef>
+          </p:style>
+        </p:cxnSp>
+        <p:cxnSp>
+          <p:nvCxnSpPr>
+            <p:cNvPr id="109" name="Straight Connector 108">
+              <a:extLst>
+                <a:ext uri="{FF2B5EF4-FFF2-40B4-BE49-F238E27FC236}">
+                  <a16:creationId xmlns:a16="http://schemas.microsoft.com/office/drawing/2014/main" id="{015BA61C-9315-44B1-ACC5-44F827F6F77C}"/>
+                </a:ext>
+              </a:extLst>
+            </p:cNvPr>
+            <p:cNvCxnSpPr>
+              <a:cxnSpLocks/>
+            </p:cNvCxnSpPr>
+            <p:nvPr/>
+          </p:nvCxnSpPr>
+          <p:spPr>
+            <a:xfrm flipV="1">
+              <a:off x="9168837" y="4094015"/>
+              <a:ext cx="74140" cy="102589"/>
+            </a:xfrm>
+            <a:prstGeom prst="line">
+              <a:avLst/>
+            </a:prstGeom>
+            <a:ln w="28575">
+              <a:solidFill>
+                <a:srgbClr val="7030A0"/>
+              </a:solidFill>
+            </a:ln>
+          </p:spPr>
+          <p:style>
+            <a:lnRef idx="1">
+              <a:schemeClr val="accent1"/>
+            </a:lnRef>
+            <a:fillRef idx="0">
+              <a:schemeClr val="accent1"/>
+            </a:fillRef>
+            <a:effectRef idx="0">
+              <a:schemeClr val="accent1"/>
+            </a:effectRef>
+            <a:fontRef idx="minor">
+              <a:schemeClr val="tx1"/>
+            </a:fontRef>
+          </p:style>
+        </p:cxnSp>
+        <p:cxnSp>
+          <p:nvCxnSpPr>
+            <p:cNvPr id="111" name="Straight Connector 110">
+              <a:extLst>
+                <a:ext uri="{FF2B5EF4-FFF2-40B4-BE49-F238E27FC236}">
+                  <a16:creationId xmlns:a16="http://schemas.microsoft.com/office/drawing/2014/main" id="{3ED43F9B-010A-41E9-8883-34DB3727786C}"/>
+                </a:ext>
+              </a:extLst>
+            </p:cNvPr>
+            <p:cNvCxnSpPr>
+              <a:cxnSpLocks/>
+            </p:cNvCxnSpPr>
+            <p:nvPr/>
+          </p:nvCxnSpPr>
+          <p:spPr>
+            <a:xfrm flipV="1">
+              <a:off x="9270350" y="4094015"/>
+              <a:ext cx="74140" cy="102589"/>
+            </a:xfrm>
+            <a:prstGeom prst="line">
+              <a:avLst/>
+            </a:prstGeom>
+            <a:ln w="28575">
+              <a:solidFill>
+                <a:srgbClr val="7030A0"/>
+              </a:solidFill>
+            </a:ln>
+          </p:spPr>
+          <p:style>
+            <a:lnRef idx="1">
+              <a:schemeClr val="accent1"/>
+            </a:lnRef>
+            <a:fillRef idx="0">
+              <a:schemeClr val="accent1"/>
+            </a:fillRef>
+            <a:effectRef idx="0">
+              <a:schemeClr val="accent1"/>
+            </a:effectRef>
+            <a:fontRef idx="minor">
+              <a:schemeClr val="tx1"/>
+            </a:fontRef>
+          </p:style>
+        </p:cxnSp>
+        <p:cxnSp>
+          <p:nvCxnSpPr>
+            <p:cNvPr id="113" name="Straight Connector 112">
+              <a:extLst>
+                <a:ext uri="{FF2B5EF4-FFF2-40B4-BE49-F238E27FC236}">
+                  <a16:creationId xmlns:a16="http://schemas.microsoft.com/office/drawing/2014/main" id="{378D63A5-29C5-45BD-A9FB-91158271C292}"/>
+                </a:ext>
+              </a:extLst>
+            </p:cNvPr>
+            <p:cNvCxnSpPr>
+              <a:cxnSpLocks/>
+            </p:cNvCxnSpPr>
+            <p:nvPr/>
+          </p:nvCxnSpPr>
+          <p:spPr>
+            <a:xfrm flipV="1">
+              <a:off x="9357576" y="4090421"/>
+              <a:ext cx="74140" cy="102589"/>
+            </a:xfrm>
+            <a:prstGeom prst="line">
+              <a:avLst/>
+            </a:prstGeom>
+            <a:ln w="28575">
+              <a:solidFill>
+                <a:srgbClr val="7030A0"/>
+              </a:solidFill>
+            </a:ln>
+          </p:spPr>
+          <p:style>
+            <a:lnRef idx="1">
+              <a:schemeClr val="accent1"/>
+            </a:lnRef>
+            <a:fillRef idx="0">
+              <a:schemeClr val="accent1"/>
+            </a:fillRef>
+            <a:effectRef idx="0">
+              <a:schemeClr val="accent1"/>
+            </a:effectRef>
+            <a:fontRef idx="minor">
+              <a:schemeClr val="tx1"/>
+            </a:fontRef>
+          </p:style>
+        </p:cxnSp>
+        <p:cxnSp>
+          <p:nvCxnSpPr>
+            <p:cNvPr id="115" name="Straight Connector 114">
+              <a:extLst>
+                <a:ext uri="{FF2B5EF4-FFF2-40B4-BE49-F238E27FC236}">
+                  <a16:creationId xmlns:a16="http://schemas.microsoft.com/office/drawing/2014/main" id="{68A2E5A0-BF05-4E27-8A0E-D8CAB486CBFE}"/>
+                </a:ext>
+              </a:extLst>
+            </p:cNvPr>
+            <p:cNvCxnSpPr>
+              <a:cxnSpLocks/>
+            </p:cNvCxnSpPr>
+            <p:nvPr/>
+          </p:nvCxnSpPr>
+          <p:spPr>
+            <a:xfrm flipV="1">
+              <a:off x="9445591" y="4090421"/>
+              <a:ext cx="74140" cy="102589"/>
+            </a:xfrm>
+            <a:prstGeom prst="line">
+              <a:avLst/>
+            </a:prstGeom>
+            <a:ln w="28575">
+              <a:solidFill>
+                <a:srgbClr val="7030A0"/>
+              </a:solidFill>
+            </a:ln>
+          </p:spPr>
+          <p:style>
+            <a:lnRef idx="1">
+              <a:schemeClr val="accent1"/>
+            </a:lnRef>
+            <a:fillRef idx="0">
+              <a:schemeClr val="accent1"/>
+            </a:fillRef>
+            <a:effectRef idx="0">
+              <a:schemeClr val="accent1"/>
+            </a:effectRef>
+            <a:fontRef idx="minor">
+              <a:schemeClr val="tx1"/>
+            </a:fontRef>
+          </p:style>
+        </p:cxnSp>
+        <p:cxnSp>
+          <p:nvCxnSpPr>
+            <p:cNvPr id="117" name="Straight Connector 116">
+              <a:extLst>
+                <a:ext uri="{FF2B5EF4-FFF2-40B4-BE49-F238E27FC236}">
+                  <a16:creationId xmlns:a16="http://schemas.microsoft.com/office/drawing/2014/main" id="{386C0BA2-0613-4C91-945E-AB0356F39E0E}"/>
+                </a:ext>
+              </a:extLst>
+            </p:cNvPr>
+            <p:cNvCxnSpPr>
+              <a:cxnSpLocks/>
+            </p:cNvCxnSpPr>
+            <p:nvPr/>
+          </p:nvCxnSpPr>
+          <p:spPr>
+            <a:xfrm flipV="1">
+              <a:off x="9528103" y="4097740"/>
+              <a:ext cx="74140" cy="102589"/>
+            </a:xfrm>
+            <a:prstGeom prst="line">
+              <a:avLst/>
+            </a:prstGeom>
+            <a:ln w="28575">
+              <a:solidFill>
+                <a:srgbClr val="7030A0"/>
+              </a:solidFill>
+            </a:ln>
+          </p:spPr>
+          <p:style>
+            <a:lnRef idx="1">
+              <a:schemeClr val="accent1"/>
+            </a:lnRef>
+            <a:fillRef idx="0">
+              <a:schemeClr val="accent1"/>
+            </a:fillRef>
+            <a:effectRef idx="0">
+              <a:schemeClr val="accent1"/>
+            </a:effectRef>
+            <a:fontRef idx="minor">
+              <a:schemeClr val="tx1"/>
+            </a:fontRef>
+          </p:style>
+        </p:cxnSp>
+        <p:cxnSp>
+          <p:nvCxnSpPr>
+            <p:cNvPr id="119" name="Straight Connector 118">
+              <a:extLst>
+                <a:ext uri="{FF2B5EF4-FFF2-40B4-BE49-F238E27FC236}">
+                  <a16:creationId xmlns:a16="http://schemas.microsoft.com/office/drawing/2014/main" id="{ED4F3009-714F-4DF8-B856-253D6FAE958F}"/>
+                </a:ext>
+              </a:extLst>
+            </p:cNvPr>
+            <p:cNvCxnSpPr>
+              <a:cxnSpLocks/>
+            </p:cNvCxnSpPr>
+            <p:nvPr/>
+          </p:nvCxnSpPr>
+          <p:spPr>
+            <a:xfrm flipV="1">
+              <a:off x="9615644" y="4094037"/>
+              <a:ext cx="74140" cy="102589"/>
+            </a:xfrm>
+            <a:prstGeom prst="line">
+              <a:avLst/>
+            </a:prstGeom>
+            <a:ln w="28575">
+              <a:solidFill>
+                <a:srgbClr val="7030A0"/>
+              </a:solidFill>
+            </a:ln>
+          </p:spPr>
+          <p:style>
+            <a:lnRef idx="1">
+              <a:schemeClr val="accent1"/>
+            </a:lnRef>
+            <a:fillRef idx="0">
+              <a:schemeClr val="accent1"/>
+            </a:fillRef>
+            <a:effectRef idx="0">
+              <a:schemeClr val="accent1"/>
+            </a:effectRef>
+            <a:fontRef idx="minor">
+              <a:schemeClr val="tx1"/>
+            </a:fontRef>
+          </p:style>
+        </p:cxnSp>
+        <p:cxnSp>
+          <p:nvCxnSpPr>
+            <p:cNvPr id="121" name="Straight Connector 120">
+              <a:extLst>
+                <a:ext uri="{FF2B5EF4-FFF2-40B4-BE49-F238E27FC236}">
+                  <a16:creationId xmlns:a16="http://schemas.microsoft.com/office/drawing/2014/main" id="{37A4DF83-3E4A-4964-8BFA-00AE3F95075B}"/>
+                </a:ext>
+              </a:extLst>
+            </p:cNvPr>
+            <p:cNvCxnSpPr>
+              <a:cxnSpLocks/>
+            </p:cNvCxnSpPr>
+            <p:nvPr/>
+          </p:nvCxnSpPr>
+          <p:spPr>
+            <a:xfrm flipV="1">
+              <a:off x="9706624" y="4094014"/>
+              <a:ext cx="74140" cy="102589"/>
+            </a:xfrm>
+            <a:prstGeom prst="line">
+              <a:avLst/>
+            </a:prstGeom>
+            <a:ln w="28575">
+              <a:solidFill>
+                <a:srgbClr val="7030A0"/>
+              </a:solidFill>
+            </a:ln>
+          </p:spPr>
+          <p:style>
+            <a:lnRef idx="1">
+              <a:schemeClr val="accent1"/>
+            </a:lnRef>
+            <a:fillRef idx="0">
+              <a:schemeClr val="accent1"/>
+            </a:fillRef>
+            <a:effectRef idx="0">
+              <a:schemeClr val="accent1"/>
+            </a:effectRef>
+            <a:fontRef idx="minor">
+              <a:schemeClr val="tx1"/>
+            </a:fontRef>
+          </p:style>
+        </p:cxnSp>
+        <p:sp>
+          <p:nvSpPr>
+            <p:cNvPr id="122" name="TextBox 121">
+              <a:extLst>
+                <a:ext uri="{FF2B5EF4-FFF2-40B4-BE49-F238E27FC236}">
+                  <a16:creationId xmlns:a16="http://schemas.microsoft.com/office/drawing/2014/main" id="{93A8A324-B804-4F15-8827-60769DDF2199}"/>
+                </a:ext>
+              </a:extLst>
+            </p:cNvPr>
+            <p:cNvSpPr txBox="1"/>
+            <p:nvPr/>
+          </p:nvSpPr>
+          <p:spPr>
+            <a:xfrm>
+              <a:off x="914409" y="3380646"/>
+              <a:ext cx="3326139" cy="338554"/>
+            </a:xfrm>
+            <a:prstGeom prst="rect">
+              <a:avLst/>
+            </a:prstGeom>
+            <a:noFill/>
+          </p:spPr>
+          <p:txBody>
+            <a:bodyPr wrap="square" rtlCol="0">
+              <a:spAutoFit/>
+            </a:bodyPr>
+            <a:lstStyle/>
+            <a:p>
+              <a:pPr marL="0" marR="0" lvl="0" indent="0" algn="ctr" defTabSz="914400" rtl="0" eaLnBrk="1" fontAlgn="auto" latinLnBrk="0" hangingPunct="1">
+                <a:lnSpc>
+                  <a:spcPct val="100000"/>
+                </a:lnSpc>
+                <a:spcBef>
+                  <a:spcPts val="0"/>
+                </a:spcBef>
+                <a:spcAft>
+                  <a:spcPts val="0"/>
+                </a:spcAft>
+                <a:buClrTx/>
+                <a:buSzTx/>
+                <a:buFontTx/>
+                <a:buNone/>
+                <a:tabLst/>
+                <a:defRPr/>
+              </a:pPr>
+              <a:r>
+                <a:rPr kumimoji="0" lang="de-DE" sz="1600" b="0" i="0" u="none" strike="noStrike" kern="1200" cap="none" spc="0" normalizeH="0" baseline="0" noProof="0" dirty="0">
+                  <a:ln>
+                    <a:noFill/>
+                  </a:ln>
+                  <a:solidFill>
+                    <a:prstClr val="white"/>
+                  </a:solidFill>
+                  <a:effectLst/>
+                  <a:uLnTx/>
+                  <a:uFillTx/>
+                  <a:latin typeface="Calibri" panose="020F0502020204030204"/>
+                  <a:ea typeface="+mn-ea"/>
+                  <a:cs typeface="+mn-cs"/>
+                </a:rPr>
+                <a:t>Access </a:t>
+              </a:r>
+              <a:r>
+                <a:rPr kumimoji="0" lang="de-DE" sz="1600" b="0" i="0" u="none" strike="noStrike" kern="1200" cap="none" spc="0" normalizeH="0" baseline="0" noProof="0" dirty="0" err="1">
+                  <a:ln>
+                    <a:noFill/>
+                  </a:ln>
+                  <a:solidFill>
+                    <a:prstClr val="white"/>
+                  </a:solidFill>
+                  <a:effectLst/>
+                  <a:uLnTx/>
+                  <a:uFillTx/>
+                  <a:latin typeface="Calibri" panose="020F0502020204030204"/>
+                  <a:ea typeface="+mn-ea"/>
+                  <a:cs typeface="+mn-cs"/>
+                </a:rPr>
+                <a:t>token</a:t>
+              </a:r>
+              <a:r>
+                <a:rPr kumimoji="0" lang="de-DE" sz="1600" b="0" i="0" u="none" strike="noStrike" kern="1200" cap="none" spc="0" normalizeH="0" baseline="0" noProof="0" dirty="0">
+                  <a:ln>
+                    <a:noFill/>
+                  </a:ln>
+                  <a:solidFill>
+                    <a:prstClr val="white"/>
+                  </a:solidFill>
+                  <a:effectLst/>
+                  <a:uLnTx/>
+                  <a:uFillTx/>
+                  <a:latin typeface="Calibri" panose="020F0502020204030204"/>
+                  <a:ea typeface="+mn-ea"/>
+                  <a:cs typeface="+mn-cs"/>
+                </a:rPr>
+                <a:t> </a:t>
+              </a:r>
+              <a:r>
+                <a:rPr kumimoji="0" lang="de-DE" sz="1600" b="0" i="0" u="none" strike="noStrike" kern="1200" cap="none" spc="0" normalizeH="0" baseline="0" noProof="0" dirty="0" err="1">
+                  <a:ln>
+                    <a:noFill/>
+                  </a:ln>
+                  <a:solidFill>
+                    <a:prstClr val="white"/>
+                  </a:solidFill>
+                  <a:effectLst/>
+                  <a:uLnTx/>
+                  <a:uFillTx/>
+                  <a:latin typeface="Calibri" panose="020F0502020204030204"/>
+                  <a:ea typeface="+mn-ea"/>
+                  <a:cs typeface="+mn-cs"/>
+                </a:rPr>
+                <a:t>lifetime</a:t>
+              </a:r>
+              <a:endParaRPr kumimoji="0" lang="en-DE" sz="1600" b="0" i="0" u="none" strike="noStrike" kern="1200" cap="none" spc="0" normalizeH="0" baseline="0" noProof="0" dirty="0">
+                <a:ln>
+                  <a:noFill/>
+                </a:ln>
+                <a:solidFill>
+                  <a:prstClr val="white"/>
+                </a:solidFill>
+                <a:effectLst/>
+                <a:uLnTx/>
+                <a:uFillTx/>
+                <a:latin typeface="Calibri" panose="020F0502020204030204"/>
+                <a:ea typeface="+mn-ea"/>
+                <a:cs typeface="+mn-cs"/>
+              </a:endParaRPr>
+            </a:p>
+          </p:txBody>
+        </p:sp>
+        <p:cxnSp>
+          <p:nvCxnSpPr>
+            <p:cNvPr id="135" name="Straight Connector 134">
+              <a:extLst>
+                <a:ext uri="{FF2B5EF4-FFF2-40B4-BE49-F238E27FC236}">
+                  <a16:creationId xmlns:a16="http://schemas.microsoft.com/office/drawing/2014/main" id="{23BEFEFD-8231-4696-BB18-8AA349DCF0CB}"/>
+                </a:ext>
+              </a:extLst>
+            </p:cNvPr>
+            <p:cNvCxnSpPr>
+              <a:cxnSpLocks/>
+            </p:cNvCxnSpPr>
+            <p:nvPr/>
+          </p:nvCxnSpPr>
+          <p:spPr>
+            <a:xfrm>
+              <a:off x="7802531" y="3700682"/>
+              <a:ext cx="0" cy="652183"/>
+            </a:xfrm>
+            <a:prstGeom prst="line">
+              <a:avLst/>
+            </a:prstGeom>
+            <a:ln w="28575">
+              <a:solidFill>
+                <a:srgbClr val="7030A0"/>
+              </a:solidFill>
+              <a:prstDash val="sysDot"/>
+            </a:ln>
+          </p:spPr>
+          <p:style>
+            <a:lnRef idx="1">
+              <a:schemeClr val="accent1"/>
+            </a:lnRef>
+            <a:fillRef idx="0">
+              <a:schemeClr val="accent1"/>
+            </a:fillRef>
+            <a:effectRef idx="0">
+              <a:schemeClr val="accent1"/>
+            </a:effectRef>
+            <a:fontRef idx="minor">
+              <a:schemeClr val="tx1"/>
+            </a:fontRef>
+          </p:style>
+        </p:cxnSp>
+        <p:sp>
+          <p:nvSpPr>
+            <p:cNvPr id="137" name="TextBox 136">
+              <a:extLst>
+                <a:ext uri="{FF2B5EF4-FFF2-40B4-BE49-F238E27FC236}">
+                  <a16:creationId xmlns:a16="http://schemas.microsoft.com/office/drawing/2014/main" id="{0D5D7F7B-B055-4B68-AC34-A31C5F442727}"/>
+                </a:ext>
+              </a:extLst>
+            </p:cNvPr>
+            <p:cNvSpPr txBox="1"/>
+            <p:nvPr/>
+          </p:nvSpPr>
+          <p:spPr>
+            <a:xfrm>
+              <a:off x="7167278" y="4331930"/>
+              <a:ext cx="1351901" cy="307777"/>
+            </a:xfrm>
+            <a:prstGeom prst="rect">
+              <a:avLst/>
+            </a:prstGeom>
+            <a:noFill/>
+          </p:spPr>
+          <p:txBody>
+            <a:bodyPr wrap="square" rtlCol="0">
+              <a:spAutoFit/>
+            </a:bodyPr>
+            <a:lstStyle/>
+            <a:p>
+              <a:pPr marL="0" marR="0" lvl="0" indent="0" algn="ctr" defTabSz="914400" rtl="0" eaLnBrk="1" fontAlgn="auto" latinLnBrk="0" hangingPunct="1">
+                <a:lnSpc>
+                  <a:spcPct val="100000"/>
+                </a:lnSpc>
+                <a:spcBef>
+                  <a:spcPts val="0"/>
+                </a:spcBef>
+                <a:spcAft>
+                  <a:spcPts val="0"/>
+                </a:spcAft>
+                <a:buClrTx/>
+                <a:buSzTx/>
+                <a:buFontTx/>
+                <a:buNone/>
+                <a:tabLst/>
+                <a:defRPr/>
+              </a:pPr>
+              <a:r>
+                <a:rPr kumimoji="0" lang="de-DE" sz="1400" b="0" i="0" u="none" strike="noStrike" kern="1200" cap="none" spc="0" normalizeH="0" baseline="0" noProof="0" dirty="0">
+                  <a:ln>
+                    <a:noFill/>
+                  </a:ln>
+                  <a:solidFill>
+                    <a:prstClr val="black"/>
+                  </a:solidFill>
+                  <a:effectLst/>
+                  <a:uLnTx/>
+                  <a:uFillTx/>
+                  <a:latin typeface="Calibri" panose="020F0502020204030204"/>
+                  <a:ea typeface="+mn-ea"/>
+                  <a:cs typeface="+mn-cs"/>
+                </a:rPr>
+                <a:t>2years - </a:t>
+              </a:r>
+              <a:r>
+                <a:rPr kumimoji="0" lang="de-DE" sz="1400" b="0" i="0" u="none" strike="noStrike" kern="1200" cap="none" spc="0" normalizeH="0" baseline="0" noProof="0" dirty="0" err="1">
+                  <a:ln>
+                    <a:noFill/>
+                  </a:ln>
+                  <a:solidFill>
+                    <a:prstClr val="black"/>
+                  </a:solidFill>
+                  <a:effectLst/>
+                  <a:uLnTx/>
+                  <a:uFillTx/>
+                  <a:latin typeface="Calibri" panose="020F0502020204030204"/>
+                  <a:ea typeface="+mn-ea"/>
+                  <a:cs typeface="+mn-cs"/>
+                </a:rPr>
+                <a:t>backoff</a:t>
+              </a:r>
+              <a:endParaRPr kumimoji="0" lang="en-DE" sz="1400" b="0" i="0" u="none" strike="noStrike" kern="1200" cap="none" spc="0" normalizeH="0" baseline="0" noProof="0" dirty="0">
+                <a:ln>
+                  <a:noFill/>
+                </a:ln>
+                <a:solidFill>
+                  <a:prstClr val="black"/>
+                </a:solidFill>
+                <a:effectLst/>
+                <a:uLnTx/>
+                <a:uFillTx/>
+                <a:latin typeface="Calibri" panose="020F0502020204030204"/>
+                <a:ea typeface="+mn-ea"/>
+                <a:cs typeface="+mn-cs"/>
+              </a:endParaRPr>
+            </a:p>
+          </p:txBody>
+        </p:sp>
+        <p:sp>
+          <p:nvSpPr>
+            <p:cNvPr id="139" name="Rectangle 138">
+              <a:extLst>
+                <a:ext uri="{FF2B5EF4-FFF2-40B4-BE49-F238E27FC236}">
+                  <a16:creationId xmlns:a16="http://schemas.microsoft.com/office/drawing/2014/main" id="{75330119-F556-4604-9CC5-EE42CB600CDB}"/>
+                </a:ext>
+              </a:extLst>
+            </p:cNvPr>
+            <p:cNvSpPr/>
+            <p:nvPr/>
+          </p:nvSpPr>
+          <p:spPr>
+            <a:xfrm>
+              <a:off x="4265963" y="4869614"/>
+              <a:ext cx="5933631" cy="283014"/>
+            </a:xfrm>
+            <a:prstGeom prst="rect">
+              <a:avLst/>
+            </a:prstGeom>
+            <a:solidFill>
+              <a:srgbClr val="D9D9D9">
+                <a:alpha val="20000"/>
+              </a:srgbClr>
+            </a:solidFill>
+            <a:ln>
+              <a:noFill/>
+            </a:ln>
+          </p:spPr>
+          <p:style>
+            <a:lnRef idx="2">
+              <a:schemeClr val="accent3">
+                <a:shade val="50000"/>
+              </a:schemeClr>
+            </a:lnRef>
+            <a:fillRef idx="1">
+              <a:schemeClr val="accent3"/>
+            </a:fillRef>
+            <a:effectRef idx="0">
+              <a:schemeClr val="accent3"/>
+            </a:effectRef>
+            <a:fontRef idx="minor">
+              <a:schemeClr val="lt1"/>
+            </a:fontRef>
+          </p:style>
+          <p:txBody>
+            <a:bodyPr rtlCol="0" anchor="ctr"/>
+            <a:lstStyle/>
+            <a:p>
+              <a:pPr marL="0" marR="0" lvl="0" indent="0" algn="ctr" defTabSz="914400" rtl="0" eaLnBrk="1" fontAlgn="auto" latinLnBrk="0" hangingPunct="1">
+                <a:lnSpc>
+                  <a:spcPct val="100000"/>
+                </a:lnSpc>
+                <a:spcBef>
+                  <a:spcPts val="0"/>
+                </a:spcBef>
+                <a:spcAft>
+                  <a:spcPts val="0"/>
+                </a:spcAft>
+                <a:buClrTx/>
+                <a:buSzTx/>
+                <a:buFontTx/>
+                <a:buNone/>
+                <a:tabLst/>
+                <a:defRPr/>
+              </a:pPr>
+              <a:r>
+                <a:rPr kumimoji="0" lang="de-DE" sz="1400" b="0" i="0" u="none" strike="noStrike" kern="1200" cap="none" spc="0" normalizeH="0" baseline="0" noProof="0" dirty="0">
+                  <a:ln>
+                    <a:noFill/>
+                  </a:ln>
+                  <a:solidFill>
+                    <a:prstClr val="white">
+                      <a:lumMod val="75000"/>
+                    </a:prstClr>
+                  </a:solidFill>
+                  <a:effectLst/>
+                  <a:uLnTx/>
+                  <a:uFillTx/>
+                  <a:latin typeface="Calibri" panose="020F0502020204030204"/>
+                  <a:ea typeface="+mn-ea"/>
+                  <a:cs typeface="+mn-cs"/>
+                </a:rPr>
+                <a:t>Refresh </a:t>
+              </a:r>
+              <a:r>
+                <a:rPr kumimoji="0" lang="de-DE" sz="1400" b="0" i="0" u="none" strike="noStrike" kern="1200" cap="none" spc="0" normalizeH="0" baseline="0" noProof="0" dirty="0" err="1">
+                  <a:ln>
+                    <a:noFill/>
+                  </a:ln>
+                  <a:solidFill>
+                    <a:prstClr val="white">
+                      <a:lumMod val="75000"/>
+                    </a:prstClr>
+                  </a:solidFill>
+                  <a:effectLst/>
+                  <a:uLnTx/>
+                  <a:uFillTx/>
+                  <a:latin typeface="Calibri" panose="020F0502020204030204"/>
+                  <a:ea typeface="+mn-ea"/>
+                  <a:cs typeface="+mn-cs"/>
+                </a:rPr>
+                <a:t>user</a:t>
+              </a:r>
+              <a:r>
+                <a:rPr kumimoji="0" lang="de-DE" sz="1400" b="0" i="0" u="none" strike="noStrike" kern="1200" cap="none" spc="0" normalizeH="0" baseline="0" noProof="0" dirty="0">
+                  <a:ln>
+                    <a:noFill/>
+                  </a:ln>
+                  <a:solidFill>
+                    <a:prstClr val="white">
+                      <a:lumMod val="75000"/>
+                    </a:prstClr>
+                  </a:solidFill>
+                  <a:effectLst/>
+                  <a:uLnTx/>
+                  <a:uFillTx/>
+                  <a:latin typeface="Calibri" panose="020F0502020204030204"/>
+                  <a:ea typeface="+mn-ea"/>
+                  <a:cs typeface="+mn-cs"/>
+                </a:rPr>
+                <a:t> 1</a:t>
+              </a:r>
+              <a:endParaRPr kumimoji="0" lang="en-DE" sz="1400" b="0" i="0" u="none" strike="noStrike" kern="1200" cap="none" spc="0" normalizeH="0" baseline="0" noProof="0" dirty="0">
+                <a:ln>
+                  <a:noFill/>
+                </a:ln>
+                <a:solidFill>
+                  <a:prstClr val="white">
+                    <a:lumMod val="75000"/>
+                  </a:prstClr>
+                </a:solidFill>
+                <a:effectLst/>
+                <a:uLnTx/>
+                <a:uFillTx/>
+                <a:latin typeface="Calibri" panose="020F0502020204030204"/>
+                <a:ea typeface="+mn-ea"/>
+                <a:cs typeface="+mn-cs"/>
+              </a:endParaRPr>
+            </a:p>
+          </p:txBody>
+        </p:sp>
+        <p:sp>
+          <p:nvSpPr>
+            <p:cNvPr id="141" name="Rectangle 140">
+              <a:extLst>
+                <a:ext uri="{FF2B5EF4-FFF2-40B4-BE49-F238E27FC236}">
+                  <a16:creationId xmlns:a16="http://schemas.microsoft.com/office/drawing/2014/main" id="{E1C298F5-FEF5-4BE7-8D9F-251FBD337EA5}"/>
+                </a:ext>
+              </a:extLst>
+            </p:cNvPr>
+            <p:cNvSpPr/>
+            <p:nvPr/>
+          </p:nvSpPr>
+          <p:spPr>
+            <a:xfrm>
+              <a:off x="4904543" y="5181674"/>
+              <a:ext cx="5933631" cy="283014"/>
+            </a:xfrm>
+            <a:prstGeom prst="rect">
+              <a:avLst/>
+            </a:prstGeom>
+            <a:solidFill>
+              <a:srgbClr val="D9D9D9">
+                <a:alpha val="20000"/>
+              </a:srgbClr>
+            </a:solidFill>
+            <a:ln>
+              <a:noFill/>
+            </a:ln>
+          </p:spPr>
+          <p:style>
+            <a:lnRef idx="2">
+              <a:schemeClr val="accent3">
+                <a:shade val="50000"/>
+              </a:schemeClr>
+            </a:lnRef>
+            <a:fillRef idx="1">
+              <a:schemeClr val="accent3"/>
+            </a:fillRef>
+            <a:effectRef idx="0">
+              <a:schemeClr val="accent3"/>
+            </a:effectRef>
+            <a:fontRef idx="minor">
+              <a:schemeClr val="lt1"/>
+            </a:fontRef>
+          </p:style>
+          <p:txBody>
+            <a:bodyPr rtlCol="0" anchor="ctr"/>
+            <a:lstStyle/>
+            <a:p>
+              <a:pPr marL="0" marR="0" lvl="0" indent="0" algn="ctr" defTabSz="914400" rtl="0" eaLnBrk="1" fontAlgn="auto" latinLnBrk="0" hangingPunct="1">
+                <a:lnSpc>
+                  <a:spcPct val="100000"/>
+                </a:lnSpc>
+                <a:spcBef>
+                  <a:spcPts val="0"/>
+                </a:spcBef>
+                <a:spcAft>
+                  <a:spcPts val="0"/>
+                </a:spcAft>
+                <a:buClrTx/>
+                <a:buSzTx/>
+                <a:buFontTx/>
+                <a:buNone/>
+                <a:tabLst/>
+                <a:defRPr/>
+              </a:pPr>
+              <a:r>
+                <a:rPr kumimoji="0" lang="de-DE" sz="1400" b="0" i="0" u="none" strike="noStrike" kern="1200" cap="none" spc="0" normalizeH="0" baseline="0" noProof="0" dirty="0">
+                  <a:ln>
+                    <a:noFill/>
+                  </a:ln>
+                  <a:solidFill>
+                    <a:prstClr val="white">
+                      <a:lumMod val="75000"/>
+                    </a:prstClr>
+                  </a:solidFill>
+                  <a:effectLst/>
+                  <a:uLnTx/>
+                  <a:uFillTx/>
+                  <a:latin typeface="Calibri" panose="020F0502020204030204"/>
+                  <a:ea typeface="+mn-ea"/>
+                  <a:cs typeface="+mn-cs"/>
+                </a:rPr>
+                <a:t>Refresh </a:t>
+              </a:r>
+              <a:r>
+                <a:rPr kumimoji="0" lang="de-DE" sz="1400" b="0" i="0" u="none" strike="noStrike" kern="1200" cap="none" spc="0" normalizeH="0" baseline="0" noProof="0" dirty="0" err="1">
+                  <a:ln>
+                    <a:noFill/>
+                  </a:ln>
+                  <a:solidFill>
+                    <a:prstClr val="white">
+                      <a:lumMod val="75000"/>
+                    </a:prstClr>
+                  </a:solidFill>
+                  <a:effectLst/>
+                  <a:uLnTx/>
+                  <a:uFillTx/>
+                  <a:latin typeface="Calibri" panose="020F0502020204030204"/>
+                  <a:ea typeface="+mn-ea"/>
+                  <a:cs typeface="+mn-cs"/>
+                </a:rPr>
+                <a:t>user</a:t>
+              </a:r>
+              <a:r>
+                <a:rPr kumimoji="0" lang="de-DE" sz="1400" b="0" i="0" u="none" strike="noStrike" kern="1200" cap="none" spc="0" normalizeH="0" baseline="0" noProof="0" dirty="0">
+                  <a:ln>
+                    <a:noFill/>
+                  </a:ln>
+                  <a:solidFill>
+                    <a:prstClr val="white">
+                      <a:lumMod val="75000"/>
+                    </a:prstClr>
+                  </a:solidFill>
+                  <a:effectLst/>
+                  <a:uLnTx/>
+                  <a:uFillTx/>
+                  <a:latin typeface="Calibri" panose="020F0502020204030204"/>
+                  <a:ea typeface="+mn-ea"/>
+                  <a:cs typeface="+mn-cs"/>
+                </a:rPr>
+                <a:t> 2</a:t>
+              </a:r>
+              <a:endParaRPr kumimoji="0" lang="en-DE" sz="1400" b="0" i="0" u="none" strike="noStrike" kern="1200" cap="none" spc="0" normalizeH="0" baseline="0" noProof="0" dirty="0">
+                <a:ln>
+                  <a:noFill/>
+                </a:ln>
+                <a:solidFill>
+                  <a:prstClr val="white">
+                    <a:lumMod val="75000"/>
+                  </a:prstClr>
+                </a:solidFill>
+                <a:effectLst/>
+                <a:uLnTx/>
+                <a:uFillTx/>
+                <a:latin typeface="Calibri" panose="020F0502020204030204"/>
+                <a:ea typeface="+mn-ea"/>
+                <a:cs typeface="+mn-cs"/>
+              </a:endParaRPr>
+            </a:p>
+          </p:txBody>
+        </p:sp>
+        <p:sp>
+          <p:nvSpPr>
+            <p:cNvPr id="143" name="Rectangle 142">
+              <a:extLst>
+                <a:ext uri="{FF2B5EF4-FFF2-40B4-BE49-F238E27FC236}">
+                  <a16:creationId xmlns:a16="http://schemas.microsoft.com/office/drawing/2014/main" id="{F95C3DC3-A050-4261-9568-802B5FCB2DC6}"/>
+                </a:ext>
+              </a:extLst>
+            </p:cNvPr>
+            <p:cNvSpPr/>
+            <p:nvPr/>
+          </p:nvSpPr>
+          <p:spPr>
+            <a:xfrm>
+              <a:off x="4658729" y="5483805"/>
+              <a:ext cx="5933631" cy="283014"/>
+            </a:xfrm>
+            <a:prstGeom prst="rect">
+              <a:avLst/>
+            </a:prstGeom>
+            <a:solidFill>
+              <a:srgbClr val="D9D9D9">
+                <a:alpha val="20000"/>
+              </a:srgbClr>
+            </a:solidFill>
+            <a:ln>
+              <a:noFill/>
+            </a:ln>
+          </p:spPr>
+          <p:style>
+            <a:lnRef idx="2">
+              <a:schemeClr val="accent3">
+                <a:shade val="50000"/>
+              </a:schemeClr>
+            </a:lnRef>
+            <a:fillRef idx="1">
+              <a:schemeClr val="accent3"/>
+            </a:fillRef>
+            <a:effectRef idx="0">
+              <a:schemeClr val="accent3"/>
+            </a:effectRef>
+            <a:fontRef idx="minor">
+              <a:schemeClr val="lt1"/>
+            </a:fontRef>
+          </p:style>
+          <p:txBody>
+            <a:bodyPr rtlCol="0" anchor="ctr"/>
+            <a:lstStyle/>
+            <a:p>
+              <a:pPr marL="0" marR="0" lvl="0" indent="0" algn="ctr" defTabSz="914400" rtl="0" eaLnBrk="1" fontAlgn="auto" latinLnBrk="0" hangingPunct="1">
+                <a:lnSpc>
+                  <a:spcPct val="100000"/>
+                </a:lnSpc>
+                <a:spcBef>
+                  <a:spcPts val="0"/>
+                </a:spcBef>
+                <a:spcAft>
+                  <a:spcPts val="0"/>
+                </a:spcAft>
+                <a:buClrTx/>
+                <a:buSzTx/>
+                <a:buFontTx/>
+                <a:buNone/>
+                <a:tabLst/>
+                <a:defRPr/>
+              </a:pPr>
+              <a:r>
+                <a:rPr kumimoji="0" lang="de-DE" sz="1400" b="0" i="0" u="none" strike="noStrike" kern="1200" cap="none" spc="0" normalizeH="0" baseline="0" noProof="0" dirty="0">
+                  <a:ln>
+                    <a:noFill/>
+                  </a:ln>
+                  <a:solidFill>
+                    <a:prstClr val="white">
+                      <a:lumMod val="75000"/>
+                    </a:prstClr>
+                  </a:solidFill>
+                  <a:effectLst/>
+                  <a:uLnTx/>
+                  <a:uFillTx/>
+                  <a:latin typeface="Calibri" panose="020F0502020204030204"/>
+                  <a:ea typeface="+mn-ea"/>
+                  <a:cs typeface="+mn-cs"/>
+                </a:rPr>
+                <a:t>Refresh </a:t>
+              </a:r>
+              <a:r>
+                <a:rPr kumimoji="0" lang="de-DE" sz="1400" b="0" i="0" u="none" strike="noStrike" kern="1200" cap="none" spc="0" normalizeH="0" baseline="0" noProof="0" dirty="0" err="1">
+                  <a:ln>
+                    <a:noFill/>
+                  </a:ln>
+                  <a:solidFill>
+                    <a:prstClr val="white">
+                      <a:lumMod val="75000"/>
+                    </a:prstClr>
+                  </a:solidFill>
+                  <a:effectLst/>
+                  <a:uLnTx/>
+                  <a:uFillTx/>
+                  <a:latin typeface="Calibri" panose="020F0502020204030204"/>
+                  <a:ea typeface="+mn-ea"/>
+                  <a:cs typeface="+mn-cs"/>
+                </a:rPr>
+                <a:t>user</a:t>
+              </a:r>
+              <a:r>
+                <a:rPr kumimoji="0" lang="de-DE" sz="1400" b="0" i="0" u="none" strike="noStrike" kern="1200" cap="none" spc="0" normalizeH="0" baseline="0" noProof="0" dirty="0">
+                  <a:ln>
+                    <a:noFill/>
+                  </a:ln>
+                  <a:solidFill>
+                    <a:prstClr val="white">
+                      <a:lumMod val="75000"/>
+                    </a:prstClr>
+                  </a:solidFill>
+                  <a:effectLst/>
+                  <a:uLnTx/>
+                  <a:uFillTx/>
+                  <a:latin typeface="Calibri" panose="020F0502020204030204"/>
+                  <a:ea typeface="+mn-ea"/>
+                  <a:cs typeface="+mn-cs"/>
+                </a:rPr>
+                <a:t> 3</a:t>
+              </a:r>
+              <a:endParaRPr kumimoji="0" lang="en-DE" sz="1400" b="0" i="0" u="none" strike="noStrike" kern="1200" cap="none" spc="0" normalizeH="0" baseline="0" noProof="0" dirty="0">
+                <a:ln>
+                  <a:noFill/>
+                </a:ln>
+                <a:solidFill>
+                  <a:prstClr val="white">
+                    <a:lumMod val="75000"/>
+                  </a:prstClr>
+                </a:solidFill>
+                <a:effectLst/>
+                <a:uLnTx/>
+                <a:uFillTx/>
+                <a:latin typeface="Calibri" panose="020F0502020204030204"/>
+                <a:ea typeface="+mn-ea"/>
+                <a:cs typeface="+mn-cs"/>
+              </a:endParaRPr>
+            </a:p>
+          </p:txBody>
+        </p:sp>
+        <p:sp>
+          <p:nvSpPr>
+            <p:cNvPr id="144" name="TextBox 143">
+              <a:extLst>
+                <a:ext uri="{FF2B5EF4-FFF2-40B4-BE49-F238E27FC236}">
+                  <a16:creationId xmlns:a16="http://schemas.microsoft.com/office/drawing/2014/main" id="{AE2069C0-E813-492E-A911-71DCCE6CD2D0}"/>
+                </a:ext>
+              </a:extLst>
+            </p:cNvPr>
+            <p:cNvSpPr txBox="1"/>
+            <p:nvPr/>
+          </p:nvSpPr>
+          <p:spPr>
+            <a:xfrm>
+              <a:off x="7291481" y="5718130"/>
+              <a:ext cx="685316" cy="369332"/>
+            </a:xfrm>
+            <a:prstGeom prst="rect">
+              <a:avLst/>
+            </a:prstGeom>
+            <a:noFill/>
+          </p:spPr>
+          <p:txBody>
+            <a:bodyPr wrap="square" rtlCol="0">
+              <a:spAutoFit/>
+            </a:bodyPr>
+            <a:lstStyle/>
+            <a:p>
+              <a:pPr marL="0" marR="0" lvl="0" indent="0" algn="l" defTabSz="914400" rtl="0" eaLnBrk="1" fontAlgn="auto" latinLnBrk="0" hangingPunct="1">
+                <a:lnSpc>
+                  <a:spcPct val="100000"/>
+                </a:lnSpc>
+                <a:spcBef>
+                  <a:spcPts val="0"/>
+                </a:spcBef>
+                <a:spcAft>
+                  <a:spcPts val="0"/>
+                </a:spcAft>
+                <a:buClrTx/>
+                <a:buSzTx/>
+                <a:buFontTx/>
+                <a:buNone/>
+                <a:tabLst/>
+                <a:defRPr/>
+              </a:pPr>
+              <a:r>
+                <a:rPr kumimoji="0" lang="de-DE" sz="1800" b="0" i="0" u="none" strike="noStrike" kern="1200" cap="none" spc="0" normalizeH="0" baseline="0" noProof="0" dirty="0">
+                  <a:ln>
+                    <a:noFill/>
+                  </a:ln>
+                  <a:solidFill>
+                    <a:prstClr val="white">
+                      <a:lumMod val="50000"/>
+                    </a:prstClr>
+                  </a:solidFill>
+                  <a:effectLst/>
+                  <a:uLnTx/>
+                  <a:uFillTx/>
+                  <a:latin typeface="Calibri" panose="020F0502020204030204"/>
+                  <a:ea typeface="+mn-ea"/>
+                  <a:cs typeface="+mn-cs"/>
+                </a:rPr>
+                <a:t>…</a:t>
+              </a:r>
+              <a:endParaRPr kumimoji="0" lang="en-DE" sz="1800" b="0" i="0" u="none" strike="noStrike" kern="1200" cap="none" spc="0" normalizeH="0" baseline="0" noProof="0" dirty="0">
+                <a:ln>
+                  <a:noFill/>
+                </a:ln>
+                <a:solidFill>
+                  <a:prstClr val="white">
+                    <a:lumMod val="50000"/>
+                  </a:prstClr>
+                </a:solidFill>
+                <a:effectLst/>
+                <a:uLnTx/>
+                <a:uFillTx/>
+                <a:latin typeface="Calibri" panose="020F0502020204030204"/>
+                <a:ea typeface="+mn-ea"/>
+                <a:cs typeface="+mn-cs"/>
+              </a:endParaRPr>
+            </a:p>
+          </p:txBody>
+        </p:sp>
+      </p:grpSp>
+    </p:spTree>
+    <p:extLst>
+      <p:ext uri="{BB962C8B-B14F-4D97-AF65-F5344CB8AC3E}">
+        <p14:creationId xmlns:p14="http://schemas.microsoft.com/office/powerpoint/2010/main" val="1247287558"/>
       </p:ext>
     </p:extLst>
   </p:cSld>
@@ -6218,6 +13551,301 @@
 </a:theme>
 </file>
 
+<file path=ppt/theme/theme2.xml><?xml version="1.0" encoding="utf-8"?>
+<a:theme xmlns:a="http://schemas.openxmlformats.org/drawingml/2006/main" name="1_Office Theme">
+  <a:themeElements>
+    <a:clrScheme name="Office">
+      <a:dk1>
+        <a:sysClr val="windowText" lastClr="000000"/>
+      </a:dk1>
+      <a:lt1>
+        <a:sysClr val="window" lastClr="FFFFFF"/>
+      </a:lt1>
+      <a:dk2>
+        <a:srgbClr val="44546A"/>
+      </a:dk2>
+      <a:lt2>
+        <a:srgbClr val="E7E6E6"/>
+      </a:lt2>
+      <a:accent1>
+        <a:srgbClr val="4472C4"/>
+      </a:accent1>
+      <a:accent2>
+        <a:srgbClr val="ED7D31"/>
+      </a:accent2>
+      <a:accent3>
+        <a:srgbClr val="A5A5A5"/>
+      </a:accent3>
+      <a:accent4>
+        <a:srgbClr val="FFC000"/>
+      </a:accent4>
+      <a:accent5>
+        <a:srgbClr val="5B9BD5"/>
+      </a:accent5>
+      <a:accent6>
+        <a:srgbClr val="70AD47"/>
+      </a:accent6>
+      <a:hlink>
+        <a:srgbClr val="0563C1"/>
+      </a:hlink>
+      <a:folHlink>
+        <a:srgbClr val="954F72"/>
+      </a:folHlink>
+    </a:clrScheme>
+    <a:fontScheme name="Office">
+      <a:majorFont>
+        <a:latin typeface="Calibri Light" panose="020F0302020204030204"/>
+        <a:ea typeface=""/>
+        <a:cs typeface=""/>
+        <a:font script="Jpan" typeface="游ゴシック Light"/>
+        <a:font script="Hang" typeface="맑은 고딕"/>
+        <a:font script="Hans" typeface="等线 Light"/>
+        <a:font script="Hant" typeface="新細明體"/>
+        <a:font script="Arab" typeface="Times New Roman"/>
+        <a:font script="Hebr" typeface="Times New Roman"/>
+        <a:font script="Thai" typeface="Angsana New"/>
+        <a:font script="Ethi" typeface="Nyala"/>
+        <a:font script="Beng" typeface="Vrinda"/>
+        <a:font script="Gujr" typeface="Shruti"/>
+        <a:font script="Khmr" typeface="MoolBoran"/>
+        <a:font script="Knda" typeface="Tunga"/>
+        <a:font script="Guru" typeface="Raavi"/>
+        <a:font script="Cans" typeface="Euphemia"/>
+        <a:font script="Cher" typeface="Plantagenet Cherokee"/>
+        <a:font script="Yiii" typeface="Microsoft Yi Baiti"/>
+        <a:font script="Tibt" typeface="Microsoft Himalaya"/>
+        <a:font script="Thaa" typeface="MV Boli"/>
+        <a:font script="Deva" typeface="Mangal"/>
+        <a:font script="Telu" typeface="Gautami"/>
+        <a:font script="Taml" typeface="Latha"/>
+        <a:font script="Syrc" typeface="Estrangelo Edessa"/>
+        <a:font script="Orya" typeface="Kalinga"/>
+        <a:font script="Mlym" typeface="Kartika"/>
+        <a:font script="Laoo" typeface="DokChampa"/>
+        <a:font script="Sinh" typeface="Iskoola Pota"/>
+        <a:font script="Mong" typeface="Mongolian Baiti"/>
+        <a:font script="Viet" typeface="Times New Roman"/>
+        <a:font script="Uigh" typeface="Microsoft Uighur"/>
+        <a:font script="Geor" typeface="Sylfaen"/>
+        <a:font script="Armn" typeface="Arial"/>
+        <a:font script="Bugi" typeface="Leelawadee UI"/>
+        <a:font script="Bopo" typeface="Microsoft JhengHei"/>
+        <a:font script="Java" typeface="Javanese Text"/>
+        <a:font script="Lisu" typeface="Segoe UI"/>
+        <a:font script="Mymr" typeface="Myanmar Text"/>
+        <a:font script="Nkoo" typeface="Ebrima"/>
+        <a:font script="Olck" typeface="Nirmala UI"/>
+        <a:font script="Osma" typeface="Ebrima"/>
+        <a:font script="Phag" typeface="Phagspa"/>
+        <a:font script="Syrn" typeface="Estrangelo Edessa"/>
+        <a:font script="Syrj" typeface="Estrangelo Edessa"/>
+        <a:font script="Syre" typeface="Estrangelo Edessa"/>
+        <a:font script="Sora" typeface="Nirmala UI"/>
+        <a:font script="Tale" typeface="Microsoft Tai Le"/>
+        <a:font script="Talu" typeface="Microsoft New Tai Lue"/>
+        <a:font script="Tfng" typeface="Ebrima"/>
+      </a:majorFont>
+      <a:minorFont>
+        <a:latin typeface="Calibri" panose="020F0502020204030204"/>
+        <a:ea typeface=""/>
+        <a:cs typeface=""/>
+        <a:font script="Jpan" typeface="游ゴシック"/>
+        <a:font script="Hang" typeface="맑은 고딕"/>
+        <a:font script="Hans" typeface="等线"/>
+        <a:font script="Hant" typeface="新細明體"/>
+        <a:font script="Arab" typeface="Arial"/>
+        <a:font script="Hebr" typeface="Arial"/>
+        <a:font script="Thai" typeface="Cordia New"/>
+        <a:font script="Ethi" typeface="Nyala"/>
+        <a:font script="Beng" typeface="Vrinda"/>
+        <a:font script="Gujr" typeface="Shruti"/>
+        <a:font script="Khmr" typeface="DaunPenh"/>
+        <a:font script="Knda" typeface="Tunga"/>
+        <a:font script="Guru" typeface="Raavi"/>
+        <a:font script="Cans" typeface="Euphemia"/>
+        <a:font script="Cher" typeface="Plantagenet Cherokee"/>
+        <a:font script="Yiii" typeface="Microsoft Yi Baiti"/>
+        <a:font script="Tibt" typeface="Microsoft Himalaya"/>
+        <a:font script="Thaa" typeface="MV Boli"/>
+        <a:font script="Deva" typeface="Mangal"/>
+        <a:font script="Telu" typeface="Gautami"/>
+        <a:font script="Taml" typeface="Latha"/>
+        <a:font script="Syrc" typeface="Estrangelo Edessa"/>
+        <a:font script="Orya" typeface="Kalinga"/>
+        <a:font script="Mlym" typeface="Kartika"/>
+        <a:font script="Laoo" typeface="DokChampa"/>
+        <a:font script="Sinh" typeface="Iskoola Pota"/>
+        <a:font script="Mong" typeface="Mongolian Baiti"/>
+        <a:font script="Viet" typeface="Arial"/>
+        <a:font script="Uigh" typeface="Microsoft Uighur"/>
+        <a:font script="Geor" typeface="Sylfaen"/>
+        <a:font script="Armn" typeface="Arial"/>
+        <a:font script="Bugi" typeface="Leelawadee UI"/>
+        <a:font script="Bopo" typeface="Microsoft JhengHei"/>
+        <a:font script="Java" typeface="Javanese Text"/>
+        <a:font script="Lisu" typeface="Segoe UI"/>
+        <a:font script="Mymr" typeface="Myanmar Text"/>
+        <a:font script="Nkoo" typeface="Ebrima"/>
+        <a:font script="Olck" typeface="Nirmala UI"/>
+        <a:font script="Osma" typeface="Ebrima"/>
+        <a:font script="Phag" typeface="Phagspa"/>
+        <a:font script="Syrn" typeface="Estrangelo Edessa"/>
+        <a:font script="Syrj" typeface="Estrangelo Edessa"/>
+        <a:font script="Syre" typeface="Estrangelo Edessa"/>
+        <a:font script="Sora" typeface="Nirmala UI"/>
+        <a:font script="Tale" typeface="Microsoft Tai Le"/>
+        <a:font script="Talu" typeface="Microsoft New Tai Lue"/>
+        <a:font script="Tfng" typeface="Ebrima"/>
+      </a:minorFont>
+    </a:fontScheme>
+    <a:fmtScheme name="Office">
+      <a:fillStyleLst>
+        <a:solidFill>
+          <a:schemeClr val="phClr"/>
+        </a:solidFill>
+        <a:gradFill rotWithShape="1">
+          <a:gsLst>
+            <a:gs pos="0">
+              <a:schemeClr val="phClr">
+                <a:lumMod val="110000"/>
+                <a:satMod val="105000"/>
+                <a:tint val="67000"/>
+              </a:schemeClr>
+            </a:gs>
+            <a:gs pos="50000">
+              <a:schemeClr val="phClr">
+                <a:lumMod val="105000"/>
+                <a:satMod val="103000"/>
+                <a:tint val="73000"/>
+              </a:schemeClr>
+            </a:gs>
+            <a:gs pos="100000">
+              <a:schemeClr val="phClr">
+                <a:lumMod val="105000"/>
+                <a:satMod val="109000"/>
+                <a:tint val="81000"/>
+              </a:schemeClr>
+            </a:gs>
+          </a:gsLst>
+          <a:lin ang="5400000" scaled="0"/>
+        </a:gradFill>
+        <a:gradFill rotWithShape="1">
+          <a:gsLst>
+            <a:gs pos="0">
+              <a:schemeClr val="phClr">
+                <a:satMod val="103000"/>
+                <a:lumMod val="102000"/>
+                <a:tint val="94000"/>
+              </a:schemeClr>
+            </a:gs>
+            <a:gs pos="50000">
+              <a:schemeClr val="phClr">
+                <a:satMod val="110000"/>
+                <a:lumMod val="100000"/>
+                <a:shade val="100000"/>
+              </a:schemeClr>
+            </a:gs>
+            <a:gs pos="100000">
+              <a:schemeClr val="phClr">
+                <a:lumMod val="99000"/>
+                <a:satMod val="120000"/>
+                <a:shade val="78000"/>
+              </a:schemeClr>
+            </a:gs>
+          </a:gsLst>
+          <a:lin ang="5400000" scaled="0"/>
+        </a:gradFill>
+      </a:fillStyleLst>
+      <a:lnStyleLst>
+        <a:ln w="6350" cap="flat" cmpd="sng" algn="ctr">
+          <a:solidFill>
+            <a:schemeClr val="phClr"/>
+          </a:solidFill>
+          <a:prstDash val="solid"/>
+          <a:miter lim="800000"/>
+        </a:ln>
+        <a:ln w="12700" cap="flat" cmpd="sng" algn="ctr">
+          <a:solidFill>
+            <a:schemeClr val="phClr"/>
+          </a:solidFill>
+          <a:prstDash val="solid"/>
+          <a:miter lim="800000"/>
+        </a:ln>
+        <a:ln w="19050" cap="flat" cmpd="sng" algn="ctr">
+          <a:solidFill>
+            <a:schemeClr val="phClr"/>
+          </a:solidFill>
+          <a:prstDash val="solid"/>
+          <a:miter lim="800000"/>
+        </a:ln>
+      </a:lnStyleLst>
+      <a:effectStyleLst>
+        <a:effectStyle>
+          <a:effectLst/>
+        </a:effectStyle>
+        <a:effectStyle>
+          <a:effectLst/>
+        </a:effectStyle>
+        <a:effectStyle>
+          <a:effectLst>
+            <a:outerShdw blurRad="57150" dist="19050" dir="5400000" algn="ctr" rotWithShape="0">
+              <a:srgbClr val="000000">
+                <a:alpha val="63000"/>
+              </a:srgbClr>
+            </a:outerShdw>
+          </a:effectLst>
+        </a:effectStyle>
+      </a:effectStyleLst>
+      <a:bgFillStyleLst>
+        <a:solidFill>
+          <a:schemeClr val="phClr"/>
+        </a:solidFill>
+        <a:solidFill>
+          <a:schemeClr val="phClr">
+            <a:tint val="95000"/>
+            <a:satMod val="170000"/>
+          </a:schemeClr>
+        </a:solidFill>
+        <a:gradFill rotWithShape="1">
+          <a:gsLst>
+            <a:gs pos="0">
+              <a:schemeClr val="phClr">
+                <a:tint val="93000"/>
+                <a:satMod val="150000"/>
+                <a:shade val="98000"/>
+                <a:lumMod val="102000"/>
+              </a:schemeClr>
+            </a:gs>
+            <a:gs pos="50000">
+              <a:schemeClr val="phClr">
+                <a:tint val="98000"/>
+                <a:satMod val="130000"/>
+                <a:shade val="90000"/>
+                <a:lumMod val="103000"/>
+              </a:schemeClr>
+            </a:gs>
+            <a:gs pos="100000">
+              <a:schemeClr val="phClr">
+                <a:shade val="63000"/>
+                <a:satMod val="120000"/>
+              </a:schemeClr>
+            </a:gs>
+          </a:gsLst>
+          <a:lin ang="5400000" scaled="0"/>
+        </a:gradFill>
+      </a:bgFillStyleLst>
+    </a:fmtScheme>
+  </a:themeElements>
+  <a:objectDefaults/>
+  <a:extraClrSchemeLst/>
+  <a:extLst>
+    <a:ext uri="{05A4C25C-085E-4340-85A3-A5531E510DB2}">
+      <thm15:themeFamily xmlns:thm15="http://schemas.microsoft.com/office/thememl/2012/main" name="Office Theme" id="{62F939B6-93AF-4DB8-9C6B-D6C7DFDC589F}" vid="{4A3C46E8-61CC-4603-A589-7422A47A8E4A}"/>
+    </a:ext>
+  </a:extLst>
+</a:theme>
+</file>
+
 <file path=docMetadata/LabelInfo.xml><?xml version="1.0" encoding="utf-8"?>
 <clbl:labelList xmlns:clbl="http://schemas.microsoft.com/office/2020/mipLabelMetadata">
   <clbl:label id="{f42aa342-8706-4288-bd11-ebb85995028c}" enabled="1" method="Standard" siteId="{72f988bf-86f1-41af-91ab-2d7cd011db47}" contentBits="0" removed="0"/>
